--- a/Kubernetes.pptx
+++ b/Kubernetes.pptx
@@ -1,30 +1,134 @@
 
 <file path=ppt/presentation.xml><?xml version="1.0" encoding="utf-8"?>
-<p:presentation xmlns:a="http://schemas.openxmlformats.org/drawingml/2006/main" xmlns:p="http://schemas.openxmlformats.org/presentationml/2006/main" xmlns:r="http://schemas.openxmlformats.org/officeDocument/2006/relationships" xmlns:p14="http://schemas.microsoft.com/office/powerpoint/2010/main" xmlns:p15="http://schemas.microsoft.com/office/powerpoint/2012/main" xmlns:mc="http://schemas.openxmlformats.org/markup-compatibility/2006">
+<p:presentation xmlns:a="http://schemas.openxmlformats.org/drawingml/2006/main" xmlns:r="http://schemas.openxmlformats.org/officeDocument/2006/relationships" xmlns:p="http://schemas.openxmlformats.org/presentationml/2006/main">
   <p:sldMasterIdLst>
-    <p:sldMasterId id="2147483648" r:id="rId2"/>
-    <p:sldMasterId id="2147483661" r:id="rId3"/>
+    <p:sldMasterId id="2147483648" r:id="rId1"/>
+    <p:sldMasterId id="2147483661" r:id="rId2"/>
   </p:sldMasterIdLst>
   <p:sldIdLst>
-    <p:sldId id="256" r:id="rId4"/>
-    <p:sldId id="257" r:id="rId5"/>
-    <p:sldId id="258" r:id="rId6"/>
-    <p:sldId id="259" r:id="rId7"/>
-    <p:sldId id="260" r:id="rId8"/>
-    <p:sldId id="261" r:id="rId9"/>
-    <p:sldId id="262" r:id="rId10"/>
-    <p:sldId id="263" r:id="rId11"/>
-    <p:sldId id="264" r:id="rId12"/>
-    <p:sldId id="265" r:id="rId13"/>
-    <p:sldId id="266" r:id="rId14"/>
+    <p:sldId id="256" r:id="rId3"/>
+    <p:sldId id="268" r:id="rId4"/>
+    <p:sldId id="269" r:id="rId5"/>
+    <p:sldId id="270" r:id="rId6"/>
+    <p:sldId id="267" r:id="rId7"/>
+    <p:sldId id="257" r:id="rId8"/>
+    <p:sldId id="258" r:id="rId9"/>
+    <p:sldId id="259" r:id="rId10"/>
+    <p:sldId id="260" r:id="rId11"/>
+    <p:sldId id="261" r:id="rId12"/>
+    <p:sldId id="262" r:id="rId13"/>
+    <p:sldId id="263" r:id="rId14"/>
+    <p:sldId id="264" r:id="rId15"/>
+    <p:sldId id="265" r:id="rId16"/>
+    <p:sldId id="266" r:id="rId17"/>
   </p:sldIdLst>
   <p:sldSz cx="12192000" cy="6858000"/>
-  <p:notesSz cx="7559675" cy="10691812"/>
+  <p:notesSz cx="7559675" cy="10691813"/>
+  <p:defaultTextStyle>
+    <a:defPPr>
+      <a:defRPr lang="en-US"/>
+    </a:defPPr>
+    <a:lvl1pPr marL="0" algn="l" defTabSz="914400" rtl="0" eaLnBrk="1" latinLnBrk="0" hangingPunct="1">
+      <a:defRPr sz="1800" kern="1200">
+        <a:solidFill>
+          <a:schemeClr val="tx1"/>
+        </a:solidFill>
+        <a:latin typeface="+mn-lt"/>
+        <a:ea typeface="+mn-ea"/>
+        <a:cs typeface="+mn-cs"/>
+      </a:defRPr>
+    </a:lvl1pPr>
+    <a:lvl2pPr marL="457200" algn="l" defTabSz="914400" rtl="0" eaLnBrk="1" latinLnBrk="0" hangingPunct="1">
+      <a:defRPr sz="1800" kern="1200">
+        <a:solidFill>
+          <a:schemeClr val="tx1"/>
+        </a:solidFill>
+        <a:latin typeface="+mn-lt"/>
+        <a:ea typeface="+mn-ea"/>
+        <a:cs typeface="+mn-cs"/>
+      </a:defRPr>
+    </a:lvl2pPr>
+    <a:lvl3pPr marL="914400" algn="l" defTabSz="914400" rtl="0" eaLnBrk="1" latinLnBrk="0" hangingPunct="1">
+      <a:defRPr sz="1800" kern="1200">
+        <a:solidFill>
+          <a:schemeClr val="tx1"/>
+        </a:solidFill>
+        <a:latin typeface="+mn-lt"/>
+        <a:ea typeface="+mn-ea"/>
+        <a:cs typeface="+mn-cs"/>
+      </a:defRPr>
+    </a:lvl3pPr>
+    <a:lvl4pPr marL="1371600" algn="l" defTabSz="914400" rtl="0" eaLnBrk="1" latinLnBrk="0" hangingPunct="1">
+      <a:defRPr sz="1800" kern="1200">
+        <a:solidFill>
+          <a:schemeClr val="tx1"/>
+        </a:solidFill>
+        <a:latin typeface="+mn-lt"/>
+        <a:ea typeface="+mn-ea"/>
+        <a:cs typeface="+mn-cs"/>
+      </a:defRPr>
+    </a:lvl4pPr>
+    <a:lvl5pPr marL="1828800" algn="l" defTabSz="914400" rtl="0" eaLnBrk="1" latinLnBrk="0" hangingPunct="1">
+      <a:defRPr sz="1800" kern="1200">
+        <a:solidFill>
+          <a:schemeClr val="tx1"/>
+        </a:solidFill>
+        <a:latin typeface="+mn-lt"/>
+        <a:ea typeface="+mn-ea"/>
+        <a:cs typeface="+mn-cs"/>
+      </a:defRPr>
+    </a:lvl5pPr>
+    <a:lvl6pPr marL="2286000" algn="l" defTabSz="914400" rtl="0" eaLnBrk="1" latinLnBrk="0" hangingPunct="1">
+      <a:defRPr sz="1800" kern="1200">
+        <a:solidFill>
+          <a:schemeClr val="tx1"/>
+        </a:solidFill>
+        <a:latin typeface="+mn-lt"/>
+        <a:ea typeface="+mn-ea"/>
+        <a:cs typeface="+mn-cs"/>
+      </a:defRPr>
+    </a:lvl6pPr>
+    <a:lvl7pPr marL="2743200" algn="l" defTabSz="914400" rtl="0" eaLnBrk="1" latinLnBrk="0" hangingPunct="1">
+      <a:defRPr sz="1800" kern="1200">
+        <a:solidFill>
+          <a:schemeClr val="tx1"/>
+        </a:solidFill>
+        <a:latin typeface="+mn-lt"/>
+        <a:ea typeface="+mn-ea"/>
+        <a:cs typeface="+mn-cs"/>
+      </a:defRPr>
+    </a:lvl7pPr>
+    <a:lvl8pPr marL="3200400" algn="l" defTabSz="914400" rtl="0" eaLnBrk="1" latinLnBrk="0" hangingPunct="1">
+      <a:defRPr sz="1800" kern="1200">
+        <a:solidFill>
+          <a:schemeClr val="tx1"/>
+        </a:solidFill>
+        <a:latin typeface="+mn-lt"/>
+        <a:ea typeface="+mn-ea"/>
+        <a:cs typeface="+mn-cs"/>
+      </a:defRPr>
+    </a:lvl8pPr>
+    <a:lvl9pPr marL="3657600" algn="l" defTabSz="914400" rtl="0" eaLnBrk="1" latinLnBrk="0" hangingPunct="1">
+      <a:defRPr sz="1800" kern="1200">
+        <a:solidFill>
+          <a:schemeClr val="tx1"/>
+        </a:solidFill>
+        <a:latin typeface="+mn-lt"/>
+        <a:ea typeface="+mn-ea"/>
+        <a:cs typeface="+mn-cs"/>
+      </a:defRPr>
+    </a:lvl9pPr>
+  </p:defaultTextStyle>
+  <p:extLst>
+    <p:ext uri="{EFAFB233-063F-42B5-8137-9DF3F51BA10A}">
+      <p15:sldGuideLst xmlns:p15="http://schemas.microsoft.com/office/powerpoint/2012/main"/>
+    </p:ext>
+  </p:extLst>
 </p:presentation>
 </file>
 
 <file path=ppt/slideLayouts/slideLayout1.xml><?xml version="1.0" encoding="utf-8"?>
-<p:sldLayout xmlns:a="http://schemas.openxmlformats.org/drawingml/2006/main" xmlns:p="http://schemas.openxmlformats.org/presentationml/2006/main" xmlns:r="http://schemas.openxmlformats.org/officeDocument/2006/relationships" xmlns:p14="http://schemas.microsoft.com/office/powerpoint/2010/main" xmlns:p15="http://schemas.microsoft.com/office/powerpoint/2012/main" xmlns:mc="http://schemas.openxmlformats.org/markup-compatibility/2006" type="blank" preserve="1">
+<p:sldLayout xmlns:a="http://schemas.openxmlformats.org/drawingml/2006/main" xmlns:r="http://schemas.openxmlformats.org/officeDocument/2006/relationships" xmlns:p="http://schemas.openxmlformats.org/presentationml/2006/main" type="blank" preserve="1">
   <p:cSld name="Blank Slide">
     <p:spTree>
       <p:nvGrpSpPr>
@@ -42,11 +146,14 @@
       </p:grpSpPr>
     </p:spTree>
   </p:cSld>
+  <p:clrMapOvr>
+    <a:masterClrMapping/>
+  </p:clrMapOvr>
 </p:sldLayout>
 </file>
 
 <file path=ppt/slideLayouts/slideLayout10.xml><?xml version="1.0" encoding="utf-8"?>
-<p:sldLayout xmlns:a="http://schemas.openxmlformats.org/drawingml/2006/main" xmlns:p="http://schemas.openxmlformats.org/presentationml/2006/main" xmlns:r="http://schemas.openxmlformats.org/officeDocument/2006/relationships" xmlns:p14="http://schemas.microsoft.com/office/powerpoint/2010/main" xmlns:p15="http://schemas.microsoft.com/office/powerpoint/2012/main" xmlns:mc="http://schemas.openxmlformats.org/markup-compatibility/2006" type="objOverTx" preserve="1">
+<p:sldLayout xmlns:a="http://schemas.openxmlformats.org/drawingml/2006/main" xmlns:r="http://schemas.openxmlformats.org/officeDocument/2006/relationships" xmlns:p="http://schemas.openxmlformats.org/presentationml/2006/main" type="objOverTx" preserve="1">
   <p:cSld name="Title, Content over Content">
     <p:spTree>
       <p:nvGrpSpPr>
@@ -82,9 +189,10 @@
           </a:prstGeom>
         </p:spPr>
         <p:txBody>
-          <a:bodyPr lIns="0" rIns="0" tIns="0" bIns="0" anchor="ctr"/>
-          <a:p>
-            <a:endParaRPr b="0" lang="en-US" sz="1800" spc="-1" strike="noStrike">
+          <a:bodyPr lIns="0" tIns="0" rIns="0" bIns="0" anchor="ctr"/>
+          <a:lstStyle/>
+          <a:p>
+            <a:endParaRPr lang="en-US" sz="1800" b="0" strike="noStrike" spc="-1">
               <a:solidFill>
                 <a:srgbClr val="000000"/>
               </a:solidFill>
@@ -113,11 +221,12 @@
           </a:prstGeom>
         </p:spPr>
         <p:txBody>
-          <a:bodyPr lIns="0" rIns="0" tIns="0" bIns="0">
+          <a:bodyPr lIns="0" tIns="0" rIns="0" bIns="0">
             <a:normAutofit/>
           </a:bodyPr>
-          <a:p>
-            <a:endParaRPr b="0" lang="en-US" sz="2800" spc="-1" strike="noStrike">
+          <a:lstStyle/>
+          <a:p>
+            <a:endParaRPr lang="en-US" sz="2800" b="0" strike="noStrike" spc="-1">
               <a:solidFill>
                 <a:srgbClr val="000000"/>
               </a:solidFill>
@@ -146,11 +255,12 @@
           </a:prstGeom>
         </p:spPr>
         <p:txBody>
-          <a:bodyPr lIns="0" rIns="0" tIns="0" bIns="0">
+          <a:bodyPr lIns="0" tIns="0" rIns="0" bIns="0">
             <a:normAutofit/>
           </a:bodyPr>
-          <a:p>
-            <a:endParaRPr b="0" lang="en-US" sz="2800" spc="-1" strike="noStrike">
+          <a:lstStyle/>
+          <a:p>
+            <a:endParaRPr lang="en-US" sz="2800" b="0" strike="noStrike" spc="-1">
               <a:solidFill>
                 <a:srgbClr val="000000"/>
               </a:solidFill>
@@ -161,11 +271,14 @@
       </p:sp>
     </p:spTree>
   </p:cSld>
+  <p:clrMapOvr>
+    <a:masterClrMapping/>
+  </p:clrMapOvr>
 </p:sldLayout>
 </file>
 
 <file path=ppt/slideLayouts/slideLayout11.xml><?xml version="1.0" encoding="utf-8"?>
-<p:sldLayout xmlns:a="http://schemas.openxmlformats.org/drawingml/2006/main" xmlns:p="http://schemas.openxmlformats.org/presentationml/2006/main" xmlns:r="http://schemas.openxmlformats.org/officeDocument/2006/relationships" xmlns:p14="http://schemas.microsoft.com/office/powerpoint/2010/main" xmlns:p15="http://schemas.microsoft.com/office/powerpoint/2012/main" xmlns:mc="http://schemas.openxmlformats.org/markup-compatibility/2006" type="fourObj" preserve="1">
+<p:sldLayout xmlns:a="http://schemas.openxmlformats.org/drawingml/2006/main" xmlns:r="http://schemas.openxmlformats.org/officeDocument/2006/relationships" xmlns:p="http://schemas.openxmlformats.org/presentationml/2006/main" type="fourObj" preserve="1">
   <p:cSld name="Title, 4 Content">
     <p:spTree>
       <p:nvGrpSpPr>
@@ -201,9 +314,10 @@
           </a:prstGeom>
         </p:spPr>
         <p:txBody>
-          <a:bodyPr lIns="0" rIns="0" tIns="0" bIns="0" anchor="ctr"/>
-          <a:p>
-            <a:endParaRPr b="0" lang="en-US" sz="1800" spc="-1" strike="noStrike">
+          <a:bodyPr lIns="0" tIns="0" rIns="0" bIns="0" anchor="ctr"/>
+          <a:lstStyle/>
+          <a:p>
+            <a:endParaRPr lang="en-US" sz="1800" b="0" strike="noStrike" spc="-1">
               <a:solidFill>
                 <a:srgbClr val="000000"/>
               </a:solidFill>
@@ -232,11 +346,12 @@
           </a:prstGeom>
         </p:spPr>
         <p:txBody>
-          <a:bodyPr lIns="0" rIns="0" tIns="0" bIns="0">
+          <a:bodyPr lIns="0" tIns="0" rIns="0" bIns="0">
             <a:normAutofit/>
           </a:bodyPr>
-          <a:p>
-            <a:endParaRPr b="0" lang="en-US" sz="2800" spc="-1" strike="noStrike">
+          <a:lstStyle/>
+          <a:p>
+            <a:endParaRPr lang="en-US" sz="2800" b="0" strike="noStrike" spc="-1">
               <a:solidFill>
                 <a:srgbClr val="000000"/>
               </a:solidFill>
@@ -265,11 +380,12 @@
           </a:prstGeom>
         </p:spPr>
         <p:txBody>
-          <a:bodyPr lIns="0" rIns="0" tIns="0" bIns="0">
+          <a:bodyPr lIns="0" tIns="0" rIns="0" bIns="0">
             <a:normAutofit/>
           </a:bodyPr>
-          <a:p>
-            <a:endParaRPr b="0" lang="en-US" sz="2800" spc="-1" strike="noStrike">
+          <a:lstStyle/>
+          <a:p>
+            <a:endParaRPr lang="en-US" sz="2800" b="0" strike="noStrike" spc="-1">
               <a:solidFill>
                 <a:srgbClr val="000000"/>
               </a:solidFill>
@@ -298,11 +414,12 @@
           </a:prstGeom>
         </p:spPr>
         <p:txBody>
-          <a:bodyPr lIns="0" rIns="0" tIns="0" bIns="0">
+          <a:bodyPr lIns="0" tIns="0" rIns="0" bIns="0">
             <a:normAutofit/>
           </a:bodyPr>
-          <a:p>
-            <a:endParaRPr b="0" lang="en-US" sz="2800" spc="-1" strike="noStrike">
+          <a:lstStyle/>
+          <a:p>
+            <a:endParaRPr lang="en-US" sz="2800" b="0" strike="noStrike" spc="-1">
               <a:solidFill>
                 <a:srgbClr val="000000"/>
               </a:solidFill>
@@ -331,11 +448,12 @@
           </a:prstGeom>
         </p:spPr>
         <p:txBody>
-          <a:bodyPr lIns="0" rIns="0" tIns="0" bIns="0">
+          <a:bodyPr lIns="0" tIns="0" rIns="0" bIns="0">
             <a:normAutofit/>
           </a:bodyPr>
-          <a:p>
-            <a:endParaRPr b="0" lang="en-US" sz="2800" spc="-1" strike="noStrike">
+          <a:lstStyle/>
+          <a:p>
+            <a:endParaRPr lang="en-US" sz="2800" b="0" strike="noStrike" spc="-1">
               <a:solidFill>
                 <a:srgbClr val="000000"/>
               </a:solidFill>
@@ -346,11 +464,14 @@
       </p:sp>
     </p:spTree>
   </p:cSld>
+  <p:clrMapOvr>
+    <a:masterClrMapping/>
+  </p:clrMapOvr>
 </p:sldLayout>
 </file>
 
 <file path=ppt/slideLayouts/slideLayout12.xml><?xml version="1.0" encoding="utf-8"?>
-<p:sldLayout xmlns:a="http://schemas.openxmlformats.org/drawingml/2006/main" xmlns:p="http://schemas.openxmlformats.org/presentationml/2006/main" xmlns:r="http://schemas.openxmlformats.org/officeDocument/2006/relationships" xmlns:p14="http://schemas.microsoft.com/office/powerpoint/2010/main" xmlns:p15="http://schemas.microsoft.com/office/powerpoint/2012/main" xmlns:mc="http://schemas.openxmlformats.org/markup-compatibility/2006" type="blank" preserve="1">
+<p:sldLayout xmlns:a="http://schemas.openxmlformats.org/drawingml/2006/main" xmlns:r="http://schemas.openxmlformats.org/officeDocument/2006/relationships" xmlns:p="http://schemas.openxmlformats.org/presentationml/2006/main" type="blank" preserve="1">
   <p:cSld name="Title, 6 Content">
     <p:spTree>
       <p:nvGrpSpPr>
@@ -386,9 +507,10 @@
           </a:prstGeom>
         </p:spPr>
         <p:txBody>
-          <a:bodyPr lIns="0" rIns="0" tIns="0" bIns="0" anchor="ctr"/>
-          <a:p>
-            <a:endParaRPr b="0" lang="en-US" sz="1800" spc="-1" strike="noStrike">
+          <a:bodyPr lIns="0" tIns="0" rIns="0" bIns="0" anchor="ctr"/>
+          <a:lstStyle/>
+          <a:p>
+            <a:endParaRPr lang="en-US" sz="1800" b="0" strike="noStrike" spc="-1">
               <a:solidFill>
                 <a:srgbClr val="000000"/>
               </a:solidFill>
@@ -417,11 +539,12 @@
           </a:prstGeom>
         </p:spPr>
         <p:txBody>
-          <a:bodyPr lIns="0" rIns="0" tIns="0" bIns="0">
+          <a:bodyPr lIns="0" tIns="0" rIns="0" bIns="0">
             <a:normAutofit/>
           </a:bodyPr>
-          <a:p>
-            <a:endParaRPr b="0" lang="en-US" sz="2800" spc="-1" strike="noStrike">
+          <a:lstStyle/>
+          <a:p>
+            <a:endParaRPr lang="en-US" sz="2800" b="0" strike="noStrike" spc="-1">
               <a:solidFill>
                 <a:srgbClr val="000000"/>
               </a:solidFill>
@@ -450,11 +573,12 @@
           </a:prstGeom>
         </p:spPr>
         <p:txBody>
-          <a:bodyPr lIns="0" rIns="0" tIns="0" bIns="0">
+          <a:bodyPr lIns="0" tIns="0" rIns="0" bIns="0">
             <a:normAutofit/>
           </a:bodyPr>
-          <a:p>
-            <a:endParaRPr b="0" lang="en-US" sz="2800" spc="-1" strike="noStrike">
+          <a:lstStyle/>
+          <a:p>
+            <a:endParaRPr lang="en-US" sz="2800" b="0" strike="noStrike" spc="-1">
               <a:solidFill>
                 <a:srgbClr val="000000"/>
               </a:solidFill>
@@ -483,11 +607,12 @@
           </a:prstGeom>
         </p:spPr>
         <p:txBody>
-          <a:bodyPr lIns="0" rIns="0" tIns="0" bIns="0">
+          <a:bodyPr lIns="0" tIns="0" rIns="0" bIns="0">
             <a:normAutofit/>
           </a:bodyPr>
-          <a:p>
-            <a:endParaRPr b="0" lang="en-US" sz="2800" spc="-1" strike="noStrike">
+          <a:lstStyle/>
+          <a:p>
+            <a:endParaRPr lang="en-US" sz="2800" b="0" strike="noStrike" spc="-1">
               <a:solidFill>
                 <a:srgbClr val="000000"/>
               </a:solidFill>
@@ -516,11 +641,12 @@
           </a:prstGeom>
         </p:spPr>
         <p:txBody>
-          <a:bodyPr lIns="0" rIns="0" tIns="0" bIns="0">
+          <a:bodyPr lIns="0" tIns="0" rIns="0" bIns="0">
             <a:normAutofit/>
           </a:bodyPr>
-          <a:p>
-            <a:endParaRPr b="0" lang="en-US" sz="2800" spc="-1" strike="noStrike">
+          <a:lstStyle/>
+          <a:p>
+            <a:endParaRPr lang="en-US" sz="2800" b="0" strike="noStrike" spc="-1">
               <a:solidFill>
                 <a:srgbClr val="000000"/>
               </a:solidFill>
@@ -549,11 +675,12 @@
           </a:prstGeom>
         </p:spPr>
         <p:txBody>
-          <a:bodyPr lIns="0" rIns="0" tIns="0" bIns="0">
+          <a:bodyPr lIns="0" tIns="0" rIns="0" bIns="0">
             <a:normAutofit/>
           </a:bodyPr>
-          <a:p>
-            <a:endParaRPr b="0" lang="en-US" sz="2800" spc="-1" strike="noStrike">
+          <a:lstStyle/>
+          <a:p>
+            <a:endParaRPr lang="en-US" sz="2800" b="0" strike="noStrike" spc="-1">
               <a:solidFill>
                 <a:srgbClr val="000000"/>
               </a:solidFill>
@@ -582,11 +709,12 @@
           </a:prstGeom>
         </p:spPr>
         <p:txBody>
-          <a:bodyPr lIns="0" rIns="0" tIns="0" bIns="0">
+          <a:bodyPr lIns="0" tIns="0" rIns="0" bIns="0">
             <a:normAutofit/>
           </a:bodyPr>
-          <a:p>
-            <a:endParaRPr b="0" lang="en-US" sz="2800" spc="-1" strike="noStrike">
+          <a:lstStyle/>
+          <a:p>
+            <a:endParaRPr lang="en-US" sz="2800" b="0" strike="noStrike" spc="-1">
               <a:solidFill>
                 <a:srgbClr val="000000"/>
               </a:solidFill>
@@ -597,11 +725,14 @@
       </p:sp>
     </p:spTree>
   </p:cSld>
+  <p:clrMapOvr>
+    <a:masterClrMapping/>
+  </p:clrMapOvr>
 </p:sldLayout>
 </file>
 
 <file path=ppt/slideLayouts/slideLayout13.xml><?xml version="1.0" encoding="utf-8"?>
-<p:sldLayout xmlns:a="http://schemas.openxmlformats.org/drawingml/2006/main" xmlns:p="http://schemas.openxmlformats.org/presentationml/2006/main" xmlns:r="http://schemas.openxmlformats.org/officeDocument/2006/relationships" xmlns:p14="http://schemas.microsoft.com/office/powerpoint/2010/main" xmlns:p15="http://schemas.microsoft.com/office/powerpoint/2012/main" xmlns:mc="http://schemas.openxmlformats.org/markup-compatibility/2006" type="blank" preserve="1">
+<p:sldLayout xmlns:a="http://schemas.openxmlformats.org/drawingml/2006/main" xmlns:r="http://schemas.openxmlformats.org/officeDocument/2006/relationships" xmlns:p="http://schemas.openxmlformats.org/presentationml/2006/main" type="blank" preserve="1">
   <p:cSld name="Blank Slide">
     <p:spTree>
       <p:nvGrpSpPr>
@@ -619,11 +750,14 @@
       </p:grpSpPr>
     </p:spTree>
   </p:cSld>
+  <p:clrMapOvr>
+    <a:masterClrMapping/>
+  </p:clrMapOvr>
 </p:sldLayout>
 </file>
 
 <file path=ppt/slideLayouts/slideLayout14.xml><?xml version="1.0" encoding="utf-8"?>
-<p:sldLayout xmlns:a="http://schemas.openxmlformats.org/drawingml/2006/main" xmlns:p="http://schemas.openxmlformats.org/presentationml/2006/main" xmlns:r="http://schemas.openxmlformats.org/officeDocument/2006/relationships" xmlns:p14="http://schemas.microsoft.com/office/powerpoint/2010/main" xmlns:p15="http://schemas.microsoft.com/office/powerpoint/2012/main" xmlns:mc="http://schemas.openxmlformats.org/markup-compatibility/2006" type="tx" preserve="1">
+<p:sldLayout xmlns:a="http://schemas.openxmlformats.org/drawingml/2006/main" xmlns:r="http://schemas.openxmlformats.org/officeDocument/2006/relationships" xmlns:p="http://schemas.openxmlformats.org/presentationml/2006/main" type="tx" preserve="1">
   <p:cSld name="Title Slide">
     <p:spTree>
       <p:nvGrpSpPr>
@@ -659,9 +793,10 @@
           </a:prstGeom>
         </p:spPr>
         <p:txBody>
-          <a:bodyPr lIns="0" rIns="0" tIns="0" bIns="0" anchor="ctr"/>
-          <a:p>
-            <a:endParaRPr b="0" lang="en-US" sz="1800" spc="-1" strike="noStrike">
+          <a:bodyPr lIns="0" tIns="0" rIns="0" bIns="0" anchor="ctr"/>
+          <a:lstStyle/>
+          <a:p>
+            <a:endParaRPr lang="en-US" sz="1800" b="0" strike="noStrike" spc="-1">
               <a:solidFill>
                 <a:srgbClr val="000000"/>
               </a:solidFill>
@@ -690,10 +825,11 @@
           </a:prstGeom>
         </p:spPr>
         <p:txBody>
-          <a:bodyPr lIns="0" rIns="0" tIns="0" bIns="0" anchor="ctr"/>
+          <a:bodyPr lIns="0" tIns="0" rIns="0" bIns="0" anchor="ctr"/>
+          <a:lstStyle/>
           <a:p>
             <a:pPr algn="ctr"/>
-            <a:endParaRPr b="0" lang="en-US" sz="3200" spc="-1" strike="noStrike">
+            <a:endParaRPr lang="en-US" sz="3200" b="0" strike="noStrike" spc="-1">
               <a:latin typeface="Arial"/>
             </a:endParaRPr>
           </a:p>
@@ -701,11 +837,14 @@
       </p:sp>
     </p:spTree>
   </p:cSld>
+  <p:clrMapOvr>
+    <a:masterClrMapping/>
+  </p:clrMapOvr>
 </p:sldLayout>
 </file>
 
 <file path=ppt/slideLayouts/slideLayout15.xml><?xml version="1.0" encoding="utf-8"?>
-<p:sldLayout xmlns:a="http://schemas.openxmlformats.org/drawingml/2006/main" xmlns:p="http://schemas.openxmlformats.org/presentationml/2006/main" xmlns:r="http://schemas.openxmlformats.org/officeDocument/2006/relationships" xmlns:p14="http://schemas.microsoft.com/office/powerpoint/2010/main" xmlns:p15="http://schemas.microsoft.com/office/powerpoint/2012/main" xmlns:mc="http://schemas.openxmlformats.org/markup-compatibility/2006" type="obj" preserve="1">
+<p:sldLayout xmlns:a="http://schemas.openxmlformats.org/drawingml/2006/main" xmlns:r="http://schemas.openxmlformats.org/officeDocument/2006/relationships" xmlns:p="http://schemas.openxmlformats.org/presentationml/2006/main" type="obj" preserve="1">
   <p:cSld name="Title, Content">
     <p:spTree>
       <p:nvGrpSpPr>
@@ -741,9 +880,10 @@
           </a:prstGeom>
         </p:spPr>
         <p:txBody>
-          <a:bodyPr lIns="0" rIns="0" tIns="0" bIns="0" anchor="ctr"/>
-          <a:p>
-            <a:endParaRPr b="0" lang="en-US" sz="1800" spc="-1" strike="noStrike">
+          <a:bodyPr lIns="0" tIns="0" rIns="0" bIns="0" anchor="ctr"/>
+          <a:lstStyle/>
+          <a:p>
+            <a:endParaRPr lang="en-US" sz="1800" b="0" strike="noStrike" spc="-1">
               <a:solidFill>
                 <a:srgbClr val="000000"/>
               </a:solidFill>
@@ -772,11 +912,12 @@
           </a:prstGeom>
         </p:spPr>
         <p:txBody>
-          <a:bodyPr lIns="0" rIns="0" tIns="0" bIns="0">
+          <a:bodyPr lIns="0" tIns="0" rIns="0" bIns="0">
             <a:normAutofit/>
           </a:bodyPr>
-          <a:p>
-            <a:endParaRPr b="0" lang="en-US" sz="2800" spc="-1" strike="noStrike">
+          <a:lstStyle/>
+          <a:p>
+            <a:endParaRPr lang="en-US" sz="2800" b="0" strike="noStrike" spc="-1">
               <a:solidFill>
                 <a:srgbClr val="000000"/>
               </a:solidFill>
@@ -787,11 +928,14 @@
       </p:sp>
     </p:spTree>
   </p:cSld>
+  <p:clrMapOvr>
+    <a:masterClrMapping/>
+  </p:clrMapOvr>
 </p:sldLayout>
 </file>
 
 <file path=ppt/slideLayouts/slideLayout16.xml><?xml version="1.0" encoding="utf-8"?>
-<p:sldLayout xmlns:a="http://schemas.openxmlformats.org/drawingml/2006/main" xmlns:p="http://schemas.openxmlformats.org/presentationml/2006/main" xmlns:r="http://schemas.openxmlformats.org/officeDocument/2006/relationships" xmlns:p14="http://schemas.microsoft.com/office/powerpoint/2010/main" xmlns:p15="http://schemas.microsoft.com/office/powerpoint/2012/main" xmlns:mc="http://schemas.openxmlformats.org/markup-compatibility/2006" type="twoObj" preserve="1">
+<p:sldLayout xmlns:a="http://schemas.openxmlformats.org/drawingml/2006/main" xmlns:r="http://schemas.openxmlformats.org/officeDocument/2006/relationships" xmlns:p="http://schemas.openxmlformats.org/presentationml/2006/main" type="twoObj" preserve="1">
   <p:cSld name="Title, 2 Content">
     <p:spTree>
       <p:nvGrpSpPr>
@@ -827,9 +971,10 @@
           </a:prstGeom>
         </p:spPr>
         <p:txBody>
-          <a:bodyPr lIns="0" rIns="0" tIns="0" bIns="0" anchor="ctr"/>
-          <a:p>
-            <a:endParaRPr b="0" lang="en-US" sz="1800" spc="-1" strike="noStrike">
+          <a:bodyPr lIns="0" tIns="0" rIns="0" bIns="0" anchor="ctr"/>
+          <a:lstStyle/>
+          <a:p>
+            <a:endParaRPr lang="en-US" sz="1800" b="0" strike="noStrike" spc="-1">
               <a:solidFill>
                 <a:srgbClr val="000000"/>
               </a:solidFill>
@@ -858,11 +1003,12 @@
           </a:prstGeom>
         </p:spPr>
         <p:txBody>
-          <a:bodyPr lIns="0" rIns="0" tIns="0" bIns="0">
+          <a:bodyPr lIns="0" tIns="0" rIns="0" bIns="0">
             <a:normAutofit/>
           </a:bodyPr>
-          <a:p>
-            <a:endParaRPr b="0" lang="en-US" sz="2800" spc="-1" strike="noStrike">
+          <a:lstStyle/>
+          <a:p>
+            <a:endParaRPr lang="en-US" sz="2800" b="0" strike="noStrike" spc="-1">
               <a:solidFill>
                 <a:srgbClr val="000000"/>
               </a:solidFill>
@@ -891,11 +1037,12 @@
           </a:prstGeom>
         </p:spPr>
         <p:txBody>
-          <a:bodyPr lIns="0" rIns="0" tIns="0" bIns="0">
+          <a:bodyPr lIns="0" tIns="0" rIns="0" bIns="0">
             <a:normAutofit/>
           </a:bodyPr>
-          <a:p>
-            <a:endParaRPr b="0" lang="en-US" sz="2800" spc="-1" strike="noStrike">
+          <a:lstStyle/>
+          <a:p>
+            <a:endParaRPr lang="en-US" sz="2800" b="0" strike="noStrike" spc="-1">
               <a:solidFill>
                 <a:srgbClr val="000000"/>
               </a:solidFill>
@@ -906,11 +1053,14 @@
       </p:sp>
     </p:spTree>
   </p:cSld>
+  <p:clrMapOvr>
+    <a:masterClrMapping/>
+  </p:clrMapOvr>
 </p:sldLayout>
 </file>
 
 <file path=ppt/slideLayouts/slideLayout17.xml><?xml version="1.0" encoding="utf-8"?>
-<p:sldLayout xmlns:a="http://schemas.openxmlformats.org/drawingml/2006/main" xmlns:p="http://schemas.openxmlformats.org/presentationml/2006/main" xmlns:r="http://schemas.openxmlformats.org/officeDocument/2006/relationships" xmlns:p14="http://schemas.microsoft.com/office/powerpoint/2010/main" xmlns:p15="http://schemas.microsoft.com/office/powerpoint/2012/main" xmlns:mc="http://schemas.openxmlformats.org/markup-compatibility/2006" type="titleOnly" preserve="1">
+<p:sldLayout xmlns:a="http://schemas.openxmlformats.org/drawingml/2006/main" xmlns:r="http://schemas.openxmlformats.org/officeDocument/2006/relationships" xmlns:p="http://schemas.openxmlformats.org/presentationml/2006/main" type="titleOnly" preserve="1">
   <p:cSld name="Title Only">
     <p:spTree>
       <p:nvGrpSpPr>
@@ -946,9 +1096,10 @@
           </a:prstGeom>
         </p:spPr>
         <p:txBody>
-          <a:bodyPr lIns="0" rIns="0" tIns="0" bIns="0" anchor="ctr"/>
-          <a:p>
-            <a:endParaRPr b="0" lang="en-US" sz="1800" spc="-1" strike="noStrike">
+          <a:bodyPr lIns="0" tIns="0" rIns="0" bIns="0" anchor="ctr"/>
+          <a:lstStyle/>
+          <a:p>
+            <a:endParaRPr lang="en-US" sz="1800" b="0" strike="noStrike" spc="-1">
               <a:solidFill>
                 <a:srgbClr val="000000"/>
               </a:solidFill>
@@ -959,11 +1110,14 @@
       </p:sp>
     </p:spTree>
   </p:cSld>
+  <p:clrMapOvr>
+    <a:masterClrMapping/>
+  </p:clrMapOvr>
 </p:sldLayout>
 </file>
 
 <file path=ppt/slideLayouts/slideLayout18.xml><?xml version="1.0" encoding="utf-8"?>
-<p:sldLayout xmlns:a="http://schemas.openxmlformats.org/drawingml/2006/main" xmlns:p="http://schemas.openxmlformats.org/presentationml/2006/main" xmlns:r="http://schemas.openxmlformats.org/officeDocument/2006/relationships" xmlns:p14="http://schemas.microsoft.com/office/powerpoint/2010/main" xmlns:p15="http://schemas.microsoft.com/office/powerpoint/2012/main" xmlns:mc="http://schemas.openxmlformats.org/markup-compatibility/2006" type="objOnly" preserve="1">
+<p:sldLayout xmlns:a="http://schemas.openxmlformats.org/drawingml/2006/main" xmlns:r="http://schemas.openxmlformats.org/officeDocument/2006/relationships" xmlns:p="http://schemas.openxmlformats.org/presentationml/2006/main" type="objOnly" preserve="1">
   <p:cSld name="Centered Text">
     <p:spTree>
       <p:nvGrpSpPr>
@@ -999,10 +1153,11 @@
           </a:prstGeom>
         </p:spPr>
         <p:txBody>
-          <a:bodyPr lIns="0" rIns="0" tIns="0" bIns="0" anchor="ctr"/>
+          <a:bodyPr lIns="0" tIns="0" rIns="0" bIns="0" anchor="ctr"/>
+          <a:lstStyle/>
           <a:p>
             <a:pPr algn="ctr"/>
-            <a:endParaRPr b="0" lang="en-US" sz="3200" spc="-1" strike="noStrike">
+            <a:endParaRPr lang="en-US" sz="3200" b="0" strike="noStrike" spc="-1">
               <a:latin typeface="Arial"/>
             </a:endParaRPr>
           </a:p>
@@ -1010,11 +1165,14 @@
       </p:sp>
     </p:spTree>
   </p:cSld>
+  <p:clrMapOvr>
+    <a:masterClrMapping/>
+  </p:clrMapOvr>
 </p:sldLayout>
 </file>
 
 <file path=ppt/slideLayouts/slideLayout19.xml><?xml version="1.0" encoding="utf-8"?>
-<p:sldLayout xmlns:a="http://schemas.openxmlformats.org/drawingml/2006/main" xmlns:p="http://schemas.openxmlformats.org/presentationml/2006/main" xmlns:r="http://schemas.openxmlformats.org/officeDocument/2006/relationships" xmlns:p14="http://schemas.microsoft.com/office/powerpoint/2010/main" xmlns:p15="http://schemas.microsoft.com/office/powerpoint/2012/main" xmlns:mc="http://schemas.openxmlformats.org/markup-compatibility/2006" type="twoObjAndObj" preserve="1">
+<p:sldLayout xmlns:a="http://schemas.openxmlformats.org/drawingml/2006/main" xmlns:r="http://schemas.openxmlformats.org/officeDocument/2006/relationships" xmlns:p="http://schemas.openxmlformats.org/presentationml/2006/main" type="twoObjAndObj" preserve="1">
   <p:cSld name="Title, 2 Content and Content">
     <p:spTree>
       <p:nvGrpSpPr>
@@ -1050,9 +1208,10 @@
           </a:prstGeom>
         </p:spPr>
         <p:txBody>
-          <a:bodyPr lIns="0" rIns="0" tIns="0" bIns="0" anchor="ctr"/>
-          <a:p>
-            <a:endParaRPr b="0" lang="en-US" sz="1800" spc="-1" strike="noStrike">
+          <a:bodyPr lIns="0" tIns="0" rIns="0" bIns="0" anchor="ctr"/>
+          <a:lstStyle/>
+          <a:p>
+            <a:endParaRPr lang="en-US" sz="1800" b="0" strike="noStrike" spc="-1">
               <a:solidFill>
                 <a:srgbClr val="000000"/>
               </a:solidFill>
@@ -1081,11 +1240,12 @@
           </a:prstGeom>
         </p:spPr>
         <p:txBody>
-          <a:bodyPr lIns="0" rIns="0" tIns="0" bIns="0">
+          <a:bodyPr lIns="0" tIns="0" rIns="0" bIns="0">
             <a:normAutofit/>
           </a:bodyPr>
-          <a:p>
-            <a:endParaRPr b="0" lang="en-US" sz="2800" spc="-1" strike="noStrike">
+          <a:lstStyle/>
+          <a:p>
+            <a:endParaRPr lang="en-US" sz="2800" b="0" strike="noStrike" spc="-1">
               <a:solidFill>
                 <a:srgbClr val="000000"/>
               </a:solidFill>
@@ -1114,11 +1274,12 @@
           </a:prstGeom>
         </p:spPr>
         <p:txBody>
-          <a:bodyPr lIns="0" rIns="0" tIns="0" bIns="0">
+          <a:bodyPr lIns="0" tIns="0" rIns="0" bIns="0">
             <a:normAutofit/>
           </a:bodyPr>
-          <a:p>
-            <a:endParaRPr b="0" lang="en-US" sz="2800" spc="-1" strike="noStrike">
+          <a:lstStyle/>
+          <a:p>
+            <a:endParaRPr lang="en-US" sz="2800" b="0" strike="noStrike" spc="-1">
               <a:solidFill>
                 <a:srgbClr val="000000"/>
               </a:solidFill>
@@ -1147,11 +1308,12 @@
           </a:prstGeom>
         </p:spPr>
         <p:txBody>
-          <a:bodyPr lIns="0" rIns="0" tIns="0" bIns="0">
+          <a:bodyPr lIns="0" tIns="0" rIns="0" bIns="0">
             <a:normAutofit/>
           </a:bodyPr>
-          <a:p>
-            <a:endParaRPr b="0" lang="en-US" sz="2800" spc="-1" strike="noStrike">
+          <a:lstStyle/>
+          <a:p>
+            <a:endParaRPr lang="en-US" sz="2800" b="0" strike="noStrike" spc="-1">
               <a:solidFill>
                 <a:srgbClr val="000000"/>
               </a:solidFill>
@@ -1162,11 +1324,14 @@
       </p:sp>
     </p:spTree>
   </p:cSld>
+  <p:clrMapOvr>
+    <a:masterClrMapping/>
+  </p:clrMapOvr>
 </p:sldLayout>
 </file>
 
 <file path=ppt/slideLayouts/slideLayout2.xml><?xml version="1.0" encoding="utf-8"?>
-<p:sldLayout xmlns:a="http://schemas.openxmlformats.org/drawingml/2006/main" xmlns:p="http://schemas.openxmlformats.org/presentationml/2006/main" xmlns:r="http://schemas.openxmlformats.org/officeDocument/2006/relationships" xmlns:p14="http://schemas.microsoft.com/office/powerpoint/2010/main" xmlns:p15="http://schemas.microsoft.com/office/powerpoint/2012/main" xmlns:mc="http://schemas.openxmlformats.org/markup-compatibility/2006" type="tx" preserve="1">
+<p:sldLayout xmlns:a="http://schemas.openxmlformats.org/drawingml/2006/main" xmlns:r="http://schemas.openxmlformats.org/officeDocument/2006/relationships" xmlns:p="http://schemas.openxmlformats.org/presentationml/2006/main" type="tx" preserve="1">
   <p:cSld name="Title Slide">
     <p:spTree>
       <p:nvGrpSpPr>
@@ -1202,9 +1367,10 @@
           </a:prstGeom>
         </p:spPr>
         <p:txBody>
-          <a:bodyPr lIns="0" rIns="0" tIns="0" bIns="0" anchor="ctr"/>
-          <a:p>
-            <a:endParaRPr b="0" lang="en-US" sz="1800" spc="-1" strike="noStrike">
+          <a:bodyPr lIns="0" tIns="0" rIns="0" bIns="0" anchor="ctr"/>
+          <a:lstStyle/>
+          <a:p>
+            <a:endParaRPr lang="en-US" sz="1800" b="0" strike="noStrike" spc="-1">
               <a:solidFill>
                 <a:srgbClr val="000000"/>
               </a:solidFill>
@@ -1233,10 +1399,11 @@
           </a:prstGeom>
         </p:spPr>
         <p:txBody>
-          <a:bodyPr lIns="0" rIns="0" tIns="0" bIns="0" anchor="ctr"/>
+          <a:bodyPr lIns="0" tIns="0" rIns="0" bIns="0" anchor="ctr"/>
+          <a:lstStyle/>
           <a:p>
             <a:pPr algn="ctr"/>
-            <a:endParaRPr b="0" lang="en-US" sz="3200" spc="-1" strike="noStrike">
+            <a:endParaRPr lang="en-US" sz="3200" b="0" strike="noStrike" spc="-1">
               <a:latin typeface="Arial"/>
             </a:endParaRPr>
           </a:p>
@@ -1244,11 +1411,14 @@
       </p:sp>
     </p:spTree>
   </p:cSld>
+  <p:clrMapOvr>
+    <a:masterClrMapping/>
+  </p:clrMapOvr>
 </p:sldLayout>
 </file>
 
 <file path=ppt/slideLayouts/slideLayout20.xml><?xml version="1.0" encoding="utf-8"?>
-<p:sldLayout xmlns:a="http://schemas.openxmlformats.org/drawingml/2006/main" xmlns:p="http://schemas.openxmlformats.org/presentationml/2006/main" xmlns:r="http://schemas.openxmlformats.org/officeDocument/2006/relationships" xmlns:p14="http://schemas.microsoft.com/office/powerpoint/2010/main" xmlns:p15="http://schemas.microsoft.com/office/powerpoint/2012/main" xmlns:mc="http://schemas.openxmlformats.org/markup-compatibility/2006" type="objAndTwoObj" preserve="1">
+<p:sldLayout xmlns:a="http://schemas.openxmlformats.org/drawingml/2006/main" xmlns:r="http://schemas.openxmlformats.org/officeDocument/2006/relationships" xmlns:p="http://schemas.openxmlformats.org/presentationml/2006/main" type="objAndTwoObj" preserve="1">
   <p:cSld name="Title Content and 2 Content">
     <p:spTree>
       <p:nvGrpSpPr>
@@ -1284,9 +1454,10 @@
           </a:prstGeom>
         </p:spPr>
         <p:txBody>
-          <a:bodyPr lIns="0" rIns="0" tIns="0" bIns="0" anchor="ctr"/>
-          <a:p>
-            <a:endParaRPr b="0" lang="en-US" sz="1800" spc="-1" strike="noStrike">
+          <a:bodyPr lIns="0" tIns="0" rIns="0" bIns="0" anchor="ctr"/>
+          <a:lstStyle/>
+          <a:p>
+            <a:endParaRPr lang="en-US" sz="1800" b="0" strike="noStrike" spc="-1">
               <a:solidFill>
                 <a:srgbClr val="000000"/>
               </a:solidFill>
@@ -1315,11 +1486,12 @@
           </a:prstGeom>
         </p:spPr>
         <p:txBody>
-          <a:bodyPr lIns="0" rIns="0" tIns="0" bIns="0">
+          <a:bodyPr lIns="0" tIns="0" rIns="0" bIns="0">
             <a:normAutofit/>
           </a:bodyPr>
-          <a:p>
-            <a:endParaRPr b="0" lang="en-US" sz="2800" spc="-1" strike="noStrike">
+          <a:lstStyle/>
+          <a:p>
+            <a:endParaRPr lang="en-US" sz="2800" b="0" strike="noStrike" spc="-1">
               <a:solidFill>
                 <a:srgbClr val="000000"/>
               </a:solidFill>
@@ -1348,11 +1520,12 @@
           </a:prstGeom>
         </p:spPr>
         <p:txBody>
-          <a:bodyPr lIns="0" rIns="0" tIns="0" bIns="0">
+          <a:bodyPr lIns="0" tIns="0" rIns="0" bIns="0">
             <a:normAutofit/>
           </a:bodyPr>
-          <a:p>
-            <a:endParaRPr b="0" lang="en-US" sz="2800" spc="-1" strike="noStrike">
+          <a:lstStyle/>
+          <a:p>
+            <a:endParaRPr lang="en-US" sz="2800" b="0" strike="noStrike" spc="-1">
               <a:solidFill>
                 <a:srgbClr val="000000"/>
               </a:solidFill>
@@ -1381,11 +1554,12 @@
           </a:prstGeom>
         </p:spPr>
         <p:txBody>
-          <a:bodyPr lIns="0" rIns="0" tIns="0" bIns="0">
+          <a:bodyPr lIns="0" tIns="0" rIns="0" bIns="0">
             <a:normAutofit/>
           </a:bodyPr>
-          <a:p>
-            <a:endParaRPr b="0" lang="en-US" sz="2800" spc="-1" strike="noStrike">
+          <a:lstStyle/>
+          <a:p>
+            <a:endParaRPr lang="en-US" sz="2800" b="0" strike="noStrike" spc="-1">
               <a:solidFill>
                 <a:srgbClr val="000000"/>
               </a:solidFill>
@@ -1396,11 +1570,14 @@
       </p:sp>
     </p:spTree>
   </p:cSld>
+  <p:clrMapOvr>
+    <a:masterClrMapping/>
+  </p:clrMapOvr>
 </p:sldLayout>
 </file>
 
 <file path=ppt/slideLayouts/slideLayout21.xml><?xml version="1.0" encoding="utf-8"?>
-<p:sldLayout xmlns:a="http://schemas.openxmlformats.org/drawingml/2006/main" xmlns:p="http://schemas.openxmlformats.org/presentationml/2006/main" xmlns:r="http://schemas.openxmlformats.org/officeDocument/2006/relationships" xmlns:p14="http://schemas.microsoft.com/office/powerpoint/2010/main" xmlns:p15="http://schemas.microsoft.com/office/powerpoint/2012/main" xmlns:mc="http://schemas.openxmlformats.org/markup-compatibility/2006" type="twoObjOverTx" preserve="1">
+<p:sldLayout xmlns:a="http://schemas.openxmlformats.org/drawingml/2006/main" xmlns:r="http://schemas.openxmlformats.org/officeDocument/2006/relationships" xmlns:p="http://schemas.openxmlformats.org/presentationml/2006/main" type="twoObjOverTx" preserve="1">
   <p:cSld name="Title, 2 Content over Content">
     <p:spTree>
       <p:nvGrpSpPr>
@@ -1436,9 +1613,10 @@
           </a:prstGeom>
         </p:spPr>
         <p:txBody>
-          <a:bodyPr lIns="0" rIns="0" tIns="0" bIns="0" anchor="ctr"/>
-          <a:p>
-            <a:endParaRPr b="0" lang="en-US" sz="1800" spc="-1" strike="noStrike">
+          <a:bodyPr lIns="0" tIns="0" rIns="0" bIns="0" anchor="ctr"/>
+          <a:lstStyle/>
+          <a:p>
+            <a:endParaRPr lang="en-US" sz="1800" b="0" strike="noStrike" spc="-1">
               <a:solidFill>
                 <a:srgbClr val="000000"/>
               </a:solidFill>
@@ -1467,11 +1645,12 @@
           </a:prstGeom>
         </p:spPr>
         <p:txBody>
-          <a:bodyPr lIns="0" rIns="0" tIns="0" bIns="0">
+          <a:bodyPr lIns="0" tIns="0" rIns="0" bIns="0">
             <a:normAutofit/>
           </a:bodyPr>
-          <a:p>
-            <a:endParaRPr b="0" lang="en-US" sz="2800" spc="-1" strike="noStrike">
+          <a:lstStyle/>
+          <a:p>
+            <a:endParaRPr lang="en-US" sz="2800" b="0" strike="noStrike" spc="-1">
               <a:solidFill>
                 <a:srgbClr val="000000"/>
               </a:solidFill>
@@ -1500,11 +1679,12 @@
           </a:prstGeom>
         </p:spPr>
         <p:txBody>
-          <a:bodyPr lIns="0" rIns="0" tIns="0" bIns="0">
+          <a:bodyPr lIns="0" tIns="0" rIns="0" bIns="0">
             <a:normAutofit/>
           </a:bodyPr>
-          <a:p>
-            <a:endParaRPr b="0" lang="en-US" sz="2800" spc="-1" strike="noStrike">
+          <a:lstStyle/>
+          <a:p>
+            <a:endParaRPr lang="en-US" sz="2800" b="0" strike="noStrike" spc="-1">
               <a:solidFill>
                 <a:srgbClr val="000000"/>
               </a:solidFill>
@@ -1533,11 +1713,12 @@
           </a:prstGeom>
         </p:spPr>
         <p:txBody>
-          <a:bodyPr lIns="0" rIns="0" tIns="0" bIns="0">
+          <a:bodyPr lIns="0" tIns="0" rIns="0" bIns="0">
             <a:normAutofit/>
           </a:bodyPr>
-          <a:p>
-            <a:endParaRPr b="0" lang="en-US" sz="2800" spc="-1" strike="noStrike">
+          <a:lstStyle/>
+          <a:p>
+            <a:endParaRPr lang="en-US" sz="2800" b="0" strike="noStrike" spc="-1">
               <a:solidFill>
                 <a:srgbClr val="000000"/>
               </a:solidFill>
@@ -1548,11 +1729,14 @@
       </p:sp>
     </p:spTree>
   </p:cSld>
+  <p:clrMapOvr>
+    <a:masterClrMapping/>
+  </p:clrMapOvr>
 </p:sldLayout>
 </file>
 
 <file path=ppt/slideLayouts/slideLayout22.xml><?xml version="1.0" encoding="utf-8"?>
-<p:sldLayout xmlns:a="http://schemas.openxmlformats.org/drawingml/2006/main" xmlns:p="http://schemas.openxmlformats.org/presentationml/2006/main" xmlns:r="http://schemas.openxmlformats.org/officeDocument/2006/relationships" xmlns:p14="http://schemas.microsoft.com/office/powerpoint/2010/main" xmlns:p15="http://schemas.microsoft.com/office/powerpoint/2012/main" xmlns:mc="http://schemas.openxmlformats.org/markup-compatibility/2006" type="objOverTx" preserve="1">
+<p:sldLayout xmlns:a="http://schemas.openxmlformats.org/drawingml/2006/main" xmlns:r="http://schemas.openxmlformats.org/officeDocument/2006/relationships" xmlns:p="http://schemas.openxmlformats.org/presentationml/2006/main" type="objOverTx" preserve="1">
   <p:cSld name="Title, Content over Content">
     <p:spTree>
       <p:nvGrpSpPr>
@@ -1588,9 +1772,10 @@
           </a:prstGeom>
         </p:spPr>
         <p:txBody>
-          <a:bodyPr lIns="0" rIns="0" tIns="0" bIns="0" anchor="ctr"/>
-          <a:p>
-            <a:endParaRPr b="0" lang="en-US" sz="1800" spc="-1" strike="noStrike">
+          <a:bodyPr lIns="0" tIns="0" rIns="0" bIns="0" anchor="ctr"/>
+          <a:lstStyle/>
+          <a:p>
+            <a:endParaRPr lang="en-US" sz="1800" b="0" strike="noStrike" spc="-1">
               <a:solidFill>
                 <a:srgbClr val="000000"/>
               </a:solidFill>
@@ -1619,11 +1804,12 @@
           </a:prstGeom>
         </p:spPr>
         <p:txBody>
-          <a:bodyPr lIns="0" rIns="0" tIns="0" bIns="0">
+          <a:bodyPr lIns="0" tIns="0" rIns="0" bIns="0">
             <a:normAutofit/>
           </a:bodyPr>
-          <a:p>
-            <a:endParaRPr b="0" lang="en-US" sz="2800" spc="-1" strike="noStrike">
+          <a:lstStyle/>
+          <a:p>
+            <a:endParaRPr lang="en-US" sz="2800" b="0" strike="noStrike" spc="-1">
               <a:solidFill>
                 <a:srgbClr val="000000"/>
               </a:solidFill>
@@ -1652,11 +1838,12 @@
           </a:prstGeom>
         </p:spPr>
         <p:txBody>
-          <a:bodyPr lIns="0" rIns="0" tIns="0" bIns="0">
+          <a:bodyPr lIns="0" tIns="0" rIns="0" bIns="0">
             <a:normAutofit/>
           </a:bodyPr>
-          <a:p>
-            <a:endParaRPr b="0" lang="en-US" sz="2800" spc="-1" strike="noStrike">
+          <a:lstStyle/>
+          <a:p>
+            <a:endParaRPr lang="en-US" sz="2800" b="0" strike="noStrike" spc="-1">
               <a:solidFill>
                 <a:srgbClr val="000000"/>
               </a:solidFill>
@@ -1667,11 +1854,14 @@
       </p:sp>
     </p:spTree>
   </p:cSld>
+  <p:clrMapOvr>
+    <a:masterClrMapping/>
+  </p:clrMapOvr>
 </p:sldLayout>
 </file>
 
 <file path=ppt/slideLayouts/slideLayout23.xml><?xml version="1.0" encoding="utf-8"?>
-<p:sldLayout xmlns:a="http://schemas.openxmlformats.org/drawingml/2006/main" xmlns:p="http://schemas.openxmlformats.org/presentationml/2006/main" xmlns:r="http://schemas.openxmlformats.org/officeDocument/2006/relationships" xmlns:p14="http://schemas.microsoft.com/office/powerpoint/2010/main" xmlns:p15="http://schemas.microsoft.com/office/powerpoint/2012/main" xmlns:mc="http://schemas.openxmlformats.org/markup-compatibility/2006" type="fourObj" preserve="1">
+<p:sldLayout xmlns:a="http://schemas.openxmlformats.org/drawingml/2006/main" xmlns:r="http://schemas.openxmlformats.org/officeDocument/2006/relationships" xmlns:p="http://schemas.openxmlformats.org/presentationml/2006/main" type="fourObj" preserve="1">
   <p:cSld name="Title, 4 Content">
     <p:spTree>
       <p:nvGrpSpPr>
@@ -1707,9 +1897,10 @@
           </a:prstGeom>
         </p:spPr>
         <p:txBody>
-          <a:bodyPr lIns="0" rIns="0" tIns="0" bIns="0" anchor="ctr"/>
-          <a:p>
-            <a:endParaRPr b="0" lang="en-US" sz="1800" spc="-1" strike="noStrike">
+          <a:bodyPr lIns="0" tIns="0" rIns="0" bIns="0" anchor="ctr"/>
+          <a:lstStyle/>
+          <a:p>
+            <a:endParaRPr lang="en-US" sz="1800" b="0" strike="noStrike" spc="-1">
               <a:solidFill>
                 <a:srgbClr val="000000"/>
               </a:solidFill>
@@ -1738,11 +1929,12 @@
           </a:prstGeom>
         </p:spPr>
         <p:txBody>
-          <a:bodyPr lIns="0" rIns="0" tIns="0" bIns="0">
+          <a:bodyPr lIns="0" tIns="0" rIns="0" bIns="0">
             <a:normAutofit/>
           </a:bodyPr>
-          <a:p>
-            <a:endParaRPr b="0" lang="en-US" sz="2800" spc="-1" strike="noStrike">
+          <a:lstStyle/>
+          <a:p>
+            <a:endParaRPr lang="en-US" sz="2800" b="0" strike="noStrike" spc="-1">
               <a:solidFill>
                 <a:srgbClr val="000000"/>
               </a:solidFill>
@@ -1771,11 +1963,12 @@
           </a:prstGeom>
         </p:spPr>
         <p:txBody>
-          <a:bodyPr lIns="0" rIns="0" tIns="0" bIns="0">
+          <a:bodyPr lIns="0" tIns="0" rIns="0" bIns="0">
             <a:normAutofit/>
           </a:bodyPr>
-          <a:p>
-            <a:endParaRPr b="0" lang="en-US" sz="2800" spc="-1" strike="noStrike">
+          <a:lstStyle/>
+          <a:p>
+            <a:endParaRPr lang="en-US" sz="2800" b="0" strike="noStrike" spc="-1">
               <a:solidFill>
                 <a:srgbClr val="000000"/>
               </a:solidFill>
@@ -1804,11 +1997,12 @@
           </a:prstGeom>
         </p:spPr>
         <p:txBody>
-          <a:bodyPr lIns="0" rIns="0" tIns="0" bIns="0">
+          <a:bodyPr lIns="0" tIns="0" rIns="0" bIns="0">
             <a:normAutofit/>
           </a:bodyPr>
-          <a:p>
-            <a:endParaRPr b="0" lang="en-US" sz="2800" spc="-1" strike="noStrike">
+          <a:lstStyle/>
+          <a:p>
+            <a:endParaRPr lang="en-US" sz="2800" b="0" strike="noStrike" spc="-1">
               <a:solidFill>
                 <a:srgbClr val="000000"/>
               </a:solidFill>
@@ -1837,11 +2031,12 @@
           </a:prstGeom>
         </p:spPr>
         <p:txBody>
-          <a:bodyPr lIns="0" rIns="0" tIns="0" bIns="0">
+          <a:bodyPr lIns="0" tIns="0" rIns="0" bIns="0">
             <a:normAutofit/>
           </a:bodyPr>
-          <a:p>
-            <a:endParaRPr b="0" lang="en-US" sz="2800" spc="-1" strike="noStrike">
+          <a:lstStyle/>
+          <a:p>
+            <a:endParaRPr lang="en-US" sz="2800" b="0" strike="noStrike" spc="-1">
               <a:solidFill>
                 <a:srgbClr val="000000"/>
               </a:solidFill>
@@ -1852,11 +2047,14 @@
       </p:sp>
     </p:spTree>
   </p:cSld>
+  <p:clrMapOvr>
+    <a:masterClrMapping/>
+  </p:clrMapOvr>
 </p:sldLayout>
 </file>
 
 <file path=ppt/slideLayouts/slideLayout24.xml><?xml version="1.0" encoding="utf-8"?>
-<p:sldLayout xmlns:a="http://schemas.openxmlformats.org/drawingml/2006/main" xmlns:p="http://schemas.openxmlformats.org/presentationml/2006/main" xmlns:r="http://schemas.openxmlformats.org/officeDocument/2006/relationships" xmlns:p14="http://schemas.microsoft.com/office/powerpoint/2010/main" xmlns:p15="http://schemas.microsoft.com/office/powerpoint/2012/main" xmlns:mc="http://schemas.openxmlformats.org/markup-compatibility/2006" type="blank" preserve="1">
+<p:sldLayout xmlns:a="http://schemas.openxmlformats.org/drawingml/2006/main" xmlns:r="http://schemas.openxmlformats.org/officeDocument/2006/relationships" xmlns:p="http://schemas.openxmlformats.org/presentationml/2006/main" type="blank" preserve="1">
   <p:cSld name="Title, 6 Content">
     <p:spTree>
       <p:nvGrpSpPr>
@@ -1892,9 +2090,10 @@
           </a:prstGeom>
         </p:spPr>
         <p:txBody>
-          <a:bodyPr lIns="0" rIns="0" tIns="0" bIns="0" anchor="ctr"/>
-          <a:p>
-            <a:endParaRPr b="0" lang="en-US" sz="1800" spc="-1" strike="noStrike">
+          <a:bodyPr lIns="0" tIns="0" rIns="0" bIns="0" anchor="ctr"/>
+          <a:lstStyle/>
+          <a:p>
+            <a:endParaRPr lang="en-US" sz="1800" b="0" strike="noStrike" spc="-1">
               <a:solidFill>
                 <a:srgbClr val="000000"/>
               </a:solidFill>
@@ -1923,11 +2122,12 @@
           </a:prstGeom>
         </p:spPr>
         <p:txBody>
-          <a:bodyPr lIns="0" rIns="0" tIns="0" bIns="0">
+          <a:bodyPr lIns="0" tIns="0" rIns="0" bIns="0">
             <a:normAutofit/>
           </a:bodyPr>
-          <a:p>
-            <a:endParaRPr b="0" lang="en-US" sz="2800" spc="-1" strike="noStrike">
+          <a:lstStyle/>
+          <a:p>
+            <a:endParaRPr lang="en-US" sz="2800" b="0" strike="noStrike" spc="-1">
               <a:solidFill>
                 <a:srgbClr val="000000"/>
               </a:solidFill>
@@ -1956,11 +2156,12 @@
           </a:prstGeom>
         </p:spPr>
         <p:txBody>
-          <a:bodyPr lIns="0" rIns="0" tIns="0" bIns="0">
+          <a:bodyPr lIns="0" tIns="0" rIns="0" bIns="0">
             <a:normAutofit/>
           </a:bodyPr>
-          <a:p>
-            <a:endParaRPr b="0" lang="en-US" sz="2800" spc="-1" strike="noStrike">
+          <a:lstStyle/>
+          <a:p>
+            <a:endParaRPr lang="en-US" sz="2800" b="0" strike="noStrike" spc="-1">
               <a:solidFill>
                 <a:srgbClr val="000000"/>
               </a:solidFill>
@@ -1989,11 +2190,12 @@
           </a:prstGeom>
         </p:spPr>
         <p:txBody>
-          <a:bodyPr lIns="0" rIns="0" tIns="0" bIns="0">
+          <a:bodyPr lIns="0" tIns="0" rIns="0" bIns="0">
             <a:normAutofit/>
           </a:bodyPr>
-          <a:p>
-            <a:endParaRPr b="0" lang="en-US" sz="2800" spc="-1" strike="noStrike">
+          <a:lstStyle/>
+          <a:p>
+            <a:endParaRPr lang="en-US" sz="2800" b="0" strike="noStrike" spc="-1">
               <a:solidFill>
                 <a:srgbClr val="000000"/>
               </a:solidFill>
@@ -2022,11 +2224,12 @@
           </a:prstGeom>
         </p:spPr>
         <p:txBody>
-          <a:bodyPr lIns="0" rIns="0" tIns="0" bIns="0">
+          <a:bodyPr lIns="0" tIns="0" rIns="0" bIns="0">
             <a:normAutofit/>
           </a:bodyPr>
-          <a:p>
-            <a:endParaRPr b="0" lang="en-US" sz="2800" spc="-1" strike="noStrike">
+          <a:lstStyle/>
+          <a:p>
+            <a:endParaRPr lang="en-US" sz="2800" b="0" strike="noStrike" spc="-1">
               <a:solidFill>
                 <a:srgbClr val="000000"/>
               </a:solidFill>
@@ -2055,11 +2258,12 @@
           </a:prstGeom>
         </p:spPr>
         <p:txBody>
-          <a:bodyPr lIns="0" rIns="0" tIns="0" bIns="0">
+          <a:bodyPr lIns="0" tIns="0" rIns="0" bIns="0">
             <a:normAutofit/>
           </a:bodyPr>
-          <a:p>
-            <a:endParaRPr b="0" lang="en-US" sz="2800" spc="-1" strike="noStrike">
+          <a:lstStyle/>
+          <a:p>
+            <a:endParaRPr lang="en-US" sz="2800" b="0" strike="noStrike" spc="-1">
               <a:solidFill>
                 <a:srgbClr val="000000"/>
               </a:solidFill>
@@ -2088,11 +2292,12 @@
           </a:prstGeom>
         </p:spPr>
         <p:txBody>
-          <a:bodyPr lIns="0" rIns="0" tIns="0" bIns="0">
+          <a:bodyPr lIns="0" tIns="0" rIns="0" bIns="0">
             <a:normAutofit/>
           </a:bodyPr>
-          <a:p>
-            <a:endParaRPr b="0" lang="en-US" sz="2800" spc="-1" strike="noStrike">
+          <a:lstStyle/>
+          <a:p>
+            <a:endParaRPr lang="en-US" sz="2800" b="0" strike="noStrike" spc="-1">
               <a:solidFill>
                 <a:srgbClr val="000000"/>
               </a:solidFill>
@@ -2103,11 +2308,14 @@
       </p:sp>
     </p:spTree>
   </p:cSld>
+  <p:clrMapOvr>
+    <a:masterClrMapping/>
+  </p:clrMapOvr>
 </p:sldLayout>
 </file>
 
 <file path=ppt/slideLayouts/slideLayout3.xml><?xml version="1.0" encoding="utf-8"?>
-<p:sldLayout xmlns:a="http://schemas.openxmlformats.org/drawingml/2006/main" xmlns:p="http://schemas.openxmlformats.org/presentationml/2006/main" xmlns:r="http://schemas.openxmlformats.org/officeDocument/2006/relationships" xmlns:p14="http://schemas.microsoft.com/office/powerpoint/2010/main" xmlns:p15="http://schemas.microsoft.com/office/powerpoint/2012/main" xmlns:mc="http://schemas.openxmlformats.org/markup-compatibility/2006" type="obj" preserve="1">
+<p:sldLayout xmlns:a="http://schemas.openxmlformats.org/drawingml/2006/main" xmlns:r="http://schemas.openxmlformats.org/officeDocument/2006/relationships" xmlns:p="http://schemas.openxmlformats.org/presentationml/2006/main" type="obj" preserve="1">
   <p:cSld name="Title, Content">
     <p:spTree>
       <p:nvGrpSpPr>
@@ -2143,9 +2351,10 @@
           </a:prstGeom>
         </p:spPr>
         <p:txBody>
-          <a:bodyPr lIns="0" rIns="0" tIns="0" bIns="0" anchor="ctr"/>
-          <a:p>
-            <a:endParaRPr b="0" lang="en-US" sz="1800" spc="-1" strike="noStrike">
+          <a:bodyPr lIns="0" tIns="0" rIns="0" bIns="0" anchor="ctr"/>
+          <a:lstStyle/>
+          <a:p>
+            <a:endParaRPr lang="en-US" sz="1800" b="0" strike="noStrike" spc="-1">
               <a:solidFill>
                 <a:srgbClr val="000000"/>
               </a:solidFill>
@@ -2174,11 +2383,12 @@
           </a:prstGeom>
         </p:spPr>
         <p:txBody>
-          <a:bodyPr lIns="0" rIns="0" tIns="0" bIns="0">
+          <a:bodyPr lIns="0" tIns="0" rIns="0" bIns="0">
             <a:normAutofit/>
           </a:bodyPr>
-          <a:p>
-            <a:endParaRPr b="0" lang="en-US" sz="2800" spc="-1" strike="noStrike">
+          <a:lstStyle/>
+          <a:p>
+            <a:endParaRPr lang="en-US" sz="2800" b="0" strike="noStrike" spc="-1">
               <a:solidFill>
                 <a:srgbClr val="000000"/>
               </a:solidFill>
@@ -2189,11 +2399,14 @@
       </p:sp>
     </p:spTree>
   </p:cSld>
+  <p:clrMapOvr>
+    <a:masterClrMapping/>
+  </p:clrMapOvr>
 </p:sldLayout>
 </file>
 
 <file path=ppt/slideLayouts/slideLayout4.xml><?xml version="1.0" encoding="utf-8"?>
-<p:sldLayout xmlns:a="http://schemas.openxmlformats.org/drawingml/2006/main" xmlns:p="http://schemas.openxmlformats.org/presentationml/2006/main" xmlns:r="http://schemas.openxmlformats.org/officeDocument/2006/relationships" xmlns:p14="http://schemas.microsoft.com/office/powerpoint/2010/main" xmlns:p15="http://schemas.microsoft.com/office/powerpoint/2012/main" xmlns:mc="http://schemas.openxmlformats.org/markup-compatibility/2006" type="twoObj" preserve="1">
+<p:sldLayout xmlns:a="http://schemas.openxmlformats.org/drawingml/2006/main" xmlns:r="http://schemas.openxmlformats.org/officeDocument/2006/relationships" xmlns:p="http://schemas.openxmlformats.org/presentationml/2006/main" type="twoObj" preserve="1">
   <p:cSld name="Title, 2 Content">
     <p:spTree>
       <p:nvGrpSpPr>
@@ -2229,9 +2442,10 @@
           </a:prstGeom>
         </p:spPr>
         <p:txBody>
-          <a:bodyPr lIns="0" rIns="0" tIns="0" bIns="0" anchor="ctr"/>
-          <a:p>
-            <a:endParaRPr b="0" lang="en-US" sz="1800" spc="-1" strike="noStrike">
+          <a:bodyPr lIns="0" tIns="0" rIns="0" bIns="0" anchor="ctr"/>
+          <a:lstStyle/>
+          <a:p>
+            <a:endParaRPr lang="en-US" sz="1800" b="0" strike="noStrike" spc="-1">
               <a:solidFill>
                 <a:srgbClr val="000000"/>
               </a:solidFill>
@@ -2260,11 +2474,12 @@
           </a:prstGeom>
         </p:spPr>
         <p:txBody>
-          <a:bodyPr lIns="0" rIns="0" tIns="0" bIns="0">
+          <a:bodyPr lIns="0" tIns="0" rIns="0" bIns="0">
             <a:normAutofit/>
           </a:bodyPr>
-          <a:p>
-            <a:endParaRPr b="0" lang="en-US" sz="2800" spc="-1" strike="noStrike">
+          <a:lstStyle/>
+          <a:p>
+            <a:endParaRPr lang="en-US" sz="2800" b="0" strike="noStrike" spc="-1">
               <a:solidFill>
                 <a:srgbClr val="000000"/>
               </a:solidFill>
@@ -2293,11 +2508,12 @@
           </a:prstGeom>
         </p:spPr>
         <p:txBody>
-          <a:bodyPr lIns="0" rIns="0" tIns="0" bIns="0">
+          <a:bodyPr lIns="0" tIns="0" rIns="0" bIns="0">
             <a:normAutofit/>
           </a:bodyPr>
-          <a:p>
-            <a:endParaRPr b="0" lang="en-US" sz="2800" spc="-1" strike="noStrike">
+          <a:lstStyle/>
+          <a:p>
+            <a:endParaRPr lang="en-US" sz="2800" b="0" strike="noStrike" spc="-1">
               <a:solidFill>
                 <a:srgbClr val="000000"/>
               </a:solidFill>
@@ -2308,11 +2524,14 @@
       </p:sp>
     </p:spTree>
   </p:cSld>
+  <p:clrMapOvr>
+    <a:masterClrMapping/>
+  </p:clrMapOvr>
 </p:sldLayout>
 </file>
 
 <file path=ppt/slideLayouts/slideLayout5.xml><?xml version="1.0" encoding="utf-8"?>
-<p:sldLayout xmlns:a="http://schemas.openxmlformats.org/drawingml/2006/main" xmlns:p="http://schemas.openxmlformats.org/presentationml/2006/main" xmlns:r="http://schemas.openxmlformats.org/officeDocument/2006/relationships" xmlns:p14="http://schemas.microsoft.com/office/powerpoint/2010/main" xmlns:p15="http://schemas.microsoft.com/office/powerpoint/2012/main" xmlns:mc="http://schemas.openxmlformats.org/markup-compatibility/2006" type="titleOnly" preserve="1">
+<p:sldLayout xmlns:a="http://schemas.openxmlformats.org/drawingml/2006/main" xmlns:r="http://schemas.openxmlformats.org/officeDocument/2006/relationships" xmlns:p="http://schemas.openxmlformats.org/presentationml/2006/main" type="titleOnly" preserve="1">
   <p:cSld name="Title Only">
     <p:spTree>
       <p:nvGrpSpPr>
@@ -2348,9 +2567,10 @@
           </a:prstGeom>
         </p:spPr>
         <p:txBody>
-          <a:bodyPr lIns="0" rIns="0" tIns="0" bIns="0" anchor="ctr"/>
-          <a:p>
-            <a:endParaRPr b="0" lang="en-US" sz="1800" spc="-1" strike="noStrike">
+          <a:bodyPr lIns="0" tIns="0" rIns="0" bIns="0" anchor="ctr"/>
+          <a:lstStyle/>
+          <a:p>
+            <a:endParaRPr lang="en-US" sz="1800" b="0" strike="noStrike" spc="-1">
               <a:solidFill>
                 <a:srgbClr val="000000"/>
               </a:solidFill>
@@ -2361,11 +2581,14 @@
       </p:sp>
     </p:spTree>
   </p:cSld>
+  <p:clrMapOvr>
+    <a:masterClrMapping/>
+  </p:clrMapOvr>
 </p:sldLayout>
 </file>
 
 <file path=ppt/slideLayouts/slideLayout6.xml><?xml version="1.0" encoding="utf-8"?>
-<p:sldLayout xmlns:a="http://schemas.openxmlformats.org/drawingml/2006/main" xmlns:p="http://schemas.openxmlformats.org/presentationml/2006/main" xmlns:r="http://schemas.openxmlformats.org/officeDocument/2006/relationships" xmlns:p14="http://schemas.microsoft.com/office/powerpoint/2010/main" xmlns:p15="http://schemas.microsoft.com/office/powerpoint/2012/main" xmlns:mc="http://schemas.openxmlformats.org/markup-compatibility/2006" type="objOnly" preserve="1">
+<p:sldLayout xmlns:a="http://schemas.openxmlformats.org/drawingml/2006/main" xmlns:r="http://schemas.openxmlformats.org/officeDocument/2006/relationships" xmlns:p="http://schemas.openxmlformats.org/presentationml/2006/main" type="objOnly" preserve="1">
   <p:cSld name="Centered Text">
     <p:spTree>
       <p:nvGrpSpPr>
@@ -2401,10 +2624,11 @@
           </a:prstGeom>
         </p:spPr>
         <p:txBody>
-          <a:bodyPr lIns="0" rIns="0" tIns="0" bIns="0" anchor="ctr"/>
+          <a:bodyPr lIns="0" tIns="0" rIns="0" bIns="0" anchor="ctr"/>
+          <a:lstStyle/>
           <a:p>
             <a:pPr algn="ctr"/>
-            <a:endParaRPr b="0" lang="en-US" sz="3200" spc="-1" strike="noStrike">
+            <a:endParaRPr lang="en-US" sz="3200" b="0" strike="noStrike" spc="-1">
               <a:latin typeface="Arial"/>
             </a:endParaRPr>
           </a:p>
@@ -2412,11 +2636,14 @@
       </p:sp>
     </p:spTree>
   </p:cSld>
+  <p:clrMapOvr>
+    <a:masterClrMapping/>
+  </p:clrMapOvr>
 </p:sldLayout>
 </file>
 
 <file path=ppt/slideLayouts/slideLayout7.xml><?xml version="1.0" encoding="utf-8"?>
-<p:sldLayout xmlns:a="http://schemas.openxmlformats.org/drawingml/2006/main" xmlns:p="http://schemas.openxmlformats.org/presentationml/2006/main" xmlns:r="http://schemas.openxmlformats.org/officeDocument/2006/relationships" xmlns:p14="http://schemas.microsoft.com/office/powerpoint/2010/main" xmlns:p15="http://schemas.microsoft.com/office/powerpoint/2012/main" xmlns:mc="http://schemas.openxmlformats.org/markup-compatibility/2006" type="twoObjAndObj" preserve="1">
+<p:sldLayout xmlns:a="http://schemas.openxmlformats.org/drawingml/2006/main" xmlns:r="http://schemas.openxmlformats.org/officeDocument/2006/relationships" xmlns:p="http://schemas.openxmlformats.org/presentationml/2006/main" type="twoObjAndObj" preserve="1">
   <p:cSld name="Title, 2 Content and Content">
     <p:spTree>
       <p:nvGrpSpPr>
@@ -2452,9 +2679,10 @@
           </a:prstGeom>
         </p:spPr>
         <p:txBody>
-          <a:bodyPr lIns="0" rIns="0" tIns="0" bIns="0" anchor="ctr"/>
-          <a:p>
-            <a:endParaRPr b="0" lang="en-US" sz="1800" spc="-1" strike="noStrike">
+          <a:bodyPr lIns="0" tIns="0" rIns="0" bIns="0" anchor="ctr"/>
+          <a:lstStyle/>
+          <a:p>
+            <a:endParaRPr lang="en-US" sz="1800" b="0" strike="noStrike" spc="-1">
               <a:solidFill>
                 <a:srgbClr val="000000"/>
               </a:solidFill>
@@ -2483,11 +2711,12 @@
           </a:prstGeom>
         </p:spPr>
         <p:txBody>
-          <a:bodyPr lIns="0" rIns="0" tIns="0" bIns="0">
+          <a:bodyPr lIns="0" tIns="0" rIns="0" bIns="0">
             <a:normAutofit/>
           </a:bodyPr>
-          <a:p>
-            <a:endParaRPr b="0" lang="en-US" sz="2800" spc="-1" strike="noStrike">
+          <a:lstStyle/>
+          <a:p>
+            <a:endParaRPr lang="en-US" sz="2800" b="0" strike="noStrike" spc="-1">
               <a:solidFill>
                 <a:srgbClr val="000000"/>
               </a:solidFill>
@@ -2516,11 +2745,12 @@
           </a:prstGeom>
         </p:spPr>
         <p:txBody>
-          <a:bodyPr lIns="0" rIns="0" tIns="0" bIns="0">
+          <a:bodyPr lIns="0" tIns="0" rIns="0" bIns="0">
             <a:normAutofit/>
           </a:bodyPr>
-          <a:p>
-            <a:endParaRPr b="0" lang="en-US" sz="2800" spc="-1" strike="noStrike">
+          <a:lstStyle/>
+          <a:p>
+            <a:endParaRPr lang="en-US" sz="2800" b="0" strike="noStrike" spc="-1">
               <a:solidFill>
                 <a:srgbClr val="000000"/>
               </a:solidFill>
@@ -2549,11 +2779,12 @@
           </a:prstGeom>
         </p:spPr>
         <p:txBody>
-          <a:bodyPr lIns="0" rIns="0" tIns="0" bIns="0">
+          <a:bodyPr lIns="0" tIns="0" rIns="0" bIns="0">
             <a:normAutofit/>
           </a:bodyPr>
-          <a:p>
-            <a:endParaRPr b="0" lang="en-US" sz="2800" spc="-1" strike="noStrike">
+          <a:lstStyle/>
+          <a:p>
+            <a:endParaRPr lang="en-US" sz="2800" b="0" strike="noStrike" spc="-1">
               <a:solidFill>
                 <a:srgbClr val="000000"/>
               </a:solidFill>
@@ -2564,11 +2795,14 @@
       </p:sp>
     </p:spTree>
   </p:cSld>
+  <p:clrMapOvr>
+    <a:masterClrMapping/>
+  </p:clrMapOvr>
 </p:sldLayout>
 </file>
 
 <file path=ppt/slideLayouts/slideLayout8.xml><?xml version="1.0" encoding="utf-8"?>
-<p:sldLayout xmlns:a="http://schemas.openxmlformats.org/drawingml/2006/main" xmlns:p="http://schemas.openxmlformats.org/presentationml/2006/main" xmlns:r="http://schemas.openxmlformats.org/officeDocument/2006/relationships" xmlns:p14="http://schemas.microsoft.com/office/powerpoint/2010/main" xmlns:p15="http://schemas.microsoft.com/office/powerpoint/2012/main" xmlns:mc="http://schemas.openxmlformats.org/markup-compatibility/2006" type="objAndTwoObj" preserve="1">
+<p:sldLayout xmlns:a="http://schemas.openxmlformats.org/drawingml/2006/main" xmlns:r="http://schemas.openxmlformats.org/officeDocument/2006/relationships" xmlns:p="http://schemas.openxmlformats.org/presentationml/2006/main" type="objAndTwoObj" preserve="1">
   <p:cSld name="Title Content and 2 Content">
     <p:spTree>
       <p:nvGrpSpPr>
@@ -2604,9 +2838,10 @@
           </a:prstGeom>
         </p:spPr>
         <p:txBody>
-          <a:bodyPr lIns="0" rIns="0" tIns="0" bIns="0" anchor="ctr"/>
-          <a:p>
-            <a:endParaRPr b="0" lang="en-US" sz="1800" spc="-1" strike="noStrike">
+          <a:bodyPr lIns="0" tIns="0" rIns="0" bIns="0" anchor="ctr"/>
+          <a:lstStyle/>
+          <a:p>
+            <a:endParaRPr lang="en-US" sz="1800" b="0" strike="noStrike" spc="-1">
               <a:solidFill>
                 <a:srgbClr val="000000"/>
               </a:solidFill>
@@ -2635,11 +2870,12 @@
           </a:prstGeom>
         </p:spPr>
         <p:txBody>
-          <a:bodyPr lIns="0" rIns="0" tIns="0" bIns="0">
+          <a:bodyPr lIns="0" tIns="0" rIns="0" bIns="0">
             <a:normAutofit/>
           </a:bodyPr>
-          <a:p>
-            <a:endParaRPr b="0" lang="en-US" sz="2800" spc="-1" strike="noStrike">
+          <a:lstStyle/>
+          <a:p>
+            <a:endParaRPr lang="en-US" sz="2800" b="0" strike="noStrike" spc="-1">
               <a:solidFill>
                 <a:srgbClr val="000000"/>
               </a:solidFill>
@@ -2668,11 +2904,12 @@
           </a:prstGeom>
         </p:spPr>
         <p:txBody>
-          <a:bodyPr lIns="0" rIns="0" tIns="0" bIns="0">
+          <a:bodyPr lIns="0" tIns="0" rIns="0" bIns="0">
             <a:normAutofit/>
           </a:bodyPr>
-          <a:p>
-            <a:endParaRPr b="0" lang="en-US" sz="2800" spc="-1" strike="noStrike">
+          <a:lstStyle/>
+          <a:p>
+            <a:endParaRPr lang="en-US" sz="2800" b="0" strike="noStrike" spc="-1">
               <a:solidFill>
                 <a:srgbClr val="000000"/>
               </a:solidFill>
@@ -2701,11 +2938,12 @@
           </a:prstGeom>
         </p:spPr>
         <p:txBody>
-          <a:bodyPr lIns="0" rIns="0" tIns="0" bIns="0">
+          <a:bodyPr lIns="0" tIns="0" rIns="0" bIns="0">
             <a:normAutofit/>
           </a:bodyPr>
-          <a:p>
-            <a:endParaRPr b="0" lang="en-US" sz="2800" spc="-1" strike="noStrike">
+          <a:lstStyle/>
+          <a:p>
+            <a:endParaRPr lang="en-US" sz="2800" b="0" strike="noStrike" spc="-1">
               <a:solidFill>
                 <a:srgbClr val="000000"/>
               </a:solidFill>
@@ -2716,11 +2954,14 @@
       </p:sp>
     </p:spTree>
   </p:cSld>
+  <p:clrMapOvr>
+    <a:masterClrMapping/>
+  </p:clrMapOvr>
 </p:sldLayout>
 </file>
 
 <file path=ppt/slideLayouts/slideLayout9.xml><?xml version="1.0" encoding="utf-8"?>
-<p:sldLayout xmlns:a="http://schemas.openxmlformats.org/drawingml/2006/main" xmlns:p="http://schemas.openxmlformats.org/presentationml/2006/main" xmlns:r="http://schemas.openxmlformats.org/officeDocument/2006/relationships" xmlns:p14="http://schemas.microsoft.com/office/powerpoint/2010/main" xmlns:p15="http://schemas.microsoft.com/office/powerpoint/2012/main" xmlns:mc="http://schemas.openxmlformats.org/markup-compatibility/2006" type="twoObjOverTx" preserve="1">
+<p:sldLayout xmlns:a="http://schemas.openxmlformats.org/drawingml/2006/main" xmlns:r="http://schemas.openxmlformats.org/officeDocument/2006/relationships" xmlns:p="http://schemas.openxmlformats.org/presentationml/2006/main" type="twoObjOverTx" preserve="1">
   <p:cSld name="Title, 2 Content over Content">
     <p:spTree>
       <p:nvGrpSpPr>
@@ -2756,9 +2997,10 @@
           </a:prstGeom>
         </p:spPr>
         <p:txBody>
-          <a:bodyPr lIns="0" rIns="0" tIns="0" bIns="0" anchor="ctr"/>
-          <a:p>
-            <a:endParaRPr b="0" lang="en-US" sz="1800" spc="-1" strike="noStrike">
+          <a:bodyPr lIns="0" tIns="0" rIns="0" bIns="0" anchor="ctr"/>
+          <a:lstStyle/>
+          <a:p>
+            <a:endParaRPr lang="en-US" sz="1800" b="0" strike="noStrike" spc="-1">
               <a:solidFill>
                 <a:srgbClr val="000000"/>
               </a:solidFill>
@@ -2787,11 +3029,12 @@
           </a:prstGeom>
         </p:spPr>
         <p:txBody>
-          <a:bodyPr lIns="0" rIns="0" tIns="0" bIns="0">
+          <a:bodyPr lIns="0" tIns="0" rIns="0" bIns="0">
             <a:normAutofit/>
           </a:bodyPr>
-          <a:p>
-            <a:endParaRPr b="0" lang="en-US" sz="2800" spc="-1" strike="noStrike">
+          <a:lstStyle/>
+          <a:p>
+            <a:endParaRPr lang="en-US" sz="2800" b="0" strike="noStrike" spc="-1">
               <a:solidFill>
                 <a:srgbClr val="000000"/>
               </a:solidFill>
@@ -2820,11 +3063,12 @@
           </a:prstGeom>
         </p:spPr>
         <p:txBody>
-          <a:bodyPr lIns="0" rIns="0" tIns="0" bIns="0">
+          <a:bodyPr lIns="0" tIns="0" rIns="0" bIns="0">
             <a:normAutofit/>
           </a:bodyPr>
-          <a:p>
-            <a:endParaRPr b="0" lang="en-US" sz="2800" spc="-1" strike="noStrike">
+          <a:lstStyle/>
+          <a:p>
+            <a:endParaRPr lang="en-US" sz="2800" b="0" strike="noStrike" spc="-1">
               <a:solidFill>
                 <a:srgbClr val="000000"/>
               </a:solidFill>
@@ -2853,11 +3097,12 @@
           </a:prstGeom>
         </p:spPr>
         <p:txBody>
-          <a:bodyPr lIns="0" rIns="0" tIns="0" bIns="0">
+          <a:bodyPr lIns="0" tIns="0" rIns="0" bIns="0">
             <a:normAutofit/>
           </a:bodyPr>
-          <a:p>
-            <a:endParaRPr b="0" lang="en-US" sz="2800" spc="-1" strike="noStrike">
+          <a:lstStyle/>
+          <a:p>
+            <a:endParaRPr lang="en-US" sz="2800" b="0" strike="noStrike" spc="-1">
               <a:solidFill>
                 <a:srgbClr val="000000"/>
               </a:solidFill>
@@ -2868,17 +3113,21 @@
       </p:sp>
     </p:spTree>
   </p:cSld>
+  <p:clrMapOvr>
+    <a:masterClrMapping/>
+  </p:clrMapOvr>
 </p:sldLayout>
 </file>
 
 <file path=ppt/slideMasters/slideMaster1.xml><?xml version="1.0" encoding="utf-8"?>
-<p:sldMaster xmlns:a="http://schemas.openxmlformats.org/drawingml/2006/main" xmlns:p="http://schemas.openxmlformats.org/presentationml/2006/main" xmlns:r="http://schemas.openxmlformats.org/officeDocument/2006/relationships" xmlns:p14="http://schemas.microsoft.com/office/powerpoint/2010/main" xmlns:p15="http://schemas.microsoft.com/office/powerpoint/2012/main" xmlns:mc="http://schemas.openxmlformats.org/markup-compatibility/2006">
+<p:sldMaster xmlns:a="http://schemas.openxmlformats.org/drawingml/2006/main" xmlns:r="http://schemas.openxmlformats.org/officeDocument/2006/relationships" xmlns:p="http://schemas.openxmlformats.org/presentationml/2006/main">
   <p:cSld>
     <p:bg>
       <p:bgPr>
         <a:solidFill>
-          <a:srgbClr val="ffffff"/>
+          <a:srgbClr val="FFFFFF"/>
         </a:solidFill>
+        <a:effectLst/>
       </p:bgPr>
     </p:bg>
     <p:spTree>
@@ -2897,7 +3146,7 @@
       </p:grpSpPr>
       <p:sp>
         <p:nvSpPr>
-          <p:cNvPr id="0" name="PlaceHolder 1"/>
+          <p:cNvPr id="5" name="PlaceHolder 1"/>
           <p:cNvSpPr>
             <a:spLocks noGrp="1"/>
           </p:cNvSpPr>
@@ -2916,6 +3165,7 @@
         </p:spPr>
         <p:txBody>
           <a:bodyPr anchor="b"/>
+          <a:lstStyle/>
           <a:p>
             <a:pPr algn="ctr">
               <a:lnSpc>
@@ -2923,7 +3173,7 @@
               </a:lnSpc>
             </a:pPr>
             <a:r>
-              <a:rPr b="0" lang="en-US" sz="6000" spc="-1" strike="noStrike">
+              <a:rPr lang="en-US" sz="6000" b="0" strike="noStrike" spc="-1">
                 <a:solidFill>
                   <a:srgbClr val="000000"/>
                 </a:solidFill>
@@ -2931,7 +3181,7 @@
               </a:rPr>
               <a:t>Click to edit Master title style</a:t>
             </a:r>
-            <a:endParaRPr b="0" lang="en-US" sz="6000" spc="-1" strike="noStrike">
+            <a:endParaRPr lang="en-US" sz="6000" b="0" strike="noStrike" spc="-1">
               <a:solidFill>
                 <a:srgbClr val="000000"/>
               </a:solidFill>
@@ -2942,7 +3192,7 @@
       </p:sp>
       <p:sp>
         <p:nvSpPr>
-          <p:cNvPr id="1" name="PlaceHolder 2"/>
+          <p:cNvPr id="6" name="PlaceHolder 2"/>
           <p:cNvSpPr>
             <a:spLocks noGrp="1"/>
           </p:cNvSpPr>
@@ -2961,6 +3211,7 @@
         </p:spPr>
         <p:txBody>
           <a:bodyPr anchor="ctr"/>
+          <a:lstStyle/>
           <a:p>
             <a:pPr>
               <a:lnSpc>
@@ -2968,15 +3219,15 @@
               </a:lnSpc>
             </a:pPr>
             <a:fld id="{0B972716-EEAE-41CB-829C-85AE2B9106A6}" type="datetime">
-              <a:rPr b="0" lang="en-US" sz="1200" spc="-1" strike="noStrike">
-                <a:solidFill>
-                  <a:srgbClr val="8b8b8b"/>
-                </a:solidFill>
-                <a:latin typeface="Calibri"/>
-              </a:rPr>
-              <a:t>3/31/21</a:t>
+              <a:rPr lang="en-US" sz="1200" b="0" strike="noStrike" spc="-1">
+                <a:solidFill>
+                  <a:srgbClr val="8B8B8B"/>
+                </a:solidFill>
+                <a:latin typeface="Calibri"/>
+              </a:rPr>
+              <a:t>4/2/2021</a:t>
             </a:fld>
-            <a:endParaRPr b="0" lang="en-US" sz="1200" spc="-1" strike="noStrike">
+            <a:endParaRPr lang="en-US" sz="1200" b="0" strike="noStrike" spc="-1">
               <a:latin typeface="Times New Roman"/>
             </a:endParaRPr>
           </a:p>
@@ -3003,8 +3254,9 @@
         </p:spPr>
         <p:txBody>
           <a:bodyPr anchor="ctr"/>
-          <a:p>
-            <a:endParaRPr b="0" lang="en-US" sz="2400" spc="-1" strike="noStrike">
+          <a:lstStyle/>
+          <a:p>
+            <a:endParaRPr lang="en-US" sz="2400" b="0" strike="noStrike" spc="-1">
               <a:latin typeface="Times New Roman"/>
             </a:endParaRPr>
           </a:p>
@@ -3031,6 +3283,7 @@
         </p:spPr>
         <p:txBody>
           <a:bodyPr anchor="ctr"/>
+          <a:lstStyle/>
           <a:p>
             <a:pPr algn="r">
               <a:lnSpc>
@@ -3038,15 +3291,15 @@
               </a:lnSpc>
             </a:pPr>
             <a:fld id="{D190B918-A752-40B8-9280-DFC0D0287F5A}" type="slidenum">
-              <a:rPr b="0" lang="en-US" sz="1200" spc="-1" strike="noStrike">
-                <a:solidFill>
-                  <a:srgbClr val="8b8b8b"/>
-                </a:solidFill>
-                <a:latin typeface="Calibri"/>
-              </a:rPr>
-              <a:t>&lt;number&gt;</a:t>
+              <a:rPr lang="en-US" sz="1200" b="0" strike="noStrike" spc="-1">
+                <a:solidFill>
+                  <a:srgbClr val="8B8B8B"/>
+                </a:solidFill>
+                <a:latin typeface="Calibri"/>
+              </a:rPr>
+              <a:t>‹#›</a:t>
             </a:fld>
-            <a:endParaRPr b="0" lang="en-US" sz="1200" spc="-1" strike="noStrike">
+            <a:endParaRPr lang="en-US" sz="1200" b="0" strike="noStrike" spc="-1">
               <a:latin typeface="Times New Roman"/>
             </a:endParaRPr>
           </a:p>
@@ -3072,9 +3325,10 @@
           </a:prstGeom>
         </p:spPr>
         <p:txBody>
-          <a:bodyPr lIns="0" rIns="0" tIns="0" bIns="0">
+          <a:bodyPr lIns="0" tIns="0" rIns="0" bIns="0">
             <a:normAutofit/>
           </a:bodyPr>
+          <a:lstStyle/>
           <a:p>
             <a:pPr marL="432000" indent="-324000">
               <a:spcBef>
@@ -3088,7 +3342,7 @@
               <a:buChar char=""/>
             </a:pPr>
             <a:r>
-              <a:rPr b="0" lang="en-US" sz="2800" spc="-1" strike="noStrike">
+              <a:rPr lang="en-US" sz="2800" b="0" strike="noStrike" spc="-1">
                 <a:solidFill>
                   <a:srgbClr val="000000"/>
                 </a:solidFill>
@@ -3096,15 +3350,9 @@
               </a:rPr>
               <a:t>Click to edit the outline text format</a:t>
             </a:r>
-            <a:endParaRPr b="0" lang="en-US" sz="2800" spc="-1" strike="noStrike">
-              <a:solidFill>
-                <a:srgbClr val="000000"/>
-              </a:solidFill>
-              <a:latin typeface="Calibri"/>
-            </a:endParaRPr>
-          </a:p>
-          <a:p>
-            <a:pPr lvl="1" marL="864000" indent="-324000">
+          </a:p>
+          <a:p>
+            <a:pPr marL="864000" lvl="1" indent="-324000">
               <a:spcBef>
                 <a:spcPts val="1134"/>
               </a:spcBef>
@@ -3116,7 +3364,7 @@
               <a:buChar char=""/>
             </a:pPr>
             <a:r>
-              <a:rPr b="0" lang="en-US" sz="2000" spc="-1" strike="noStrike">
+              <a:rPr lang="en-US" sz="2000" b="0" strike="noStrike" spc="-1">
                 <a:solidFill>
                   <a:srgbClr val="000000"/>
                 </a:solidFill>
@@ -3124,15 +3372,9 @@
               </a:rPr>
               <a:t>Second Outline Level</a:t>
             </a:r>
-            <a:endParaRPr b="0" lang="en-US" sz="2000" spc="-1" strike="noStrike">
-              <a:solidFill>
-                <a:srgbClr val="000000"/>
-              </a:solidFill>
-              <a:latin typeface="Calibri"/>
-            </a:endParaRPr>
-          </a:p>
-          <a:p>
-            <a:pPr lvl="2" marL="1296000" indent="-288000">
+          </a:p>
+          <a:p>
+            <a:pPr marL="1296000" lvl="2" indent="-288000">
               <a:spcBef>
                 <a:spcPts val="850"/>
               </a:spcBef>
@@ -3144,7 +3386,7 @@
               <a:buChar char=""/>
             </a:pPr>
             <a:r>
-              <a:rPr b="0" lang="en-US" sz="1800" spc="-1" strike="noStrike">
+              <a:rPr lang="en-US" sz="1800" b="0" strike="noStrike" spc="-1">
                 <a:solidFill>
                   <a:srgbClr val="000000"/>
                 </a:solidFill>
@@ -3152,15 +3394,9 @@
               </a:rPr>
               <a:t>Third Outline Level</a:t>
             </a:r>
-            <a:endParaRPr b="0" lang="en-US" sz="1800" spc="-1" strike="noStrike">
-              <a:solidFill>
-                <a:srgbClr val="000000"/>
-              </a:solidFill>
-              <a:latin typeface="Calibri"/>
-            </a:endParaRPr>
-          </a:p>
-          <a:p>
-            <a:pPr lvl="3" marL="1728000" indent="-216000">
+          </a:p>
+          <a:p>
+            <a:pPr marL="1728000" lvl="3" indent="-216000">
               <a:spcBef>
                 <a:spcPts val="567"/>
               </a:spcBef>
@@ -3172,7 +3408,7 @@
               <a:buChar char=""/>
             </a:pPr>
             <a:r>
-              <a:rPr b="0" lang="en-US" sz="1800" spc="-1" strike="noStrike">
+              <a:rPr lang="en-US" sz="1800" b="0" strike="noStrike" spc="-1">
                 <a:solidFill>
                   <a:srgbClr val="000000"/>
                 </a:solidFill>
@@ -3180,15 +3416,9 @@
               </a:rPr>
               <a:t>Fourth Outline Level</a:t>
             </a:r>
-            <a:endParaRPr b="0" lang="en-US" sz="1800" spc="-1" strike="noStrike">
-              <a:solidFill>
-                <a:srgbClr val="000000"/>
-              </a:solidFill>
-              <a:latin typeface="Calibri"/>
-            </a:endParaRPr>
-          </a:p>
-          <a:p>
-            <a:pPr lvl="4" marL="2160000" indent="-216000">
+          </a:p>
+          <a:p>
+            <a:pPr marL="2160000" lvl="4" indent="-216000">
               <a:spcBef>
                 <a:spcPts val="283"/>
               </a:spcBef>
@@ -3200,7 +3430,7 @@
               <a:buChar char=""/>
             </a:pPr>
             <a:r>
-              <a:rPr b="0" lang="en-US" sz="2000" spc="-1" strike="noStrike">
+              <a:rPr lang="en-US" sz="2000" b="0" strike="noStrike" spc="-1">
                 <a:solidFill>
                   <a:srgbClr val="000000"/>
                 </a:solidFill>
@@ -3208,15 +3438,9 @@
               </a:rPr>
               <a:t>Fifth Outline Level</a:t>
             </a:r>
-            <a:endParaRPr b="0" lang="en-US" sz="2000" spc="-1" strike="noStrike">
-              <a:solidFill>
-                <a:srgbClr val="000000"/>
-              </a:solidFill>
-              <a:latin typeface="Calibri"/>
-            </a:endParaRPr>
-          </a:p>
-          <a:p>
-            <a:pPr lvl="5" marL="2592000" indent="-216000">
+          </a:p>
+          <a:p>
+            <a:pPr marL="2592000" lvl="5" indent="-216000">
               <a:spcBef>
                 <a:spcPts val="283"/>
               </a:spcBef>
@@ -3228,7 +3452,7 @@
               <a:buChar char=""/>
             </a:pPr>
             <a:r>
-              <a:rPr b="0" lang="en-US" sz="2000" spc="-1" strike="noStrike">
+              <a:rPr lang="en-US" sz="2000" b="0" strike="noStrike" spc="-1">
                 <a:solidFill>
                   <a:srgbClr val="000000"/>
                 </a:solidFill>
@@ -3236,15 +3460,9 @@
               </a:rPr>
               <a:t>Sixth Outline Level</a:t>
             </a:r>
-            <a:endParaRPr b="0" lang="en-US" sz="2000" spc="-1" strike="noStrike">
-              <a:solidFill>
-                <a:srgbClr val="000000"/>
-              </a:solidFill>
-              <a:latin typeface="Calibri"/>
-            </a:endParaRPr>
-          </a:p>
-          <a:p>
-            <a:pPr lvl="6" marL="3024000" indent="-216000">
+          </a:p>
+          <a:p>
+            <a:pPr marL="3024000" lvl="6" indent="-216000">
               <a:spcBef>
                 <a:spcPts val="283"/>
               </a:spcBef>
@@ -3256,7 +3474,7 @@
               <a:buChar char=""/>
             </a:pPr>
             <a:r>
-              <a:rPr b="0" lang="en-US" sz="2000" spc="-1" strike="noStrike">
+              <a:rPr lang="en-US" sz="2000" b="0" strike="noStrike" spc="-1">
                 <a:solidFill>
                   <a:srgbClr val="000000"/>
                 </a:solidFill>
@@ -3264,43 +3482,318 @@
               </a:rPr>
               <a:t>Seventh Outline Level</a:t>
             </a:r>
-            <a:endParaRPr b="0" lang="en-US" sz="2000" spc="-1" strike="noStrike">
-              <a:solidFill>
-                <a:srgbClr val="000000"/>
-              </a:solidFill>
-              <a:latin typeface="Calibri"/>
-            </a:endParaRPr>
           </a:p>
         </p:txBody>
       </p:sp>
     </p:spTree>
   </p:cSld>
-  <p:clrMap bg1="lt1" bg2="lt2" tx1="dk1" tx2="dk2" accent1="accent1" accent2="accent2" accent3="accent3" accent4="accent4" accent5="accent5" accent6="accent6" hlink="hlink" folHlink="folHlink"/>
+  <p:clrMap bg1="lt1" tx1="dk1" bg2="lt2" tx2="dk2" accent1="accent1" accent2="accent2" accent3="accent3" accent4="accent4" accent5="accent5" accent6="accent6" hlink="hlink" folHlink="folHlink"/>
   <p:sldLayoutIdLst>
-    <p:sldLayoutId id="2147483649" r:id="rId2"/>
-    <p:sldLayoutId id="2147483650" r:id="rId3"/>
-    <p:sldLayoutId id="2147483651" r:id="rId4"/>
-    <p:sldLayoutId id="2147483652" r:id="rId5"/>
-    <p:sldLayoutId id="2147483653" r:id="rId6"/>
-    <p:sldLayoutId id="2147483654" r:id="rId7"/>
-    <p:sldLayoutId id="2147483655" r:id="rId8"/>
-    <p:sldLayoutId id="2147483656" r:id="rId9"/>
-    <p:sldLayoutId id="2147483657" r:id="rId10"/>
-    <p:sldLayoutId id="2147483658" r:id="rId11"/>
-    <p:sldLayoutId id="2147483659" r:id="rId12"/>
-    <p:sldLayoutId id="2147483660" r:id="rId13"/>
+    <p:sldLayoutId id="2147483649" r:id="rId1"/>
+    <p:sldLayoutId id="2147483650" r:id="rId2"/>
+    <p:sldLayoutId id="2147483651" r:id="rId3"/>
+    <p:sldLayoutId id="2147483652" r:id="rId4"/>
+    <p:sldLayoutId id="2147483653" r:id="rId5"/>
+    <p:sldLayoutId id="2147483654" r:id="rId6"/>
+    <p:sldLayoutId id="2147483655" r:id="rId7"/>
+    <p:sldLayoutId id="2147483656" r:id="rId8"/>
+    <p:sldLayoutId id="2147483657" r:id="rId9"/>
+    <p:sldLayoutId id="2147483658" r:id="rId10"/>
+    <p:sldLayoutId id="2147483659" r:id="rId11"/>
+    <p:sldLayoutId id="2147483660" r:id="rId12"/>
   </p:sldLayoutIdLst>
+  <p:txStyles>
+    <p:titleStyle>
+      <a:lvl1pPr algn="l" defTabSz="914400" rtl="0" eaLnBrk="1" latinLnBrk="0" hangingPunct="1">
+        <a:lnSpc>
+          <a:spcPct val="90000"/>
+        </a:lnSpc>
+        <a:spcBef>
+          <a:spcPct val="0"/>
+        </a:spcBef>
+        <a:buNone/>
+        <a:defRPr sz="4400" kern="1200">
+          <a:solidFill>
+            <a:schemeClr val="tx1"/>
+          </a:solidFill>
+          <a:latin typeface="+mj-lt"/>
+          <a:ea typeface="+mj-ea"/>
+          <a:cs typeface="+mj-cs"/>
+        </a:defRPr>
+      </a:lvl1pPr>
+    </p:titleStyle>
+    <p:bodyStyle>
+      <a:lvl1pPr marL="228600" indent="-228600" algn="l" defTabSz="914400" rtl="0" eaLnBrk="1" latinLnBrk="0" hangingPunct="1">
+        <a:lnSpc>
+          <a:spcPct val="90000"/>
+        </a:lnSpc>
+        <a:spcBef>
+          <a:spcPts val="1000"/>
+        </a:spcBef>
+        <a:buFont typeface="Arial" panose="020B0604020202020204" pitchFamily="34" charset="0"/>
+        <a:buChar char="•"/>
+        <a:defRPr sz="2800" kern="1200">
+          <a:solidFill>
+            <a:schemeClr val="tx1"/>
+          </a:solidFill>
+          <a:latin typeface="+mn-lt"/>
+          <a:ea typeface="+mn-ea"/>
+          <a:cs typeface="+mn-cs"/>
+        </a:defRPr>
+      </a:lvl1pPr>
+      <a:lvl2pPr marL="685800" indent="-228600" algn="l" defTabSz="914400" rtl="0" eaLnBrk="1" latinLnBrk="0" hangingPunct="1">
+        <a:lnSpc>
+          <a:spcPct val="90000"/>
+        </a:lnSpc>
+        <a:spcBef>
+          <a:spcPts val="500"/>
+        </a:spcBef>
+        <a:buFont typeface="Arial" panose="020B0604020202020204" pitchFamily="34" charset="0"/>
+        <a:buChar char="•"/>
+        <a:defRPr sz="2400" kern="1200">
+          <a:solidFill>
+            <a:schemeClr val="tx1"/>
+          </a:solidFill>
+          <a:latin typeface="+mn-lt"/>
+          <a:ea typeface="+mn-ea"/>
+          <a:cs typeface="+mn-cs"/>
+        </a:defRPr>
+      </a:lvl2pPr>
+      <a:lvl3pPr marL="1143000" indent="-228600" algn="l" defTabSz="914400" rtl="0" eaLnBrk="1" latinLnBrk="0" hangingPunct="1">
+        <a:lnSpc>
+          <a:spcPct val="90000"/>
+        </a:lnSpc>
+        <a:spcBef>
+          <a:spcPts val="500"/>
+        </a:spcBef>
+        <a:buFont typeface="Arial" panose="020B0604020202020204" pitchFamily="34" charset="0"/>
+        <a:buChar char="•"/>
+        <a:defRPr sz="2000" kern="1200">
+          <a:solidFill>
+            <a:schemeClr val="tx1"/>
+          </a:solidFill>
+          <a:latin typeface="+mn-lt"/>
+          <a:ea typeface="+mn-ea"/>
+          <a:cs typeface="+mn-cs"/>
+        </a:defRPr>
+      </a:lvl3pPr>
+      <a:lvl4pPr marL="1600200" indent="-228600" algn="l" defTabSz="914400" rtl="0" eaLnBrk="1" latinLnBrk="0" hangingPunct="1">
+        <a:lnSpc>
+          <a:spcPct val="90000"/>
+        </a:lnSpc>
+        <a:spcBef>
+          <a:spcPts val="500"/>
+        </a:spcBef>
+        <a:buFont typeface="Arial" panose="020B0604020202020204" pitchFamily="34" charset="0"/>
+        <a:buChar char="•"/>
+        <a:defRPr sz="1800" kern="1200">
+          <a:solidFill>
+            <a:schemeClr val="tx1"/>
+          </a:solidFill>
+          <a:latin typeface="+mn-lt"/>
+          <a:ea typeface="+mn-ea"/>
+          <a:cs typeface="+mn-cs"/>
+        </a:defRPr>
+      </a:lvl4pPr>
+      <a:lvl5pPr marL="2057400" indent="-228600" algn="l" defTabSz="914400" rtl="0" eaLnBrk="1" latinLnBrk="0" hangingPunct="1">
+        <a:lnSpc>
+          <a:spcPct val="90000"/>
+        </a:lnSpc>
+        <a:spcBef>
+          <a:spcPts val="500"/>
+        </a:spcBef>
+        <a:buFont typeface="Arial" panose="020B0604020202020204" pitchFamily="34" charset="0"/>
+        <a:buChar char="•"/>
+        <a:defRPr sz="1800" kern="1200">
+          <a:solidFill>
+            <a:schemeClr val="tx1"/>
+          </a:solidFill>
+          <a:latin typeface="+mn-lt"/>
+          <a:ea typeface="+mn-ea"/>
+          <a:cs typeface="+mn-cs"/>
+        </a:defRPr>
+      </a:lvl5pPr>
+      <a:lvl6pPr marL="2514600" indent="-228600" algn="l" defTabSz="914400" rtl="0" eaLnBrk="1" latinLnBrk="0" hangingPunct="1">
+        <a:lnSpc>
+          <a:spcPct val="90000"/>
+        </a:lnSpc>
+        <a:spcBef>
+          <a:spcPts val="500"/>
+        </a:spcBef>
+        <a:buFont typeface="Arial" panose="020B0604020202020204" pitchFamily="34" charset="0"/>
+        <a:buChar char="•"/>
+        <a:defRPr sz="1800" kern="1200">
+          <a:solidFill>
+            <a:schemeClr val="tx1"/>
+          </a:solidFill>
+          <a:latin typeface="+mn-lt"/>
+          <a:ea typeface="+mn-ea"/>
+          <a:cs typeface="+mn-cs"/>
+        </a:defRPr>
+      </a:lvl6pPr>
+      <a:lvl7pPr marL="2971800" indent="-228600" algn="l" defTabSz="914400" rtl="0" eaLnBrk="1" latinLnBrk="0" hangingPunct="1">
+        <a:lnSpc>
+          <a:spcPct val="90000"/>
+        </a:lnSpc>
+        <a:spcBef>
+          <a:spcPts val="500"/>
+        </a:spcBef>
+        <a:buFont typeface="Arial" panose="020B0604020202020204" pitchFamily="34" charset="0"/>
+        <a:buChar char="•"/>
+        <a:defRPr sz="1800" kern="1200">
+          <a:solidFill>
+            <a:schemeClr val="tx1"/>
+          </a:solidFill>
+          <a:latin typeface="+mn-lt"/>
+          <a:ea typeface="+mn-ea"/>
+          <a:cs typeface="+mn-cs"/>
+        </a:defRPr>
+      </a:lvl7pPr>
+      <a:lvl8pPr marL="3429000" indent="-228600" algn="l" defTabSz="914400" rtl="0" eaLnBrk="1" latinLnBrk="0" hangingPunct="1">
+        <a:lnSpc>
+          <a:spcPct val="90000"/>
+        </a:lnSpc>
+        <a:spcBef>
+          <a:spcPts val="500"/>
+        </a:spcBef>
+        <a:buFont typeface="Arial" panose="020B0604020202020204" pitchFamily="34" charset="0"/>
+        <a:buChar char="•"/>
+        <a:defRPr sz="1800" kern="1200">
+          <a:solidFill>
+            <a:schemeClr val="tx1"/>
+          </a:solidFill>
+          <a:latin typeface="+mn-lt"/>
+          <a:ea typeface="+mn-ea"/>
+          <a:cs typeface="+mn-cs"/>
+        </a:defRPr>
+      </a:lvl8pPr>
+      <a:lvl9pPr marL="3886200" indent="-228600" algn="l" defTabSz="914400" rtl="0" eaLnBrk="1" latinLnBrk="0" hangingPunct="1">
+        <a:lnSpc>
+          <a:spcPct val="90000"/>
+        </a:lnSpc>
+        <a:spcBef>
+          <a:spcPts val="500"/>
+        </a:spcBef>
+        <a:buFont typeface="Arial" panose="020B0604020202020204" pitchFamily="34" charset="0"/>
+        <a:buChar char="•"/>
+        <a:defRPr sz="1800" kern="1200">
+          <a:solidFill>
+            <a:schemeClr val="tx1"/>
+          </a:solidFill>
+          <a:latin typeface="+mn-lt"/>
+          <a:ea typeface="+mn-ea"/>
+          <a:cs typeface="+mn-cs"/>
+        </a:defRPr>
+      </a:lvl9pPr>
+    </p:bodyStyle>
+    <p:otherStyle>
+      <a:defPPr>
+        <a:defRPr lang="en-US"/>
+      </a:defPPr>
+      <a:lvl1pPr marL="0" algn="l" defTabSz="914400" rtl="0" eaLnBrk="1" latinLnBrk="0" hangingPunct="1">
+        <a:defRPr sz="1800" kern="1200">
+          <a:solidFill>
+            <a:schemeClr val="tx1"/>
+          </a:solidFill>
+          <a:latin typeface="+mn-lt"/>
+          <a:ea typeface="+mn-ea"/>
+          <a:cs typeface="+mn-cs"/>
+        </a:defRPr>
+      </a:lvl1pPr>
+      <a:lvl2pPr marL="457200" algn="l" defTabSz="914400" rtl="0" eaLnBrk="1" latinLnBrk="0" hangingPunct="1">
+        <a:defRPr sz="1800" kern="1200">
+          <a:solidFill>
+            <a:schemeClr val="tx1"/>
+          </a:solidFill>
+          <a:latin typeface="+mn-lt"/>
+          <a:ea typeface="+mn-ea"/>
+          <a:cs typeface="+mn-cs"/>
+        </a:defRPr>
+      </a:lvl2pPr>
+      <a:lvl3pPr marL="914400" algn="l" defTabSz="914400" rtl="0" eaLnBrk="1" latinLnBrk="0" hangingPunct="1">
+        <a:defRPr sz="1800" kern="1200">
+          <a:solidFill>
+            <a:schemeClr val="tx1"/>
+          </a:solidFill>
+          <a:latin typeface="+mn-lt"/>
+          <a:ea typeface="+mn-ea"/>
+          <a:cs typeface="+mn-cs"/>
+        </a:defRPr>
+      </a:lvl3pPr>
+      <a:lvl4pPr marL="1371600" algn="l" defTabSz="914400" rtl="0" eaLnBrk="1" latinLnBrk="0" hangingPunct="1">
+        <a:defRPr sz="1800" kern="1200">
+          <a:solidFill>
+            <a:schemeClr val="tx1"/>
+          </a:solidFill>
+          <a:latin typeface="+mn-lt"/>
+          <a:ea typeface="+mn-ea"/>
+          <a:cs typeface="+mn-cs"/>
+        </a:defRPr>
+      </a:lvl4pPr>
+      <a:lvl5pPr marL="1828800" algn="l" defTabSz="914400" rtl="0" eaLnBrk="1" latinLnBrk="0" hangingPunct="1">
+        <a:defRPr sz="1800" kern="1200">
+          <a:solidFill>
+            <a:schemeClr val="tx1"/>
+          </a:solidFill>
+          <a:latin typeface="+mn-lt"/>
+          <a:ea typeface="+mn-ea"/>
+          <a:cs typeface="+mn-cs"/>
+        </a:defRPr>
+      </a:lvl5pPr>
+      <a:lvl6pPr marL="2286000" algn="l" defTabSz="914400" rtl="0" eaLnBrk="1" latinLnBrk="0" hangingPunct="1">
+        <a:defRPr sz="1800" kern="1200">
+          <a:solidFill>
+            <a:schemeClr val="tx1"/>
+          </a:solidFill>
+          <a:latin typeface="+mn-lt"/>
+          <a:ea typeface="+mn-ea"/>
+          <a:cs typeface="+mn-cs"/>
+        </a:defRPr>
+      </a:lvl6pPr>
+      <a:lvl7pPr marL="2743200" algn="l" defTabSz="914400" rtl="0" eaLnBrk="1" latinLnBrk="0" hangingPunct="1">
+        <a:defRPr sz="1800" kern="1200">
+          <a:solidFill>
+            <a:schemeClr val="tx1"/>
+          </a:solidFill>
+          <a:latin typeface="+mn-lt"/>
+          <a:ea typeface="+mn-ea"/>
+          <a:cs typeface="+mn-cs"/>
+        </a:defRPr>
+      </a:lvl7pPr>
+      <a:lvl8pPr marL="3200400" algn="l" defTabSz="914400" rtl="0" eaLnBrk="1" latinLnBrk="0" hangingPunct="1">
+        <a:defRPr sz="1800" kern="1200">
+          <a:solidFill>
+            <a:schemeClr val="tx1"/>
+          </a:solidFill>
+          <a:latin typeface="+mn-lt"/>
+          <a:ea typeface="+mn-ea"/>
+          <a:cs typeface="+mn-cs"/>
+        </a:defRPr>
+      </a:lvl8pPr>
+      <a:lvl9pPr marL="3657600" algn="l" defTabSz="914400" rtl="0" eaLnBrk="1" latinLnBrk="0" hangingPunct="1">
+        <a:defRPr sz="1800" kern="1200">
+          <a:solidFill>
+            <a:schemeClr val="tx1"/>
+          </a:solidFill>
+          <a:latin typeface="+mn-lt"/>
+          <a:ea typeface="+mn-ea"/>
+          <a:cs typeface="+mn-cs"/>
+        </a:defRPr>
+      </a:lvl9pPr>
+    </p:otherStyle>
+  </p:txStyles>
 </p:sldMaster>
 </file>
 
 <file path=ppt/slideMasters/slideMaster2.xml><?xml version="1.0" encoding="utf-8"?>
-<p:sldMaster xmlns:a="http://schemas.openxmlformats.org/drawingml/2006/main" xmlns:p="http://schemas.openxmlformats.org/presentationml/2006/main" xmlns:r="http://schemas.openxmlformats.org/officeDocument/2006/relationships" xmlns:p14="http://schemas.microsoft.com/office/powerpoint/2010/main" xmlns:p15="http://schemas.microsoft.com/office/powerpoint/2012/main" xmlns:mc="http://schemas.openxmlformats.org/markup-compatibility/2006">
+<p:sldMaster xmlns:a="http://schemas.openxmlformats.org/drawingml/2006/main" xmlns:r="http://schemas.openxmlformats.org/officeDocument/2006/relationships" xmlns:p="http://schemas.openxmlformats.org/presentationml/2006/main">
   <p:cSld>
     <p:bg>
       <p:bgPr>
         <a:solidFill>
-          <a:srgbClr val="ffffff"/>
+          <a:srgbClr val="FFFFFF"/>
         </a:solidFill>
+        <a:effectLst/>
       </p:bgPr>
     </p:bg>
     <p:spTree>
@@ -3338,6 +3831,7 @@
         </p:spPr>
         <p:txBody>
           <a:bodyPr anchor="ctr"/>
+          <a:lstStyle/>
           <a:p>
             <a:pPr>
               <a:lnSpc>
@@ -3345,7 +3839,7 @@
               </a:lnSpc>
             </a:pPr>
             <a:r>
-              <a:rPr b="0" lang="en-US" sz="4400" spc="-1" strike="noStrike">
+              <a:rPr lang="en-US" sz="4400" b="0" strike="noStrike" spc="-1">
                 <a:solidFill>
                   <a:srgbClr val="000000"/>
                 </a:solidFill>
@@ -3353,7 +3847,7 @@
               </a:rPr>
               <a:t>Click to edit Master title style</a:t>
             </a:r>
-            <a:endParaRPr b="0" lang="en-US" sz="4400" spc="-1" strike="noStrike">
+            <a:endParaRPr lang="en-US" sz="4400" b="0" strike="noStrike" spc="-1">
               <a:solidFill>
                 <a:srgbClr val="000000"/>
               </a:solidFill>
@@ -3383,6 +3877,7 @@
         </p:spPr>
         <p:txBody>
           <a:bodyPr/>
+          <a:lstStyle/>
           <a:p>
             <a:pPr marL="228600" indent="-228240">
               <a:lnSpc>
@@ -3398,7 +3893,7 @@
               <a:buChar char="•"/>
             </a:pPr>
             <a:r>
-              <a:rPr b="0" lang="en-US" sz="2800" spc="-1" strike="noStrike">
+              <a:rPr lang="en-US" sz="2800" b="0" strike="noStrike" spc="-1">
                 <a:solidFill>
                   <a:srgbClr val="000000"/>
                 </a:solidFill>
@@ -3406,15 +3901,9 @@
               </a:rPr>
               <a:t>Edit Master text styles</a:t>
             </a:r>
-            <a:endParaRPr b="0" lang="en-US" sz="2800" spc="-1" strike="noStrike">
-              <a:solidFill>
-                <a:srgbClr val="000000"/>
-              </a:solidFill>
-              <a:latin typeface="Calibri"/>
-            </a:endParaRPr>
-          </a:p>
-          <a:p>
-            <a:pPr lvl="1" marL="685800" indent="-228240">
+          </a:p>
+          <a:p>
+            <a:pPr marL="685800" lvl="1" indent="-228240">
               <a:lnSpc>
                 <a:spcPct val="90000"/>
               </a:lnSpc>
@@ -3428,7 +3917,7 @@
               <a:buChar char="•"/>
             </a:pPr>
             <a:r>
-              <a:rPr b="0" lang="en-US" sz="2400" spc="-1" strike="noStrike">
+              <a:rPr lang="en-US" sz="2400" b="0" strike="noStrike" spc="-1">
                 <a:solidFill>
                   <a:srgbClr val="000000"/>
                 </a:solidFill>
@@ -3436,15 +3925,9 @@
               </a:rPr>
               <a:t>Second level</a:t>
             </a:r>
-            <a:endParaRPr b="0" lang="en-US" sz="2400" spc="-1" strike="noStrike">
-              <a:solidFill>
-                <a:srgbClr val="000000"/>
-              </a:solidFill>
-              <a:latin typeface="Calibri"/>
-            </a:endParaRPr>
-          </a:p>
-          <a:p>
-            <a:pPr lvl="2" marL="1143000" indent="-228240">
+          </a:p>
+          <a:p>
+            <a:pPr marL="1143000" lvl="2" indent="-228240">
               <a:lnSpc>
                 <a:spcPct val="90000"/>
               </a:lnSpc>
@@ -3458,7 +3941,7 @@
               <a:buChar char="•"/>
             </a:pPr>
             <a:r>
-              <a:rPr b="0" lang="en-US" sz="2000" spc="-1" strike="noStrike">
+              <a:rPr lang="en-US" sz="2000" b="0" strike="noStrike" spc="-1">
                 <a:solidFill>
                   <a:srgbClr val="000000"/>
                 </a:solidFill>
@@ -3466,15 +3949,9 @@
               </a:rPr>
               <a:t>Third level</a:t>
             </a:r>
-            <a:endParaRPr b="0" lang="en-US" sz="2000" spc="-1" strike="noStrike">
-              <a:solidFill>
-                <a:srgbClr val="000000"/>
-              </a:solidFill>
-              <a:latin typeface="Calibri"/>
-            </a:endParaRPr>
-          </a:p>
-          <a:p>
-            <a:pPr lvl="3" marL="1600200" indent="-228240">
+          </a:p>
+          <a:p>
+            <a:pPr marL="1600200" lvl="3" indent="-228240">
               <a:lnSpc>
                 <a:spcPct val="90000"/>
               </a:lnSpc>
@@ -3488,7 +3965,7 @@
               <a:buChar char="•"/>
             </a:pPr>
             <a:r>
-              <a:rPr b="0" lang="en-US" sz="1800" spc="-1" strike="noStrike">
+              <a:rPr lang="en-US" sz="1800" b="0" strike="noStrike" spc="-1">
                 <a:solidFill>
                   <a:srgbClr val="000000"/>
                 </a:solidFill>
@@ -3496,15 +3973,9 @@
               </a:rPr>
               <a:t>Fourth level</a:t>
             </a:r>
-            <a:endParaRPr b="0" lang="en-US" sz="1800" spc="-1" strike="noStrike">
-              <a:solidFill>
-                <a:srgbClr val="000000"/>
-              </a:solidFill>
-              <a:latin typeface="Calibri"/>
-            </a:endParaRPr>
-          </a:p>
-          <a:p>
-            <a:pPr lvl="4" marL="2057400" indent="-228240">
+          </a:p>
+          <a:p>
+            <a:pPr marL="2057400" lvl="4" indent="-228240">
               <a:lnSpc>
                 <a:spcPct val="90000"/>
               </a:lnSpc>
@@ -3518,7 +3989,7 @@
               <a:buChar char="•"/>
             </a:pPr>
             <a:r>
-              <a:rPr b="0" lang="en-US" sz="1800" spc="-1" strike="noStrike">
+              <a:rPr lang="en-US" sz="1800" b="0" strike="noStrike" spc="-1">
                 <a:solidFill>
                   <a:srgbClr val="000000"/>
                 </a:solidFill>
@@ -3526,12 +3997,6 @@
               </a:rPr>
               <a:t>Fifth level</a:t>
             </a:r>
-            <a:endParaRPr b="0" lang="en-US" sz="1800" spc="-1" strike="noStrike">
-              <a:solidFill>
-                <a:srgbClr val="000000"/>
-              </a:solidFill>
-              <a:latin typeface="Calibri"/>
-            </a:endParaRPr>
           </a:p>
         </p:txBody>
       </p:sp>
@@ -3556,6 +4021,7 @@
         </p:spPr>
         <p:txBody>
           <a:bodyPr anchor="ctr"/>
+          <a:lstStyle/>
           <a:p>
             <a:pPr>
               <a:lnSpc>
@@ -3563,15 +4029,15 @@
               </a:lnSpc>
             </a:pPr>
             <a:fld id="{4BEEEB2E-DFBE-4457-9569-F05F644C73EE}" type="datetime">
-              <a:rPr b="0" lang="en-US" sz="1200" spc="-1" strike="noStrike">
-                <a:solidFill>
-                  <a:srgbClr val="8b8b8b"/>
-                </a:solidFill>
-                <a:latin typeface="Calibri"/>
-              </a:rPr>
-              <a:t>3/31/21</a:t>
+              <a:rPr lang="en-US" sz="1200" b="0" strike="noStrike" spc="-1">
+                <a:solidFill>
+                  <a:srgbClr val="8B8B8B"/>
+                </a:solidFill>
+                <a:latin typeface="Calibri"/>
+              </a:rPr>
+              <a:t>4/2/2021</a:t>
             </a:fld>
-            <a:endParaRPr b="0" lang="en-US" sz="1200" spc="-1" strike="noStrike">
+            <a:endParaRPr lang="en-US" sz="1200" b="0" strike="noStrike" spc="-1">
               <a:latin typeface="Times New Roman"/>
             </a:endParaRPr>
           </a:p>
@@ -3598,8 +4064,9 @@
         </p:spPr>
         <p:txBody>
           <a:bodyPr anchor="ctr"/>
-          <a:p>
-            <a:endParaRPr b="0" lang="en-US" sz="2400" spc="-1" strike="noStrike">
+          <a:lstStyle/>
+          <a:p>
+            <a:endParaRPr lang="en-US" sz="2400" b="0" strike="noStrike" spc="-1">
               <a:latin typeface="Times New Roman"/>
             </a:endParaRPr>
           </a:p>
@@ -3626,6 +4093,7 @@
         </p:spPr>
         <p:txBody>
           <a:bodyPr anchor="ctr"/>
+          <a:lstStyle/>
           <a:p>
             <a:pPr algn="r">
               <a:lnSpc>
@@ -3633,15 +4101,15 @@
               </a:lnSpc>
             </a:pPr>
             <a:fld id="{72FD8FEF-56C0-49A8-B5E0-E036880B42EE}" type="slidenum">
-              <a:rPr b="0" lang="en-US" sz="1200" spc="-1" strike="noStrike">
-                <a:solidFill>
-                  <a:srgbClr val="8b8b8b"/>
-                </a:solidFill>
-                <a:latin typeface="Calibri"/>
-              </a:rPr>
-              <a:t>&lt;number&gt;</a:t>
+              <a:rPr lang="en-US" sz="1200" b="0" strike="noStrike" spc="-1">
+                <a:solidFill>
+                  <a:srgbClr val="8B8B8B"/>
+                </a:solidFill>
+                <a:latin typeface="Calibri"/>
+              </a:rPr>
+              <a:t>‹#›</a:t>
             </a:fld>
-            <a:endParaRPr b="0" lang="en-US" sz="1200" spc="-1" strike="noStrike">
+            <a:endParaRPr lang="en-US" sz="1200" b="0" strike="noStrike" spc="-1">
               <a:latin typeface="Times New Roman"/>
             </a:endParaRPr>
           </a:p>
@@ -3649,26 +4117,306 @@
       </p:sp>
     </p:spTree>
   </p:cSld>
-  <p:clrMap bg1="lt1" bg2="lt2" tx1="dk1" tx2="dk2" accent1="accent1" accent2="accent2" accent3="accent3" accent4="accent4" accent5="accent5" accent6="accent6" hlink="hlink" folHlink="folHlink"/>
+  <p:clrMap bg1="lt1" tx1="dk1" bg2="lt2" tx2="dk2" accent1="accent1" accent2="accent2" accent3="accent3" accent4="accent4" accent5="accent5" accent6="accent6" hlink="hlink" folHlink="folHlink"/>
   <p:sldLayoutIdLst>
-    <p:sldLayoutId id="2147483662" r:id="rId2"/>
-    <p:sldLayoutId id="2147483663" r:id="rId3"/>
-    <p:sldLayoutId id="2147483664" r:id="rId4"/>
-    <p:sldLayoutId id="2147483665" r:id="rId5"/>
-    <p:sldLayoutId id="2147483666" r:id="rId6"/>
-    <p:sldLayoutId id="2147483667" r:id="rId7"/>
-    <p:sldLayoutId id="2147483668" r:id="rId8"/>
-    <p:sldLayoutId id="2147483669" r:id="rId9"/>
-    <p:sldLayoutId id="2147483670" r:id="rId10"/>
-    <p:sldLayoutId id="2147483671" r:id="rId11"/>
-    <p:sldLayoutId id="2147483672" r:id="rId12"/>
-    <p:sldLayoutId id="2147483673" r:id="rId13"/>
+    <p:sldLayoutId id="2147483662" r:id="rId1"/>
+    <p:sldLayoutId id="2147483663" r:id="rId2"/>
+    <p:sldLayoutId id="2147483664" r:id="rId3"/>
+    <p:sldLayoutId id="2147483665" r:id="rId4"/>
+    <p:sldLayoutId id="2147483666" r:id="rId5"/>
+    <p:sldLayoutId id="2147483667" r:id="rId6"/>
+    <p:sldLayoutId id="2147483668" r:id="rId7"/>
+    <p:sldLayoutId id="2147483669" r:id="rId8"/>
+    <p:sldLayoutId id="2147483670" r:id="rId9"/>
+    <p:sldLayoutId id="2147483671" r:id="rId10"/>
+    <p:sldLayoutId id="2147483672" r:id="rId11"/>
+    <p:sldLayoutId id="2147483673" r:id="rId12"/>
   </p:sldLayoutIdLst>
+  <p:txStyles>
+    <p:titleStyle>
+      <a:lvl1pPr algn="l" defTabSz="914400" rtl="0" eaLnBrk="1" latinLnBrk="0" hangingPunct="1">
+        <a:lnSpc>
+          <a:spcPct val="90000"/>
+        </a:lnSpc>
+        <a:spcBef>
+          <a:spcPct val="0"/>
+        </a:spcBef>
+        <a:buNone/>
+        <a:defRPr sz="4400" kern="1200">
+          <a:solidFill>
+            <a:schemeClr val="tx1"/>
+          </a:solidFill>
+          <a:latin typeface="+mj-lt"/>
+          <a:ea typeface="+mj-ea"/>
+          <a:cs typeface="+mj-cs"/>
+        </a:defRPr>
+      </a:lvl1pPr>
+    </p:titleStyle>
+    <p:bodyStyle>
+      <a:lvl1pPr marL="228600" indent="-228600" algn="l" defTabSz="914400" rtl="0" eaLnBrk="1" latinLnBrk="0" hangingPunct="1">
+        <a:lnSpc>
+          <a:spcPct val="90000"/>
+        </a:lnSpc>
+        <a:spcBef>
+          <a:spcPts val="1000"/>
+        </a:spcBef>
+        <a:buFont typeface="Arial" panose="020B0604020202020204" pitchFamily="34" charset="0"/>
+        <a:buChar char="•"/>
+        <a:defRPr sz="2800" kern="1200">
+          <a:solidFill>
+            <a:schemeClr val="tx1"/>
+          </a:solidFill>
+          <a:latin typeface="+mn-lt"/>
+          <a:ea typeface="+mn-ea"/>
+          <a:cs typeface="+mn-cs"/>
+        </a:defRPr>
+      </a:lvl1pPr>
+      <a:lvl2pPr marL="685800" indent="-228600" algn="l" defTabSz="914400" rtl="0" eaLnBrk="1" latinLnBrk="0" hangingPunct="1">
+        <a:lnSpc>
+          <a:spcPct val="90000"/>
+        </a:lnSpc>
+        <a:spcBef>
+          <a:spcPts val="500"/>
+        </a:spcBef>
+        <a:buFont typeface="Arial" panose="020B0604020202020204" pitchFamily="34" charset="0"/>
+        <a:buChar char="•"/>
+        <a:defRPr sz="2400" kern="1200">
+          <a:solidFill>
+            <a:schemeClr val="tx1"/>
+          </a:solidFill>
+          <a:latin typeface="+mn-lt"/>
+          <a:ea typeface="+mn-ea"/>
+          <a:cs typeface="+mn-cs"/>
+        </a:defRPr>
+      </a:lvl2pPr>
+      <a:lvl3pPr marL="1143000" indent="-228600" algn="l" defTabSz="914400" rtl="0" eaLnBrk="1" latinLnBrk="0" hangingPunct="1">
+        <a:lnSpc>
+          <a:spcPct val="90000"/>
+        </a:lnSpc>
+        <a:spcBef>
+          <a:spcPts val="500"/>
+        </a:spcBef>
+        <a:buFont typeface="Arial" panose="020B0604020202020204" pitchFamily="34" charset="0"/>
+        <a:buChar char="•"/>
+        <a:defRPr sz="2000" kern="1200">
+          <a:solidFill>
+            <a:schemeClr val="tx1"/>
+          </a:solidFill>
+          <a:latin typeface="+mn-lt"/>
+          <a:ea typeface="+mn-ea"/>
+          <a:cs typeface="+mn-cs"/>
+        </a:defRPr>
+      </a:lvl3pPr>
+      <a:lvl4pPr marL="1600200" indent="-228600" algn="l" defTabSz="914400" rtl="0" eaLnBrk="1" latinLnBrk="0" hangingPunct="1">
+        <a:lnSpc>
+          <a:spcPct val="90000"/>
+        </a:lnSpc>
+        <a:spcBef>
+          <a:spcPts val="500"/>
+        </a:spcBef>
+        <a:buFont typeface="Arial" panose="020B0604020202020204" pitchFamily="34" charset="0"/>
+        <a:buChar char="•"/>
+        <a:defRPr sz="1800" kern="1200">
+          <a:solidFill>
+            <a:schemeClr val="tx1"/>
+          </a:solidFill>
+          <a:latin typeface="+mn-lt"/>
+          <a:ea typeface="+mn-ea"/>
+          <a:cs typeface="+mn-cs"/>
+        </a:defRPr>
+      </a:lvl4pPr>
+      <a:lvl5pPr marL="2057400" indent="-228600" algn="l" defTabSz="914400" rtl="0" eaLnBrk="1" latinLnBrk="0" hangingPunct="1">
+        <a:lnSpc>
+          <a:spcPct val="90000"/>
+        </a:lnSpc>
+        <a:spcBef>
+          <a:spcPts val="500"/>
+        </a:spcBef>
+        <a:buFont typeface="Arial" panose="020B0604020202020204" pitchFamily="34" charset="0"/>
+        <a:buChar char="•"/>
+        <a:defRPr sz="1800" kern="1200">
+          <a:solidFill>
+            <a:schemeClr val="tx1"/>
+          </a:solidFill>
+          <a:latin typeface="+mn-lt"/>
+          <a:ea typeface="+mn-ea"/>
+          <a:cs typeface="+mn-cs"/>
+        </a:defRPr>
+      </a:lvl5pPr>
+      <a:lvl6pPr marL="2514600" indent="-228600" algn="l" defTabSz="914400" rtl="0" eaLnBrk="1" latinLnBrk="0" hangingPunct="1">
+        <a:lnSpc>
+          <a:spcPct val="90000"/>
+        </a:lnSpc>
+        <a:spcBef>
+          <a:spcPts val="500"/>
+        </a:spcBef>
+        <a:buFont typeface="Arial" panose="020B0604020202020204" pitchFamily="34" charset="0"/>
+        <a:buChar char="•"/>
+        <a:defRPr sz="1800" kern="1200">
+          <a:solidFill>
+            <a:schemeClr val="tx1"/>
+          </a:solidFill>
+          <a:latin typeface="+mn-lt"/>
+          <a:ea typeface="+mn-ea"/>
+          <a:cs typeface="+mn-cs"/>
+        </a:defRPr>
+      </a:lvl6pPr>
+      <a:lvl7pPr marL="2971800" indent="-228600" algn="l" defTabSz="914400" rtl="0" eaLnBrk="1" latinLnBrk="0" hangingPunct="1">
+        <a:lnSpc>
+          <a:spcPct val="90000"/>
+        </a:lnSpc>
+        <a:spcBef>
+          <a:spcPts val="500"/>
+        </a:spcBef>
+        <a:buFont typeface="Arial" panose="020B0604020202020204" pitchFamily="34" charset="0"/>
+        <a:buChar char="•"/>
+        <a:defRPr sz="1800" kern="1200">
+          <a:solidFill>
+            <a:schemeClr val="tx1"/>
+          </a:solidFill>
+          <a:latin typeface="+mn-lt"/>
+          <a:ea typeface="+mn-ea"/>
+          <a:cs typeface="+mn-cs"/>
+        </a:defRPr>
+      </a:lvl7pPr>
+      <a:lvl8pPr marL="3429000" indent="-228600" algn="l" defTabSz="914400" rtl="0" eaLnBrk="1" latinLnBrk="0" hangingPunct="1">
+        <a:lnSpc>
+          <a:spcPct val="90000"/>
+        </a:lnSpc>
+        <a:spcBef>
+          <a:spcPts val="500"/>
+        </a:spcBef>
+        <a:buFont typeface="Arial" panose="020B0604020202020204" pitchFamily="34" charset="0"/>
+        <a:buChar char="•"/>
+        <a:defRPr sz="1800" kern="1200">
+          <a:solidFill>
+            <a:schemeClr val="tx1"/>
+          </a:solidFill>
+          <a:latin typeface="+mn-lt"/>
+          <a:ea typeface="+mn-ea"/>
+          <a:cs typeface="+mn-cs"/>
+        </a:defRPr>
+      </a:lvl8pPr>
+      <a:lvl9pPr marL="3886200" indent="-228600" algn="l" defTabSz="914400" rtl="0" eaLnBrk="1" latinLnBrk="0" hangingPunct="1">
+        <a:lnSpc>
+          <a:spcPct val="90000"/>
+        </a:lnSpc>
+        <a:spcBef>
+          <a:spcPts val="500"/>
+        </a:spcBef>
+        <a:buFont typeface="Arial" panose="020B0604020202020204" pitchFamily="34" charset="0"/>
+        <a:buChar char="•"/>
+        <a:defRPr sz="1800" kern="1200">
+          <a:solidFill>
+            <a:schemeClr val="tx1"/>
+          </a:solidFill>
+          <a:latin typeface="+mn-lt"/>
+          <a:ea typeface="+mn-ea"/>
+          <a:cs typeface="+mn-cs"/>
+        </a:defRPr>
+      </a:lvl9pPr>
+    </p:bodyStyle>
+    <p:otherStyle>
+      <a:defPPr>
+        <a:defRPr lang="en-US"/>
+      </a:defPPr>
+      <a:lvl1pPr marL="0" algn="l" defTabSz="914400" rtl="0" eaLnBrk="1" latinLnBrk="0" hangingPunct="1">
+        <a:defRPr sz="1800" kern="1200">
+          <a:solidFill>
+            <a:schemeClr val="tx1"/>
+          </a:solidFill>
+          <a:latin typeface="+mn-lt"/>
+          <a:ea typeface="+mn-ea"/>
+          <a:cs typeface="+mn-cs"/>
+        </a:defRPr>
+      </a:lvl1pPr>
+      <a:lvl2pPr marL="457200" algn="l" defTabSz="914400" rtl="0" eaLnBrk="1" latinLnBrk="0" hangingPunct="1">
+        <a:defRPr sz="1800" kern="1200">
+          <a:solidFill>
+            <a:schemeClr val="tx1"/>
+          </a:solidFill>
+          <a:latin typeface="+mn-lt"/>
+          <a:ea typeface="+mn-ea"/>
+          <a:cs typeface="+mn-cs"/>
+        </a:defRPr>
+      </a:lvl2pPr>
+      <a:lvl3pPr marL="914400" algn="l" defTabSz="914400" rtl="0" eaLnBrk="1" latinLnBrk="0" hangingPunct="1">
+        <a:defRPr sz="1800" kern="1200">
+          <a:solidFill>
+            <a:schemeClr val="tx1"/>
+          </a:solidFill>
+          <a:latin typeface="+mn-lt"/>
+          <a:ea typeface="+mn-ea"/>
+          <a:cs typeface="+mn-cs"/>
+        </a:defRPr>
+      </a:lvl3pPr>
+      <a:lvl4pPr marL="1371600" algn="l" defTabSz="914400" rtl="0" eaLnBrk="1" latinLnBrk="0" hangingPunct="1">
+        <a:defRPr sz="1800" kern="1200">
+          <a:solidFill>
+            <a:schemeClr val="tx1"/>
+          </a:solidFill>
+          <a:latin typeface="+mn-lt"/>
+          <a:ea typeface="+mn-ea"/>
+          <a:cs typeface="+mn-cs"/>
+        </a:defRPr>
+      </a:lvl4pPr>
+      <a:lvl5pPr marL="1828800" algn="l" defTabSz="914400" rtl="0" eaLnBrk="1" latinLnBrk="0" hangingPunct="1">
+        <a:defRPr sz="1800" kern="1200">
+          <a:solidFill>
+            <a:schemeClr val="tx1"/>
+          </a:solidFill>
+          <a:latin typeface="+mn-lt"/>
+          <a:ea typeface="+mn-ea"/>
+          <a:cs typeface="+mn-cs"/>
+        </a:defRPr>
+      </a:lvl5pPr>
+      <a:lvl6pPr marL="2286000" algn="l" defTabSz="914400" rtl="0" eaLnBrk="1" latinLnBrk="0" hangingPunct="1">
+        <a:defRPr sz="1800" kern="1200">
+          <a:solidFill>
+            <a:schemeClr val="tx1"/>
+          </a:solidFill>
+          <a:latin typeface="+mn-lt"/>
+          <a:ea typeface="+mn-ea"/>
+          <a:cs typeface="+mn-cs"/>
+        </a:defRPr>
+      </a:lvl6pPr>
+      <a:lvl7pPr marL="2743200" algn="l" defTabSz="914400" rtl="0" eaLnBrk="1" latinLnBrk="0" hangingPunct="1">
+        <a:defRPr sz="1800" kern="1200">
+          <a:solidFill>
+            <a:schemeClr val="tx1"/>
+          </a:solidFill>
+          <a:latin typeface="+mn-lt"/>
+          <a:ea typeface="+mn-ea"/>
+          <a:cs typeface="+mn-cs"/>
+        </a:defRPr>
+      </a:lvl7pPr>
+      <a:lvl8pPr marL="3200400" algn="l" defTabSz="914400" rtl="0" eaLnBrk="1" latinLnBrk="0" hangingPunct="1">
+        <a:defRPr sz="1800" kern="1200">
+          <a:solidFill>
+            <a:schemeClr val="tx1"/>
+          </a:solidFill>
+          <a:latin typeface="+mn-lt"/>
+          <a:ea typeface="+mn-ea"/>
+          <a:cs typeface="+mn-cs"/>
+        </a:defRPr>
+      </a:lvl8pPr>
+      <a:lvl9pPr marL="3657600" algn="l" defTabSz="914400" rtl="0" eaLnBrk="1" latinLnBrk="0" hangingPunct="1">
+        <a:defRPr sz="1800" kern="1200">
+          <a:solidFill>
+            <a:schemeClr val="tx1"/>
+          </a:solidFill>
+          <a:latin typeface="+mn-lt"/>
+          <a:ea typeface="+mn-ea"/>
+          <a:cs typeface="+mn-cs"/>
+        </a:defRPr>
+      </a:lvl9pPr>
+    </p:otherStyle>
+  </p:txStyles>
 </p:sldMaster>
 </file>
 
 <file path=ppt/slides/slide1.xml><?xml version="1.0" encoding="utf-8"?>
-<p:sld xmlns:a="http://schemas.openxmlformats.org/drawingml/2006/main" xmlns:p="http://schemas.openxmlformats.org/presentationml/2006/main" xmlns:r="http://schemas.openxmlformats.org/officeDocument/2006/relationships" xmlns:p14="http://schemas.microsoft.com/office/powerpoint/2010/main" xmlns:p15="http://schemas.microsoft.com/office/powerpoint/2012/main" xmlns:mc="http://schemas.openxmlformats.org/markup-compatibility/2006">
+<p:sld xmlns:a="http://schemas.openxmlformats.org/drawingml/2006/main" xmlns:r="http://schemas.openxmlformats.org/officeDocument/2006/relationships" xmlns:p="http://schemas.openxmlformats.org/presentationml/2006/main">
   <p:cSld>
     <p:spTree>
       <p:nvGrpSpPr>
@@ -3707,6 +4455,7 @@
           <a:bodyPr anchor="b">
             <a:normAutofit/>
           </a:bodyPr>
+          <a:lstStyle/>
           <a:p>
             <a:pPr algn="ctr">
               <a:lnSpc>
@@ -3714,15 +4463,15 @@
               </a:lnSpc>
             </a:pPr>
             <a:r>
-              <a:rPr b="0" lang="en-US" sz="7200" spc="-1" strike="noStrike">
+              <a:rPr lang="en-US" sz="7200" spc="-1" dirty="0" err="1" smtClean="0">
                 <a:solidFill>
                   <a:srgbClr val="000000"/>
                 </a:solidFill>
                 <a:latin typeface="Times New Roman"/>
               </a:rPr>
-              <a:t>Kubernetes</a:t>
-            </a:r>
-            <a:endParaRPr b="0" lang="en-US" sz="7200" spc="-1" strike="noStrike">
+              <a:t>Microservice</a:t>
+            </a:r>
+            <a:endParaRPr lang="en-US" sz="7200" b="0" strike="noStrike" spc="-1" dirty="0">
               <a:solidFill>
                 <a:srgbClr val="000000"/>
               </a:solidFill>
@@ -3733,29 +4482,50 @@
       </p:sp>
       <p:pic>
         <p:nvPicPr>
-          <p:cNvPr id="83" name="Picture 3" descr=""/>
-          <p:cNvPicPr/>
+          <p:cNvPr id="1026" name="Picture 2" descr="Microservices là gì? Speed up Microservices 1: Tác dụng phụ và một số chiến  lược cơ bản | TopDev"/>
+          <p:cNvPicPr>
+            <a:picLocks noChangeAspect="1" noChangeArrowheads="1"/>
+          </p:cNvPicPr>
           <p:nvPr/>
         </p:nvPicPr>
         <p:blipFill>
-          <a:blip r:embed="rId1"/>
-          <a:stretch/>
+          <a:blip r:embed="rId2">
+            <a:extLst>
+              <a:ext uri="{28A0092B-C50C-407E-A947-70E740481C1C}">
+                <a14:useLocalDpi xmlns:a14="http://schemas.microsoft.com/office/drawing/2010/main" val="0"/>
+              </a:ext>
+            </a:extLst>
+          </a:blip>
+          <a:srcRect/>
+          <a:stretch>
+            <a:fillRect/>
+          </a:stretch>
         </p:blipFill>
-        <p:spPr>
-          <a:xfrm>
-            <a:off x="6440040" y="1540440"/>
-            <a:ext cx="4105800" cy="4105800"/>
-          </a:xfrm>
-          <a:prstGeom prst="rect">
-            <a:avLst/>
-          </a:prstGeom>
-          <a:ln>
-            <a:noFill/>
-          </a:ln>
+        <p:spPr bwMode="auto">
+          <a:xfrm>
+            <a:off x="6306993" y="1094510"/>
+            <a:ext cx="4913745" cy="3685309"/>
+          </a:xfrm>
+          <a:prstGeom prst="rect">
+            <a:avLst/>
+          </a:prstGeom>
+          <a:noFill/>
+          <a:extLst>
+            <a:ext uri="{909E8E84-426E-40DD-AFC4-6F175D3DCCD1}">
+              <a14:hiddenFill xmlns:a14="http://schemas.microsoft.com/office/drawing/2010/main">
+                <a:solidFill>
+                  <a:srgbClr val="FFFFFF"/>
+                </a:solidFill>
+              </a14:hiddenFill>
+            </a:ext>
+          </a:extLst>
         </p:spPr>
       </p:pic>
     </p:spTree>
   </p:cSld>
+  <p:clrMapOvr>
+    <a:masterClrMapping/>
+  </p:clrMapOvr>
   <p:timing>
     <p:tnLst>
       <p:par>
@@ -3764,14 +4534,14 @@
             <p:seq>
               <p:cTn id="2" dur="indefinite" nodeType="mainSeq"/>
               <p:prevCondLst>
-                <p:cond delay="0" evt="onPrev">
+                <p:cond evt="onPrev" delay="0">
                   <p:tgtEl>
                     <p:sldTgt/>
                   </p:tgtEl>
                 </p:cond>
               </p:prevCondLst>
               <p:nextCondLst>
-                <p:cond delay="0" evt="onNext">
+                <p:cond evt="onNext" delay="0">
                   <p:tgtEl>
                     <p:sldTgt/>
                   </p:tgtEl>
@@ -3787,7 +4557,2137 @@
 </file>
 
 <file path=ppt/slides/slide10.xml><?xml version="1.0" encoding="utf-8"?>
-<p:sld xmlns:a="http://schemas.openxmlformats.org/drawingml/2006/main" xmlns:p="http://schemas.openxmlformats.org/presentationml/2006/main" xmlns:r="http://schemas.openxmlformats.org/officeDocument/2006/relationships" xmlns:p14="http://schemas.microsoft.com/office/powerpoint/2010/main" xmlns:p15="http://schemas.microsoft.com/office/powerpoint/2012/main" xmlns:mc="http://schemas.openxmlformats.org/markup-compatibility/2006">
+<p:sld xmlns:a="http://schemas.openxmlformats.org/drawingml/2006/main" xmlns:r="http://schemas.openxmlformats.org/officeDocument/2006/relationships" xmlns:p="http://schemas.openxmlformats.org/presentationml/2006/main">
+  <p:cSld>
+    <p:spTree>
+      <p:nvGrpSpPr>
+        <p:cNvPr id="1" name=""/>
+        <p:cNvGrpSpPr/>
+        <p:nvPr/>
+      </p:nvGrpSpPr>
+      <p:grpSpPr>
+        <a:xfrm>
+          <a:off x="0" y="0"/>
+          <a:ext cx="0" cy="0"/>
+          <a:chOff x="0" y="0"/>
+          <a:chExt cx="0" cy="0"/>
+        </a:xfrm>
+      </p:grpSpPr>
+      <p:sp>
+        <p:nvSpPr>
+          <p:cNvPr id="93" name="TextShape 1"/>
+          <p:cNvSpPr txBox="1"/>
+          <p:nvPr/>
+        </p:nvSpPr>
+        <p:spPr>
+          <a:xfrm>
+            <a:off x="838080" y="365040"/>
+            <a:ext cx="10515240" cy="1325160"/>
+          </a:xfrm>
+          <a:prstGeom prst="rect">
+            <a:avLst/>
+          </a:prstGeom>
+          <a:noFill/>
+          <a:ln>
+            <a:noFill/>
+          </a:ln>
+        </p:spPr>
+        <p:txBody>
+          <a:bodyPr anchor="ctr"/>
+          <a:lstStyle/>
+          <a:p>
+            <a:pPr>
+              <a:lnSpc>
+                <a:spcPct val="90000"/>
+              </a:lnSpc>
+            </a:pPr>
+            <a:r>
+              <a:rPr lang="en-US" sz="4400" b="0" strike="noStrike" spc="-1">
+                <a:solidFill>
+                  <a:srgbClr val="000000"/>
+                </a:solidFill>
+                <a:latin typeface="Calibri Light"/>
+              </a:rPr>
+              <a:t>3.1. POD</a:t>
+            </a:r>
+            <a:endParaRPr lang="en-US" sz="4400" b="0" strike="noStrike" spc="-1">
+              <a:solidFill>
+                <a:srgbClr val="000000"/>
+              </a:solidFill>
+              <a:latin typeface="Calibri"/>
+            </a:endParaRPr>
+          </a:p>
+        </p:txBody>
+      </p:sp>
+      <p:sp>
+        <p:nvSpPr>
+          <p:cNvPr id="94" name="TextShape 2"/>
+          <p:cNvSpPr txBox="1"/>
+          <p:nvPr/>
+        </p:nvSpPr>
+        <p:spPr>
+          <a:xfrm>
+            <a:off x="838080" y="1825560"/>
+            <a:ext cx="10515240" cy="4350960"/>
+          </a:xfrm>
+          <a:prstGeom prst="rect">
+            <a:avLst/>
+          </a:prstGeom>
+          <a:noFill/>
+          <a:ln>
+            <a:noFill/>
+          </a:ln>
+        </p:spPr>
+        <p:txBody>
+          <a:bodyPr/>
+          <a:lstStyle/>
+          <a:p>
+            <a:endParaRPr lang="en-US" sz="2800" b="0" strike="noStrike" spc="-1">
+              <a:solidFill>
+                <a:srgbClr val="000000"/>
+              </a:solidFill>
+              <a:latin typeface="Calibri"/>
+            </a:endParaRPr>
+          </a:p>
+        </p:txBody>
+      </p:sp>
+      <p:pic>
+        <p:nvPicPr>
+          <p:cNvPr id="95" name="Picture 5"/>
+          <p:cNvPicPr/>
+          <p:nvPr/>
+        </p:nvPicPr>
+        <p:blipFill>
+          <a:blip r:embed="rId2"/>
+          <a:stretch/>
+        </p:blipFill>
+        <p:spPr>
+          <a:xfrm>
+            <a:off x="838080" y="1825560"/>
+            <a:ext cx="9542520" cy="3338280"/>
+          </a:xfrm>
+          <a:prstGeom prst="rect">
+            <a:avLst/>
+          </a:prstGeom>
+          <a:ln>
+            <a:noFill/>
+          </a:ln>
+        </p:spPr>
+      </p:pic>
+    </p:spTree>
+  </p:cSld>
+  <p:clrMapOvr>
+    <a:masterClrMapping/>
+  </p:clrMapOvr>
+  <p:timing>
+    <p:tnLst>
+      <p:par>
+        <p:cTn id="1" dur="indefinite" restart="never" nodeType="tmRoot">
+          <p:childTnLst>
+            <p:seq>
+              <p:cTn id="2" dur="indefinite" nodeType="mainSeq"/>
+              <p:prevCondLst>
+                <p:cond evt="onPrev" delay="0">
+                  <p:tgtEl>
+                    <p:sldTgt/>
+                  </p:tgtEl>
+                </p:cond>
+              </p:prevCondLst>
+              <p:nextCondLst>
+                <p:cond evt="onNext" delay="0">
+                  <p:tgtEl>
+                    <p:sldTgt/>
+                  </p:tgtEl>
+                </p:cond>
+              </p:nextCondLst>
+            </p:seq>
+          </p:childTnLst>
+        </p:cTn>
+      </p:par>
+    </p:tnLst>
+  </p:timing>
+</p:sld>
+</file>
+
+<file path=ppt/slides/slide11.xml><?xml version="1.0" encoding="utf-8"?>
+<p:sld xmlns:a="http://schemas.openxmlformats.org/drawingml/2006/main" xmlns:r="http://schemas.openxmlformats.org/officeDocument/2006/relationships" xmlns:p="http://schemas.openxmlformats.org/presentationml/2006/main">
+  <p:cSld>
+    <p:spTree>
+      <p:nvGrpSpPr>
+        <p:cNvPr id="1" name=""/>
+        <p:cNvGrpSpPr/>
+        <p:nvPr/>
+      </p:nvGrpSpPr>
+      <p:grpSpPr>
+        <a:xfrm>
+          <a:off x="0" y="0"/>
+          <a:ext cx="0" cy="0"/>
+          <a:chOff x="0" y="0"/>
+          <a:chExt cx="0" cy="0"/>
+        </a:xfrm>
+      </p:grpSpPr>
+      <p:sp>
+        <p:nvSpPr>
+          <p:cNvPr id="96" name="TextShape 1"/>
+          <p:cNvSpPr txBox="1"/>
+          <p:nvPr/>
+        </p:nvSpPr>
+        <p:spPr>
+          <a:xfrm>
+            <a:off x="838080" y="365040"/>
+            <a:ext cx="10515240" cy="1325160"/>
+          </a:xfrm>
+          <a:prstGeom prst="rect">
+            <a:avLst/>
+          </a:prstGeom>
+          <a:noFill/>
+          <a:ln>
+            <a:noFill/>
+          </a:ln>
+        </p:spPr>
+        <p:txBody>
+          <a:bodyPr anchor="ctr"/>
+          <a:lstStyle/>
+          <a:p>
+            <a:pPr>
+              <a:lnSpc>
+                <a:spcPct val="90000"/>
+              </a:lnSpc>
+            </a:pPr>
+            <a:r>
+              <a:rPr lang="en-US" sz="4400" b="0" strike="noStrike" spc="-1">
+                <a:solidFill>
+                  <a:srgbClr val="000000"/>
+                </a:solidFill>
+                <a:latin typeface="Calibri Light"/>
+              </a:rPr>
+              <a:t>3.1. POD</a:t>
+            </a:r>
+            <a:endParaRPr lang="en-US" sz="4400" b="0" strike="noStrike" spc="-1">
+              <a:solidFill>
+                <a:srgbClr val="000000"/>
+              </a:solidFill>
+              <a:latin typeface="Calibri"/>
+            </a:endParaRPr>
+          </a:p>
+        </p:txBody>
+      </p:sp>
+      <p:sp>
+        <p:nvSpPr>
+          <p:cNvPr id="97" name="TextShape 2"/>
+          <p:cNvSpPr txBox="1"/>
+          <p:nvPr/>
+        </p:nvSpPr>
+        <p:spPr>
+          <a:xfrm>
+            <a:off x="838080" y="1825560"/>
+            <a:ext cx="10515240" cy="4350960"/>
+          </a:xfrm>
+          <a:prstGeom prst="rect">
+            <a:avLst/>
+          </a:prstGeom>
+          <a:noFill/>
+          <a:ln>
+            <a:noFill/>
+          </a:ln>
+        </p:spPr>
+        <p:txBody>
+          <a:bodyPr/>
+          <a:lstStyle/>
+          <a:p>
+            <a:pPr marL="432000" indent="-324000">
+              <a:spcBef>
+                <a:spcPts val="1417"/>
+              </a:spcBef>
+              <a:buClr>
+                <a:srgbClr val="000000"/>
+              </a:buClr>
+              <a:buSzPct val="45000"/>
+              <a:buFont typeface="Wingdings" charset="2"/>
+              <a:buChar char=""/>
+            </a:pPr>
+            <a:r>
+              <a:rPr lang="en-US" sz="2800" b="0" strike="noStrike" spc="-1" dirty="0" err="1">
+                <a:solidFill>
+                  <a:srgbClr val="000000"/>
+                </a:solidFill>
+                <a:latin typeface="Calibri"/>
+              </a:rPr>
+              <a:t>Đối</a:t>
+            </a:r>
+            <a:r>
+              <a:rPr lang="en-US" sz="2800" b="0" strike="noStrike" spc="-1" dirty="0">
+                <a:solidFill>
+                  <a:srgbClr val="000000"/>
+                </a:solidFill>
+                <a:latin typeface="Calibri"/>
+              </a:rPr>
+              <a:t> </a:t>
+            </a:r>
+            <a:r>
+              <a:rPr lang="en-US" sz="2800" b="0" strike="noStrike" spc="-1" dirty="0" err="1">
+                <a:solidFill>
+                  <a:srgbClr val="000000"/>
+                </a:solidFill>
+                <a:latin typeface="Calibri"/>
+              </a:rPr>
+              <a:t>tượng</a:t>
+            </a:r>
+            <a:r>
+              <a:rPr lang="en-US" sz="2800" b="0" strike="noStrike" spc="-1" dirty="0">
+                <a:solidFill>
+                  <a:srgbClr val="000000"/>
+                </a:solidFill>
+                <a:latin typeface="Calibri"/>
+              </a:rPr>
+              <a:t> </a:t>
+            </a:r>
+            <a:r>
+              <a:rPr lang="en-US" sz="2800" b="0" strike="noStrike" spc="-1" dirty="0" err="1">
+                <a:solidFill>
+                  <a:srgbClr val="000000"/>
+                </a:solidFill>
+                <a:latin typeface="Calibri"/>
+              </a:rPr>
+              <a:t>nhỏ</a:t>
+            </a:r>
+            <a:r>
+              <a:rPr lang="en-US" sz="2800" b="0" strike="noStrike" spc="-1" dirty="0">
+                <a:solidFill>
+                  <a:srgbClr val="000000"/>
+                </a:solidFill>
+                <a:latin typeface="Calibri"/>
+              </a:rPr>
+              <a:t> </a:t>
+            </a:r>
+            <a:r>
+              <a:rPr lang="en-US" sz="2800" b="0" strike="noStrike" spc="-1" dirty="0" err="1">
+                <a:solidFill>
+                  <a:srgbClr val="000000"/>
+                </a:solidFill>
+                <a:latin typeface="Calibri"/>
+              </a:rPr>
+              <a:t>nhất</a:t>
+            </a:r>
+            <a:r>
+              <a:rPr lang="en-US" sz="2800" b="0" strike="noStrike" spc="-1" dirty="0">
+                <a:solidFill>
+                  <a:srgbClr val="000000"/>
+                </a:solidFill>
+                <a:latin typeface="Calibri"/>
+              </a:rPr>
+              <a:t> </a:t>
+            </a:r>
+            <a:r>
+              <a:rPr lang="en-US" sz="2800" b="0" strike="noStrike" spc="-1" dirty="0" err="1">
+                <a:solidFill>
+                  <a:srgbClr val="000000"/>
+                </a:solidFill>
+                <a:latin typeface="Calibri"/>
+              </a:rPr>
+              <a:t>và</a:t>
+            </a:r>
+            <a:r>
+              <a:rPr lang="en-US" sz="2800" b="0" strike="noStrike" spc="-1" dirty="0">
+                <a:solidFill>
+                  <a:srgbClr val="000000"/>
+                </a:solidFill>
+                <a:latin typeface="Calibri"/>
+              </a:rPr>
+              <a:t> </a:t>
+            </a:r>
+            <a:r>
+              <a:rPr lang="en-US" sz="2800" b="0" strike="noStrike" spc="-1" dirty="0" err="1">
+                <a:solidFill>
+                  <a:srgbClr val="000000"/>
+                </a:solidFill>
+                <a:latin typeface="Calibri"/>
+              </a:rPr>
+              <a:t>đơn</a:t>
+            </a:r>
+            <a:r>
+              <a:rPr lang="en-US" sz="2800" b="0" strike="noStrike" spc="-1" dirty="0">
+                <a:solidFill>
+                  <a:srgbClr val="000000"/>
+                </a:solidFill>
+                <a:latin typeface="Calibri"/>
+              </a:rPr>
+              <a:t> </a:t>
+            </a:r>
+            <a:r>
+              <a:rPr lang="en-US" sz="2800" b="0" strike="noStrike" spc="-1" dirty="0" err="1">
+                <a:solidFill>
+                  <a:srgbClr val="000000"/>
+                </a:solidFill>
+                <a:latin typeface="Calibri"/>
+              </a:rPr>
+              <a:t>giản</a:t>
+            </a:r>
+            <a:r>
+              <a:rPr lang="en-US" sz="2800" b="0" strike="noStrike" spc="-1" dirty="0">
+                <a:solidFill>
+                  <a:srgbClr val="000000"/>
+                </a:solidFill>
+                <a:latin typeface="Calibri"/>
+              </a:rPr>
+              <a:t> </a:t>
+            </a:r>
+            <a:r>
+              <a:rPr lang="en-US" sz="2800" b="0" strike="noStrike" spc="-1" dirty="0" err="1">
+                <a:solidFill>
+                  <a:srgbClr val="000000"/>
+                </a:solidFill>
+                <a:latin typeface="Calibri"/>
+              </a:rPr>
+              <a:t>nhất</a:t>
+            </a:r>
+            <a:r>
+              <a:rPr lang="en-US" sz="2800" b="0" strike="noStrike" spc="-1" dirty="0">
+                <a:solidFill>
+                  <a:srgbClr val="000000"/>
+                </a:solidFill>
+                <a:latin typeface="Calibri"/>
+              </a:rPr>
+              <a:t> </a:t>
+            </a:r>
+            <a:r>
+              <a:rPr lang="en-US" sz="2800" b="0" strike="noStrike" spc="-1" dirty="0" err="1">
+                <a:solidFill>
+                  <a:srgbClr val="000000"/>
+                </a:solidFill>
+                <a:latin typeface="Calibri"/>
+              </a:rPr>
+              <a:t>của</a:t>
+            </a:r>
+            <a:r>
+              <a:rPr lang="en-US" sz="2800" b="0" strike="noStrike" spc="-1" dirty="0">
+                <a:solidFill>
+                  <a:srgbClr val="000000"/>
+                </a:solidFill>
+                <a:latin typeface="Calibri"/>
+              </a:rPr>
+              <a:t> Kubernetes.</a:t>
+            </a:r>
+          </a:p>
+          <a:p>
+            <a:pPr marL="432000" indent="-324000">
+              <a:spcBef>
+                <a:spcPts val="1417"/>
+              </a:spcBef>
+              <a:buClr>
+                <a:srgbClr val="000000"/>
+              </a:buClr>
+              <a:buSzPct val="45000"/>
+              <a:buFont typeface="Wingdings" charset="2"/>
+              <a:buChar char=""/>
+            </a:pPr>
+            <a:r>
+              <a:rPr lang="en-US" sz="2800" b="0" strike="noStrike" spc="-1" dirty="0">
+                <a:solidFill>
+                  <a:srgbClr val="000000"/>
+                </a:solidFill>
+                <a:latin typeface="Calibri"/>
+              </a:rPr>
+              <a:t> </a:t>
+            </a:r>
+            <a:r>
+              <a:rPr lang="en-US" sz="2800" b="0" strike="noStrike" spc="-1" dirty="0" err="1">
+                <a:solidFill>
+                  <a:srgbClr val="000000"/>
+                </a:solidFill>
+                <a:latin typeface="Calibri"/>
+              </a:rPr>
+              <a:t>Một</a:t>
+            </a:r>
+            <a:r>
+              <a:rPr lang="en-US" sz="2800" b="0" strike="noStrike" spc="-1" dirty="0">
+                <a:solidFill>
+                  <a:srgbClr val="000000"/>
+                </a:solidFill>
+                <a:latin typeface="Calibri"/>
+              </a:rPr>
+              <a:t> Pod </a:t>
+            </a:r>
+            <a:r>
+              <a:rPr lang="en-US" sz="2800" b="0" strike="noStrike" spc="-1" dirty="0" err="1">
+                <a:solidFill>
+                  <a:srgbClr val="000000"/>
+                </a:solidFill>
+                <a:latin typeface="Calibri"/>
+              </a:rPr>
+              <a:t>đại</a:t>
+            </a:r>
+            <a:r>
+              <a:rPr lang="en-US" sz="2800" b="0" strike="noStrike" spc="-1" dirty="0">
+                <a:solidFill>
+                  <a:srgbClr val="000000"/>
+                </a:solidFill>
+                <a:latin typeface="Calibri"/>
+              </a:rPr>
+              <a:t> </a:t>
+            </a:r>
+            <a:r>
+              <a:rPr lang="en-US" sz="2800" b="0" strike="noStrike" spc="-1" dirty="0" err="1">
+                <a:solidFill>
+                  <a:srgbClr val="000000"/>
+                </a:solidFill>
+                <a:latin typeface="Calibri"/>
+              </a:rPr>
+              <a:t>diện</a:t>
+            </a:r>
+            <a:r>
+              <a:rPr lang="en-US" sz="2800" b="0" strike="noStrike" spc="-1" dirty="0">
+                <a:solidFill>
+                  <a:srgbClr val="000000"/>
+                </a:solidFill>
+                <a:latin typeface="Calibri"/>
+              </a:rPr>
+              <a:t> </a:t>
+            </a:r>
+            <a:r>
+              <a:rPr lang="en-US" sz="2800" b="0" strike="noStrike" spc="-1" dirty="0" err="1">
+                <a:solidFill>
+                  <a:srgbClr val="000000"/>
+                </a:solidFill>
+                <a:latin typeface="Calibri"/>
+              </a:rPr>
+              <a:t>cho</a:t>
+            </a:r>
+            <a:r>
+              <a:rPr lang="en-US" sz="2800" b="0" strike="noStrike" spc="-1" dirty="0">
+                <a:solidFill>
+                  <a:srgbClr val="000000"/>
+                </a:solidFill>
+                <a:latin typeface="Calibri"/>
+              </a:rPr>
+              <a:t> </a:t>
+            </a:r>
+            <a:r>
+              <a:rPr lang="en-US" sz="2800" b="0" strike="noStrike" spc="-1" dirty="0" err="1">
+                <a:solidFill>
+                  <a:srgbClr val="000000"/>
+                </a:solidFill>
+                <a:latin typeface="Calibri"/>
+              </a:rPr>
+              <a:t>một</a:t>
+            </a:r>
+            <a:r>
+              <a:rPr lang="en-US" sz="2800" b="0" strike="noStrike" spc="-1" dirty="0">
+                <a:solidFill>
+                  <a:srgbClr val="000000"/>
+                </a:solidFill>
+                <a:latin typeface="Calibri"/>
+              </a:rPr>
+              <a:t> </a:t>
+            </a:r>
+            <a:r>
+              <a:rPr lang="en-US" sz="2800" b="0" strike="noStrike" spc="-1" dirty="0" err="1">
+                <a:solidFill>
+                  <a:srgbClr val="000000"/>
+                </a:solidFill>
+                <a:latin typeface="Calibri"/>
+              </a:rPr>
+              <a:t>tập</a:t>
+            </a:r>
+            <a:r>
+              <a:rPr lang="en-US" sz="2800" b="0" strike="noStrike" spc="-1" dirty="0">
+                <a:solidFill>
+                  <a:srgbClr val="000000"/>
+                </a:solidFill>
+                <a:latin typeface="Calibri"/>
+              </a:rPr>
+              <a:t> </a:t>
+            </a:r>
+            <a:r>
+              <a:rPr lang="en-US" sz="2800" b="0" strike="noStrike" spc="-1" dirty="0" err="1">
+                <a:solidFill>
+                  <a:srgbClr val="000000"/>
+                </a:solidFill>
+                <a:latin typeface="Calibri"/>
+              </a:rPr>
+              <a:t>các</a:t>
+            </a:r>
+            <a:r>
+              <a:rPr lang="en-US" sz="2800" b="0" strike="noStrike" spc="-1" dirty="0">
+                <a:solidFill>
+                  <a:srgbClr val="000000"/>
+                </a:solidFill>
+                <a:latin typeface="Calibri"/>
+              </a:rPr>
+              <a:t> containers </a:t>
+            </a:r>
+            <a:r>
+              <a:rPr lang="en-US" sz="2800" b="0" strike="noStrike" spc="-1" dirty="0" err="1">
+                <a:solidFill>
+                  <a:srgbClr val="000000"/>
+                </a:solidFill>
+                <a:latin typeface="Calibri"/>
+              </a:rPr>
+              <a:t>đang</a:t>
+            </a:r>
+            <a:r>
+              <a:rPr lang="en-US" sz="2800" b="0" strike="noStrike" spc="-1" dirty="0">
+                <a:solidFill>
+                  <a:srgbClr val="000000"/>
+                </a:solidFill>
+                <a:latin typeface="Calibri"/>
+              </a:rPr>
+              <a:t> </a:t>
+            </a:r>
+            <a:r>
+              <a:rPr lang="en-US" sz="2800" b="0" strike="noStrike" spc="-1" dirty="0" err="1">
+                <a:solidFill>
+                  <a:srgbClr val="000000"/>
+                </a:solidFill>
+                <a:latin typeface="Calibri"/>
+              </a:rPr>
+              <a:t>chạy</a:t>
+            </a:r>
+            <a:r>
+              <a:rPr lang="en-US" sz="2800" b="0" strike="noStrike" spc="-1" dirty="0">
+                <a:solidFill>
+                  <a:srgbClr val="000000"/>
+                </a:solidFill>
+                <a:latin typeface="Calibri"/>
+              </a:rPr>
+              <a:t> </a:t>
+            </a:r>
+            <a:r>
+              <a:rPr lang="en-US" sz="2800" b="0" strike="noStrike" spc="-1" dirty="0" err="1">
+                <a:solidFill>
+                  <a:srgbClr val="000000"/>
+                </a:solidFill>
+                <a:latin typeface="Calibri"/>
+              </a:rPr>
+              <a:t>trên</a:t>
+            </a:r>
+            <a:r>
+              <a:rPr lang="en-US" sz="2800" b="0" strike="noStrike" spc="-1" dirty="0">
+                <a:solidFill>
+                  <a:srgbClr val="000000"/>
+                </a:solidFill>
+                <a:latin typeface="Calibri"/>
+              </a:rPr>
+              <a:t> cluster.</a:t>
+            </a:r>
+          </a:p>
+          <a:p>
+            <a:pPr marL="432000" indent="-324000">
+              <a:spcBef>
+                <a:spcPts val="1417"/>
+              </a:spcBef>
+              <a:buClr>
+                <a:srgbClr val="000000"/>
+              </a:buClr>
+              <a:buSzPct val="45000"/>
+              <a:buFont typeface="Wingdings" charset="2"/>
+              <a:buChar char=""/>
+            </a:pPr>
+            <a:r>
+              <a:rPr lang="en-US" sz="2800" b="0" strike="noStrike" spc="-1" dirty="0" err="1">
+                <a:solidFill>
+                  <a:srgbClr val="000000"/>
+                </a:solidFill>
+                <a:latin typeface="Calibri"/>
+              </a:rPr>
+              <a:t>Một</a:t>
+            </a:r>
+            <a:r>
+              <a:rPr lang="en-US" sz="2800" b="0" strike="noStrike" spc="-1" dirty="0">
+                <a:solidFill>
+                  <a:srgbClr val="000000"/>
+                </a:solidFill>
+                <a:latin typeface="Calibri"/>
+              </a:rPr>
+              <a:t> Pod </a:t>
+            </a:r>
+            <a:r>
+              <a:rPr lang="en-US" sz="2800" b="0" strike="noStrike" spc="-1" dirty="0" err="1">
+                <a:solidFill>
+                  <a:srgbClr val="000000"/>
+                </a:solidFill>
+                <a:latin typeface="Calibri"/>
+              </a:rPr>
+              <a:t>thường</a:t>
+            </a:r>
+            <a:r>
+              <a:rPr lang="en-US" sz="2800" b="0" strike="noStrike" spc="-1" dirty="0">
+                <a:solidFill>
+                  <a:srgbClr val="000000"/>
+                </a:solidFill>
+                <a:latin typeface="Calibri"/>
+              </a:rPr>
+              <a:t> </a:t>
+            </a:r>
+            <a:r>
+              <a:rPr lang="en-US" sz="2800" b="0" strike="noStrike" spc="-1" dirty="0" err="1">
+                <a:solidFill>
+                  <a:srgbClr val="000000"/>
+                </a:solidFill>
+                <a:latin typeface="Calibri"/>
+              </a:rPr>
+              <a:t>được</a:t>
+            </a:r>
+            <a:r>
+              <a:rPr lang="en-US" sz="2800" b="0" strike="noStrike" spc="-1" dirty="0">
+                <a:solidFill>
+                  <a:srgbClr val="000000"/>
+                </a:solidFill>
+                <a:latin typeface="Calibri"/>
+              </a:rPr>
+              <a:t> set up </a:t>
+            </a:r>
+            <a:r>
+              <a:rPr lang="en-US" sz="2800" b="0" strike="noStrike" spc="-1" dirty="0" err="1">
+                <a:solidFill>
+                  <a:srgbClr val="000000"/>
+                </a:solidFill>
+                <a:latin typeface="Calibri"/>
+              </a:rPr>
+              <a:t>để</a:t>
+            </a:r>
+            <a:r>
+              <a:rPr lang="en-US" sz="2800" b="0" strike="noStrike" spc="-1" dirty="0">
+                <a:solidFill>
+                  <a:srgbClr val="000000"/>
+                </a:solidFill>
+                <a:latin typeface="Calibri"/>
+              </a:rPr>
+              <a:t> </a:t>
+            </a:r>
+            <a:r>
+              <a:rPr lang="en-US" sz="2800" b="0" strike="noStrike" spc="-1" dirty="0" err="1">
+                <a:solidFill>
+                  <a:srgbClr val="000000"/>
+                </a:solidFill>
+                <a:latin typeface="Calibri"/>
+              </a:rPr>
+              <a:t>chạy</a:t>
+            </a:r>
+            <a:r>
+              <a:rPr lang="en-US" sz="2800" b="0" strike="noStrike" spc="-1" dirty="0">
+                <a:solidFill>
+                  <a:srgbClr val="000000"/>
+                </a:solidFill>
+                <a:latin typeface="Calibri"/>
+              </a:rPr>
+              <a:t> </a:t>
+            </a:r>
+            <a:r>
+              <a:rPr lang="en-US" sz="2800" b="0" strike="noStrike" spc="-1" dirty="0" err="1">
+                <a:solidFill>
+                  <a:srgbClr val="000000"/>
+                </a:solidFill>
+                <a:latin typeface="Calibri"/>
+              </a:rPr>
+              <a:t>với</a:t>
+            </a:r>
+            <a:r>
+              <a:rPr lang="en-US" sz="2800" b="0" strike="noStrike" spc="-1" dirty="0">
+                <a:solidFill>
+                  <a:srgbClr val="000000"/>
+                </a:solidFill>
+                <a:latin typeface="Calibri"/>
+              </a:rPr>
+              <a:t> </a:t>
+            </a:r>
+            <a:r>
+              <a:rPr lang="en-US" sz="2800" b="0" strike="noStrike" spc="-1" dirty="0" err="1">
+                <a:solidFill>
+                  <a:srgbClr val="000000"/>
+                </a:solidFill>
+                <a:latin typeface="Calibri"/>
+              </a:rPr>
+              <a:t>một</a:t>
+            </a:r>
+            <a:r>
+              <a:rPr lang="en-US" sz="2800" b="0" strike="noStrike" spc="-1" dirty="0">
+                <a:solidFill>
+                  <a:srgbClr val="000000"/>
+                </a:solidFill>
+                <a:latin typeface="Calibri"/>
+              </a:rPr>
+              <a:t> container </a:t>
+            </a:r>
+            <a:r>
+              <a:rPr lang="en-US" sz="2800" b="0" strike="noStrike" spc="-1" dirty="0" err="1">
+                <a:solidFill>
+                  <a:srgbClr val="000000"/>
+                </a:solidFill>
+                <a:latin typeface="Calibri"/>
+              </a:rPr>
+              <a:t>chính</a:t>
+            </a:r>
+            <a:r>
+              <a:rPr lang="en-US" sz="2800" b="0" strike="noStrike" spc="-1" dirty="0">
+                <a:solidFill>
+                  <a:srgbClr val="000000"/>
+                </a:solidFill>
+                <a:latin typeface="Calibri"/>
+              </a:rPr>
+              <a:t> </a:t>
+            </a:r>
+            <a:r>
+              <a:rPr lang="en-US" sz="2800" b="0" strike="noStrike" spc="-1" dirty="0" err="1">
+                <a:solidFill>
+                  <a:srgbClr val="000000"/>
+                </a:solidFill>
+                <a:latin typeface="Calibri"/>
+              </a:rPr>
+              <a:t>yếu</a:t>
+            </a:r>
+            <a:r>
+              <a:rPr lang="en-US" sz="2800" b="0" strike="noStrike" spc="-1" dirty="0">
+                <a:solidFill>
+                  <a:srgbClr val="000000"/>
+                </a:solidFill>
+                <a:latin typeface="Calibri"/>
+              </a:rPr>
+              <a:t>. </a:t>
+            </a:r>
+          </a:p>
+          <a:p>
+            <a:pPr marL="432000" indent="-324000">
+              <a:spcBef>
+                <a:spcPts val="1417"/>
+              </a:spcBef>
+              <a:buClr>
+                <a:srgbClr val="000000"/>
+              </a:buClr>
+              <a:buSzPct val="45000"/>
+              <a:buFont typeface="Wingdings" charset="2"/>
+              <a:buChar char=""/>
+            </a:pPr>
+            <a:r>
+              <a:rPr lang="en-US" sz="2800" b="0" strike="noStrike" spc="-1" dirty="0">
+                <a:solidFill>
+                  <a:srgbClr val="000000"/>
+                </a:solidFill>
+                <a:latin typeface="Calibri"/>
+              </a:rPr>
+              <a:t> </a:t>
+            </a:r>
+            <a:r>
+              <a:rPr lang="en-US" sz="2800" b="0" strike="noStrike" spc="-1" dirty="0" err="1">
+                <a:solidFill>
+                  <a:srgbClr val="000000"/>
+                </a:solidFill>
+                <a:latin typeface="Calibri"/>
+              </a:rPr>
+              <a:t>Các</a:t>
+            </a:r>
+            <a:r>
+              <a:rPr lang="en-US" sz="2800" b="0" strike="noStrike" spc="-1" dirty="0">
+                <a:solidFill>
+                  <a:srgbClr val="000000"/>
+                </a:solidFill>
+                <a:latin typeface="Calibri"/>
+              </a:rPr>
+              <a:t> Pods </a:t>
+            </a:r>
+            <a:r>
+              <a:rPr lang="en-US" sz="2800" b="0" strike="noStrike" spc="-1" dirty="0" err="1">
+                <a:solidFill>
+                  <a:srgbClr val="000000"/>
+                </a:solidFill>
+                <a:latin typeface="Calibri"/>
+              </a:rPr>
+              <a:t>thường</a:t>
+            </a:r>
+            <a:r>
+              <a:rPr lang="en-US" sz="2800" b="0" strike="noStrike" spc="-1" dirty="0">
+                <a:solidFill>
+                  <a:srgbClr val="000000"/>
+                </a:solidFill>
+                <a:latin typeface="Calibri"/>
+              </a:rPr>
+              <a:t> </a:t>
+            </a:r>
+            <a:r>
+              <a:rPr lang="en-US" sz="2800" b="0" strike="noStrike" spc="-1" dirty="0" err="1">
+                <a:solidFill>
+                  <a:srgbClr val="000000"/>
+                </a:solidFill>
+                <a:latin typeface="Calibri"/>
+              </a:rPr>
+              <a:t>được</a:t>
+            </a:r>
+            <a:r>
+              <a:rPr lang="en-US" sz="2800" b="0" strike="noStrike" spc="-1" dirty="0">
+                <a:solidFill>
+                  <a:srgbClr val="000000"/>
+                </a:solidFill>
+                <a:latin typeface="Calibri"/>
+              </a:rPr>
+              <a:t> </a:t>
+            </a:r>
+            <a:r>
+              <a:rPr lang="en-US" sz="2800" b="0" strike="noStrike" spc="-1" dirty="0" err="1">
+                <a:solidFill>
+                  <a:srgbClr val="000000"/>
+                </a:solidFill>
+                <a:latin typeface="Calibri"/>
+              </a:rPr>
+              <a:t>quản</a:t>
+            </a:r>
+            <a:r>
+              <a:rPr lang="en-US" sz="2800" b="0" strike="noStrike" spc="-1" dirty="0">
+                <a:solidFill>
+                  <a:srgbClr val="000000"/>
+                </a:solidFill>
+                <a:latin typeface="Calibri"/>
+              </a:rPr>
+              <a:t> </a:t>
+            </a:r>
+            <a:r>
+              <a:rPr lang="en-US" sz="2800" b="0" strike="noStrike" spc="-1" dirty="0" err="1">
+                <a:solidFill>
+                  <a:srgbClr val="000000"/>
+                </a:solidFill>
+                <a:latin typeface="Calibri"/>
+              </a:rPr>
+              <a:t>lý</a:t>
+            </a:r>
+            <a:r>
+              <a:rPr lang="en-US" sz="2800" b="0" strike="noStrike" spc="-1" dirty="0">
+                <a:solidFill>
+                  <a:srgbClr val="000000"/>
+                </a:solidFill>
+                <a:latin typeface="Calibri"/>
+              </a:rPr>
+              <a:t> </a:t>
+            </a:r>
+            <a:r>
+              <a:rPr lang="en-US" sz="2800" b="0" strike="noStrike" spc="-1" dirty="0" err="1">
+                <a:solidFill>
+                  <a:srgbClr val="000000"/>
+                </a:solidFill>
+                <a:latin typeface="Calibri"/>
+              </a:rPr>
+              <a:t>bởi</a:t>
+            </a:r>
+            <a:r>
+              <a:rPr lang="en-US" sz="2800" b="0" strike="noStrike" spc="-1" dirty="0">
+                <a:solidFill>
+                  <a:srgbClr val="000000"/>
+                </a:solidFill>
+                <a:latin typeface="Calibri"/>
+              </a:rPr>
+              <a:t> </a:t>
+            </a:r>
+            <a:r>
+              <a:rPr lang="en-US" sz="2800" b="0" strike="noStrike" spc="-1" dirty="0" err="1">
+                <a:solidFill>
+                  <a:srgbClr val="000000"/>
+                </a:solidFill>
+                <a:latin typeface="Calibri"/>
+              </a:rPr>
+              <a:t>một</a:t>
+            </a:r>
+            <a:r>
+              <a:rPr lang="en-US" sz="2800" b="0" strike="noStrike" spc="-1" dirty="0">
+                <a:solidFill>
+                  <a:srgbClr val="000000"/>
+                </a:solidFill>
+                <a:latin typeface="Calibri"/>
+              </a:rPr>
+              <a:t> Deployment.</a:t>
+            </a:r>
+          </a:p>
+          <a:p>
+            <a:pPr marL="432000" indent="-324000">
+              <a:spcBef>
+                <a:spcPts val="1417"/>
+              </a:spcBef>
+              <a:buClr>
+                <a:srgbClr val="000000"/>
+              </a:buClr>
+              <a:buSzPct val="45000"/>
+              <a:buFont typeface="Wingdings" charset="2"/>
+              <a:buChar char=""/>
+            </a:pPr>
+            <a:endParaRPr lang="en-US" sz="2800" b="0" strike="noStrike" spc="-1" dirty="0">
+              <a:solidFill>
+                <a:srgbClr val="000000"/>
+              </a:solidFill>
+              <a:latin typeface="Calibri"/>
+            </a:endParaRPr>
+          </a:p>
+          <a:p>
+            <a:pPr marL="432000" indent="-324000">
+              <a:spcBef>
+                <a:spcPts val="1417"/>
+              </a:spcBef>
+              <a:buClr>
+                <a:srgbClr val="000000"/>
+              </a:buClr>
+              <a:buSzPct val="45000"/>
+              <a:buFont typeface="Wingdings" charset="2"/>
+              <a:buChar char=""/>
+            </a:pPr>
+            <a:endParaRPr lang="en-US" sz="2800" b="0" strike="noStrike" spc="-1" dirty="0">
+              <a:solidFill>
+                <a:srgbClr val="000000"/>
+              </a:solidFill>
+              <a:latin typeface="Calibri"/>
+            </a:endParaRPr>
+          </a:p>
+        </p:txBody>
+      </p:sp>
+    </p:spTree>
+  </p:cSld>
+  <p:clrMapOvr>
+    <a:masterClrMapping/>
+  </p:clrMapOvr>
+  <p:timing>
+    <p:tnLst>
+      <p:par>
+        <p:cTn id="1" dur="indefinite" restart="never" nodeType="tmRoot">
+          <p:childTnLst>
+            <p:seq>
+              <p:cTn id="2" dur="indefinite" nodeType="mainSeq"/>
+              <p:prevCondLst>
+                <p:cond evt="onPrev" delay="0">
+                  <p:tgtEl>
+                    <p:sldTgt/>
+                  </p:tgtEl>
+                </p:cond>
+              </p:prevCondLst>
+              <p:nextCondLst>
+                <p:cond evt="onNext" delay="0">
+                  <p:tgtEl>
+                    <p:sldTgt/>
+                  </p:tgtEl>
+                </p:cond>
+              </p:nextCondLst>
+            </p:seq>
+          </p:childTnLst>
+        </p:cTn>
+      </p:par>
+    </p:tnLst>
+  </p:timing>
+</p:sld>
+</file>
+
+<file path=ppt/slides/slide12.xml><?xml version="1.0" encoding="utf-8"?>
+<p:sld xmlns:a="http://schemas.openxmlformats.org/drawingml/2006/main" xmlns:r="http://schemas.openxmlformats.org/officeDocument/2006/relationships" xmlns:p="http://schemas.openxmlformats.org/presentationml/2006/main">
+  <p:cSld>
+    <p:spTree>
+      <p:nvGrpSpPr>
+        <p:cNvPr id="1" name=""/>
+        <p:cNvGrpSpPr/>
+        <p:nvPr/>
+      </p:nvGrpSpPr>
+      <p:grpSpPr>
+        <a:xfrm>
+          <a:off x="0" y="0"/>
+          <a:ext cx="0" cy="0"/>
+          <a:chOff x="0" y="0"/>
+          <a:chExt cx="0" cy="0"/>
+        </a:xfrm>
+      </p:grpSpPr>
+      <p:sp>
+        <p:nvSpPr>
+          <p:cNvPr id="98" name="TextShape 1"/>
+          <p:cNvSpPr txBox="1"/>
+          <p:nvPr/>
+        </p:nvSpPr>
+        <p:spPr>
+          <a:xfrm>
+            <a:off x="838080" y="365040"/>
+            <a:ext cx="10515240" cy="1325160"/>
+          </a:xfrm>
+          <a:prstGeom prst="rect">
+            <a:avLst/>
+          </a:prstGeom>
+          <a:noFill/>
+          <a:ln>
+            <a:noFill/>
+          </a:ln>
+        </p:spPr>
+        <p:txBody>
+          <a:bodyPr anchor="ctr"/>
+          <a:lstStyle/>
+          <a:p>
+            <a:pPr>
+              <a:lnSpc>
+                <a:spcPct val="90000"/>
+              </a:lnSpc>
+            </a:pPr>
+            <a:r>
+              <a:rPr lang="en-US" sz="4400" b="0" strike="noStrike" spc="-1">
+                <a:solidFill>
+                  <a:srgbClr val="000000"/>
+                </a:solidFill>
+                <a:latin typeface="Calibri Light"/>
+              </a:rPr>
+              <a:t>3.2. NODE</a:t>
+            </a:r>
+            <a:endParaRPr lang="en-US" sz="4400" b="0" strike="noStrike" spc="-1">
+              <a:solidFill>
+                <a:srgbClr val="000000"/>
+              </a:solidFill>
+              <a:latin typeface="Calibri"/>
+            </a:endParaRPr>
+          </a:p>
+        </p:txBody>
+      </p:sp>
+      <p:pic>
+        <p:nvPicPr>
+          <p:cNvPr id="99" name="Picture 4"/>
+          <p:cNvPicPr/>
+          <p:nvPr/>
+        </p:nvPicPr>
+        <p:blipFill>
+          <a:blip r:embed="rId2"/>
+          <a:stretch/>
+        </p:blipFill>
+        <p:spPr>
+          <a:xfrm>
+            <a:off x="5212080" y="1371600"/>
+            <a:ext cx="6799320" cy="4876920"/>
+          </a:xfrm>
+          <a:prstGeom prst="rect">
+            <a:avLst/>
+          </a:prstGeom>
+          <a:ln>
+            <a:noFill/>
+          </a:ln>
+        </p:spPr>
+      </p:pic>
+      <p:sp>
+        <p:nvSpPr>
+          <p:cNvPr id="100" name="TextShape 2"/>
+          <p:cNvSpPr txBox="1"/>
+          <p:nvPr/>
+        </p:nvSpPr>
+        <p:spPr>
+          <a:xfrm>
+            <a:off x="838800" y="1825560"/>
+            <a:ext cx="4647600" cy="4350960"/>
+          </a:xfrm>
+          <a:prstGeom prst="rect">
+            <a:avLst/>
+          </a:prstGeom>
+          <a:noFill/>
+          <a:ln>
+            <a:noFill/>
+          </a:ln>
+        </p:spPr>
+        <p:txBody>
+          <a:bodyPr/>
+          <a:lstStyle/>
+          <a:p>
+            <a:pPr marL="432000" indent="-324000">
+              <a:spcBef>
+                <a:spcPts val="1417"/>
+              </a:spcBef>
+              <a:buClr>
+                <a:srgbClr val="000000"/>
+              </a:buClr>
+              <a:buSzPct val="45000"/>
+              <a:buFont typeface="Wingdings" charset="2"/>
+              <a:buChar char=""/>
+            </a:pPr>
+            <a:r>
+              <a:rPr lang="en-US" sz="2800" b="0" strike="noStrike" spc="-1" dirty="0" err="1">
+                <a:solidFill>
+                  <a:srgbClr val="000000"/>
+                </a:solidFill>
+                <a:latin typeface="Calibri"/>
+              </a:rPr>
+              <a:t>Một</a:t>
+            </a:r>
+            <a:r>
+              <a:rPr lang="en-US" sz="2800" b="0" strike="noStrike" spc="-1" dirty="0">
+                <a:solidFill>
+                  <a:srgbClr val="000000"/>
+                </a:solidFill>
+                <a:latin typeface="Calibri"/>
+              </a:rPr>
+              <a:t> node </a:t>
+            </a:r>
+            <a:r>
+              <a:rPr lang="en-US" sz="2800" b="0" strike="noStrike" spc="-1" dirty="0" err="1">
+                <a:solidFill>
+                  <a:srgbClr val="000000"/>
+                </a:solidFill>
+                <a:latin typeface="Calibri"/>
+              </a:rPr>
+              <a:t>là</a:t>
+            </a:r>
+            <a:r>
+              <a:rPr lang="en-US" sz="2800" b="0" strike="noStrike" spc="-1" dirty="0">
+                <a:solidFill>
+                  <a:srgbClr val="000000"/>
+                </a:solidFill>
+                <a:latin typeface="Calibri"/>
+              </a:rPr>
+              <a:t> </a:t>
+            </a:r>
+            <a:r>
+              <a:rPr lang="en-US" sz="2800" b="0" strike="noStrike" spc="-1" dirty="0" err="1">
+                <a:solidFill>
+                  <a:srgbClr val="000000"/>
+                </a:solidFill>
+                <a:latin typeface="Calibri"/>
+              </a:rPr>
+              <a:t>một</a:t>
+            </a:r>
+            <a:r>
+              <a:rPr lang="en-US" sz="2800" b="0" strike="noStrike" spc="-1" dirty="0">
+                <a:solidFill>
+                  <a:srgbClr val="000000"/>
+                </a:solidFill>
+                <a:latin typeface="Calibri"/>
+              </a:rPr>
+              <a:t> </a:t>
+            </a:r>
+            <a:r>
+              <a:rPr lang="en-US" sz="2800" b="0" strike="noStrike" spc="-1" dirty="0" err="1">
+                <a:solidFill>
+                  <a:srgbClr val="000000"/>
+                </a:solidFill>
+                <a:latin typeface="Calibri"/>
+              </a:rPr>
+              <a:t>máy</a:t>
+            </a:r>
+            <a:r>
+              <a:rPr lang="en-US" sz="2800" b="0" strike="noStrike" spc="-1" dirty="0">
+                <a:solidFill>
+                  <a:srgbClr val="000000"/>
+                </a:solidFill>
+                <a:latin typeface="Calibri"/>
+              </a:rPr>
+              <a:t> worker </a:t>
+            </a:r>
+            <a:r>
+              <a:rPr lang="en-US" sz="2800" b="0" strike="noStrike" spc="-1" dirty="0" err="1">
+                <a:solidFill>
+                  <a:srgbClr val="000000"/>
+                </a:solidFill>
+                <a:latin typeface="Calibri"/>
+              </a:rPr>
+              <a:t>trong</a:t>
+            </a:r>
+            <a:r>
+              <a:rPr lang="en-US" sz="2800" b="0" strike="noStrike" spc="-1" dirty="0">
+                <a:solidFill>
+                  <a:srgbClr val="000000"/>
+                </a:solidFill>
+                <a:latin typeface="Calibri"/>
+              </a:rPr>
+              <a:t> Kubernetes</a:t>
+            </a:r>
+          </a:p>
+          <a:p>
+            <a:pPr marL="432000" indent="-324000">
+              <a:spcBef>
+                <a:spcPts val="1417"/>
+              </a:spcBef>
+              <a:buClr>
+                <a:srgbClr val="000000"/>
+              </a:buClr>
+              <a:buSzPct val="45000"/>
+              <a:buFont typeface="Wingdings" charset="2"/>
+              <a:buChar char=""/>
+            </a:pPr>
+            <a:r>
+              <a:rPr lang="en-US" sz="2800" b="0" strike="noStrike" spc="-1" dirty="0" err="1">
+                <a:solidFill>
+                  <a:srgbClr val="000000"/>
+                </a:solidFill>
+                <a:latin typeface="Calibri"/>
+              </a:rPr>
+              <a:t>Một</a:t>
+            </a:r>
+            <a:r>
+              <a:rPr lang="en-US" sz="2800" b="0" strike="noStrike" spc="-1" dirty="0">
+                <a:solidFill>
+                  <a:srgbClr val="000000"/>
+                </a:solidFill>
+                <a:latin typeface="Calibri"/>
+              </a:rPr>
+              <a:t> worker node </a:t>
+            </a:r>
+            <a:r>
+              <a:rPr lang="en-US" sz="2800" b="0" strike="noStrike" spc="-1" dirty="0" err="1">
+                <a:solidFill>
+                  <a:srgbClr val="000000"/>
+                </a:solidFill>
+                <a:latin typeface="Calibri"/>
+              </a:rPr>
+              <a:t>có</a:t>
+            </a:r>
+            <a:r>
+              <a:rPr lang="en-US" sz="2800" b="0" strike="noStrike" spc="-1" dirty="0">
+                <a:solidFill>
+                  <a:srgbClr val="000000"/>
+                </a:solidFill>
+                <a:latin typeface="Calibri"/>
+              </a:rPr>
+              <a:t> </a:t>
+            </a:r>
+            <a:r>
+              <a:rPr lang="en-US" sz="2800" b="0" strike="noStrike" spc="-1" dirty="0" err="1">
+                <a:solidFill>
+                  <a:srgbClr val="000000"/>
+                </a:solidFill>
+                <a:latin typeface="Calibri"/>
+              </a:rPr>
+              <a:t>thể</a:t>
+            </a:r>
+            <a:r>
+              <a:rPr lang="en-US" sz="2800" b="0" strike="noStrike" spc="-1" dirty="0">
+                <a:solidFill>
+                  <a:srgbClr val="000000"/>
+                </a:solidFill>
+                <a:latin typeface="Calibri"/>
+              </a:rPr>
+              <a:t> </a:t>
+            </a:r>
+            <a:r>
+              <a:rPr lang="en-US" sz="2800" b="0" strike="noStrike" spc="-1" dirty="0" err="1">
+                <a:solidFill>
+                  <a:srgbClr val="000000"/>
+                </a:solidFill>
+                <a:latin typeface="Calibri"/>
+              </a:rPr>
+              <a:t>là</a:t>
+            </a:r>
+            <a:r>
+              <a:rPr lang="en-US" sz="2800" b="0" strike="noStrike" spc="-1" dirty="0">
+                <a:solidFill>
+                  <a:srgbClr val="000000"/>
+                </a:solidFill>
+                <a:latin typeface="Calibri"/>
+              </a:rPr>
+              <a:t> </a:t>
+            </a:r>
+            <a:r>
+              <a:rPr lang="en-US" sz="2800" b="0" strike="noStrike" spc="-1" dirty="0" err="1">
+                <a:solidFill>
+                  <a:srgbClr val="000000"/>
+                </a:solidFill>
+                <a:latin typeface="Calibri"/>
+              </a:rPr>
+              <a:t>một</a:t>
+            </a:r>
+            <a:r>
+              <a:rPr lang="en-US" sz="2800" b="0" strike="noStrike" spc="-1" dirty="0">
+                <a:solidFill>
+                  <a:srgbClr val="000000"/>
+                </a:solidFill>
+                <a:latin typeface="Calibri"/>
+              </a:rPr>
+              <a:t> </a:t>
+            </a:r>
+            <a:r>
+              <a:rPr lang="en-US" sz="2800" b="0" strike="noStrike" spc="-1" dirty="0" err="1">
+                <a:solidFill>
+                  <a:srgbClr val="000000"/>
+                </a:solidFill>
+                <a:latin typeface="Calibri"/>
+              </a:rPr>
+              <a:t>máy</a:t>
+            </a:r>
+            <a:r>
+              <a:rPr lang="en-US" sz="2800" b="0" strike="noStrike" spc="-1" dirty="0">
+                <a:solidFill>
+                  <a:srgbClr val="000000"/>
+                </a:solidFill>
+                <a:latin typeface="Calibri"/>
+              </a:rPr>
+              <a:t> </a:t>
+            </a:r>
+            <a:r>
+              <a:rPr lang="en-US" sz="2800" b="0" strike="noStrike" spc="-1" dirty="0" err="1">
+                <a:solidFill>
+                  <a:srgbClr val="000000"/>
+                </a:solidFill>
+                <a:latin typeface="Calibri"/>
+              </a:rPr>
+              <a:t>tính</a:t>
+            </a:r>
+            <a:r>
+              <a:rPr lang="en-US" sz="2800" b="0" strike="noStrike" spc="-1" dirty="0">
+                <a:solidFill>
+                  <a:srgbClr val="000000"/>
+                </a:solidFill>
+                <a:latin typeface="Calibri"/>
+              </a:rPr>
+              <a:t> </a:t>
+            </a:r>
+            <a:r>
+              <a:rPr lang="en-US" sz="2800" b="0" strike="noStrike" spc="-1" dirty="0" err="1">
+                <a:solidFill>
+                  <a:srgbClr val="000000"/>
+                </a:solidFill>
+                <a:latin typeface="Calibri"/>
+              </a:rPr>
+              <a:t>ảo</a:t>
+            </a:r>
+            <a:r>
+              <a:rPr lang="en-US" sz="2800" b="0" strike="noStrike" spc="-1" dirty="0">
+                <a:solidFill>
+                  <a:srgbClr val="000000"/>
+                </a:solidFill>
+                <a:latin typeface="Calibri"/>
+              </a:rPr>
+              <a:t> hay </a:t>
+            </a:r>
+            <a:r>
+              <a:rPr lang="en-US" sz="2800" b="0" strike="noStrike" spc="-1" dirty="0" err="1">
+                <a:solidFill>
+                  <a:srgbClr val="000000"/>
+                </a:solidFill>
+                <a:latin typeface="Calibri"/>
+              </a:rPr>
+              <a:t>máy</a:t>
+            </a:r>
+            <a:r>
+              <a:rPr lang="en-US" sz="2800" b="0" strike="noStrike" spc="-1" dirty="0">
+                <a:solidFill>
+                  <a:srgbClr val="000000"/>
+                </a:solidFill>
+                <a:latin typeface="Calibri"/>
+              </a:rPr>
+              <a:t> </a:t>
+            </a:r>
+            <a:r>
+              <a:rPr lang="en-US" sz="2800" b="0" strike="noStrike" spc="-1" dirty="0" err="1">
+                <a:solidFill>
+                  <a:srgbClr val="000000"/>
+                </a:solidFill>
+                <a:latin typeface="Calibri"/>
+              </a:rPr>
+              <a:t>tính</a:t>
+            </a:r>
+            <a:r>
+              <a:rPr lang="en-US" sz="2800" b="0" strike="noStrike" spc="-1" dirty="0">
+                <a:solidFill>
+                  <a:srgbClr val="000000"/>
+                </a:solidFill>
+                <a:latin typeface="Calibri"/>
+              </a:rPr>
+              <a:t> </a:t>
+            </a:r>
+            <a:r>
+              <a:rPr lang="en-US" sz="2800" b="0" strike="noStrike" spc="-1" dirty="0" err="1">
+                <a:solidFill>
+                  <a:srgbClr val="000000"/>
+                </a:solidFill>
+                <a:latin typeface="Calibri"/>
+              </a:rPr>
+              <a:t>vậy</a:t>
+            </a:r>
+            <a:r>
+              <a:rPr lang="en-US" sz="2800" b="0" strike="noStrike" spc="-1" dirty="0">
+                <a:solidFill>
+                  <a:srgbClr val="000000"/>
+                </a:solidFill>
+                <a:latin typeface="Calibri"/>
+              </a:rPr>
+              <a:t> </a:t>
+            </a:r>
+            <a:r>
+              <a:rPr lang="en-US" sz="2800" b="0" strike="noStrike" spc="-1" dirty="0" err="1">
+                <a:solidFill>
+                  <a:srgbClr val="000000"/>
+                </a:solidFill>
+                <a:latin typeface="Calibri"/>
+              </a:rPr>
+              <a:t>lý</a:t>
+            </a:r>
+            <a:r>
+              <a:rPr lang="en-US" sz="2800" b="0" strike="noStrike" spc="-1" dirty="0">
+                <a:solidFill>
+                  <a:srgbClr val="000000"/>
+                </a:solidFill>
+                <a:latin typeface="Calibri"/>
+              </a:rPr>
+              <a:t>, </a:t>
+            </a:r>
+            <a:r>
+              <a:rPr lang="en-US" sz="2800" b="0" strike="noStrike" spc="-1" dirty="0" err="1">
+                <a:solidFill>
+                  <a:srgbClr val="000000"/>
+                </a:solidFill>
+                <a:latin typeface="Calibri"/>
+              </a:rPr>
+              <a:t>tùy</a:t>
+            </a:r>
+            <a:r>
+              <a:rPr lang="en-US" sz="2800" b="0" strike="noStrike" spc="-1" dirty="0">
+                <a:solidFill>
+                  <a:srgbClr val="000000"/>
+                </a:solidFill>
+                <a:latin typeface="Calibri"/>
+              </a:rPr>
+              <a:t> </a:t>
+            </a:r>
+            <a:r>
+              <a:rPr lang="en-US" sz="2800" b="0" strike="noStrike" spc="-1" dirty="0" err="1">
+                <a:solidFill>
+                  <a:srgbClr val="000000"/>
+                </a:solidFill>
+                <a:latin typeface="Calibri"/>
+              </a:rPr>
+              <a:t>thuộc</a:t>
+            </a:r>
+            <a:r>
+              <a:rPr lang="en-US" sz="2800" b="0" strike="noStrike" spc="-1" dirty="0">
+                <a:solidFill>
+                  <a:srgbClr val="000000"/>
+                </a:solidFill>
+                <a:latin typeface="Calibri"/>
+              </a:rPr>
+              <a:t> </a:t>
+            </a:r>
+            <a:r>
+              <a:rPr lang="en-US" sz="2800" b="0" strike="noStrike" spc="-1" dirty="0" err="1">
+                <a:solidFill>
+                  <a:srgbClr val="000000"/>
+                </a:solidFill>
+                <a:latin typeface="Calibri"/>
+              </a:rPr>
+              <a:t>vào</a:t>
+            </a:r>
+            <a:r>
+              <a:rPr lang="en-US" sz="2800" b="0" strike="noStrike" spc="-1" dirty="0">
+                <a:solidFill>
+                  <a:srgbClr val="000000"/>
+                </a:solidFill>
+                <a:latin typeface="Calibri"/>
+              </a:rPr>
+              <a:t> cluster. </a:t>
+            </a:r>
+          </a:p>
+          <a:p>
+            <a:pPr marL="432000" indent="-324000">
+              <a:spcBef>
+                <a:spcPts val="1417"/>
+              </a:spcBef>
+              <a:buClr>
+                <a:srgbClr val="000000"/>
+              </a:buClr>
+              <a:buSzPct val="45000"/>
+              <a:buFont typeface="Wingdings" charset="2"/>
+              <a:buChar char=""/>
+            </a:pPr>
+            <a:r>
+              <a:rPr lang="en-US" sz="2800" b="0" strike="noStrike" spc="-1" dirty="0" err="1">
+                <a:solidFill>
+                  <a:srgbClr val="000000"/>
+                </a:solidFill>
+                <a:latin typeface="Calibri"/>
+              </a:rPr>
+              <a:t>Bao</a:t>
+            </a:r>
+            <a:r>
+              <a:rPr lang="en-US" sz="2800" b="0" strike="noStrike" spc="-1" dirty="0">
+                <a:solidFill>
+                  <a:srgbClr val="000000"/>
+                </a:solidFill>
+                <a:latin typeface="Calibri"/>
+              </a:rPr>
+              <a:t> </a:t>
+            </a:r>
+            <a:r>
+              <a:rPr lang="en-US" sz="2800" b="0" strike="noStrike" spc="-1" dirty="0" err="1">
+                <a:solidFill>
+                  <a:srgbClr val="000000"/>
+                </a:solidFill>
+                <a:latin typeface="Calibri"/>
+              </a:rPr>
+              <a:t>gồm</a:t>
+            </a:r>
+            <a:r>
+              <a:rPr lang="en-US" sz="2800" b="0" strike="noStrike" spc="-1" dirty="0">
+                <a:solidFill>
+                  <a:srgbClr val="000000"/>
+                </a:solidFill>
+                <a:latin typeface="Calibri"/>
+              </a:rPr>
+              <a:t> </a:t>
+            </a:r>
+            <a:r>
+              <a:rPr lang="en-US" sz="2800" b="0" strike="noStrike" spc="-1" dirty="0" err="1">
+                <a:solidFill>
+                  <a:srgbClr val="000000"/>
+                </a:solidFill>
+                <a:latin typeface="Calibri"/>
+              </a:rPr>
+              <a:t>một</a:t>
+            </a:r>
+            <a:r>
+              <a:rPr lang="en-US" sz="2800" b="0" strike="noStrike" spc="-1" dirty="0">
+                <a:solidFill>
+                  <a:srgbClr val="000000"/>
+                </a:solidFill>
+                <a:latin typeface="Calibri"/>
+              </a:rPr>
+              <a:t> </a:t>
+            </a:r>
+            <a:r>
+              <a:rPr lang="en-US" sz="2800" b="0" strike="noStrike" spc="-1" dirty="0" err="1">
+                <a:solidFill>
+                  <a:srgbClr val="000000"/>
+                </a:solidFill>
+                <a:latin typeface="Calibri"/>
+              </a:rPr>
+              <a:t>số</a:t>
+            </a:r>
+            <a:r>
+              <a:rPr lang="en-US" sz="2800" b="0" strike="noStrike" spc="-1" dirty="0">
+                <a:solidFill>
+                  <a:srgbClr val="000000"/>
+                </a:solidFill>
+                <a:latin typeface="Calibri"/>
+              </a:rPr>
+              <a:t> daemons </a:t>
+            </a:r>
+            <a:r>
+              <a:rPr lang="en-US" sz="2800" b="0" strike="noStrike" spc="-1" dirty="0" err="1">
+                <a:solidFill>
+                  <a:srgbClr val="000000"/>
+                </a:solidFill>
+                <a:latin typeface="Calibri"/>
+              </a:rPr>
+              <a:t>hoặc</a:t>
+            </a:r>
+            <a:r>
+              <a:rPr lang="en-US" sz="2800" b="0" strike="noStrike" spc="-1" dirty="0">
+                <a:solidFill>
+                  <a:srgbClr val="000000"/>
+                </a:solidFill>
+                <a:latin typeface="Calibri"/>
+              </a:rPr>
+              <a:t> services </a:t>
+            </a:r>
+            <a:r>
+              <a:rPr lang="en-US" sz="2800" b="0" strike="noStrike" spc="-1" dirty="0" err="1">
+                <a:solidFill>
+                  <a:srgbClr val="000000"/>
+                </a:solidFill>
+                <a:latin typeface="Calibri"/>
+              </a:rPr>
+              <a:t>cần</a:t>
+            </a:r>
+            <a:r>
+              <a:rPr lang="en-US" sz="2800" b="0" strike="noStrike" spc="-1" dirty="0">
+                <a:solidFill>
+                  <a:srgbClr val="000000"/>
+                </a:solidFill>
+                <a:latin typeface="Calibri"/>
+              </a:rPr>
+              <a:t> </a:t>
+            </a:r>
+            <a:r>
+              <a:rPr lang="en-US" sz="2800" b="0" strike="noStrike" spc="-1" dirty="0" err="1">
+                <a:solidFill>
+                  <a:srgbClr val="000000"/>
+                </a:solidFill>
+                <a:latin typeface="Calibri"/>
+              </a:rPr>
+              <a:t>thiết</a:t>
+            </a:r>
+            <a:r>
+              <a:rPr lang="en-US" sz="2800" b="0" strike="noStrike" spc="-1" dirty="0">
+                <a:solidFill>
+                  <a:srgbClr val="000000"/>
+                </a:solidFill>
+                <a:latin typeface="Calibri"/>
+              </a:rPr>
+              <a:t> </a:t>
+            </a:r>
+            <a:r>
+              <a:rPr lang="en-US" sz="2800" b="0" strike="noStrike" spc="-1" dirty="0" err="1">
+                <a:solidFill>
+                  <a:srgbClr val="000000"/>
+                </a:solidFill>
+                <a:latin typeface="Calibri"/>
+              </a:rPr>
+              <a:t>để</a:t>
+            </a:r>
+            <a:r>
+              <a:rPr lang="en-US" sz="2800" b="0" strike="noStrike" spc="-1" dirty="0">
+                <a:solidFill>
+                  <a:srgbClr val="000000"/>
+                </a:solidFill>
+                <a:latin typeface="Calibri"/>
+              </a:rPr>
+              <a:t> </a:t>
+            </a:r>
+            <a:r>
+              <a:rPr lang="en-US" sz="2800" b="0" strike="noStrike" spc="-1" dirty="0" err="1">
+                <a:solidFill>
+                  <a:srgbClr val="000000"/>
+                </a:solidFill>
+                <a:latin typeface="Calibri"/>
+              </a:rPr>
+              <a:t>chạy</a:t>
+            </a:r>
+            <a:r>
+              <a:rPr lang="en-US" sz="2800" b="0" strike="noStrike" spc="-1" dirty="0">
+                <a:solidFill>
+                  <a:srgbClr val="000000"/>
+                </a:solidFill>
+                <a:latin typeface="Calibri"/>
+              </a:rPr>
+              <a:t> </a:t>
+            </a:r>
+            <a:r>
+              <a:rPr lang="en-US" sz="2800" b="0" strike="noStrike" spc="-1" dirty="0" err="1">
+                <a:solidFill>
+                  <a:srgbClr val="000000"/>
+                </a:solidFill>
+                <a:latin typeface="Calibri"/>
+              </a:rPr>
+              <a:t>các</a:t>
+            </a:r>
+            <a:r>
+              <a:rPr lang="en-US" sz="2800" b="0" strike="noStrike" spc="-1" dirty="0">
+                <a:solidFill>
+                  <a:srgbClr val="000000"/>
+                </a:solidFill>
+                <a:latin typeface="Calibri"/>
+              </a:rPr>
+              <a:t> Pods </a:t>
+            </a:r>
+            <a:r>
+              <a:rPr lang="en-US" sz="2800" b="0" strike="noStrike" spc="-1" dirty="0" err="1">
+                <a:solidFill>
+                  <a:srgbClr val="000000"/>
+                </a:solidFill>
+                <a:latin typeface="Calibri"/>
+              </a:rPr>
+              <a:t>và</a:t>
+            </a:r>
+            <a:r>
+              <a:rPr lang="en-US" sz="2800" b="0" strike="noStrike" spc="-1" dirty="0">
+                <a:solidFill>
+                  <a:srgbClr val="000000"/>
+                </a:solidFill>
+                <a:latin typeface="Calibri"/>
+              </a:rPr>
+              <a:t> </a:t>
+            </a:r>
+            <a:r>
+              <a:rPr lang="en-US" sz="2800" b="0" strike="noStrike" spc="-1" dirty="0" err="1">
+                <a:solidFill>
+                  <a:srgbClr val="000000"/>
+                </a:solidFill>
+                <a:latin typeface="Calibri"/>
+              </a:rPr>
+              <a:t>được</a:t>
+            </a:r>
+            <a:r>
+              <a:rPr lang="en-US" sz="2800" b="0" strike="noStrike" spc="-1" dirty="0">
+                <a:solidFill>
+                  <a:srgbClr val="000000"/>
+                </a:solidFill>
+                <a:latin typeface="Calibri"/>
+              </a:rPr>
+              <a:t> </a:t>
+            </a:r>
+            <a:r>
+              <a:rPr lang="en-US" sz="2800" b="0" strike="noStrike" spc="-1" dirty="0" err="1">
+                <a:solidFill>
+                  <a:srgbClr val="000000"/>
+                </a:solidFill>
+                <a:latin typeface="Calibri"/>
+              </a:rPr>
+              <a:t>quản</a:t>
+            </a:r>
+            <a:r>
+              <a:rPr lang="en-US" sz="2800" b="0" strike="noStrike" spc="-1" dirty="0">
+                <a:solidFill>
+                  <a:srgbClr val="000000"/>
+                </a:solidFill>
+                <a:latin typeface="Calibri"/>
+              </a:rPr>
+              <a:t> </a:t>
+            </a:r>
+            <a:r>
+              <a:rPr lang="en-US" sz="2800" b="0" strike="noStrike" spc="-1" dirty="0" err="1">
+                <a:solidFill>
+                  <a:srgbClr val="000000"/>
+                </a:solidFill>
+                <a:latin typeface="Calibri"/>
+              </a:rPr>
+              <a:t>lý</a:t>
+            </a:r>
+            <a:r>
+              <a:rPr lang="en-US" sz="2800" b="0" strike="noStrike" spc="-1" dirty="0">
+                <a:solidFill>
+                  <a:srgbClr val="000000"/>
+                </a:solidFill>
+                <a:latin typeface="Calibri"/>
+              </a:rPr>
+              <a:t> </a:t>
+            </a:r>
+            <a:r>
+              <a:rPr lang="en-US" sz="2800" b="0" strike="noStrike" spc="-1" dirty="0" err="1">
+                <a:solidFill>
+                  <a:srgbClr val="000000"/>
+                </a:solidFill>
+                <a:latin typeface="Calibri"/>
+              </a:rPr>
+              <a:t>bởi</a:t>
+            </a:r>
+            <a:r>
+              <a:rPr lang="en-US" sz="2800" b="0" strike="noStrike" spc="-1" dirty="0">
+                <a:solidFill>
+                  <a:srgbClr val="000000"/>
+                </a:solidFill>
+                <a:latin typeface="Calibri"/>
+              </a:rPr>
+              <a:t> control plane. </a:t>
+            </a:r>
+          </a:p>
+          <a:p>
+            <a:pPr marL="432000" indent="-324000">
+              <a:spcBef>
+                <a:spcPts val="1417"/>
+              </a:spcBef>
+              <a:buClr>
+                <a:srgbClr val="000000"/>
+              </a:buClr>
+              <a:buSzPct val="45000"/>
+              <a:buFont typeface="Wingdings" charset="2"/>
+              <a:buChar char=""/>
+            </a:pPr>
+            <a:endParaRPr lang="en-US" sz="2800" b="0" strike="noStrike" spc="-1" dirty="0">
+              <a:solidFill>
+                <a:srgbClr val="000000"/>
+              </a:solidFill>
+              <a:latin typeface="Calibri"/>
+            </a:endParaRPr>
+          </a:p>
+          <a:p>
+            <a:pPr marL="432000" indent="-324000">
+              <a:spcBef>
+                <a:spcPts val="1417"/>
+              </a:spcBef>
+              <a:buClr>
+                <a:srgbClr val="000000"/>
+              </a:buClr>
+              <a:buSzPct val="45000"/>
+              <a:buFont typeface="Wingdings" charset="2"/>
+              <a:buChar char=""/>
+            </a:pPr>
+            <a:endParaRPr lang="en-US" sz="2800" b="0" strike="noStrike" spc="-1" dirty="0">
+              <a:solidFill>
+                <a:srgbClr val="000000"/>
+              </a:solidFill>
+              <a:latin typeface="Calibri"/>
+            </a:endParaRPr>
+          </a:p>
+          <a:p>
+            <a:pPr marL="432000" indent="-324000">
+              <a:spcBef>
+                <a:spcPts val="1417"/>
+              </a:spcBef>
+              <a:buClr>
+                <a:srgbClr val="000000"/>
+              </a:buClr>
+              <a:buSzPct val="45000"/>
+              <a:buFont typeface="Wingdings" charset="2"/>
+              <a:buChar char=""/>
+            </a:pPr>
+            <a:endParaRPr lang="en-US" sz="2800" b="0" strike="noStrike" spc="-1" dirty="0">
+              <a:solidFill>
+                <a:srgbClr val="000000"/>
+              </a:solidFill>
+              <a:latin typeface="Calibri"/>
+            </a:endParaRPr>
+          </a:p>
+        </p:txBody>
+      </p:sp>
+    </p:spTree>
+  </p:cSld>
+  <p:clrMapOvr>
+    <a:masterClrMapping/>
+  </p:clrMapOvr>
+  <p:timing>
+    <p:tnLst>
+      <p:par>
+        <p:cTn id="1" dur="indefinite" restart="never" nodeType="tmRoot">
+          <p:childTnLst>
+            <p:seq>
+              <p:cTn id="2" dur="indefinite" nodeType="mainSeq"/>
+              <p:prevCondLst>
+                <p:cond evt="onPrev" delay="0">
+                  <p:tgtEl>
+                    <p:sldTgt/>
+                  </p:tgtEl>
+                </p:cond>
+              </p:prevCondLst>
+              <p:nextCondLst>
+                <p:cond evt="onNext" delay="0">
+                  <p:tgtEl>
+                    <p:sldTgt/>
+                  </p:tgtEl>
+                </p:cond>
+              </p:nextCondLst>
+            </p:seq>
+          </p:childTnLst>
+        </p:cTn>
+      </p:par>
+    </p:tnLst>
+  </p:timing>
+</p:sld>
+</file>
+
+<file path=ppt/slides/slide13.xml><?xml version="1.0" encoding="utf-8"?>
+<p:sld xmlns:a="http://schemas.openxmlformats.org/drawingml/2006/main" xmlns:r="http://schemas.openxmlformats.org/officeDocument/2006/relationships" xmlns:p="http://schemas.openxmlformats.org/presentationml/2006/main">
+  <p:cSld>
+    <p:spTree>
+      <p:nvGrpSpPr>
+        <p:cNvPr id="1" name=""/>
+        <p:cNvGrpSpPr/>
+        <p:nvPr/>
+      </p:nvGrpSpPr>
+      <p:grpSpPr>
+        <a:xfrm>
+          <a:off x="0" y="0"/>
+          <a:ext cx="0" cy="0"/>
+          <a:chOff x="0" y="0"/>
+          <a:chExt cx="0" cy="0"/>
+        </a:xfrm>
+      </p:grpSpPr>
+      <p:sp>
+        <p:nvSpPr>
+          <p:cNvPr id="101" name="TextShape 1"/>
+          <p:cNvSpPr txBox="1"/>
+          <p:nvPr/>
+        </p:nvSpPr>
+        <p:spPr>
+          <a:xfrm>
+            <a:off x="838080" y="365040"/>
+            <a:ext cx="10515240" cy="1325160"/>
+          </a:xfrm>
+          <a:prstGeom prst="rect">
+            <a:avLst/>
+          </a:prstGeom>
+          <a:noFill/>
+          <a:ln>
+            <a:noFill/>
+          </a:ln>
+        </p:spPr>
+        <p:txBody>
+          <a:bodyPr anchor="ctr"/>
+          <a:lstStyle/>
+          <a:p>
+            <a:pPr>
+              <a:lnSpc>
+                <a:spcPct val="90000"/>
+              </a:lnSpc>
+            </a:pPr>
+            <a:r>
+              <a:rPr lang="en-US" sz="4400" b="0" strike="noStrike" spc="-1">
+                <a:solidFill>
+                  <a:srgbClr val="000000"/>
+                </a:solidFill>
+                <a:latin typeface="Calibri Light"/>
+              </a:rPr>
+              <a:t>3.3 Service </a:t>
+            </a:r>
+            <a:endParaRPr lang="en-US" sz="4400" b="0" strike="noStrike" spc="-1">
+              <a:solidFill>
+                <a:srgbClr val="000000"/>
+              </a:solidFill>
+              <a:latin typeface="Calibri"/>
+            </a:endParaRPr>
+          </a:p>
+        </p:txBody>
+      </p:sp>
+      <p:pic>
+        <p:nvPicPr>
+          <p:cNvPr id="102" name="Content Placeholder 3"/>
+          <p:cNvPicPr/>
+          <p:nvPr/>
+        </p:nvPicPr>
+        <p:blipFill>
+          <a:blip r:embed="rId2"/>
+          <a:stretch/>
+        </p:blipFill>
+        <p:spPr>
+          <a:xfrm>
+            <a:off x="5669280" y="1463040"/>
+            <a:ext cx="5871960" cy="4350960"/>
+          </a:xfrm>
+          <a:prstGeom prst="rect">
+            <a:avLst/>
+          </a:prstGeom>
+          <a:ln>
+            <a:noFill/>
+          </a:ln>
+        </p:spPr>
+      </p:pic>
+      <p:sp>
+        <p:nvSpPr>
+          <p:cNvPr id="103" name="TextShape 2"/>
+          <p:cNvSpPr txBox="1"/>
+          <p:nvPr/>
+        </p:nvSpPr>
+        <p:spPr>
+          <a:xfrm>
+            <a:off x="274320" y="1825560"/>
+            <a:ext cx="5212080" cy="4350960"/>
+          </a:xfrm>
+          <a:prstGeom prst="rect">
+            <a:avLst/>
+          </a:prstGeom>
+          <a:noFill/>
+          <a:ln>
+            <a:noFill/>
+          </a:ln>
+        </p:spPr>
+        <p:txBody>
+          <a:bodyPr/>
+          <a:lstStyle/>
+          <a:p>
+            <a:pPr marL="432000" indent="-324000">
+              <a:spcBef>
+                <a:spcPts val="1417"/>
+              </a:spcBef>
+              <a:buClr>
+                <a:srgbClr val="000000"/>
+              </a:buClr>
+              <a:buSzPct val="45000"/>
+              <a:buFont typeface="Wingdings" charset="2"/>
+              <a:buChar char=""/>
+            </a:pPr>
+            <a:r>
+              <a:rPr lang="en-US" sz="2800" b="0" strike="noStrike" spc="-1">
+                <a:solidFill>
+                  <a:srgbClr val="000000"/>
+                </a:solidFill>
+                <a:latin typeface="Calibri"/>
+              </a:rPr>
+              <a:t>Một tập các Pods được một Service nhắm đến (thường) được xác định với một selector. </a:t>
+            </a:r>
+          </a:p>
+          <a:p>
+            <a:pPr marL="432000" indent="-324000">
+              <a:spcBef>
+                <a:spcPts val="1417"/>
+              </a:spcBef>
+              <a:buClr>
+                <a:srgbClr val="000000"/>
+              </a:buClr>
+              <a:buSzPct val="45000"/>
+              <a:buFont typeface="Wingdings" charset="2"/>
+              <a:buChar char=""/>
+            </a:pPr>
+            <a:r>
+              <a:rPr lang="en-US" sz="2800" b="0" strike="noStrike" spc="-1">
+                <a:solidFill>
+                  <a:srgbClr val="000000"/>
+                </a:solidFill>
+                <a:latin typeface="Calibri"/>
+              </a:rPr>
+              <a:t>Nếu có nhiều Pods được thêm vào hay xóa đi, tập những Pods hợp với selector sẽ thay đổi. Service đảm bảo network traffic có thể đến tới tập những Pods để giải quyết công việc. </a:t>
+            </a:r>
+          </a:p>
+          <a:p>
+            <a:pPr marL="432000" indent="-324000">
+              <a:spcBef>
+                <a:spcPts val="1417"/>
+              </a:spcBef>
+              <a:buClr>
+                <a:srgbClr val="000000"/>
+              </a:buClr>
+              <a:buSzPct val="45000"/>
+              <a:buFont typeface="Wingdings" charset="2"/>
+              <a:buChar char=""/>
+            </a:pPr>
+            <a:endParaRPr lang="en-US" sz="2800" b="0" strike="noStrike" spc="-1">
+              <a:solidFill>
+                <a:srgbClr val="000000"/>
+              </a:solidFill>
+              <a:latin typeface="Calibri"/>
+            </a:endParaRPr>
+          </a:p>
+          <a:p>
+            <a:pPr marL="432000" indent="-324000">
+              <a:spcBef>
+                <a:spcPts val="1417"/>
+              </a:spcBef>
+              <a:buClr>
+                <a:srgbClr val="000000"/>
+              </a:buClr>
+              <a:buSzPct val="45000"/>
+              <a:buFont typeface="Wingdings" charset="2"/>
+              <a:buChar char=""/>
+            </a:pPr>
+            <a:endParaRPr lang="en-US" sz="2800" b="0" strike="noStrike" spc="-1">
+              <a:solidFill>
+                <a:srgbClr val="000000"/>
+              </a:solidFill>
+              <a:latin typeface="Calibri"/>
+            </a:endParaRPr>
+          </a:p>
+          <a:p>
+            <a:pPr marL="432000" indent="-324000">
+              <a:spcBef>
+                <a:spcPts val="1417"/>
+              </a:spcBef>
+              <a:buClr>
+                <a:srgbClr val="000000"/>
+              </a:buClr>
+              <a:buSzPct val="45000"/>
+              <a:buFont typeface="Wingdings" charset="2"/>
+              <a:buChar char=""/>
+            </a:pPr>
+            <a:endParaRPr lang="en-US" sz="2800" b="0" strike="noStrike" spc="-1">
+              <a:solidFill>
+                <a:srgbClr val="000000"/>
+              </a:solidFill>
+              <a:latin typeface="Calibri"/>
+            </a:endParaRPr>
+          </a:p>
+        </p:txBody>
+      </p:sp>
+    </p:spTree>
+  </p:cSld>
+  <p:clrMapOvr>
+    <a:masterClrMapping/>
+  </p:clrMapOvr>
+  <p:timing>
+    <p:tnLst>
+      <p:par>
+        <p:cTn id="1" dur="indefinite" restart="never" nodeType="tmRoot">
+          <p:childTnLst>
+            <p:seq>
+              <p:cTn id="2" dur="indefinite" nodeType="mainSeq"/>
+              <p:prevCondLst>
+                <p:cond evt="onPrev" delay="0">
+                  <p:tgtEl>
+                    <p:sldTgt/>
+                  </p:tgtEl>
+                </p:cond>
+              </p:prevCondLst>
+              <p:nextCondLst>
+                <p:cond evt="onNext" delay="0">
+                  <p:tgtEl>
+                    <p:sldTgt/>
+                  </p:tgtEl>
+                </p:cond>
+              </p:nextCondLst>
+            </p:seq>
+          </p:childTnLst>
+        </p:cTn>
+      </p:par>
+    </p:tnLst>
+  </p:timing>
+</p:sld>
+</file>
+
+<file path=ppt/slides/slide14.xml><?xml version="1.0" encoding="utf-8"?>
+<p:sld xmlns:a="http://schemas.openxmlformats.org/drawingml/2006/main" xmlns:r="http://schemas.openxmlformats.org/officeDocument/2006/relationships" xmlns:p="http://schemas.openxmlformats.org/presentationml/2006/main">
   <p:cSld>
     <p:spTree>
       <p:nvGrpSpPr>
@@ -3824,6 +6724,7 @@
         </p:spPr>
         <p:txBody>
           <a:bodyPr anchor="ctr"/>
+          <a:lstStyle/>
           <a:p>
             <a:pPr>
               <a:lnSpc>
@@ -3831,7 +6732,7 @@
               </a:lnSpc>
             </a:pPr>
             <a:r>
-              <a:rPr b="0" lang="en-US" sz="4400" spc="-1" strike="noStrike">
+              <a:rPr lang="en-US" sz="4400" b="0" strike="noStrike" spc="-1">
                 <a:solidFill>
                   <a:srgbClr val="000000"/>
                 </a:solidFill>
@@ -3839,7 +6740,7 @@
               </a:rPr>
               <a:t>3.4. Deployment</a:t>
             </a:r>
-            <a:endParaRPr b="0" lang="en-US" sz="4400" spc="-1" strike="noStrike">
+            <a:endParaRPr lang="en-US" sz="4400" b="0" strike="noStrike" spc="-1">
               <a:solidFill>
                 <a:srgbClr val="000000"/>
               </a:solidFill>
@@ -3850,12 +6751,12 @@
       </p:sp>
       <p:pic>
         <p:nvPicPr>
-          <p:cNvPr id="105" name="" descr=""/>
+          <p:cNvPr id="105" name="Picture 104"/>
           <p:cNvPicPr/>
           <p:nvPr/>
         </p:nvPicPr>
         <p:blipFill>
-          <a:blip r:embed="rId1"/>
+          <a:blip r:embed="rId2"/>
           <a:stretch/>
         </p:blipFill>
         <p:spPr>
@@ -3892,6 +6793,7 @@
         </p:spPr>
         <p:txBody>
           <a:bodyPr/>
+          <a:lstStyle/>
           <a:p>
             <a:pPr marL="432000" indent="-324000">
               <a:spcBef>
@@ -3905,20 +6807,203 @@
               <a:buChar char=""/>
             </a:pPr>
             <a:r>
-              <a:rPr b="0" lang="en-US" sz="2800" spc="-1" strike="noStrike">
-                <a:solidFill>
-                  <a:srgbClr val="000000"/>
-                </a:solidFill>
-                <a:latin typeface="Calibri"/>
-              </a:rPr>
-              <a:t>Một API object quản lý việc nhân rộng bản sao của ứng dụng.</a:t>
-            </a:r>
-            <a:endParaRPr b="0" lang="en-US" sz="2800" spc="-1" strike="noStrike">
-              <a:solidFill>
-                <a:srgbClr val="000000"/>
-              </a:solidFill>
-              <a:latin typeface="Calibri"/>
-            </a:endParaRPr>
+              <a:rPr lang="en-US" sz="2800" b="0" strike="noStrike" spc="-1" dirty="0" err="1">
+                <a:solidFill>
+                  <a:srgbClr val="000000"/>
+                </a:solidFill>
+                <a:latin typeface="Calibri"/>
+              </a:rPr>
+              <a:t>Một</a:t>
+            </a:r>
+            <a:r>
+              <a:rPr lang="en-US" sz="2800" b="0" strike="noStrike" spc="-1" dirty="0">
+                <a:solidFill>
+                  <a:srgbClr val="000000"/>
+                </a:solidFill>
+                <a:latin typeface="Calibri"/>
+              </a:rPr>
+              <a:t> API object </a:t>
+            </a:r>
+            <a:r>
+              <a:rPr lang="en-US" sz="2800" b="0" strike="noStrike" spc="-1" dirty="0" err="1">
+                <a:solidFill>
+                  <a:srgbClr val="000000"/>
+                </a:solidFill>
+                <a:latin typeface="Calibri"/>
+              </a:rPr>
+              <a:t>quản</a:t>
+            </a:r>
+            <a:r>
+              <a:rPr lang="en-US" sz="2800" b="0" strike="noStrike" spc="-1" dirty="0">
+                <a:solidFill>
+                  <a:srgbClr val="000000"/>
+                </a:solidFill>
+                <a:latin typeface="Calibri"/>
+              </a:rPr>
+              <a:t> </a:t>
+            </a:r>
+            <a:r>
+              <a:rPr lang="en-US" sz="2800" b="0" strike="noStrike" spc="-1" dirty="0" err="1">
+                <a:solidFill>
+                  <a:srgbClr val="000000"/>
+                </a:solidFill>
+                <a:latin typeface="Calibri"/>
+              </a:rPr>
+              <a:t>lý</a:t>
+            </a:r>
+            <a:r>
+              <a:rPr lang="en-US" sz="2800" b="0" strike="noStrike" spc="-1" dirty="0">
+                <a:solidFill>
+                  <a:srgbClr val="000000"/>
+                </a:solidFill>
+                <a:latin typeface="Calibri"/>
+              </a:rPr>
+              <a:t> </a:t>
+            </a:r>
+            <a:r>
+              <a:rPr lang="en-US" sz="2800" b="0" strike="noStrike" spc="-1" dirty="0" err="1">
+                <a:solidFill>
+                  <a:srgbClr val="000000"/>
+                </a:solidFill>
+                <a:latin typeface="Calibri"/>
+              </a:rPr>
+              <a:t>việc</a:t>
+            </a:r>
+            <a:r>
+              <a:rPr lang="en-US" sz="2800" b="0" strike="noStrike" spc="-1" dirty="0">
+                <a:solidFill>
+                  <a:srgbClr val="000000"/>
+                </a:solidFill>
+                <a:latin typeface="Calibri"/>
+              </a:rPr>
+              <a:t> </a:t>
+            </a:r>
+            <a:r>
+              <a:rPr lang="en-US" sz="2800" b="0" strike="noStrike" spc="-1" dirty="0" err="1">
+                <a:solidFill>
+                  <a:srgbClr val="000000"/>
+                </a:solidFill>
+                <a:latin typeface="Calibri"/>
+              </a:rPr>
+              <a:t>nhân</a:t>
+            </a:r>
+            <a:r>
+              <a:rPr lang="en-US" sz="2800" b="0" strike="noStrike" spc="-1" dirty="0">
+                <a:solidFill>
+                  <a:srgbClr val="000000"/>
+                </a:solidFill>
+                <a:latin typeface="Calibri"/>
+              </a:rPr>
+              <a:t> </a:t>
+            </a:r>
+            <a:r>
+              <a:rPr lang="en-US" sz="2800" b="0" strike="noStrike" spc="-1" dirty="0" err="1">
+                <a:solidFill>
+                  <a:srgbClr val="000000"/>
+                </a:solidFill>
+                <a:latin typeface="Calibri"/>
+              </a:rPr>
+              <a:t>rộng</a:t>
+            </a:r>
+            <a:r>
+              <a:rPr lang="en-US" sz="2800" b="0" strike="noStrike" spc="-1" dirty="0">
+                <a:solidFill>
+                  <a:srgbClr val="000000"/>
+                </a:solidFill>
+                <a:latin typeface="Calibri"/>
+              </a:rPr>
+              <a:t> </a:t>
+            </a:r>
+            <a:r>
+              <a:rPr lang="en-US" sz="2800" b="0" strike="noStrike" spc="-1" dirty="0" err="1">
+                <a:solidFill>
+                  <a:srgbClr val="000000"/>
+                </a:solidFill>
+                <a:latin typeface="Calibri"/>
+              </a:rPr>
+              <a:t>bản</a:t>
+            </a:r>
+            <a:r>
+              <a:rPr lang="en-US" sz="2800" b="0" strike="noStrike" spc="-1" dirty="0">
+                <a:solidFill>
+                  <a:srgbClr val="000000"/>
+                </a:solidFill>
+                <a:latin typeface="Calibri"/>
+              </a:rPr>
+              <a:t> </a:t>
+            </a:r>
+            <a:r>
+              <a:rPr lang="en-US" sz="2800" b="0" strike="noStrike" spc="-1" dirty="0" err="1">
+                <a:solidFill>
+                  <a:srgbClr val="000000"/>
+                </a:solidFill>
+                <a:latin typeface="Calibri"/>
+              </a:rPr>
+              <a:t>sao</a:t>
+            </a:r>
+            <a:r>
+              <a:rPr lang="en-US" sz="2800" b="0" strike="noStrike" spc="-1" dirty="0">
+                <a:solidFill>
+                  <a:srgbClr val="000000"/>
+                </a:solidFill>
+                <a:latin typeface="Calibri"/>
+              </a:rPr>
+              <a:t> </a:t>
+            </a:r>
+            <a:r>
+              <a:rPr lang="en-US" sz="2800" b="0" strike="noStrike" spc="-1" dirty="0" err="1">
+                <a:solidFill>
+                  <a:srgbClr val="000000"/>
+                </a:solidFill>
+                <a:latin typeface="Calibri"/>
+              </a:rPr>
+              <a:t>của</a:t>
+            </a:r>
+            <a:r>
+              <a:rPr lang="en-US" sz="2800" b="0" strike="noStrike" spc="-1" dirty="0">
+                <a:solidFill>
+                  <a:srgbClr val="000000"/>
+                </a:solidFill>
+                <a:latin typeface="Calibri"/>
+              </a:rPr>
+              <a:t> </a:t>
+            </a:r>
+            <a:r>
+              <a:rPr lang="en-US" sz="2800" b="0" strike="noStrike" spc="-1" dirty="0" err="1">
+                <a:solidFill>
+                  <a:srgbClr val="000000"/>
+                </a:solidFill>
+                <a:latin typeface="Calibri"/>
+              </a:rPr>
+              <a:t>ứng</a:t>
+            </a:r>
+            <a:r>
+              <a:rPr lang="en-US" sz="2800" b="0" strike="noStrike" spc="-1" dirty="0">
+                <a:solidFill>
+                  <a:srgbClr val="000000"/>
+                </a:solidFill>
+                <a:latin typeface="Calibri"/>
+              </a:rPr>
+              <a:t> </a:t>
+            </a:r>
+            <a:r>
+              <a:rPr lang="en-US" sz="2800" b="0" strike="noStrike" spc="-1" dirty="0" err="1">
+                <a:solidFill>
+                  <a:srgbClr val="000000"/>
+                </a:solidFill>
+                <a:latin typeface="Calibri"/>
+              </a:rPr>
+              <a:t>dụng</a:t>
+            </a:r>
+            <a:r>
+              <a:rPr lang="en-US" sz="2800" b="0" strike="noStrike" spc="-1" dirty="0">
+                <a:solidFill>
+                  <a:srgbClr val="000000"/>
+                </a:solidFill>
+                <a:latin typeface="Calibri"/>
+              </a:rPr>
+              <a:t>.</a:t>
+            </a:r>
           </a:p>
           <a:p>
             <a:pPr marL="432000" indent="-324000">
@@ -3933,20 +7018,347 @@
               <a:buChar char=""/>
             </a:pPr>
             <a:r>
-              <a:rPr b="0" lang="en-US" sz="2800" spc="-1" strike="noStrike">
-                <a:solidFill>
-                  <a:srgbClr val="000000"/>
-                </a:solidFill>
-                <a:latin typeface="Calibri"/>
-              </a:rPr>
-              <a:t>Mỗi bản sao là một đại diện diện cho một Pod, và các pods này được phân bố giữa các nodes trong cluster.</a:t>
-            </a:r>
-            <a:endParaRPr b="0" lang="en-US" sz="2800" spc="-1" strike="noStrike">
-              <a:solidFill>
-                <a:srgbClr val="000000"/>
-              </a:solidFill>
-              <a:latin typeface="Calibri"/>
-            </a:endParaRPr>
+              <a:rPr lang="en-US" sz="2800" b="0" strike="noStrike" spc="-1" dirty="0" err="1">
+                <a:solidFill>
+                  <a:srgbClr val="000000"/>
+                </a:solidFill>
+                <a:latin typeface="Calibri"/>
+              </a:rPr>
+              <a:t>Mỗi</a:t>
+            </a:r>
+            <a:r>
+              <a:rPr lang="en-US" sz="2800" b="0" strike="noStrike" spc="-1" dirty="0">
+                <a:solidFill>
+                  <a:srgbClr val="000000"/>
+                </a:solidFill>
+                <a:latin typeface="Calibri"/>
+              </a:rPr>
+              <a:t> </a:t>
+            </a:r>
+            <a:r>
+              <a:rPr lang="en-US" sz="2800" b="0" strike="noStrike" spc="-1" dirty="0" err="1">
+                <a:solidFill>
+                  <a:srgbClr val="000000"/>
+                </a:solidFill>
+                <a:latin typeface="Calibri"/>
+              </a:rPr>
+              <a:t>bản</a:t>
+            </a:r>
+            <a:r>
+              <a:rPr lang="en-US" sz="2800" b="0" strike="noStrike" spc="-1" dirty="0">
+                <a:solidFill>
+                  <a:srgbClr val="000000"/>
+                </a:solidFill>
+                <a:latin typeface="Calibri"/>
+              </a:rPr>
+              <a:t> </a:t>
+            </a:r>
+            <a:r>
+              <a:rPr lang="en-US" sz="2800" b="0" strike="noStrike" spc="-1" dirty="0" err="1">
+                <a:solidFill>
+                  <a:srgbClr val="000000"/>
+                </a:solidFill>
+                <a:latin typeface="Calibri"/>
+              </a:rPr>
+              <a:t>sao</a:t>
+            </a:r>
+            <a:r>
+              <a:rPr lang="en-US" sz="2800" b="0" strike="noStrike" spc="-1" dirty="0">
+                <a:solidFill>
+                  <a:srgbClr val="000000"/>
+                </a:solidFill>
+                <a:latin typeface="Calibri"/>
+              </a:rPr>
+              <a:t> </a:t>
+            </a:r>
+            <a:r>
+              <a:rPr lang="en-US" sz="2800" b="0" strike="noStrike" spc="-1" dirty="0" err="1">
+                <a:solidFill>
+                  <a:srgbClr val="000000"/>
+                </a:solidFill>
+                <a:latin typeface="Calibri"/>
+              </a:rPr>
+              <a:t>là</a:t>
+            </a:r>
+            <a:r>
+              <a:rPr lang="en-US" sz="2800" b="0" strike="noStrike" spc="-1" dirty="0">
+                <a:solidFill>
+                  <a:srgbClr val="000000"/>
+                </a:solidFill>
+                <a:latin typeface="Calibri"/>
+              </a:rPr>
+              <a:t> </a:t>
+            </a:r>
+            <a:r>
+              <a:rPr lang="en-US" sz="2800" b="0" strike="noStrike" spc="-1" dirty="0" err="1">
+                <a:solidFill>
+                  <a:srgbClr val="000000"/>
+                </a:solidFill>
+                <a:latin typeface="Calibri"/>
+              </a:rPr>
+              <a:t>một</a:t>
+            </a:r>
+            <a:r>
+              <a:rPr lang="en-US" sz="2800" b="0" strike="noStrike" spc="-1" dirty="0">
+                <a:solidFill>
+                  <a:srgbClr val="000000"/>
+                </a:solidFill>
+                <a:latin typeface="Calibri"/>
+              </a:rPr>
+              <a:t> </a:t>
+            </a:r>
+            <a:r>
+              <a:rPr lang="en-US" sz="2800" b="0" strike="noStrike" spc="-1" dirty="0" err="1">
+                <a:solidFill>
+                  <a:srgbClr val="000000"/>
+                </a:solidFill>
+                <a:latin typeface="Calibri"/>
+              </a:rPr>
+              <a:t>đại</a:t>
+            </a:r>
+            <a:r>
+              <a:rPr lang="en-US" sz="2800" b="0" strike="noStrike" spc="-1" dirty="0">
+                <a:solidFill>
+                  <a:srgbClr val="000000"/>
+                </a:solidFill>
+                <a:latin typeface="Calibri"/>
+              </a:rPr>
+              <a:t> </a:t>
+            </a:r>
+            <a:r>
+              <a:rPr lang="en-US" sz="2800" b="0" strike="noStrike" spc="-1" dirty="0" err="1">
+                <a:solidFill>
+                  <a:srgbClr val="000000"/>
+                </a:solidFill>
+                <a:latin typeface="Calibri"/>
+              </a:rPr>
+              <a:t>diện</a:t>
+            </a:r>
+            <a:r>
+              <a:rPr lang="en-US" sz="2800" b="0" strike="noStrike" spc="-1" dirty="0">
+                <a:solidFill>
+                  <a:srgbClr val="000000"/>
+                </a:solidFill>
+                <a:latin typeface="Calibri"/>
+              </a:rPr>
+              <a:t> </a:t>
+            </a:r>
+            <a:r>
+              <a:rPr lang="en-US" sz="2800" b="0" strike="noStrike" spc="-1" dirty="0" err="1">
+                <a:solidFill>
+                  <a:srgbClr val="000000"/>
+                </a:solidFill>
+                <a:latin typeface="Calibri"/>
+              </a:rPr>
+              <a:t>diện</a:t>
+            </a:r>
+            <a:r>
+              <a:rPr lang="en-US" sz="2800" b="0" strike="noStrike" spc="-1" dirty="0">
+                <a:solidFill>
+                  <a:srgbClr val="000000"/>
+                </a:solidFill>
+                <a:latin typeface="Calibri"/>
+              </a:rPr>
+              <a:t> </a:t>
+            </a:r>
+            <a:r>
+              <a:rPr lang="en-US" sz="2800" b="0" strike="noStrike" spc="-1" dirty="0" err="1">
+                <a:solidFill>
+                  <a:srgbClr val="000000"/>
+                </a:solidFill>
+                <a:latin typeface="Calibri"/>
+              </a:rPr>
+              <a:t>cho</a:t>
+            </a:r>
+            <a:r>
+              <a:rPr lang="en-US" sz="2800" b="0" strike="noStrike" spc="-1" dirty="0">
+                <a:solidFill>
+                  <a:srgbClr val="000000"/>
+                </a:solidFill>
+                <a:latin typeface="Calibri"/>
+              </a:rPr>
+              <a:t> </a:t>
+            </a:r>
+            <a:r>
+              <a:rPr lang="en-US" sz="2800" b="0" strike="noStrike" spc="-1" dirty="0" err="1">
+                <a:solidFill>
+                  <a:srgbClr val="000000"/>
+                </a:solidFill>
+                <a:latin typeface="Calibri"/>
+              </a:rPr>
+              <a:t>một</a:t>
+            </a:r>
+            <a:r>
+              <a:rPr lang="en-US" sz="2800" b="0" strike="noStrike" spc="-1" dirty="0">
+                <a:solidFill>
+                  <a:srgbClr val="000000"/>
+                </a:solidFill>
+                <a:latin typeface="Calibri"/>
+              </a:rPr>
+              <a:t> Pod, </a:t>
+            </a:r>
+            <a:r>
+              <a:rPr lang="en-US" sz="2800" b="0" strike="noStrike" spc="-1" dirty="0" err="1">
+                <a:solidFill>
+                  <a:srgbClr val="000000"/>
+                </a:solidFill>
+                <a:latin typeface="Calibri"/>
+              </a:rPr>
+              <a:t>và</a:t>
+            </a:r>
+            <a:r>
+              <a:rPr lang="en-US" sz="2800" b="0" strike="noStrike" spc="-1" dirty="0">
+                <a:solidFill>
+                  <a:srgbClr val="000000"/>
+                </a:solidFill>
+                <a:latin typeface="Calibri"/>
+              </a:rPr>
+              <a:t> </a:t>
+            </a:r>
+            <a:r>
+              <a:rPr lang="en-US" sz="2800" b="0" strike="noStrike" spc="-1" dirty="0" err="1">
+                <a:solidFill>
+                  <a:srgbClr val="000000"/>
+                </a:solidFill>
+                <a:latin typeface="Calibri"/>
+              </a:rPr>
+              <a:t>các</a:t>
+            </a:r>
+            <a:r>
+              <a:rPr lang="en-US" sz="2800" b="0" strike="noStrike" spc="-1" dirty="0">
+                <a:solidFill>
+                  <a:srgbClr val="000000"/>
+                </a:solidFill>
+                <a:latin typeface="Calibri"/>
+              </a:rPr>
+              <a:t> pods </a:t>
+            </a:r>
+            <a:r>
+              <a:rPr lang="en-US" sz="2800" b="0" strike="noStrike" spc="-1" dirty="0" err="1">
+                <a:solidFill>
+                  <a:srgbClr val="000000"/>
+                </a:solidFill>
+                <a:latin typeface="Calibri"/>
+              </a:rPr>
+              <a:t>này</a:t>
+            </a:r>
+            <a:r>
+              <a:rPr lang="en-US" sz="2800" b="0" strike="noStrike" spc="-1" dirty="0">
+                <a:solidFill>
+                  <a:srgbClr val="000000"/>
+                </a:solidFill>
+                <a:latin typeface="Calibri"/>
+              </a:rPr>
+              <a:t> </a:t>
+            </a:r>
+            <a:r>
+              <a:rPr lang="en-US" sz="2800" b="0" strike="noStrike" spc="-1" dirty="0" err="1">
+                <a:solidFill>
+                  <a:srgbClr val="000000"/>
+                </a:solidFill>
+                <a:latin typeface="Calibri"/>
+              </a:rPr>
+              <a:t>được</a:t>
+            </a:r>
+            <a:r>
+              <a:rPr lang="en-US" sz="2800" b="0" strike="noStrike" spc="-1" dirty="0">
+                <a:solidFill>
+                  <a:srgbClr val="000000"/>
+                </a:solidFill>
+                <a:latin typeface="Calibri"/>
+              </a:rPr>
+              <a:t> </a:t>
+            </a:r>
+            <a:r>
+              <a:rPr lang="en-US" sz="2800" b="0" strike="noStrike" spc="-1" dirty="0" err="1">
+                <a:solidFill>
+                  <a:srgbClr val="000000"/>
+                </a:solidFill>
+                <a:latin typeface="Calibri"/>
+              </a:rPr>
+              <a:t>phân</a:t>
+            </a:r>
+            <a:r>
+              <a:rPr lang="en-US" sz="2800" b="0" strike="noStrike" spc="-1" dirty="0">
+                <a:solidFill>
+                  <a:srgbClr val="000000"/>
+                </a:solidFill>
+                <a:latin typeface="Calibri"/>
+              </a:rPr>
+              <a:t> </a:t>
+            </a:r>
+            <a:r>
+              <a:rPr lang="en-US" sz="2800" b="0" strike="noStrike" spc="-1" dirty="0" err="1">
+                <a:solidFill>
+                  <a:srgbClr val="000000"/>
+                </a:solidFill>
+                <a:latin typeface="Calibri"/>
+              </a:rPr>
+              <a:t>bố</a:t>
+            </a:r>
+            <a:r>
+              <a:rPr lang="en-US" sz="2800" b="0" strike="noStrike" spc="-1" dirty="0">
+                <a:solidFill>
+                  <a:srgbClr val="000000"/>
+                </a:solidFill>
+                <a:latin typeface="Calibri"/>
+              </a:rPr>
+              <a:t> </a:t>
+            </a:r>
+            <a:r>
+              <a:rPr lang="en-US" sz="2800" b="0" strike="noStrike" spc="-1" dirty="0" err="1">
+                <a:solidFill>
+                  <a:srgbClr val="000000"/>
+                </a:solidFill>
+                <a:latin typeface="Calibri"/>
+              </a:rPr>
+              <a:t>giữa</a:t>
+            </a:r>
+            <a:r>
+              <a:rPr lang="en-US" sz="2800" b="0" strike="noStrike" spc="-1" dirty="0">
+                <a:solidFill>
+                  <a:srgbClr val="000000"/>
+                </a:solidFill>
+                <a:latin typeface="Calibri"/>
+              </a:rPr>
+              <a:t> </a:t>
+            </a:r>
+            <a:r>
+              <a:rPr lang="en-US" sz="2800" b="0" strike="noStrike" spc="-1" dirty="0" err="1">
+                <a:solidFill>
+                  <a:srgbClr val="000000"/>
+                </a:solidFill>
+                <a:latin typeface="Calibri"/>
+              </a:rPr>
+              <a:t>các</a:t>
+            </a:r>
+            <a:r>
+              <a:rPr lang="en-US" sz="2800" b="0" strike="noStrike" spc="-1" dirty="0">
+                <a:solidFill>
+                  <a:srgbClr val="000000"/>
+                </a:solidFill>
+                <a:latin typeface="Calibri"/>
+              </a:rPr>
+              <a:t> nodes </a:t>
+            </a:r>
+            <a:r>
+              <a:rPr lang="en-US" sz="2800" b="0" strike="noStrike" spc="-1" dirty="0" err="1">
+                <a:solidFill>
+                  <a:srgbClr val="000000"/>
+                </a:solidFill>
+                <a:latin typeface="Calibri"/>
+              </a:rPr>
+              <a:t>trong</a:t>
+            </a:r>
+            <a:r>
+              <a:rPr lang="en-US" sz="2800" b="0" strike="noStrike" spc="-1" dirty="0">
+                <a:solidFill>
+                  <a:srgbClr val="000000"/>
+                </a:solidFill>
+                <a:latin typeface="Calibri"/>
+              </a:rPr>
+              <a:t> cluster.</a:t>
+            </a:r>
           </a:p>
           <a:p>
             <a:pPr marL="432000" indent="-324000">
@@ -3961,20 +7373,14 @@
               <a:buChar char=""/>
             </a:pPr>
             <a:r>
-              <a:rPr b="0" lang="en-US" sz="2800" spc="-1" strike="noStrike">
-                <a:solidFill>
-                  <a:srgbClr val="000000"/>
-                </a:solidFill>
-                <a:latin typeface="Calibri"/>
-              </a:rPr>
-              <a:t> </a:t>
-            </a:r>
-            <a:endParaRPr b="0" lang="en-US" sz="2800" spc="-1" strike="noStrike">
-              <a:solidFill>
-                <a:srgbClr val="000000"/>
-              </a:solidFill>
-              <a:latin typeface="Calibri"/>
-            </a:endParaRPr>
+              <a:rPr lang="en-US" sz="2800" b="0" strike="noStrike" spc="-1" dirty="0">
+                <a:solidFill>
+                  <a:srgbClr val="000000"/>
+                </a:solidFill>
+                <a:latin typeface="Calibri"/>
+              </a:rPr>
+              <a:t> </a:t>
+            </a:r>
           </a:p>
           <a:p>
             <a:pPr marL="432000" indent="-324000">
@@ -3988,7 +7394,7 @@
               <a:buFont typeface="Wingdings" charset="2"/>
               <a:buChar char=""/>
             </a:pPr>
-            <a:endParaRPr b="0" lang="en-US" sz="2800" spc="-1" strike="noStrike">
+            <a:endParaRPr lang="en-US" sz="2800" b="0" strike="noStrike" spc="-1" dirty="0">
               <a:solidFill>
                 <a:srgbClr val="000000"/>
               </a:solidFill>
@@ -4007,7 +7413,7 @@
               <a:buFont typeface="Wingdings" charset="2"/>
               <a:buChar char=""/>
             </a:pPr>
-            <a:endParaRPr b="0" lang="en-US" sz="2800" spc="-1" strike="noStrike">
+            <a:endParaRPr lang="en-US" sz="2800" b="0" strike="noStrike" spc="-1" dirty="0">
               <a:solidFill>
                 <a:srgbClr val="000000"/>
               </a:solidFill>
@@ -4026,7 +7432,7 @@
               <a:buFont typeface="Wingdings" charset="2"/>
               <a:buChar char=""/>
             </a:pPr>
-            <a:endParaRPr b="0" lang="en-US" sz="2800" spc="-1" strike="noStrike">
+            <a:endParaRPr lang="en-US" sz="2800" b="0" strike="noStrike" spc="-1" dirty="0">
               <a:solidFill>
                 <a:srgbClr val="000000"/>
               </a:solidFill>
@@ -4037,22 +7443,25 @@
       </p:sp>
     </p:spTree>
   </p:cSld>
+  <p:clrMapOvr>
+    <a:masterClrMapping/>
+  </p:clrMapOvr>
   <p:timing>
     <p:tnLst>
       <p:par>
-        <p:cTn id="19" dur="indefinite" restart="never" nodeType="tmRoot">
+        <p:cTn id="1" dur="indefinite" restart="never" nodeType="tmRoot">
           <p:childTnLst>
             <p:seq>
-              <p:cTn id="20" dur="indefinite" nodeType="mainSeq"/>
+              <p:cTn id="2" dur="indefinite" nodeType="mainSeq"/>
               <p:prevCondLst>
-                <p:cond delay="0" evt="onPrev">
+                <p:cond evt="onPrev" delay="0">
                   <p:tgtEl>
                     <p:sldTgt/>
                   </p:tgtEl>
                 </p:cond>
               </p:prevCondLst>
               <p:nextCondLst>
-                <p:cond delay="0" evt="onNext">
+                <p:cond evt="onNext" delay="0">
                   <p:tgtEl>
                     <p:sldTgt/>
                   </p:tgtEl>
@@ -4067,8 +7476,8 @@
 </p:sld>
 </file>
 
-<file path=ppt/slides/slide11.xml><?xml version="1.0" encoding="utf-8"?>
-<p:sld xmlns:a="http://schemas.openxmlformats.org/drawingml/2006/main" xmlns:p="http://schemas.openxmlformats.org/presentationml/2006/main" xmlns:r="http://schemas.openxmlformats.org/officeDocument/2006/relationships" xmlns:p14="http://schemas.microsoft.com/office/powerpoint/2010/main" xmlns:p15="http://schemas.microsoft.com/office/powerpoint/2012/main" xmlns:mc="http://schemas.openxmlformats.org/markup-compatibility/2006">
+<file path=ppt/slides/slide15.xml><?xml version="1.0" encoding="utf-8"?>
+<p:sld xmlns:a="http://schemas.openxmlformats.org/drawingml/2006/main" xmlns:r="http://schemas.openxmlformats.org/officeDocument/2006/relationships" xmlns:p="http://schemas.openxmlformats.org/presentationml/2006/main">
   <p:cSld>
     <p:spTree>
       <p:nvGrpSpPr>
@@ -4105,6 +7514,7 @@
         </p:spPr>
         <p:txBody>
           <a:bodyPr anchor="ctr"/>
+          <a:lstStyle/>
           <a:p>
             <a:pPr>
               <a:lnSpc>
@@ -4112,7 +7522,7 @@
               </a:lnSpc>
             </a:pPr>
             <a:r>
-              <a:rPr b="0" lang="en-US" sz="4400" spc="-1" strike="noStrike">
+              <a:rPr lang="en-US" sz="4400" b="0" strike="noStrike" spc="-1">
                 <a:solidFill>
                   <a:srgbClr val="000000"/>
                 </a:solidFill>
@@ -4120,7 +7530,7 @@
               </a:rPr>
               <a:t>3.5. ReplicaSet</a:t>
             </a:r>
-            <a:endParaRPr b="0" lang="en-US" sz="4400" spc="-1" strike="noStrike">
+            <a:endParaRPr lang="en-US" sz="4400" b="0" strike="noStrike" spc="-1">
               <a:solidFill>
                 <a:srgbClr val="000000"/>
               </a:solidFill>
@@ -4131,12 +7541,12 @@
       </p:sp>
       <p:pic>
         <p:nvPicPr>
-          <p:cNvPr id="108" name="" descr=""/>
+          <p:cNvPr id="108" name="Picture 107"/>
           <p:cNvPicPr/>
           <p:nvPr/>
         </p:nvPicPr>
         <p:blipFill>
-          <a:blip r:embed="rId1"/>
+          <a:blip r:embed="rId2"/>
           <a:stretch/>
         </p:blipFill>
         <p:spPr>
@@ -4173,6 +7583,7 @@
         </p:spPr>
         <p:txBody>
           <a:bodyPr/>
+          <a:lstStyle/>
           <a:p>
             <a:pPr marL="432000" indent="-324000">
               <a:spcBef>
@@ -4186,38 +7597,203 @@
               <a:buChar char=""/>
             </a:pPr>
             <a:r>
-              <a:rPr b="0" lang="en-US" sz="2800" spc="-1" strike="noStrike">
-                <a:solidFill>
-                  <a:srgbClr val="000000"/>
-                </a:solidFill>
-                <a:latin typeface="Calibri"/>
-              </a:rPr>
-              <a:t>Duy trì ổn định trạng </a:t>
-            </a:r>
-            <a:r>
-              <a:rPr b="0" lang="en-US" sz="2800" spc="-1" strike="noStrike">
-                <a:solidFill>
-                  <a:srgbClr val="000000"/>
-                </a:solidFill>
-                <a:latin typeface="Calibri"/>
-              </a:rPr>
-              <a:t>thái chạy của các pod </a:t>
-            </a:r>
-            <a:r>
-              <a:rPr b="0" lang="en-US" sz="2800" spc="-1" strike="noStrike">
-                <a:solidFill>
-                  <a:srgbClr val="000000"/>
-                </a:solidFill>
-                <a:latin typeface="Calibri"/>
-              </a:rPr>
-              <a:t>mọi lúc.</a:t>
-            </a:r>
-            <a:endParaRPr b="0" lang="en-US" sz="2800" spc="-1" strike="noStrike">
-              <a:solidFill>
-                <a:srgbClr val="000000"/>
-              </a:solidFill>
-              <a:latin typeface="Calibri"/>
-            </a:endParaRPr>
+              <a:rPr lang="en-US" sz="2800" b="0" strike="noStrike" spc="-1" dirty="0" err="1">
+                <a:solidFill>
+                  <a:srgbClr val="000000"/>
+                </a:solidFill>
+                <a:latin typeface="Calibri"/>
+              </a:rPr>
+              <a:t>Duy</a:t>
+            </a:r>
+            <a:r>
+              <a:rPr lang="en-US" sz="2800" b="0" strike="noStrike" spc="-1" dirty="0">
+                <a:solidFill>
+                  <a:srgbClr val="000000"/>
+                </a:solidFill>
+                <a:latin typeface="Calibri"/>
+              </a:rPr>
+              <a:t> </a:t>
+            </a:r>
+            <a:r>
+              <a:rPr lang="en-US" sz="2800" b="0" strike="noStrike" spc="-1" dirty="0" err="1">
+                <a:solidFill>
+                  <a:srgbClr val="000000"/>
+                </a:solidFill>
+                <a:latin typeface="Calibri"/>
+              </a:rPr>
+              <a:t>trì</a:t>
+            </a:r>
+            <a:r>
+              <a:rPr lang="en-US" sz="2800" b="0" strike="noStrike" spc="-1" dirty="0">
+                <a:solidFill>
+                  <a:srgbClr val="000000"/>
+                </a:solidFill>
+                <a:latin typeface="Calibri"/>
+              </a:rPr>
+              <a:t> </a:t>
+            </a:r>
+            <a:r>
+              <a:rPr lang="en-US" sz="2800" b="0" strike="noStrike" spc="-1" dirty="0" err="1">
+                <a:solidFill>
+                  <a:srgbClr val="000000"/>
+                </a:solidFill>
+                <a:latin typeface="Calibri"/>
+              </a:rPr>
+              <a:t>ổn</a:t>
+            </a:r>
+            <a:r>
+              <a:rPr lang="en-US" sz="2800" b="0" strike="noStrike" spc="-1" dirty="0">
+                <a:solidFill>
+                  <a:srgbClr val="000000"/>
+                </a:solidFill>
+                <a:latin typeface="Calibri"/>
+              </a:rPr>
+              <a:t> </a:t>
+            </a:r>
+            <a:r>
+              <a:rPr lang="en-US" sz="2800" b="0" strike="noStrike" spc="-1" dirty="0" err="1">
+                <a:solidFill>
+                  <a:srgbClr val="000000"/>
+                </a:solidFill>
+                <a:latin typeface="Calibri"/>
+              </a:rPr>
+              <a:t>định</a:t>
+            </a:r>
+            <a:r>
+              <a:rPr lang="en-US" sz="2800" b="0" strike="noStrike" spc="-1" dirty="0">
+                <a:solidFill>
+                  <a:srgbClr val="000000"/>
+                </a:solidFill>
+                <a:latin typeface="Calibri"/>
+              </a:rPr>
+              <a:t> </a:t>
+            </a:r>
+            <a:r>
+              <a:rPr lang="en-US" sz="2800" b="0" strike="noStrike" spc="-1" dirty="0" err="1">
+                <a:solidFill>
+                  <a:srgbClr val="000000"/>
+                </a:solidFill>
+                <a:latin typeface="Calibri"/>
+              </a:rPr>
+              <a:t>trạng</a:t>
+            </a:r>
+            <a:r>
+              <a:rPr lang="en-US" sz="2800" b="0" strike="noStrike" spc="-1" dirty="0">
+                <a:solidFill>
+                  <a:srgbClr val="000000"/>
+                </a:solidFill>
+                <a:latin typeface="Calibri"/>
+              </a:rPr>
+              <a:t> </a:t>
+            </a:r>
+            <a:r>
+              <a:rPr lang="en-US" sz="2800" b="0" strike="noStrike" spc="-1" dirty="0" err="1">
+                <a:solidFill>
+                  <a:srgbClr val="000000"/>
+                </a:solidFill>
+                <a:latin typeface="Calibri"/>
+              </a:rPr>
+              <a:t>thái</a:t>
+            </a:r>
+            <a:r>
+              <a:rPr lang="en-US" sz="2800" b="0" strike="noStrike" spc="-1" dirty="0">
+                <a:solidFill>
+                  <a:srgbClr val="000000"/>
+                </a:solidFill>
+                <a:latin typeface="Calibri"/>
+              </a:rPr>
+              <a:t> </a:t>
+            </a:r>
+            <a:r>
+              <a:rPr lang="en-US" sz="2800" b="0" strike="noStrike" spc="-1" dirty="0" err="1">
+                <a:solidFill>
+                  <a:srgbClr val="000000"/>
+                </a:solidFill>
+                <a:latin typeface="Calibri"/>
+              </a:rPr>
+              <a:t>chạy</a:t>
+            </a:r>
+            <a:r>
+              <a:rPr lang="en-US" sz="2800" b="0" strike="noStrike" spc="-1" dirty="0">
+                <a:solidFill>
+                  <a:srgbClr val="000000"/>
+                </a:solidFill>
+                <a:latin typeface="Calibri"/>
+              </a:rPr>
+              <a:t> </a:t>
+            </a:r>
+            <a:r>
+              <a:rPr lang="en-US" sz="2800" b="0" strike="noStrike" spc="-1" dirty="0" err="1">
+                <a:solidFill>
+                  <a:srgbClr val="000000"/>
+                </a:solidFill>
+                <a:latin typeface="Calibri"/>
+              </a:rPr>
+              <a:t>của</a:t>
+            </a:r>
+            <a:r>
+              <a:rPr lang="en-US" sz="2800" b="0" strike="noStrike" spc="-1" dirty="0">
+                <a:solidFill>
+                  <a:srgbClr val="000000"/>
+                </a:solidFill>
+                <a:latin typeface="Calibri"/>
+              </a:rPr>
+              <a:t> </a:t>
+            </a:r>
+            <a:r>
+              <a:rPr lang="en-US" sz="2800" b="0" strike="noStrike" spc="-1" dirty="0" err="1">
+                <a:solidFill>
+                  <a:srgbClr val="000000"/>
+                </a:solidFill>
+                <a:latin typeface="Calibri"/>
+              </a:rPr>
+              <a:t>các</a:t>
+            </a:r>
+            <a:r>
+              <a:rPr lang="en-US" sz="2800" b="0" strike="noStrike" spc="-1" dirty="0">
+                <a:solidFill>
+                  <a:srgbClr val="000000"/>
+                </a:solidFill>
+                <a:latin typeface="Calibri"/>
+              </a:rPr>
+              <a:t> pod </a:t>
+            </a:r>
+            <a:r>
+              <a:rPr lang="en-US" sz="2800" b="0" strike="noStrike" spc="-1" dirty="0" err="1">
+                <a:solidFill>
+                  <a:srgbClr val="000000"/>
+                </a:solidFill>
+                <a:latin typeface="Calibri"/>
+              </a:rPr>
+              <a:t>mọi</a:t>
+            </a:r>
+            <a:r>
+              <a:rPr lang="en-US" sz="2800" b="0" strike="noStrike" spc="-1" dirty="0">
+                <a:solidFill>
+                  <a:srgbClr val="000000"/>
+                </a:solidFill>
+                <a:latin typeface="Calibri"/>
+              </a:rPr>
+              <a:t> </a:t>
+            </a:r>
+            <a:r>
+              <a:rPr lang="en-US" sz="2800" b="0" strike="noStrike" spc="-1" dirty="0" err="1">
+                <a:solidFill>
+                  <a:srgbClr val="000000"/>
+                </a:solidFill>
+                <a:latin typeface="Calibri"/>
+              </a:rPr>
+              <a:t>lúc</a:t>
+            </a:r>
+            <a:r>
+              <a:rPr lang="en-US" sz="2800" b="0" strike="noStrike" spc="-1" dirty="0">
+                <a:solidFill>
+                  <a:srgbClr val="000000"/>
+                </a:solidFill>
+                <a:latin typeface="Calibri"/>
+              </a:rPr>
+              <a:t>.</a:t>
+            </a:r>
           </a:p>
           <a:p>
             <a:pPr marL="432000" indent="-324000">
@@ -4232,42 +7808,249 @@
               <a:buChar char=""/>
             </a:pPr>
             <a:r>
-              <a:rPr b="0" lang="en-US" sz="2800" spc="-1" strike="noStrike">
-                <a:solidFill>
-                  <a:srgbClr val="000000"/>
-                </a:solidFill>
-                <a:latin typeface="Calibri"/>
-              </a:rPr>
-              <a:t>Đảm bảo tính sẵn </a:t>
-            </a:r>
-            <a:r>
-              <a:rPr b="0" lang="en-US" sz="2800" spc="-1" strike="noStrike">
-                <a:solidFill>
-                  <a:srgbClr val="000000"/>
-                </a:solidFill>
-                <a:latin typeface="Calibri"/>
-              </a:rPr>
-              <a:t>sàng của một số </a:t>
-            </a:r>
-            <a:r>
-              <a:rPr b="0" lang="en-US" sz="2800" spc="-1" strike="noStrike">
-                <a:solidFill>
-                  <a:srgbClr val="000000"/>
-                </a:solidFill>
-                <a:latin typeface="Calibri"/>
-              </a:rPr>
-              <a:t>lượng cụ thể các pod </a:t>
-            </a:r>
-            <a:r>
-              <a:rPr b="0" lang="en-US" sz="2800" spc="-1" strike="noStrike">
-                <a:solidFill>
-                  <a:srgbClr val="000000"/>
-                </a:solidFill>
-                <a:latin typeface="Calibri"/>
-              </a:rPr>
-              <a:t>nhất định</a:t>
-            </a:r>
-            <a:endParaRPr b="0" lang="en-US" sz="2800" spc="-1" strike="noStrike">
+              <a:rPr lang="en-US" sz="2800" b="0" strike="noStrike" spc="-1" dirty="0" err="1">
+                <a:solidFill>
+                  <a:srgbClr val="000000"/>
+                </a:solidFill>
+                <a:latin typeface="Calibri"/>
+              </a:rPr>
+              <a:t>Đảm</a:t>
+            </a:r>
+            <a:r>
+              <a:rPr lang="en-US" sz="2800" b="0" strike="noStrike" spc="-1" dirty="0">
+                <a:solidFill>
+                  <a:srgbClr val="000000"/>
+                </a:solidFill>
+                <a:latin typeface="Calibri"/>
+              </a:rPr>
+              <a:t> </a:t>
+            </a:r>
+            <a:r>
+              <a:rPr lang="en-US" sz="2800" b="0" strike="noStrike" spc="-1" dirty="0" err="1">
+                <a:solidFill>
+                  <a:srgbClr val="000000"/>
+                </a:solidFill>
+                <a:latin typeface="Calibri"/>
+              </a:rPr>
+              <a:t>bảo</a:t>
+            </a:r>
+            <a:r>
+              <a:rPr lang="en-US" sz="2800" b="0" strike="noStrike" spc="-1" dirty="0">
+                <a:solidFill>
+                  <a:srgbClr val="000000"/>
+                </a:solidFill>
+                <a:latin typeface="Calibri"/>
+              </a:rPr>
+              <a:t> </a:t>
+            </a:r>
+            <a:r>
+              <a:rPr lang="en-US" sz="2800" b="0" strike="noStrike" spc="-1" dirty="0" err="1">
+                <a:solidFill>
+                  <a:srgbClr val="000000"/>
+                </a:solidFill>
+                <a:latin typeface="Calibri"/>
+              </a:rPr>
+              <a:t>tính</a:t>
+            </a:r>
+            <a:r>
+              <a:rPr lang="en-US" sz="2800" b="0" strike="noStrike" spc="-1" dirty="0">
+                <a:solidFill>
+                  <a:srgbClr val="000000"/>
+                </a:solidFill>
+                <a:latin typeface="Calibri"/>
+              </a:rPr>
+              <a:t> </a:t>
+            </a:r>
+            <a:r>
+              <a:rPr lang="en-US" sz="2800" b="0" strike="noStrike" spc="-1" dirty="0" err="1">
+                <a:solidFill>
+                  <a:srgbClr val="000000"/>
+                </a:solidFill>
+                <a:latin typeface="Calibri"/>
+              </a:rPr>
+              <a:t>sẵn</a:t>
+            </a:r>
+            <a:r>
+              <a:rPr lang="en-US" sz="2800" b="0" strike="noStrike" spc="-1" dirty="0">
+                <a:solidFill>
+                  <a:srgbClr val="000000"/>
+                </a:solidFill>
+                <a:latin typeface="Calibri"/>
+              </a:rPr>
+              <a:t> </a:t>
+            </a:r>
+            <a:r>
+              <a:rPr lang="en-US" sz="2800" b="0" strike="noStrike" spc="-1" dirty="0" err="1">
+                <a:solidFill>
+                  <a:srgbClr val="000000"/>
+                </a:solidFill>
+                <a:latin typeface="Calibri"/>
+              </a:rPr>
+              <a:t>sàng</a:t>
+            </a:r>
+            <a:r>
+              <a:rPr lang="en-US" sz="2800" b="0" strike="noStrike" spc="-1" dirty="0">
+                <a:solidFill>
+                  <a:srgbClr val="000000"/>
+                </a:solidFill>
+                <a:latin typeface="Calibri"/>
+              </a:rPr>
+              <a:t> </a:t>
+            </a:r>
+            <a:r>
+              <a:rPr lang="en-US" sz="2800" b="0" strike="noStrike" spc="-1" dirty="0" err="1">
+                <a:solidFill>
+                  <a:srgbClr val="000000"/>
+                </a:solidFill>
+                <a:latin typeface="Calibri"/>
+              </a:rPr>
+              <a:t>của</a:t>
+            </a:r>
+            <a:r>
+              <a:rPr lang="en-US" sz="2800" b="0" strike="noStrike" spc="-1" dirty="0">
+                <a:solidFill>
+                  <a:srgbClr val="000000"/>
+                </a:solidFill>
+                <a:latin typeface="Calibri"/>
+              </a:rPr>
+              <a:t> </a:t>
+            </a:r>
+            <a:r>
+              <a:rPr lang="en-US" sz="2800" b="0" strike="noStrike" spc="-1" dirty="0" err="1">
+                <a:solidFill>
+                  <a:srgbClr val="000000"/>
+                </a:solidFill>
+                <a:latin typeface="Calibri"/>
+              </a:rPr>
+              <a:t>một</a:t>
+            </a:r>
+            <a:r>
+              <a:rPr lang="en-US" sz="2800" b="0" strike="noStrike" spc="-1" dirty="0">
+                <a:solidFill>
+                  <a:srgbClr val="000000"/>
+                </a:solidFill>
+                <a:latin typeface="Calibri"/>
+              </a:rPr>
+              <a:t> </a:t>
+            </a:r>
+            <a:r>
+              <a:rPr lang="en-US" sz="2800" b="0" strike="noStrike" spc="-1" dirty="0" err="1">
+                <a:solidFill>
+                  <a:srgbClr val="000000"/>
+                </a:solidFill>
+                <a:latin typeface="Calibri"/>
+              </a:rPr>
+              <a:t>số</a:t>
+            </a:r>
+            <a:r>
+              <a:rPr lang="en-US" sz="2800" b="0" strike="noStrike" spc="-1" dirty="0">
+                <a:solidFill>
+                  <a:srgbClr val="000000"/>
+                </a:solidFill>
+                <a:latin typeface="Calibri"/>
+              </a:rPr>
+              <a:t> </a:t>
+            </a:r>
+            <a:r>
+              <a:rPr lang="en-US" sz="2800" b="0" strike="noStrike" spc="-1" dirty="0" err="1">
+                <a:solidFill>
+                  <a:srgbClr val="000000"/>
+                </a:solidFill>
+                <a:latin typeface="Calibri"/>
+              </a:rPr>
+              <a:t>lượng</a:t>
+            </a:r>
+            <a:r>
+              <a:rPr lang="en-US" sz="2800" b="0" strike="noStrike" spc="-1" dirty="0">
+                <a:solidFill>
+                  <a:srgbClr val="000000"/>
+                </a:solidFill>
+                <a:latin typeface="Calibri"/>
+              </a:rPr>
+              <a:t> </a:t>
+            </a:r>
+            <a:r>
+              <a:rPr lang="en-US" sz="2800" b="0" strike="noStrike" spc="-1" dirty="0" err="1">
+                <a:solidFill>
+                  <a:srgbClr val="000000"/>
+                </a:solidFill>
+                <a:latin typeface="Calibri"/>
+              </a:rPr>
+              <a:t>cụ</a:t>
+            </a:r>
+            <a:r>
+              <a:rPr lang="en-US" sz="2800" b="0" strike="noStrike" spc="-1" dirty="0">
+                <a:solidFill>
+                  <a:srgbClr val="000000"/>
+                </a:solidFill>
+                <a:latin typeface="Calibri"/>
+              </a:rPr>
+              <a:t> </a:t>
+            </a:r>
+            <a:r>
+              <a:rPr lang="en-US" sz="2800" b="0" strike="noStrike" spc="-1" dirty="0" err="1">
+                <a:solidFill>
+                  <a:srgbClr val="000000"/>
+                </a:solidFill>
+                <a:latin typeface="Calibri"/>
+              </a:rPr>
+              <a:t>thể</a:t>
+            </a:r>
+            <a:r>
+              <a:rPr lang="en-US" sz="2800" b="0" strike="noStrike" spc="-1" dirty="0">
+                <a:solidFill>
+                  <a:srgbClr val="000000"/>
+                </a:solidFill>
+                <a:latin typeface="Calibri"/>
+              </a:rPr>
+              <a:t> </a:t>
+            </a:r>
+            <a:r>
+              <a:rPr lang="en-US" sz="2800" b="0" strike="noStrike" spc="-1" dirty="0" err="1">
+                <a:solidFill>
+                  <a:srgbClr val="000000"/>
+                </a:solidFill>
+                <a:latin typeface="Calibri"/>
+              </a:rPr>
+              <a:t>các</a:t>
+            </a:r>
+            <a:r>
+              <a:rPr lang="en-US" sz="2800" b="0" strike="noStrike" spc="-1" dirty="0">
+                <a:solidFill>
+                  <a:srgbClr val="000000"/>
+                </a:solidFill>
+                <a:latin typeface="Calibri"/>
+              </a:rPr>
+              <a:t> pod </a:t>
+            </a:r>
+            <a:r>
+              <a:rPr lang="en-US" sz="2800" b="0" strike="noStrike" spc="-1" dirty="0" err="1">
+                <a:solidFill>
+                  <a:srgbClr val="000000"/>
+                </a:solidFill>
+                <a:latin typeface="Calibri"/>
+              </a:rPr>
+              <a:t>nhất</a:t>
+            </a:r>
+            <a:r>
+              <a:rPr lang="en-US" sz="2800" b="0" strike="noStrike" spc="-1" dirty="0">
+                <a:solidFill>
+                  <a:srgbClr val="000000"/>
+                </a:solidFill>
+                <a:latin typeface="Calibri"/>
+              </a:rPr>
+              <a:t> </a:t>
+            </a:r>
+            <a:r>
+              <a:rPr lang="en-US" sz="2800" b="0" strike="noStrike" spc="-1" smtClean="0">
+                <a:solidFill>
+                  <a:srgbClr val="000000"/>
+                </a:solidFill>
+                <a:latin typeface="Calibri"/>
+              </a:rPr>
+              <a:t>định </a:t>
+            </a:r>
+            <a:endParaRPr lang="en-US" sz="2800" b="0" strike="noStrike" spc="-1">
               <a:solidFill>
                 <a:srgbClr val="000000"/>
               </a:solidFill>
@@ -4286,16 +8069,7 @@
               <a:buFont typeface="Wingdings" charset="2"/>
               <a:buChar char=""/>
             </a:pPr>
-            <a:r>
-              <a:rPr b="0" lang="en-US" sz="2800" spc="-1" strike="noStrike">
-                <a:solidFill>
-                  <a:srgbClr val="000000"/>
-                </a:solidFill>
-                <a:latin typeface="Calibri"/>
-              </a:rPr>
-              <a:t> </a:t>
-            </a:r>
-            <a:endParaRPr b="0" lang="en-US" sz="2800" spc="-1" strike="noStrike">
+            <a:endParaRPr lang="en-US" sz="2800" b="0" strike="noStrike" spc="-1" dirty="0">
               <a:solidFill>
                 <a:srgbClr val="000000"/>
               </a:solidFill>
@@ -4314,7 +8088,7 @@
               <a:buFont typeface="Wingdings" charset="2"/>
               <a:buChar char=""/>
             </a:pPr>
-            <a:endParaRPr b="0" lang="en-US" sz="2800" spc="-1" strike="noStrike">
+            <a:endParaRPr lang="en-US" sz="2800" b="0" strike="noStrike" spc="-1" dirty="0">
               <a:solidFill>
                 <a:srgbClr val="000000"/>
               </a:solidFill>
@@ -4333,26 +8107,7 @@
               <a:buFont typeface="Wingdings" charset="2"/>
               <a:buChar char=""/>
             </a:pPr>
-            <a:endParaRPr b="0" lang="en-US" sz="2800" spc="-1" strike="noStrike">
-              <a:solidFill>
-                <a:srgbClr val="000000"/>
-              </a:solidFill>
-              <a:latin typeface="Calibri"/>
-            </a:endParaRPr>
-          </a:p>
-          <a:p>
-            <a:pPr marL="432000" indent="-324000">
-              <a:spcBef>
-                <a:spcPts val="1417"/>
-              </a:spcBef>
-              <a:buClr>
-                <a:srgbClr val="000000"/>
-              </a:buClr>
-              <a:buSzPct val="45000"/>
-              <a:buFont typeface="Wingdings" charset="2"/>
-              <a:buChar char=""/>
-            </a:pPr>
-            <a:endParaRPr b="0" lang="en-US" sz="2800" spc="-1" strike="noStrike">
+            <a:endParaRPr lang="en-US" sz="2800" b="0" strike="noStrike" spc="-1" dirty="0">
               <a:solidFill>
                 <a:srgbClr val="000000"/>
               </a:solidFill>
@@ -4363,22 +8118,25 @@
       </p:sp>
     </p:spTree>
   </p:cSld>
+  <p:clrMapOvr>
+    <a:masterClrMapping/>
+  </p:clrMapOvr>
   <p:timing>
     <p:tnLst>
       <p:par>
-        <p:cTn id="21" dur="indefinite" restart="never" nodeType="tmRoot">
+        <p:cTn id="1" dur="indefinite" restart="never" nodeType="tmRoot">
           <p:childTnLst>
             <p:seq>
-              <p:cTn id="22" dur="indefinite" nodeType="mainSeq"/>
+              <p:cTn id="2" dur="indefinite" nodeType="mainSeq"/>
               <p:prevCondLst>
-                <p:cond delay="0" evt="onPrev">
+                <p:cond evt="onPrev" delay="0">
                   <p:tgtEl>
                     <p:sldTgt/>
                   </p:tgtEl>
                 </p:cond>
               </p:prevCondLst>
               <p:nextCondLst>
-                <p:cond delay="0" evt="onNext">
+                <p:cond evt="onNext" delay="0">
                   <p:tgtEl>
                     <p:sldTgt/>
                   </p:tgtEl>
@@ -4394,7 +8152,656 @@
 </file>
 
 <file path=ppt/slides/slide2.xml><?xml version="1.0" encoding="utf-8"?>
-<p:sld xmlns:a="http://schemas.openxmlformats.org/drawingml/2006/main" xmlns:p="http://schemas.openxmlformats.org/presentationml/2006/main" xmlns:r="http://schemas.openxmlformats.org/officeDocument/2006/relationships" xmlns:p14="http://schemas.microsoft.com/office/powerpoint/2010/main" xmlns:p15="http://schemas.microsoft.com/office/powerpoint/2012/main" xmlns:mc="http://schemas.openxmlformats.org/markup-compatibility/2006">
+<p:sld xmlns:a="http://schemas.openxmlformats.org/drawingml/2006/main" xmlns:r="http://schemas.openxmlformats.org/officeDocument/2006/relationships" xmlns:p="http://schemas.openxmlformats.org/presentationml/2006/main">
+  <p:cSld>
+    <p:spTree>
+      <p:nvGrpSpPr>
+        <p:cNvPr id="1" name=""/>
+        <p:cNvGrpSpPr/>
+        <p:nvPr/>
+      </p:nvGrpSpPr>
+      <p:grpSpPr>
+        <a:xfrm>
+          <a:off x="0" y="0"/>
+          <a:ext cx="0" cy="0"/>
+          <a:chOff x="0" y="0"/>
+          <a:chExt cx="0" cy="0"/>
+        </a:xfrm>
+      </p:grpSpPr>
+      <p:sp>
+        <p:nvSpPr>
+          <p:cNvPr id="2" name="Title 1"/>
+          <p:cNvSpPr>
+            <a:spLocks noGrp="1"/>
+          </p:cNvSpPr>
+          <p:nvPr>
+            <p:ph type="title"/>
+          </p:nvPr>
+        </p:nvSpPr>
+        <p:spPr/>
+        <p:txBody>
+          <a:bodyPr/>
+          <a:lstStyle/>
+          <a:p>
+            <a:r>
+              <a:rPr lang="en-US" dirty="0"/>
+              <a:t>monolithic </a:t>
+            </a:r>
+            <a:r>
+              <a:rPr lang="en-US" dirty="0" smtClean="0"/>
+              <a:t>vs </a:t>
+            </a:r>
+            <a:r>
+              <a:rPr lang="en-US" dirty="0" err="1"/>
+              <a:t>microservices</a:t>
+            </a:r>
+            <a:endParaRPr lang="en-US" dirty="0"/>
+          </a:p>
+        </p:txBody>
+      </p:sp>
+      <p:sp>
+        <p:nvSpPr>
+          <p:cNvPr id="3" name="Subtitle 2"/>
+          <p:cNvSpPr>
+            <a:spLocks noGrp="1"/>
+          </p:cNvSpPr>
+          <p:nvPr>
+            <p:ph type="subTitle"/>
+          </p:nvPr>
+        </p:nvSpPr>
+        <p:spPr/>
+        <p:txBody>
+          <a:bodyPr/>
+          <a:lstStyle/>
+          <a:p>
+            <a:endParaRPr lang="en-US" dirty="0"/>
+          </a:p>
+        </p:txBody>
+      </p:sp>
+      <p:pic>
+        <p:nvPicPr>
+          <p:cNvPr id="4" name="Picture 3" descr="TIẾP CẬN CHUYỂN ĐỔI SỐ SỬ DỤNG KIẾN TRÚC MICROSERVICE - Cục Tin học hóa"/>
+          <p:cNvPicPr/>
+          <p:nvPr/>
+        </p:nvPicPr>
+        <p:blipFill>
+          <a:blip r:embed="rId2">
+            <a:extLst>
+              <a:ext uri="{28A0092B-C50C-407E-A947-70E740481C1C}">
+                <a14:useLocalDpi xmlns:a14="http://schemas.microsoft.com/office/drawing/2010/main" val="0"/>
+              </a:ext>
+            </a:extLst>
+          </a:blip>
+          <a:srcRect/>
+          <a:stretch>
+            <a:fillRect/>
+          </a:stretch>
+        </p:blipFill>
+        <p:spPr bwMode="auto">
+          <a:xfrm>
+            <a:off x="1345681" y="1690200"/>
+            <a:ext cx="8948246" cy="4331335"/>
+          </a:xfrm>
+          <a:prstGeom prst="rect">
+            <a:avLst/>
+          </a:prstGeom>
+          <a:noFill/>
+          <a:ln>
+            <a:noFill/>
+          </a:ln>
+        </p:spPr>
+      </p:pic>
+    </p:spTree>
+    <p:extLst>
+      <p:ext uri="{BB962C8B-B14F-4D97-AF65-F5344CB8AC3E}">
+        <p14:creationId xmlns:p14="http://schemas.microsoft.com/office/powerpoint/2010/main" val="901972100"/>
+      </p:ext>
+    </p:extLst>
+  </p:cSld>
+  <p:clrMapOvr>
+    <a:masterClrMapping/>
+  </p:clrMapOvr>
+</p:sld>
+</file>
+
+<file path=ppt/slides/slide3.xml><?xml version="1.0" encoding="utf-8"?>
+<p:sld xmlns:a="http://schemas.openxmlformats.org/drawingml/2006/main" xmlns:r="http://schemas.openxmlformats.org/officeDocument/2006/relationships" xmlns:p="http://schemas.openxmlformats.org/presentationml/2006/main">
+  <p:cSld>
+    <p:spTree>
+      <p:nvGrpSpPr>
+        <p:cNvPr id="1" name=""/>
+        <p:cNvGrpSpPr/>
+        <p:nvPr/>
+      </p:nvGrpSpPr>
+      <p:grpSpPr>
+        <a:xfrm>
+          <a:off x="0" y="0"/>
+          <a:ext cx="0" cy="0"/>
+          <a:chOff x="0" y="0"/>
+          <a:chExt cx="0" cy="0"/>
+        </a:xfrm>
+      </p:grpSpPr>
+      <p:sp>
+        <p:nvSpPr>
+          <p:cNvPr id="2" name="Title 1"/>
+          <p:cNvSpPr>
+            <a:spLocks noGrp="1"/>
+          </p:cNvSpPr>
+          <p:nvPr>
+            <p:ph type="title"/>
+          </p:nvPr>
+        </p:nvSpPr>
+        <p:spPr/>
+        <p:txBody>
+          <a:bodyPr/>
+          <a:lstStyle/>
+          <a:p>
+            <a:r>
+              <a:rPr lang="en-US" dirty="0" err="1"/>
+              <a:t>thiết</a:t>
+            </a:r>
+            <a:r>
+              <a:rPr lang="en-US" dirty="0"/>
+              <a:t> </a:t>
+            </a:r>
+            <a:r>
+              <a:rPr lang="en-US" dirty="0" err="1"/>
+              <a:t>kế</a:t>
+            </a:r>
+            <a:r>
+              <a:rPr lang="en-US" dirty="0"/>
+              <a:t> </a:t>
+            </a:r>
+            <a:r>
+              <a:rPr lang="en-US" dirty="0" err="1"/>
+              <a:t>microservice</a:t>
+            </a:r>
+            <a:endParaRPr lang="en-US" dirty="0"/>
+          </a:p>
+        </p:txBody>
+      </p:sp>
+      <p:sp>
+        <p:nvSpPr>
+          <p:cNvPr id="3" name="Subtitle 2"/>
+          <p:cNvSpPr>
+            <a:spLocks noGrp="1"/>
+          </p:cNvSpPr>
+          <p:nvPr>
+            <p:ph type="subTitle"/>
+          </p:nvPr>
+        </p:nvSpPr>
+        <p:spPr>
+          <a:xfrm>
+            <a:off x="838080" y="983673"/>
+            <a:ext cx="10515240" cy="5192847"/>
+          </a:xfrm>
+        </p:spPr>
+        <p:txBody>
+          <a:bodyPr/>
+          <a:lstStyle/>
+          <a:p>
+            <a:r>
+              <a:rPr lang="en-US" dirty="0"/>
+              <a:t>Single Responsibility </a:t>
+            </a:r>
+            <a:r>
+              <a:rPr lang="en-US" dirty="0" err="1"/>
+              <a:t>Priciple</a:t>
+            </a:r>
+            <a:r>
+              <a:rPr lang="en-US" dirty="0"/>
+              <a:t> (SRP): </a:t>
+            </a:r>
+            <a:r>
+              <a:rPr lang="en-US" dirty="0" err="1"/>
+              <a:t>Mỗi</a:t>
+            </a:r>
+            <a:r>
+              <a:rPr lang="en-US" dirty="0"/>
+              <a:t> service </a:t>
+            </a:r>
+            <a:r>
+              <a:rPr lang="en-US" dirty="0" err="1"/>
+              <a:t>cần</a:t>
+            </a:r>
+            <a:r>
+              <a:rPr lang="en-US" dirty="0"/>
+              <a:t> </a:t>
+            </a:r>
+            <a:r>
+              <a:rPr lang="en-US" dirty="0" err="1"/>
+              <a:t>có</a:t>
+            </a:r>
+            <a:r>
+              <a:rPr lang="en-US" dirty="0"/>
+              <a:t> </a:t>
+            </a:r>
+            <a:r>
+              <a:rPr lang="en-US" dirty="0" err="1"/>
+              <a:t>phạm</a:t>
+            </a:r>
+            <a:r>
+              <a:rPr lang="en-US" dirty="0"/>
+              <a:t> vi </a:t>
+            </a:r>
+            <a:r>
+              <a:rPr lang="en-US" dirty="0" err="1"/>
+              <a:t>và</a:t>
+            </a:r>
+            <a:r>
+              <a:rPr lang="en-US" dirty="0"/>
+              <a:t> </a:t>
+            </a:r>
+            <a:r>
+              <a:rPr lang="en-US" dirty="0" err="1"/>
+              <a:t>bị</a:t>
+            </a:r>
+            <a:r>
+              <a:rPr lang="en-US" dirty="0"/>
+              <a:t> </a:t>
+            </a:r>
+            <a:r>
+              <a:rPr lang="en-US" dirty="0" err="1"/>
+              <a:t>giới</a:t>
+            </a:r>
+            <a:r>
+              <a:rPr lang="en-US" dirty="0"/>
+              <a:t> </a:t>
+            </a:r>
+            <a:r>
+              <a:rPr lang="en-US" dirty="0" err="1"/>
+              <a:t>hạn</a:t>
+            </a:r>
+            <a:r>
+              <a:rPr lang="en-US" dirty="0"/>
+              <a:t> </a:t>
+            </a:r>
+            <a:r>
+              <a:rPr lang="en-US" dirty="0" err="1"/>
+              <a:t>về</a:t>
+            </a:r>
+            <a:r>
+              <a:rPr lang="en-US" dirty="0"/>
+              <a:t> </a:t>
+            </a:r>
+            <a:r>
+              <a:rPr lang="en-US" dirty="0" err="1"/>
+              <a:t>nghiệp</a:t>
+            </a:r>
+            <a:r>
+              <a:rPr lang="en-US" dirty="0"/>
+              <a:t> </a:t>
+            </a:r>
+            <a:r>
+              <a:rPr lang="en-US" dirty="0" err="1"/>
+              <a:t>vụ</a:t>
+            </a:r>
+            <a:r>
+              <a:rPr lang="en-US" dirty="0"/>
+              <a:t> </a:t>
+            </a:r>
+            <a:r>
+              <a:rPr lang="en-US" dirty="0" err="1"/>
+              <a:t>cụ</a:t>
+            </a:r>
+            <a:r>
+              <a:rPr lang="en-US" dirty="0"/>
+              <a:t> </a:t>
+            </a:r>
+            <a:r>
+              <a:rPr lang="en-US" dirty="0" err="1"/>
+              <a:t>thể</a:t>
+            </a:r>
+            <a:r>
+              <a:rPr lang="en-US" dirty="0"/>
+              <a:t>, </a:t>
+            </a:r>
+            <a:r>
+              <a:rPr lang="en-US" dirty="0" err="1"/>
+              <a:t>không</a:t>
+            </a:r>
+            <a:r>
+              <a:rPr lang="en-US" dirty="0"/>
+              <a:t> </a:t>
+            </a:r>
+            <a:r>
+              <a:rPr lang="en-US" dirty="0" err="1"/>
+              <a:t>phụ</a:t>
+            </a:r>
+            <a:r>
+              <a:rPr lang="en-US" dirty="0"/>
+              <a:t> </a:t>
+            </a:r>
+            <a:r>
+              <a:rPr lang="en-US" dirty="0" err="1"/>
+              <a:t>thuộc</a:t>
+            </a:r>
+            <a:r>
+              <a:rPr lang="en-US" dirty="0"/>
+              <a:t> </a:t>
+            </a:r>
+            <a:r>
+              <a:rPr lang="en-US" dirty="0" err="1"/>
+              <a:t>lẫn</a:t>
+            </a:r>
+            <a:r>
+              <a:rPr lang="en-US" dirty="0"/>
+              <a:t> </a:t>
+            </a:r>
+            <a:r>
+              <a:rPr lang="en-US" dirty="0" err="1" smtClean="0"/>
+              <a:t>nhau</a:t>
+            </a:r>
+            <a:endParaRPr lang="en-US" dirty="0" smtClean="0"/>
+          </a:p>
+          <a:p>
+            <a:endParaRPr lang="en-US" dirty="0"/>
+          </a:p>
+          <a:p>
+            <a:r>
+              <a:rPr lang="vi-VN" dirty="0"/>
+              <a:t> </a:t>
+            </a:r>
+            <a:r>
+              <a:rPr lang="en-US" dirty="0" smtClean="0"/>
+              <a:t>N</a:t>
+            </a:r>
+            <a:r>
+              <a:rPr lang="vi-VN" dirty="0" smtClean="0"/>
+              <a:t>ên </a:t>
+            </a:r>
+            <a:r>
+              <a:rPr lang="vi-VN" dirty="0"/>
+              <a:t>tập trung vào phạm vi của microservice, không phải là cố làm cho nó nhỏ hơn.</a:t>
+            </a:r>
+            <a:endParaRPr lang="en-US" dirty="0"/>
+          </a:p>
+        </p:txBody>
+      </p:sp>
+    </p:spTree>
+    <p:extLst>
+      <p:ext uri="{BB962C8B-B14F-4D97-AF65-F5344CB8AC3E}">
+        <p14:creationId xmlns:p14="http://schemas.microsoft.com/office/powerpoint/2010/main" val="3588933130"/>
+      </p:ext>
+    </p:extLst>
+  </p:cSld>
+  <p:clrMapOvr>
+    <a:masterClrMapping/>
+  </p:clrMapOvr>
+</p:sld>
+</file>
+
+<file path=ppt/slides/slide4.xml><?xml version="1.0" encoding="utf-8"?>
+<p:sld xmlns:a="http://schemas.openxmlformats.org/drawingml/2006/main" xmlns:r="http://schemas.openxmlformats.org/officeDocument/2006/relationships" xmlns:p="http://schemas.openxmlformats.org/presentationml/2006/main">
+  <p:cSld>
+    <p:spTree>
+      <p:nvGrpSpPr>
+        <p:cNvPr id="1" name=""/>
+        <p:cNvGrpSpPr/>
+        <p:nvPr/>
+      </p:nvGrpSpPr>
+      <p:grpSpPr>
+        <a:xfrm>
+          <a:off x="0" y="0"/>
+          <a:ext cx="0" cy="0"/>
+          <a:chOff x="0" y="0"/>
+          <a:chExt cx="0" cy="0"/>
+        </a:xfrm>
+      </p:grpSpPr>
+      <p:sp>
+        <p:nvSpPr>
+          <p:cNvPr id="2" name="Title 1"/>
+          <p:cNvSpPr>
+            <a:spLocks noGrp="1"/>
+          </p:cNvSpPr>
+          <p:nvPr>
+            <p:ph type="title"/>
+          </p:nvPr>
+        </p:nvSpPr>
+        <p:spPr/>
+        <p:txBody>
+          <a:bodyPr/>
+          <a:lstStyle/>
+          <a:p>
+            <a:r>
+              <a:rPr lang="en-US" b="1" dirty="0"/>
+              <a:t>Quản </a:t>
+            </a:r>
+            <a:r>
+              <a:rPr lang="en-US" b="1" dirty="0" err="1"/>
+              <a:t>lý</a:t>
+            </a:r>
+            <a:r>
+              <a:rPr lang="en-US" b="1" dirty="0"/>
+              <a:t> </a:t>
+            </a:r>
+            <a:r>
+              <a:rPr lang="en-US" b="1" dirty="0" err="1"/>
+              <a:t>dữ</a:t>
+            </a:r>
+            <a:r>
+              <a:rPr lang="en-US" b="1" dirty="0"/>
+              <a:t> </a:t>
+            </a:r>
+            <a:r>
+              <a:rPr lang="en-US" b="1" dirty="0" err="1"/>
+              <a:t>liệu</a:t>
+            </a:r>
+            <a:r>
+              <a:rPr lang="en-US" b="1" dirty="0"/>
+              <a:t> </a:t>
+            </a:r>
+            <a:r>
+              <a:rPr lang="en-US" b="1" dirty="0" err="1"/>
+              <a:t>phân</a:t>
+            </a:r>
+            <a:r>
+              <a:rPr lang="en-US" b="1" dirty="0"/>
+              <a:t> </a:t>
+            </a:r>
+            <a:r>
+              <a:rPr lang="en-US" b="1" dirty="0" err="1"/>
+              <a:t>tán</a:t>
+            </a:r>
+            <a:endParaRPr lang="en-US" b="1" dirty="0"/>
+          </a:p>
+        </p:txBody>
+      </p:sp>
+      <p:sp>
+        <p:nvSpPr>
+          <p:cNvPr id="3" name="Subtitle 2"/>
+          <p:cNvSpPr>
+            <a:spLocks noGrp="1"/>
+          </p:cNvSpPr>
+          <p:nvPr>
+            <p:ph type="subTitle"/>
+          </p:nvPr>
+        </p:nvSpPr>
+        <p:spPr>
+          <a:xfrm>
+            <a:off x="838080" y="1801036"/>
+            <a:ext cx="3415265" cy="4336527"/>
+          </a:xfrm>
+        </p:spPr>
+        <p:txBody>
+          <a:bodyPr/>
+          <a:lstStyle/>
+          <a:p>
+            <a:r>
+              <a:rPr lang="vi-VN" sz="2800" dirty="0"/>
+              <a:t>Trong kiến trúc một khối, ứng dụng lưu trữ dữ liệu trong các cơ sở dữ liệu đơn và tập trung để thực hiện các chức năng/khả năng khác nhau của ứng dụng.</a:t>
+            </a:r>
+            <a:endParaRPr lang="en-US" sz="2800" dirty="0"/>
+          </a:p>
+        </p:txBody>
+      </p:sp>
+      <p:pic>
+        <p:nvPicPr>
+          <p:cNvPr id="4" name="Picture 3"/>
+          <p:cNvPicPr>
+            <a:picLocks noChangeAspect="1"/>
+          </p:cNvPicPr>
+          <p:nvPr/>
+        </p:nvPicPr>
+        <p:blipFill>
+          <a:blip r:embed="rId2"/>
+          <a:stretch>
+            <a:fillRect/>
+          </a:stretch>
+        </p:blipFill>
+        <p:spPr>
+          <a:xfrm>
+            <a:off x="4572000" y="1618139"/>
+            <a:ext cx="6298189" cy="4702319"/>
+          </a:xfrm>
+          <a:prstGeom prst="rect">
+            <a:avLst/>
+          </a:prstGeom>
+        </p:spPr>
+      </p:pic>
+    </p:spTree>
+    <p:extLst>
+      <p:ext uri="{BB962C8B-B14F-4D97-AF65-F5344CB8AC3E}">
+        <p14:creationId xmlns:p14="http://schemas.microsoft.com/office/powerpoint/2010/main" val="4005642748"/>
+      </p:ext>
+    </p:extLst>
+  </p:cSld>
+  <p:clrMapOvr>
+    <a:masterClrMapping/>
+  </p:clrMapOvr>
+</p:sld>
+</file>
+
+<file path=ppt/slides/slide5.xml><?xml version="1.0" encoding="utf-8"?>
+<p:sld xmlns:a="http://schemas.openxmlformats.org/drawingml/2006/main" xmlns:r="http://schemas.openxmlformats.org/officeDocument/2006/relationships" xmlns:p="http://schemas.openxmlformats.org/presentationml/2006/main">
+  <p:cSld>
+    <p:spTree>
+      <p:nvGrpSpPr>
+        <p:cNvPr id="1" name=""/>
+        <p:cNvGrpSpPr/>
+        <p:nvPr/>
+      </p:nvGrpSpPr>
+      <p:grpSpPr>
+        <a:xfrm>
+          <a:off x="0" y="0"/>
+          <a:ext cx="0" cy="0"/>
+          <a:chOff x="0" y="0"/>
+          <a:chExt cx="0" cy="0"/>
+        </a:xfrm>
+      </p:grpSpPr>
+      <p:sp>
+        <p:nvSpPr>
+          <p:cNvPr id="82" name="TextShape 1"/>
+          <p:cNvSpPr txBox="1"/>
+          <p:nvPr/>
+        </p:nvSpPr>
+        <p:spPr>
+          <a:xfrm>
+            <a:off x="-840240" y="1552320"/>
+            <a:ext cx="9143640" cy="2387160"/>
+          </a:xfrm>
+          <a:prstGeom prst="rect">
+            <a:avLst/>
+          </a:prstGeom>
+          <a:noFill/>
+          <a:ln>
+            <a:noFill/>
+          </a:ln>
+        </p:spPr>
+        <p:txBody>
+          <a:bodyPr anchor="b">
+            <a:normAutofit/>
+          </a:bodyPr>
+          <a:lstStyle/>
+          <a:p>
+            <a:pPr algn="ctr">
+              <a:lnSpc>
+                <a:spcPct val="90000"/>
+              </a:lnSpc>
+            </a:pPr>
+            <a:r>
+              <a:rPr lang="en-US" sz="7200" b="0" strike="noStrike" spc="-1">
+                <a:solidFill>
+                  <a:srgbClr val="000000"/>
+                </a:solidFill>
+                <a:latin typeface="Times New Roman"/>
+              </a:rPr>
+              <a:t>Kubernetes</a:t>
+            </a:r>
+            <a:endParaRPr lang="en-US" sz="7200" b="0" strike="noStrike" spc="-1">
+              <a:solidFill>
+                <a:srgbClr val="000000"/>
+              </a:solidFill>
+              <a:latin typeface="Calibri"/>
+            </a:endParaRPr>
+          </a:p>
+        </p:txBody>
+      </p:sp>
+      <p:pic>
+        <p:nvPicPr>
+          <p:cNvPr id="83" name="Picture 3"/>
+          <p:cNvPicPr/>
+          <p:nvPr/>
+        </p:nvPicPr>
+        <p:blipFill>
+          <a:blip r:embed="rId2"/>
+          <a:stretch/>
+        </p:blipFill>
+        <p:spPr>
+          <a:xfrm>
+            <a:off x="6440040" y="1540440"/>
+            <a:ext cx="4105800" cy="4105800"/>
+          </a:xfrm>
+          <a:prstGeom prst="rect">
+            <a:avLst/>
+          </a:prstGeom>
+          <a:ln>
+            <a:noFill/>
+          </a:ln>
+        </p:spPr>
+      </p:pic>
+    </p:spTree>
+    <p:extLst>
+      <p:ext uri="{BB962C8B-B14F-4D97-AF65-F5344CB8AC3E}">
+        <p14:creationId xmlns:p14="http://schemas.microsoft.com/office/powerpoint/2010/main" val="4262422237"/>
+      </p:ext>
+    </p:extLst>
+  </p:cSld>
+  <p:clrMapOvr>
+    <a:masterClrMapping/>
+  </p:clrMapOvr>
+  <p:timing>
+    <p:tnLst>
+      <p:par>
+        <p:cTn id="1" dur="indefinite" restart="never" nodeType="tmRoot">
+          <p:childTnLst>
+            <p:seq>
+              <p:cTn id="2" dur="indefinite" nodeType="mainSeq"/>
+              <p:prevCondLst>
+                <p:cond evt="onPrev" delay="0">
+                  <p:tgtEl>
+                    <p:sldTgt/>
+                  </p:tgtEl>
+                </p:cond>
+              </p:prevCondLst>
+              <p:nextCondLst>
+                <p:cond evt="onNext" delay="0">
+                  <p:tgtEl>
+                    <p:sldTgt/>
+                  </p:tgtEl>
+                </p:cond>
+              </p:nextCondLst>
+            </p:seq>
+          </p:childTnLst>
+        </p:cTn>
+      </p:par>
+    </p:tnLst>
+  </p:timing>
+</p:sld>
+</file>
+
+<file path=ppt/slides/slide6.xml><?xml version="1.0" encoding="utf-8"?>
+<p:sld xmlns:a="http://schemas.openxmlformats.org/drawingml/2006/main" xmlns:r="http://schemas.openxmlformats.org/officeDocument/2006/relationships" xmlns:p="http://schemas.openxmlformats.org/presentationml/2006/main">
   <p:cSld>
     <p:spTree>
       <p:nvGrpSpPr>
@@ -4431,6 +8838,7 @@
         </p:spPr>
         <p:txBody>
           <a:bodyPr anchor="ctr"/>
+          <a:lstStyle/>
           <a:p>
             <a:pPr>
               <a:lnSpc>
@@ -4438,7 +8846,7 @@
               </a:lnSpc>
             </a:pPr>
             <a:r>
-              <a:rPr b="0" lang="en-US" sz="4400" spc="-1" strike="noStrike">
+              <a:rPr lang="en-US" sz="4400" b="0" strike="noStrike" spc="-1">
                 <a:solidFill>
                   <a:srgbClr val="000000"/>
                 </a:solidFill>
@@ -4447,7 +8855,7 @@
               <a:t>I. </a:t>
             </a:r>
             <a:r>
-              <a:rPr b="0" lang="en-US" sz="4400" spc="-1" strike="noStrike">
+              <a:rPr lang="en-US" sz="4400" b="0" strike="noStrike" spc="-1">
                 <a:solidFill>
                   <a:srgbClr val="000000"/>
                 </a:solidFill>
@@ -4455,7 +8863,7 @@
               </a:rPr>
               <a:t>Giới thiệu k8s</a:t>
             </a:r>
-            <a:endParaRPr b="0" lang="en-US" sz="4400" spc="-1" strike="noStrike">
+            <a:endParaRPr lang="en-US" sz="4400" b="0" strike="noStrike" spc="-1">
               <a:solidFill>
                 <a:srgbClr val="000000"/>
               </a:solidFill>
@@ -4485,6 +8893,7 @@
         </p:spPr>
         <p:txBody>
           <a:bodyPr/>
+          <a:lstStyle/>
           <a:p>
             <a:pPr marL="228600" indent="-228240">
               <a:lnSpc>
@@ -4500,7 +8909,7 @@
               <a:buChar char="•"/>
             </a:pPr>
             <a:r>
-              <a:rPr b="0" lang="en-US" sz="2800" spc="-1" strike="noStrike">
+              <a:rPr lang="en-US" sz="2800" b="0" strike="noStrike" spc="-1" dirty="0">
                 <a:solidFill>
                   <a:srgbClr val="222222"/>
                 </a:solidFill>
@@ -4509,15 +8918,105 @@
               <a:t> </a:t>
             </a:r>
             <a:r>
-              <a:rPr b="0" lang="en-US" sz="2800" spc="-1" strike="noStrike">
+              <a:rPr lang="en-US" sz="2800" b="0" strike="noStrike" spc="-1" dirty="0" err="1">
                 <a:solidFill>
                   <a:srgbClr val="222222"/>
                 </a:solidFill>
                 <a:latin typeface="Calibri"/>
               </a:rPr>
-              <a:t>Là một nền tảng nguồn mở</a:t>
-            </a:r>
-            <a:endParaRPr b="0" lang="en-US" sz="2800" spc="-1" strike="noStrike">
+              <a:t>Là</a:t>
+            </a:r>
+            <a:r>
+              <a:rPr lang="en-US" sz="2800" b="0" strike="noStrike" spc="-1" dirty="0">
+                <a:solidFill>
+                  <a:srgbClr val="222222"/>
+                </a:solidFill>
+                <a:latin typeface="Calibri"/>
+              </a:rPr>
+              <a:t> </a:t>
+            </a:r>
+            <a:r>
+              <a:rPr lang="en-US" sz="2800" b="0" strike="noStrike" spc="-1" dirty="0" err="1">
+                <a:solidFill>
+                  <a:srgbClr val="222222"/>
+                </a:solidFill>
+                <a:latin typeface="Calibri"/>
+              </a:rPr>
+              <a:t>một</a:t>
+            </a:r>
+            <a:r>
+              <a:rPr lang="en-US" sz="2800" b="0" strike="noStrike" spc="-1" dirty="0">
+                <a:solidFill>
+                  <a:srgbClr val="222222"/>
+                </a:solidFill>
+                <a:latin typeface="Calibri"/>
+              </a:rPr>
+              <a:t> </a:t>
+            </a:r>
+            <a:r>
+              <a:rPr lang="en-US" sz="2800" b="0" strike="noStrike" spc="-1" dirty="0" err="1">
+                <a:solidFill>
+                  <a:srgbClr val="222222"/>
+                </a:solidFill>
+                <a:latin typeface="Calibri"/>
+              </a:rPr>
+              <a:t>nền</a:t>
+            </a:r>
+            <a:r>
+              <a:rPr lang="en-US" sz="2800" b="0" strike="noStrike" spc="-1" dirty="0">
+                <a:solidFill>
+                  <a:srgbClr val="222222"/>
+                </a:solidFill>
+                <a:latin typeface="Calibri"/>
+              </a:rPr>
+              <a:t> </a:t>
+            </a:r>
+            <a:r>
+              <a:rPr lang="en-US" sz="2800" b="0" strike="noStrike" spc="-1" dirty="0" err="1">
+                <a:solidFill>
+                  <a:srgbClr val="222222"/>
+                </a:solidFill>
+                <a:latin typeface="Calibri"/>
+              </a:rPr>
+              <a:t>tảng</a:t>
+            </a:r>
+            <a:r>
+              <a:rPr lang="en-US" sz="2800" b="0" strike="noStrike" spc="-1" dirty="0">
+                <a:solidFill>
+                  <a:srgbClr val="222222"/>
+                </a:solidFill>
+                <a:latin typeface="Calibri"/>
+              </a:rPr>
+              <a:t> </a:t>
+            </a:r>
+            <a:r>
+              <a:rPr lang="en-US" sz="2800" b="0" strike="noStrike" spc="-1" dirty="0" err="1">
+                <a:solidFill>
+                  <a:srgbClr val="222222"/>
+                </a:solidFill>
+                <a:latin typeface="Calibri"/>
+              </a:rPr>
+              <a:t>nguồn</a:t>
+            </a:r>
+            <a:r>
+              <a:rPr lang="en-US" sz="2800" b="0" strike="noStrike" spc="-1" dirty="0">
+                <a:solidFill>
+                  <a:srgbClr val="222222"/>
+                </a:solidFill>
+                <a:latin typeface="Calibri"/>
+              </a:rPr>
+              <a:t> </a:t>
+            </a:r>
+            <a:r>
+              <a:rPr lang="en-US" sz="2800" b="0" strike="noStrike" spc="-1" dirty="0" err="1">
+                <a:solidFill>
+                  <a:srgbClr val="222222"/>
+                </a:solidFill>
+                <a:latin typeface="Calibri"/>
+              </a:rPr>
+              <a:t>mở</a:t>
+            </a:r>
+            <a:endParaRPr lang="en-US" sz="2800" b="0" strike="noStrike" spc="-1" dirty="0">
               <a:solidFill>
                 <a:srgbClr val="000000"/>
               </a:solidFill>
@@ -4533,7 +9032,7 @@
                 <a:spcPts val="1001"/>
               </a:spcBef>
             </a:pPr>
-            <a:endParaRPr b="0" lang="en-US" sz="2800" spc="-1" strike="noStrike">
+            <a:endParaRPr lang="en-US" sz="2800" b="0" strike="noStrike" spc="-1" dirty="0">
               <a:solidFill>
                 <a:srgbClr val="000000"/>
               </a:solidFill>
@@ -4555,15 +9054,303 @@
               <a:buChar char="•"/>
             </a:pPr>
             <a:r>
-              <a:rPr b="0" lang="en-US" sz="2800" spc="-1" strike="noStrike">
+              <a:rPr lang="en-US" sz="2800" b="0" strike="noStrike" spc="-1" dirty="0" err="1">
                 <a:solidFill>
                   <a:srgbClr val="222222"/>
                 </a:solidFill>
                 <a:latin typeface="Calibri"/>
               </a:rPr>
-              <a:t>Có thể mở rộng để quản lý các ứng dụng được đóng gói và các dịch vụ</a:t>
-            </a:r>
-            <a:endParaRPr b="0" lang="en-US" sz="2800" spc="-1" strike="noStrike">
+              <a:t>Có</a:t>
+            </a:r>
+            <a:r>
+              <a:rPr lang="en-US" sz="2800" b="0" strike="noStrike" spc="-1" dirty="0">
+                <a:solidFill>
+                  <a:srgbClr val="222222"/>
+                </a:solidFill>
+                <a:latin typeface="Calibri"/>
+              </a:rPr>
+              <a:t> </a:t>
+            </a:r>
+            <a:r>
+              <a:rPr lang="en-US" sz="2800" b="0" strike="noStrike" spc="-1" dirty="0" err="1">
+                <a:solidFill>
+                  <a:srgbClr val="222222"/>
+                </a:solidFill>
+                <a:latin typeface="Calibri"/>
+              </a:rPr>
+              <a:t>thể</a:t>
+            </a:r>
+            <a:r>
+              <a:rPr lang="en-US" sz="2800" b="0" strike="noStrike" spc="-1" dirty="0">
+                <a:solidFill>
+                  <a:srgbClr val="222222"/>
+                </a:solidFill>
+                <a:latin typeface="Calibri"/>
+              </a:rPr>
+              <a:t> </a:t>
+            </a:r>
+            <a:r>
+              <a:rPr lang="en-US" sz="2800" b="0" strike="noStrike" spc="-1" dirty="0" err="1">
+                <a:solidFill>
+                  <a:srgbClr val="222222"/>
+                </a:solidFill>
+                <a:latin typeface="Calibri"/>
+              </a:rPr>
+              <a:t>mở</a:t>
+            </a:r>
+            <a:r>
+              <a:rPr lang="en-US" sz="2800" b="0" strike="noStrike" spc="-1" dirty="0">
+                <a:solidFill>
+                  <a:srgbClr val="222222"/>
+                </a:solidFill>
+                <a:latin typeface="Calibri"/>
+              </a:rPr>
+              <a:t> </a:t>
+            </a:r>
+            <a:r>
+              <a:rPr lang="en-US" sz="2800" b="0" strike="noStrike" spc="-1" dirty="0" err="1">
+                <a:solidFill>
+                  <a:srgbClr val="222222"/>
+                </a:solidFill>
+                <a:latin typeface="Calibri"/>
+              </a:rPr>
+              <a:t>rộng</a:t>
+            </a:r>
+            <a:r>
+              <a:rPr lang="en-US" sz="2800" b="0" strike="noStrike" spc="-1" dirty="0">
+                <a:solidFill>
+                  <a:srgbClr val="222222"/>
+                </a:solidFill>
+                <a:latin typeface="Calibri"/>
+              </a:rPr>
+              <a:t> </a:t>
+            </a:r>
+            <a:r>
+              <a:rPr lang="en-US" sz="2800" b="0" strike="noStrike" spc="-1" dirty="0" err="1">
+                <a:solidFill>
+                  <a:srgbClr val="222222"/>
+                </a:solidFill>
+                <a:latin typeface="Calibri"/>
+              </a:rPr>
+              <a:t>để</a:t>
+            </a:r>
+            <a:r>
+              <a:rPr lang="en-US" sz="2800" b="0" strike="noStrike" spc="-1" dirty="0">
+                <a:solidFill>
+                  <a:srgbClr val="222222"/>
+                </a:solidFill>
+                <a:latin typeface="Calibri"/>
+              </a:rPr>
+              <a:t> </a:t>
+            </a:r>
+            <a:r>
+              <a:rPr lang="en-US" sz="2800" b="0" strike="noStrike" spc="-1" dirty="0" err="1">
+                <a:solidFill>
+                  <a:srgbClr val="222222"/>
+                </a:solidFill>
+                <a:latin typeface="Calibri"/>
+              </a:rPr>
+              <a:t>quản</a:t>
+            </a:r>
+            <a:r>
+              <a:rPr lang="en-US" sz="2800" b="0" strike="noStrike" spc="-1" dirty="0">
+                <a:solidFill>
+                  <a:srgbClr val="222222"/>
+                </a:solidFill>
+                <a:latin typeface="Calibri"/>
+              </a:rPr>
+              <a:t> </a:t>
+            </a:r>
+            <a:r>
+              <a:rPr lang="en-US" sz="2800" b="0" strike="noStrike" spc="-1" dirty="0" err="1">
+                <a:solidFill>
+                  <a:srgbClr val="222222"/>
+                </a:solidFill>
+                <a:latin typeface="Calibri"/>
+              </a:rPr>
+              <a:t>lý</a:t>
+            </a:r>
+            <a:r>
+              <a:rPr lang="en-US" sz="2800" b="0" strike="noStrike" spc="-1" dirty="0">
+                <a:solidFill>
+                  <a:srgbClr val="222222"/>
+                </a:solidFill>
+                <a:latin typeface="Calibri"/>
+              </a:rPr>
+              <a:t> </a:t>
+            </a:r>
+            <a:r>
+              <a:rPr lang="en-US" sz="2800" b="0" strike="noStrike" spc="-1" dirty="0" err="1">
+                <a:solidFill>
+                  <a:srgbClr val="222222"/>
+                </a:solidFill>
+                <a:latin typeface="Calibri"/>
+              </a:rPr>
+              <a:t>các</a:t>
+            </a:r>
+            <a:r>
+              <a:rPr lang="en-US" sz="2800" b="0" strike="noStrike" spc="-1" dirty="0">
+                <a:solidFill>
+                  <a:srgbClr val="222222"/>
+                </a:solidFill>
+                <a:latin typeface="Calibri"/>
+              </a:rPr>
+              <a:t> </a:t>
+            </a:r>
+            <a:r>
+              <a:rPr lang="en-US" sz="2800" b="0" strike="noStrike" spc="-1" dirty="0" err="1">
+                <a:solidFill>
+                  <a:srgbClr val="222222"/>
+                </a:solidFill>
+                <a:latin typeface="Calibri"/>
+              </a:rPr>
+              <a:t>ứng</a:t>
+            </a:r>
+            <a:r>
+              <a:rPr lang="en-US" sz="2800" b="0" strike="noStrike" spc="-1" dirty="0">
+                <a:solidFill>
+                  <a:srgbClr val="222222"/>
+                </a:solidFill>
+                <a:latin typeface="Calibri"/>
+              </a:rPr>
+              <a:t> </a:t>
+            </a:r>
+            <a:r>
+              <a:rPr lang="en-US" sz="2800" b="0" strike="noStrike" spc="-1" dirty="0" err="1">
+                <a:solidFill>
+                  <a:srgbClr val="222222"/>
+                </a:solidFill>
+                <a:latin typeface="Calibri"/>
+              </a:rPr>
+              <a:t>dụng</a:t>
+            </a:r>
+            <a:r>
+              <a:rPr lang="en-US" sz="2800" b="0" strike="noStrike" spc="-1" dirty="0">
+                <a:solidFill>
+                  <a:srgbClr val="222222"/>
+                </a:solidFill>
+                <a:latin typeface="Calibri"/>
+              </a:rPr>
+              <a:t> </a:t>
+            </a:r>
+            <a:r>
+              <a:rPr lang="en-US" sz="2800" b="0" strike="noStrike" spc="-1" dirty="0" err="1">
+                <a:solidFill>
+                  <a:srgbClr val="222222"/>
+                </a:solidFill>
+                <a:latin typeface="Calibri"/>
+              </a:rPr>
+              <a:t>được</a:t>
+            </a:r>
+            <a:r>
+              <a:rPr lang="en-US" sz="2800" b="0" strike="noStrike" spc="-1" dirty="0">
+                <a:solidFill>
+                  <a:srgbClr val="222222"/>
+                </a:solidFill>
+                <a:latin typeface="Calibri"/>
+              </a:rPr>
+              <a:t> </a:t>
+            </a:r>
+            <a:r>
+              <a:rPr lang="en-US" sz="2800" b="0" strike="noStrike" spc="-1" dirty="0" err="1">
+                <a:solidFill>
+                  <a:srgbClr val="222222"/>
+                </a:solidFill>
+                <a:latin typeface="Calibri"/>
+              </a:rPr>
+              <a:t>đóng</a:t>
+            </a:r>
+            <a:r>
+              <a:rPr lang="en-US" sz="2800" b="0" strike="noStrike" spc="-1" dirty="0">
+                <a:solidFill>
+                  <a:srgbClr val="222222"/>
+                </a:solidFill>
+                <a:latin typeface="Calibri"/>
+              </a:rPr>
+              <a:t> </a:t>
+            </a:r>
+            <a:r>
+              <a:rPr lang="en-US" sz="2800" b="0" strike="noStrike" spc="-1" dirty="0" err="1">
+                <a:solidFill>
+                  <a:srgbClr val="222222"/>
+                </a:solidFill>
+                <a:latin typeface="Calibri"/>
+              </a:rPr>
+              <a:t>gói</a:t>
+            </a:r>
+            <a:r>
+              <a:rPr lang="en-US" sz="2800" b="0" strike="noStrike" spc="-1" dirty="0">
+                <a:solidFill>
+                  <a:srgbClr val="222222"/>
+                </a:solidFill>
+                <a:latin typeface="Calibri"/>
+              </a:rPr>
+              <a:t> </a:t>
+            </a:r>
+            <a:r>
+              <a:rPr lang="en-US" sz="2800" b="0" strike="noStrike" spc="-1" dirty="0" err="1">
+                <a:solidFill>
+                  <a:srgbClr val="222222"/>
+                </a:solidFill>
+                <a:latin typeface="Calibri"/>
+              </a:rPr>
+              <a:t>và</a:t>
+            </a:r>
+            <a:r>
+              <a:rPr lang="en-US" sz="2800" b="0" strike="noStrike" spc="-1" dirty="0">
+                <a:solidFill>
+                  <a:srgbClr val="222222"/>
+                </a:solidFill>
+                <a:latin typeface="Calibri"/>
+              </a:rPr>
+              <a:t> </a:t>
+            </a:r>
+            <a:r>
+              <a:rPr lang="en-US" sz="2800" b="0" strike="noStrike" spc="-1" dirty="0" err="1">
+                <a:solidFill>
+                  <a:srgbClr val="222222"/>
+                </a:solidFill>
+                <a:latin typeface="Calibri"/>
+              </a:rPr>
+              <a:t>các</a:t>
+            </a:r>
+            <a:r>
+              <a:rPr lang="en-US" sz="2800" b="0" strike="noStrike" spc="-1" dirty="0">
+                <a:solidFill>
+                  <a:srgbClr val="222222"/>
+                </a:solidFill>
+                <a:latin typeface="Calibri"/>
+              </a:rPr>
+              <a:t> </a:t>
+            </a:r>
+            <a:r>
+              <a:rPr lang="en-US" sz="2800" b="0" strike="noStrike" spc="-1" dirty="0" err="1">
+                <a:solidFill>
+                  <a:srgbClr val="222222"/>
+                </a:solidFill>
+                <a:latin typeface="Calibri"/>
+              </a:rPr>
+              <a:t>dịch</a:t>
+            </a:r>
+            <a:r>
+              <a:rPr lang="en-US" sz="2800" b="0" strike="noStrike" spc="-1" dirty="0">
+                <a:solidFill>
+                  <a:srgbClr val="222222"/>
+                </a:solidFill>
+                <a:latin typeface="Calibri"/>
+              </a:rPr>
+              <a:t> </a:t>
+            </a:r>
+            <a:r>
+              <a:rPr lang="en-US" sz="2800" b="0" strike="noStrike" spc="-1" dirty="0" err="1">
+                <a:solidFill>
+                  <a:srgbClr val="222222"/>
+                </a:solidFill>
+                <a:latin typeface="Calibri"/>
+              </a:rPr>
+              <a:t>vụ</a:t>
+            </a:r>
+            <a:endParaRPr lang="en-US" sz="2800" b="0" strike="noStrike" spc="-1" dirty="0">
               <a:solidFill>
                 <a:srgbClr val="000000"/>
               </a:solidFill>
@@ -4579,7 +9366,7 @@
                 <a:spcPts val="1001"/>
               </a:spcBef>
             </a:pPr>
-            <a:endParaRPr b="0" lang="en-US" sz="2800" spc="-1" strike="noStrike">
+            <a:endParaRPr lang="en-US" sz="2800" b="0" strike="noStrike" spc="-1" dirty="0">
               <a:solidFill>
                 <a:srgbClr val="000000"/>
               </a:solidFill>
@@ -4601,24 +9388,204 @@
               <a:buChar char="•"/>
             </a:pPr>
             <a:r>
-              <a:rPr b="0" lang="en-US" sz="2800" spc="-1" strike="noStrike">
-                <a:solidFill>
-                  <a:srgbClr val="000000"/>
-                </a:solidFill>
-                <a:latin typeface="Calibri"/>
-              </a:rPr>
-              <a:t> </a:t>
-            </a:r>
-            <a:r>
-              <a:rPr b="0" lang="en-US" sz="2800" spc="-1" strike="noStrike">
-                <a:solidFill>
-                  <a:srgbClr val="000000"/>
-                </a:solidFill>
-                <a:latin typeface="Calibri"/>
-              </a:rPr>
-              <a:t>Là một hệ sinh thái lớn và phát triển nhanh chóng</a:t>
-            </a:r>
-            <a:endParaRPr b="0" lang="en-US" sz="2800" spc="-1" strike="noStrike">
+              <a:rPr lang="en-US" sz="2800" b="0" strike="noStrike" spc="-1" dirty="0">
+                <a:solidFill>
+                  <a:srgbClr val="000000"/>
+                </a:solidFill>
+                <a:latin typeface="Calibri"/>
+              </a:rPr>
+              <a:t> </a:t>
+            </a:r>
+            <a:r>
+              <a:rPr lang="en-US" sz="2800" b="0" strike="noStrike" spc="-1" dirty="0" err="1">
+                <a:solidFill>
+                  <a:srgbClr val="000000"/>
+                </a:solidFill>
+                <a:latin typeface="Calibri"/>
+              </a:rPr>
+              <a:t>Là</a:t>
+            </a:r>
+            <a:r>
+              <a:rPr lang="en-US" sz="2800" b="0" strike="noStrike" spc="-1" dirty="0">
+                <a:solidFill>
+                  <a:srgbClr val="000000"/>
+                </a:solidFill>
+                <a:latin typeface="Calibri"/>
+              </a:rPr>
+              <a:t> </a:t>
+            </a:r>
+            <a:r>
+              <a:rPr lang="en-US" sz="2800" b="0" strike="noStrike" spc="-1" dirty="0" err="1">
+                <a:solidFill>
+                  <a:srgbClr val="000000"/>
+                </a:solidFill>
+                <a:latin typeface="Calibri"/>
+              </a:rPr>
+              <a:t>một</a:t>
+            </a:r>
+            <a:r>
+              <a:rPr lang="en-US" sz="2800" b="0" strike="noStrike" spc="-1" dirty="0">
+                <a:solidFill>
+                  <a:srgbClr val="000000"/>
+                </a:solidFill>
+                <a:latin typeface="Calibri"/>
+              </a:rPr>
+              <a:t> </a:t>
+            </a:r>
+            <a:r>
+              <a:rPr lang="en-US" sz="2800" b="0" strike="noStrike" spc="-1" dirty="0" err="1">
+                <a:solidFill>
+                  <a:srgbClr val="000000"/>
+                </a:solidFill>
+                <a:latin typeface="Calibri"/>
+              </a:rPr>
+              <a:t>hệ</a:t>
+            </a:r>
+            <a:r>
+              <a:rPr lang="en-US" sz="2800" b="0" strike="noStrike" spc="-1" dirty="0">
+                <a:solidFill>
+                  <a:srgbClr val="000000"/>
+                </a:solidFill>
+                <a:latin typeface="Calibri"/>
+              </a:rPr>
+              <a:t> </a:t>
+            </a:r>
+            <a:r>
+              <a:rPr lang="en-US" sz="2800" b="0" strike="noStrike" spc="-1" dirty="0" err="1">
+                <a:solidFill>
+                  <a:srgbClr val="000000"/>
+                </a:solidFill>
+                <a:latin typeface="Calibri"/>
+              </a:rPr>
+              <a:t>sinh</a:t>
+            </a:r>
+            <a:r>
+              <a:rPr lang="en-US" sz="2800" b="0" strike="noStrike" spc="-1" dirty="0">
+                <a:solidFill>
+                  <a:srgbClr val="000000"/>
+                </a:solidFill>
+                <a:latin typeface="Calibri"/>
+              </a:rPr>
+              <a:t> </a:t>
+            </a:r>
+            <a:r>
+              <a:rPr lang="en-US" sz="2800" b="0" strike="noStrike" spc="-1" dirty="0" err="1">
+                <a:solidFill>
+                  <a:srgbClr val="000000"/>
+                </a:solidFill>
+                <a:latin typeface="Calibri"/>
+              </a:rPr>
+              <a:t>thái</a:t>
+            </a:r>
+            <a:r>
+              <a:rPr lang="en-US" sz="2800" b="0" strike="noStrike" spc="-1" dirty="0">
+                <a:solidFill>
+                  <a:srgbClr val="000000"/>
+                </a:solidFill>
+                <a:latin typeface="Calibri"/>
+              </a:rPr>
+              <a:t> </a:t>
+            </a:r>
+            <a:r>
+              <a:rPr lang="en-US" sz="2800" b="0" strike="noStrike" spc="-1" dirty="0" err="1">
+                <a:solidFill>
+                  <a:srgbClr val="000000"/>
+                </a:solidFill>
+                <a:latin typeface="Calibri"/>
+              </a:rPr>
+              <a:t>lớn</a:t>
+            </a:r>
+            <a:r>
+              <a:rPr lang="en-US" sz="2800" b="0" strike="noStrike" spc="-1" dirty="0">
+                <a:solidFill>
+                  <a:srgbClr val="000000"/>
+                </a:solidFill>
+                <a:latin typeface="Calibri"/>
+              </a:rPr>
+              <a:t> </a:t>
+            </a:r>
+            <a:r>
+              <a:rPr lang="en-US" sz="2800" b="0" strike="noStrike" spc="-1" dirty="0" err="1">
+                <a:solidFill>
+                  <a:srgbClr val="000000"/>
+                </a:solidFill>
+                <a:latin typeface="Calibri"/>
+              </a:rPr>
+              <a:t>và</a:t>
+            </a:r>
+            <a:r>
+              <a:rPr lang="en-US" sz="2800" b="0" strike="noStrike" spc="-1" dirty="0">
+                <a:solidFill>
+                  <a:srgbClr val="000000"/>
+                </a:solidFill>
+                <a:latin typeface="Calibri"/>
+              </a:rPr>
+              <a:t> </a:t>
+            </a:r>
+            <a:r>
+              <a:rPr lang="en-US" sz="2800" b="0" strike="noStrike" spc="-1" dirty="0" err="1">
+                <a:solidFill>
+                  <a:srgbClr val="000000"/>
+                </a:solidFill>
+                <a:latin typeface="Calibri"/>
+              </a:rPr>
+              <a:t>phát</a:t>
+            </a:r>
+            <a:r>
+              <a:rPr lang="en-US" sz="2800" b="0" strike="noStrike" spc="-1" dirty="0">
+                <a:solidFill>
+                  <a:srgbClr val="000000"/>
+                </a:solidFill>
+                <a:latin typeface="Calibri"/>
+              </a:rPr>
+              <a:t> </a:t>
+            </a:r>
+            <a:r>
+              <a:rPr lang="en-US" sz="2800" b="0" strike="noStrike" spc="-1" dirty="0" err="1">
+                <a:solidFill>
+                  <a:srgbClr val="000000"/>
+                </a:solidFill>
+                <a:latin typeface="Calibri"/>
+              </a:rPr>
+              <a:t>triển</a:t>
+            </a:r>
+            <a:r>
+              <a:rPr lang="en-US" sz="2800" b="0" strike="noStrike" spc="-1" dirty="0">
+                <a:solidFill>
+                  <a:srgbClr val="000000"/>
+                </a:solidFill>
+                <a:latin typeface="Calibri"/>
+              </a:rPr>
+              <a:t> </a:t>
+            </a:r>
+            <a:r>
+              <a:rPr lang="en-US" sz="2800" b="0" strike="noStrike" spc="-1" dirty="0" err="1">
+                <a:solidFill>
+                  <a:srgbClr val="000000"/>
+                </a:solidFill>
+                <a:latin typeface="Calibri"/>
+              </a:rPr>
+              <a:t>nhanh</a:t>
+            </a:r>
+            <a:r>
+              <a:rPr lang="en-US" sz="2800" b="0" strike="noStrike" spc="-1" dirty="0">
+                <a:solidFill>
+                  <a:srgbClr val="000000"/>
+                </a:solidFill>
+                <a:latin typeface="Calibri"/>
+              </a:rPr>
+              <a:t> </a:t>
+            </a:r>
+            <a:r>
+              <a:rPr lang="en-US" sz="2800" b="0" strike="noStrike" spc="-1" dirty="0" err="1">
+                <a:solidFill>
+                  <a:srgbClr val="000000"/>
+                </a:solidFill>
+                <a:latin typeface="Calibri"/>
+              </a:rPr>
+              <a:t>chóng</a:t>
+            </a:r>
+            <a:endParaRPr lang="en-US" sz="2800" b="0" strike="noStrike" spc="-1" dirty="0">
               <a:solidFill>
                 <a:srgbClr val="000000"/>
               </a:solidFill>
@@ -4629,22 +9596,25 @@
       </p:sp>
     </p:spTree>
   </p:cSld>
+  <p:clrMapOvr>
+    <a:masterClrMapping/>
+  </p:clrMapOvr>
   <p:timing>
     <p:tnLst>
       <p:par>
-        <p:cTn id="3" dur="indefinite" restart="never" nodeType="tmRoot">
+        <p:cTn id="1" dur="indefinite" restart="never" nodeType="tmRoot">
           <p:childTnLst>
             <p:seq>
-              <p:cTn id="4" dur="indefinite" nodeType="mainSeq"/>
+              <p:cTn id="2" dur="indefinite" nodeType="mainSeq"/>
               <p:prevCondLst>
-                <p:cond delay="0" evt="onPrev">
+                <p:cond evt="onPrev" delay="0">
                   <p:tgtEl>
                     <p:sldTgt/>
                   </p:tgtEl>
                 </p:cond>
               </p:prevCondLst>
               <p:nextCondLst>
-                <p:cond delay="0" evt="onNext">
+                <p:cond evt="onNext" delay="0">
                   <p:tgtEl>
                     <p:sldTgt/>
                   </p:tgtEl>
@@ -4659,8 +9629,8 @@
 </p:sld>
 </file>
 
-<file path=ppt/slides/slide3.xml><?xml version="1.0" encoding="utf-8"?>
-<p:sld xmlns:a="http://schemas.openxmlformats.org/drawingml/2006/main" xmlns:p="http://schemas.openxmlformats.org/presentationml/2006/main" xmlns:r="http://schemas.openxmlformats.org/officeDocument/2006/relationships" xmlns:p14="http://schemas.microsoft.com/office/powerpoint/2010/main" xmlns:p15="http://schemas.microsoft.com/office/powerpoint/2012/main" xmlns:mc="http://schemas.openxmlformats.org/markup-compatibility/2006">
+<file path=ppt/slides/slide7.xml><?xml version="1.0" encoding="utf-8"?>
+<p:sld xmlns:a="http://schemas.openxmlformats.org/drawingml/2006/main" xmlns:r="http://schemas.openxmlformats.org/officeDocument/2006/relationships" xmlns:p="http://schemas.openxmlformats.org/presentationml/2006/main">
   <p:cSld>
     <p:spTree>
       <p:nvGrpSpPr>
@@ -4697,6 +9667,7 @@
         </p:spPr>
         <p:txBody>
           <a:bodyPr anchor="ctr"/>
+          <a:lstStyle/>
           <a:p>
             <a:pPr>
               <a:lnSpc>
@@ -4704,7 +9675,7 @@
               </a:lnSpc>
             </a:pPr>
             <a:r>
-              <a:rPr b="0" lang="en-US" sz="4400" spc="-1" strike="noStrike">
+              <a:rPr lang="en-US" sz="4400" b="0" strike="noStrike" spc="-1">
                 <a:solidFill>
                   <a:srgbClr val="000000"/>
                 </a:solidFill>
@@ -4713,7 +9684,7 @@
               <a:t>II. </a:t>
             </a:r>
             <a:r>
-              <a:rPr b="0" lang="en-US" sz="4400" spc="-1" strike="noStrike">
+              <a:rPr lang="en-US" sz="4400" b="0" strike="noStrike" spc="-1">
                 <a:solidFill>
                   <a:srgbClr val="000000"/>
                 </a:solidFill>
@@ -4721,7 +9692,7 @@
               </a:rPr>
               <a:t>Lợi ích</a:t>
             </a:r>
-            <a:endParaRPr b="0" lang="en-US" sz="4400" spc="-1" strike="noStrike">
+            <a:endParaRPr lang="en-US" sz="4400" b="0" strike="noStrike" spc="-1">
               <a:solidFill>
                 <a:srgbClr val="000000"/>
               </a:solidFill>
@@ -4753,6 +9724,7 @@
           <a:bodyPr>
             <a:normAutofit/>
           </a:bodyPr>
+          <a:lstStyle/>
           <a:p>
             <a:pPr marL="228600" indent="-228240">
               <a:lnSpc>
@@ -4768,15 +9740,87 @@
               <a:buChar char="•"/>
             </a:pPr>
             <a:r>
-              <a:rPr b="0" lang="en-US" sz="2800" spc="-1" strike="noStrike">
+              <a:rPr lang="en-US" sz="2800" b="0" strike="noStrike" spc="-1" dirty="0">
                 <a:solidFill>
                   <a:srgbClr val="222222"/>
                 </a:solidFill>
                 <a:latin typeface="Verdana"/>
               </a:rPr>
-              <a:t>Quản lý hàng loạt docker host</a:t>
-            </a:r>
-            <a:endParaRPr b="0" lang="en-US" sz="2800" spc="-1" strike="noStrike">
+              <a:t>Quản </a:t>
+            </a:r>
+            <a:r>
+              <a:rPr lang="en-US" sz="2800" b="0" strike="noStrike" spc="-1" dirty="0" err="1">
+                <a:solidFill>
+                  <a:srgbClr val="222222"/>
+                </a:solidFill>
+                <a:latin typeface="Verdana"/>
+              </a:rPr>
+              <a:t>lý</a:t>
+            </a:r>
+            <a:r>
+              <a:rPr lang="en-US" sz="2800" b="0" strike="noStrike" spc="-1" dirty="0">
+                <a:solidFill>
+                  <a:srgbClr val="222222"/>
+                </a:solidFill>
+                <a:latin typeface="Verdana"/>
+              </a:rPr>
+              <a:t> </a:t>
+            </a:r>
+            <a:r>
+              <a:rPr lang="en-US" sz="2800" b="0" strike="noStrike" spc="-1" dirty="0" err="1">
+                <a:solidFill>
+                  <a:srgbClr val="222222"/>
+                </a:solidFill>
+                <a:latin typeface="Verdana"/>
+              </a:rPr>
+              <a:t>hàng</a:t>
+            </a:r>
+            <a:r>
+              <a:rPr lang="en-US" sz="2800" b="0" strike="noStrike" spc="-1" dirty="0">
+                <a:solidFill>
+                  <a:srgbClr val="222222"/>
+                </a:solidFill>
+                <a:latin typeface="Verdana"/>
+              </a:rPr>
+              <a:t> </a:t>
+            </a:r>
+            <a:r>
+              <a:rPr lang="en-US" sz="2800" b="0" strike="noStrike" spc="-1" dirty="0" err="1">
+                <a:solidFill>
+                  <a:srgbClr val="222222"/>
+                </a:solidFill>
+                <a:latin typeface="Verdana"/>
+              </a:rPr>
+              <a:t>loạt</a:t>
+            </a:r>
+            <a:r>
+              <a:rPr lang="en-US" sz="2800" b="0" strike="noStrike" spc="-1" dirty="0">
+                <a:solidFill>
+                  <a:srgbClr val="222222"/>
+                </a:solidFill>
+                <a:latin typeface="Verdana"/>
+              </a:rPr>
+              <a:t> </a:t>
+            </a:r>
+            <a:r>
+              <a:rPr lang="en-US" sz="2800" b="0" strike="noStrike" spc="-1" dirty="0" err="1">
+                <a:solidFill>
+                  <a:srgbClr val="222222"/>
+                </a:solidFill>
+                <a:latin typeface="Verdana"/>
+              </a:rPr>
+              <a:t>docker</a:t>
+            </a:r>
+            <a:r>
+              <a:rPr lang="en-US" sz="2800" b="0" strike="noStrike" spc="-1" dirty="0">
+                <a:solidFill>
+                  <a:srgbClr val="222222"/>
+                </a:solidFill>
+                <a:latin typeface="Verdana"/>
+              </a:rPr>
+              <a:t> host</a:t>
+            </a:r>
+            <a:endParaRPr lang="en-US" sz="2800" b="0" strike="noStrike" spc="-1" dirty="0">
               <a:solidFill>
                 <a:srgbClr val="000000"/>
               </a:solidFill>
@@ -4798,7 +9842,7 @@
               <a:buChar char="•"/>
             </a:pPr>
             <a:r>
-              <a:rPr b="0" lang="en-US" sz="2800" spc="-1" strike="noStrike">
+              <a:rPr lang="en-US" sz="2800" b="0" strike="noStrike" spc="-1" dirty="0">
                 <a:solidFill>
                   <a:srgbClr val="222222"/>
                 </a:solidFill>
@@ -4806,7 +9850,7 @@
               </a:rPr>
               <a:t>Rolling update</a:t>
             </a:r>
-            <a:endParaRPr b="0" lang="en-US" sz="2800" spc="-1" strike="noStrike">
+            <a:endParaRPr lang="en-US" sz="2800" b="0" strike="noStrike" spc="-1" dirty="0">
               <a:solidFill>
                 <a:srgbClr val="000000"/>
               </a:solidFill>
@@ -4828,15 +9872,69 @@
               <a:buChar char="•"/>
             </a:pPr>
             <a:r>
-              <a:rPr b="0" lang="en-US" sz="2800" spc="-1" strike="noStrike">
+              <a:rPr lang="en-US" sz="2800" b="0" strike="noStrike" spc="-1" dirty="0" err="1">
                 <a:solidFill>
                   <a:srgbClr val="222222"/>
                 </a:solidFill>
                 <a:latin typeface="open sans"/>
               </a:rPr>
-              <a:t>Đóng gói tự động</a:t>
-            </a:r>
-            <a:endParaRPr b="0" lang="en-US" sz="2800" spc="-1" strike="noStrike">
+              <a:t>Đóng</a:t>
+            </a:r>
+            <a:r>
+              <a:rPr lang="en-US" sz="2800" b="0" strike="noStrike" spc="-1" dirty="0">
+                <a:solidFill>
+                  <a:srgbClr val="222222"/>
+                </a:solidFill>
+                <a:latin typeface="open sans"/>
+              </a:rPr>
+              <a:t> </a:t>
+            </a:r>
+            <a:r>
+              <a:rPr lang="en-US" sz="2800" b="0" strike="noStrike" spc="-1" dirty="0" err="1">
+                <a:solidFill>
+                  <a:srgbClr val="222222"/>
+                </a:solidFill>
+                <a:latin typeface="open sans"/>
+              </a:rPr>
+              <a:t>gói</a:t>
+            </a:r>
+            <a:r>
+              <a:rPr lang="en-US" sz="2800" b="0" strike="noStrike" spc="-1" dirty="0">
+                <a:solidFill>
+                  <a:srgbClr val="222222"/>
+                </a:solidFill>
+                <a:latin typeface="open sans"/>
+              </a:rPr>
+              <a:t> </a:t>
+            </a:r>
+            <a:r>
+              <a:rPr lang="en-US" sz="2800" b="0" strike="noStrike" spc="-1" dirty="0" err="1">
+                <a:solidFill>
+                  <a:srgbClr val="222222"/>
+                </a:solidFill>
+                <a:latin typeface="open sans"/>
+              </a:rPr>
+              <a:t>tự</a:t>
+            </a:r>
+            <a:r>
+              <a:rPr lang="en-US" sz="2800" b="0" strike="noStrike" spc="-1" dirty="0">
+                <a:solidFill>
+                  <a:srgbClr val="222222"/>
+                </a:solidFill>
+                <a:latin typeface="open sans"/>
+              </a:rPr>
+              <a:t> </a:t>
+            </a:r>
+            <a:r>
+              <a:rPr lang="en-US" sz="2800" b="0" strike="noStrike" spc="-1" dirty="0" err="1">
+                <a:solidFill>
+                  <a:srgbClr val="222222"/>
+                </a:solidFill>
+                <a:latin typeface="open sans"/>
+              </a:rPr>
+              <a:t>động</a:t>
+            </a:r>
+            <a:endParaRPr lang="en-US" sz="2800" b="0" strike="noStrike" spc="-1" dirty="0">
               <a:solidFill>
                 <a:srgbClr val="000000"/>
               </a:solidFill>
@@ -4858,15 +9956,51 @@
               <a:buChar char="•"/>
             </a:pPr>
             <a:r>
-              <a:rPr b="0" lang="en-US" sz="2800" spc="-1" strike="noStrike">
+              <a:rPr lang="en-US" sz="2800" b="0" strike="noStrike" spc="-1" dirty="0" err="1">
                 <a:solidFill>
                   <a:srgbClr val="222222"/>
                 </a:solidFill>
                 <a:latin typeface="open sans"/>
               </a:rPr>
-              <a:t>Tự phục hồi</a:t>
-            </a:r>
-            <a:endParaRPr b="0" lang="en-US" sz="2800" spc="-1" strike="noStrike">
+              <a:t>Tự</a:t>
+            </a:r>
+            <a:r>
+              <a:rPr lang="en-US" sz="2800" b="0" strike="noStrike" spc="-1" dirty="0">
+                <a:solidFill>
+                  <a:srgbClr val="222222"/>
+                </a:solidFill>
+                <a:latin typeface="open sans"/>
+              </a:rPr>
+              <a:t> </a:t>
+            </a:r>
+            <a:r>
+              <a:rPr lang="en-US" sz="2800" b="0" strike="noStrike" spc="-1" dirty="0" err="1">
+                <a:solidFill>
+                  <a:srgbClr val="222222"/>
+                </a:solidFill>
+                <a:latin typeface="open sans"/>
+              </a:rPr>
+              <a:t>phục</a:t>
+            </a:r>
+            <a:r>
+              <a:rPr lang="en-US" sz="2800" b="0" strike="noStrike" spc="-1" dirty="0">
+                <a:solidFill>
+                  <a:srgbClr val="222222"/>
+                </a:solidFill>
+                <a:latin typeface="open sans"/>
+              </a:rPr>
+              <a:t> </a:t>
+            </a:r>
+            <a:r>
+              <a:rPr lang="en-US" sz="2800" b="0" strike="noStrike" spc="-1" dirty="0" err="1">
+                <a:solidFill>
+                  <a:srgbClr val="222222"/>
+                </a:solidFill>
+                <a:latin typeface="open sans"/>
+              </a:rPr>
+              <a:t>hồi</a:t>
+            </a:r>
+            <a:endParaRPr lang="en-US" sz="2800" b="0" strike="noStrike" spc="-1" dirty="0">
               <a:solidFill>
                 <a:srgbClr val="000000"/>
               </a:solidFill>
@@ -4888,15 +10022,78 @@
               <a:buChar char="•"/>
             </a:pPr>
             <a:r>
-              <a:rPr b="0" lang="en-US" sz="2800" spc="-1" strike="noStrike">
+              <a:rPr lang="en-US" sz="2800" b="0" strike="noStrike" spc="-1" dirty="0">
                 <a:solidFill>
                   <a:srgbClr val="222222"/>
                 </a:solidFill>
                 <a:latin typeface="open sans"/>
               </a:rPr>
-              <a:t>Service discovery và cân bằng tải</a:t>
-            </a:r>
-            <a:endParaRPr b="0" lang="en-US" sz="2800" spc="-1" strike="noStrike">
+              <a:t>Service discovery </a:t>
+            </a:r>
+            <a:r>
+              <a:rPr lang="en-US" sz="2800" b="0" strike="noStrike" spc="-1" dirty="0" err="1">
+                <a:solidFill>
+                  <a:srgbClr val="222222"/>
+                </a:solidFill>
+                <a:latin typeface="open sans"/>
+              </a:rPr>
+              <a:t>và</a:t>
+            </a:r>
+            <a:r>
+              <a:rPr lang="en-US" sz="2800" b="0" strike="noStrike" spc="-1" dirty="0">
+                <a:solidFill>
+                  <a:srgbClr val="222222"/>
+                </a:solidFill>
+                <a:latin typeface="open sans"/>
+              </a:rPr>
+              <a:t> </a:t>
+            </a:r>
+            <a:r>
+              <a:rPr lang="en-US" sz="2800" b="0" strike="noStrike" spc="-1" dirty="0" err="1">
+                <a:solidFill>
+                  <a:srgbClr val="222222"/>
+                </a:solidFill>
+                <a:latin typeface="open sans"/>
+              </a:rPr>
+              <a:t>cân</a:t>
+            </a:r>
+            <a:r>
+              <a:rPr lang="en-US" sz="2800" b="0" strike="noStrike" spc="-1" dirty="0">
+                <a:solidFill>
+                  <a:srgbClr val="222222"/>
+                </a:solidFill>
+                <a:latin typeface="open sans"/>
+              </a:rPr>
+              <a:t> </a:t>
+            </a:r>
+            <a:r>
+              <a:rPr lang="en-US" sz="2800" b="0" strike="noStrike" spc="-1" dirty="0" err="1">
+                <a:solidFill>
+                  <a:srgbClr val="222222"/>
+                </a:solidFill>
+                <a:latin typeface="open sans"/>
+              </a:rPr>
+              <a:t>bằng</a:t>
+            </a:r>
+            <a:r>
+              <a:rPr lang="en-US" sz="2800" b="0" strike="noStrike" spc="-1" dirty="0">
+                <a:solidFill>
+                  <a:srgbClr val="222222"/>
+                </a:solidFill>
+                <a:latin typeface="open sans"/>
+              </a:rPr>
+              <a:t> </a:t>
+            </a:r>
+            <a:r>
+              <a:rPr lang="en-US" sz="2800" b="0" strike="noStrike" spc="-1" dirty="0" err="1">
+                <a:solidFill>
+                  <a:srgbClr val="222222"/>
+                </a:solidFill>
+                <a:latin typeface="open sans"/>
+              </a:rPr>
+              <a:t>tải</a:t>
+            </a:r>
+            <a:endParaRPr lang="en-US" sz="2800" b="0" strike="noStrike" spc="-1" dirty="0">
               <a:solidFill>
                 <a:srgbClr val="000000"/>
               </a:solidFill>
@@ -4918,15 +10115,231 @@
               <a:buChar char="•"/>
             </a:pPr>
             <a:r>
-              <a:rPr b="0" lang="en-US" sz="2800" spc="-1" strike="noStrike">
+              <a:rPr lang="en-US" sz="2800" b="0" strike="noStrike" spc="-1" dirty="0" err="1">
                 <a:solidFill>
                   <a:srgbClr val="222222"/>
                 </a:solidFill>
                 <a:latin typeface="open sans"/>
               </a:rPr>
-              <a:t>Đảm nhiệm việc nhân rộng và chuyển đổi dự phòng cho ứng dụng</a:t>
-            </a:r>
-            <a:endParaRPr b="0" lang="en-US" sz="2800" spc="-1" strike="noStrike">
+              <a:t>Đảm</a:t>
+            </a:r>
+            <a:r>
+              <a:rPr lang="en-US" sz="2800" b="0" strike="noStrike" spc="-1" dirty="0">
+                <a:solidFill>
+                  <a:srgbClr val="222222"/>
+                </a:solidFill>
+                <a:latin typeface="open sans"/>
+              </a:rPr>
+              <a:t> </a:t>
+            </a:r>
+            <a:r>
+              <a:rPr lang="en-US" sz="2800" b="0" strike="noStrike" spc="-1" dirty="0" err="1">
+                <a:solidFill>
+                  <a:srgbClr val="222222"/>
+                </a:solidFill>
+                <a:latin typeface="open sans"/>
+              </a:rPr>
+              <a:t>nhiệm</a:t>
+            </a:r>
+            <a:r>
+              <a:rPr lang="en-US" sz="2800" b="0" strike="noStrike" spc="-1" dirty="0">
+                <a:solidFill>
+                  <a:srgbClr val="222222"/>
+                </a:solidFill>
+                <a:latin typeface="open sans"/>
+              </a:rPr>
+              <a:t> </a:t>
+            </a:r>
+            <a:r>
+              <a:rPr lang="en-US" sz="2800" b="0" strike="noStrike" spc="-1" dirty="0" err="1">
+                <a:solidFill>
+                  <a:srgbClr val="222222"/>
+                </a:solidFill>
+                <a:latin typeface="open sans"/>
+              </a:rPr>
+              <a:t>việc</a:t>
+            </a:r>
+            <a:r>
+              <a:rPr lang="en-US" sz="2800" b="0" strike="noStrike" spc="-1" dirty="0">
+                <a:solidFill>
+                  <a:srgbClr val="222222"/>
+                </a:solidFill>
+                <a:latin typeface="open sans"/>
+              </a:rPr>
+              <a:t> </a:t>
+            </a:r>
+            <a:r>
+              <a:rPr lang="en-US" sz="2800" b="0" strike="noStrike" spc="-1" dirty="0" err="1">
+                <a:solidFill>
+                  <a:srgbClr val="222222"/>
+                </a:solidFill>
+                <a:latin typeface="open sans"/>
+              </a:rPr>
+              <a:t>nhân</a:t>
+            </a:r>
+            <a:r>
+              <a:rPr lang="en-US" sz="2800" b="0" strike="noStrike" spc="-1" dirty="0">
+                <a:solidFill>
+                  <a:srgbClr val="222222"/>
+                </a:solidFill>
+                <a:latin typeface="open sans"/>
+              </a:rPr>
+              <a:t> </a:t>
+            </a:r>
+            <a:r>
+              <a:rPr lang="en-US" sz="2800" b="0" strike="noStrike" spc="-1" dirty="0" err="1">
+                <a:solidFill>
+                  <a:srgbClr val="222222"/>
+                </a:solidFill>
+                <a:latin typeface="open sans"/>
+              </a:rPr>
+              <a:t>rộng</a:t>
+            </a:r>
+            <a:r>
+              <a:rPr lang="en-US" sz="2800" b="0" strike="noStrike" spc="-1" dirty="0">
+                <a:solidFill>
+                  <a:srgbClr val="222222"/>
+                </a:solidFill>
+                <a:latin typeface="open sans"/>
+              </a:rPr>
+              <a:t> </a:t>
+            </a:r>
+            <a:r>
+              <a:rPr lang="en-US" sz="2800" b="0" strike="noStrike" spc="-1" dirty="0" err="1">
+                <a:solidFill>
+                  <a:srgbClr val="222222"/>
+                </a:solidFill>
+                <a:latin typeface="open sans"/>
+              </a:rPr>
+              <a:t>và</a:t>
+            </a:r>
+            <a:r>
+              <a:rPr lang="en-US" sz="2800" b="0" strike="noStrike" spc="-1" dirty="0">
+                <a:solidFill>
+                  <a:srgbClr val="222222"/>
+                </a:solidFill>
+                <a:latin typeface="open sans"/>
+              </a:rPr>
+              <a:t> </a:t>
+            </a:r>
+            <a:r>
+              <a:rPr lang="en-US" sz="2800" b="0" strike="noStrike" spc="-1" dirty="0" err="1">
+                <a:solidFill>
+                  <a:srgbClr val="222222"/>
+                </a:solidFill>
+                <a:latin typeface="open sans"/>
+              </a:rPr>
+              <a:t>chuyển</a:t>
+            </a:r>
+            <a:r>
+              <a:rPr lang="en-US" sz="2800" b="0" strike="noStrike" spc="-1" dirty="0">
+                <a:solidFill>
+                  <a:srgbClr val="222222"/>
+                </a:solidFill>
+                <a:latin typeface="open sans"/>
+              </a:rPr>
+              <a:t> </a:t>
+            </a:r>
+            <a:r>
+              <a:rPr lang="en-US" sz="2800" b="0" strike="noStrike" spc="-1" dirty="0" err="1">
+                <a:solidFill>
+                  <a:srgbClr val="222222"/>
+                </a:solidFill>
+                <a:latin typeface="open sans"/>
+              </a:rPr>
+              <a:t>đổi</a:t>
+            </a:r>
+            <a:r>
+              <a:rPr lang="en-US" sz="2800" b="0" strike="noStrike" spc="-1" dirty="0">
+                <a:solidFill>
+                  <a:srgbClr val="222222"/>
+                </a:solidFill>
+                <a:latin typeface="open sans"/>
+              </a:rPr>
+              <a:t> </a:t>
+            </a:r>
+            <a:r>
+              <a:rPr lang="en-US" sz="2800" b="0" strike="noStrike" spc="-1" dirty="0" err="1">
+                <a:solidFill>
+                  <a:srgbClr val="222222"/>
+                </a:solidFill>
+                <a:latin typeface="open sans"/>
+              </a:rPr>
+              <a:t>dự</a:t>
+            </a:r>
+            <a:r>
+              <a:rPr lang="en-US" sz="2800" b="0" strike="noStrike" spc="-1" dirty="0">
+                <a:solidFill>
+                  <a:srgbClr val="222222"/>
+                </a:solidFill>
+                <a:latin typeface="open sans"/>
+              </a:rPr>
+              <a:t> </a:t>
+            </a:r>
+            <a:r>
+              <a:rPr lang="en-US" sz="2800" b="0" strike="noStrike" spc="-1" dirty="0" err="1">
+                <a:solidFill>
+                  <a:srgbClr val="222222"/>
+                </a:solidFill>
+                <a:latin typeface="open sans"/>
+              </a:rPr>
+              <a:t>phòng</a:t>
+            </a:r>
+            <a:r>
+              <a:rPr lang="en-US" sz="2800" b="0" strike="noStrike" spc="-1" dirty="0">
+                <a:solidFill>
+                  <a:srgbClr val="222222"/>
+                </a:solidFill>
+                <a:latin typeface="open sans"/>
+              </a:rPr>
+              <a:t> </a:t>
+            </a:r>
+            <a:r>
+              <a:rPr lang="en-US" sz="2800" b="0" strike="noStrike" spc="-1" dirty="0" err="1">
+                <a:solidFill>
+                  <a:srgbClr val="222222"/>
+                </a:solidFill>
+                <a:latin typeface="open sans"/>
+              </a:rPr>
+              <a:t>cho</a:t>
+            </a:r>
+            <a:r>
+              <a:rPr lang="en-US" sz="2800" b="0" strike="noStrike" spc="-1" dirty="0">
+                <a:solidFill>
+                  <a:srgbClr val="222222"/>
+                </a:solidFill>
+                <a:latin typeface="open sans"/>
+              </a:rPr>
+              <a:t> </a:t>
+            </a:r>
+            <a:r>
+              <a:rPr lang="en-US" sz="2800" b="0" strike="noStrike" spc="-1" dirty="0" err="1">
+                <a:solidFill>
+                  <a:srgbClr val="222222"/>
+                </a:solidFill>
+                <a:latin typeface="open sans"/>
+              </a:rPr>
+              <a:t>ứng</a:t>
+            </a:r>
+            <a:r>
+              <a:rPr lang="en-US" sz="2800" b="0" strike="noStrike" spc="-1" dirty="0">
+                <a:solidFill>
+                  <a:srgbClr val="222222"/>
+                </a:solidFill>
+                <a:latin typeface="open sans"/>
+              </a:rPr>
+              <a:t> </a:t>
+            </a:r>
+            <a:r>
+              <a:rPr lang="en-US" sz="2800" b="0" strike="noStrike" spc="-1" dirty="0" err="1">
+                <a:solidFill>
+                  <a:srgbClr val="222222"/>
+                </a:solidFill>
+                <a:latin typeface="open sans"/>
+              </a:rPr>
+              <a:t>dụng</a:t>
+            </a:r>
+            <a:endParaRPr lang="en-US" sz="2800" b="0" strike="noStrike" spc="-1" dirty="0">
               <a:solidFill>
                 <a:srgbClr val="000000"/>
               </a:solidFill>
@@ -4937,22 +10350,25 @@
       </p:sp>
     </p:spTree>
   </p:cSld>
+  <p:clrMapOvr>
+    <a:masterClrMapping/>
+  </p:clrMapOvr>
   <p:timing>
     <p:tnLst>
       <p:par>
-        <p:cTn id="5" dur="indefinite" restart="never" nodeType="tmRoot">
+        <p:cTn id="1" dur="indefinite" restart="never" nodeType="tmRoot">
           <p:childTnLst>
             <p:seq>
-              <p:cTn id="6" dur="indefinite" nodeType="mainSeq"/>
+              <p:cTn id="2" dur="indefinite" nodeType="mainSeq"/>
               <p:prevCondLst>
-                <p:cond delay="0" evt="onPrev">
+                <p:cond evt="onPrev" delay="0">
                   <p:tgtEl>
                     <p:sldTgt/>
                   </p:tgtEl>
                 </p:cond>
               </p:prevCondLst>
               <p:nextCondLst>
-                <p:cond delay="0" evt="onNext">
+                <p:cond evt="onNext" delay="0">
                   <p:tgtEl>
                     <p:sldTgt/>
                   </p:tgtEl>
@@ -4967,8 +10383,8 @@
 </p:sld>
 </file>
 
-<file path=ppt/slides/slide4.xml><?xml version="1.0" encoding="utf-8"?>
-<p:sld xmlns:a="http://schemas.openxmlformats.org/drawingml/2006/main" xmlns:p="http://schemas.openxmlformats.org/presentationml/2006/main" xmlns:r="http://schemas.openxmlformats.org/officeDocument/2006/relationships" xmlns:p14="http://schemas.microsoft.com/office/powerpoint/2010/main" xmlns:p15="http://schemas.microsoft.com/office/powerpoint/2012/main" xmlns:mc="http://schemas.openxmlformats.org/markup-compatibility/2006">
+<file path=ppt/slides/slide8.xml><?xml version="1.0" encoding="utf-8"?>
+<p:sld xmlns:a="http://schemas.openxmlformats.org/drawingml/2006/main" xmlns:r="http://schemas.openxmlformats.org/officeDocument/2006/relationships" xmlns:p="http://schemas.openxmlformats.org/presentationml/2006/main">
   <p:cSld>
     <p:spTree>
       <p:nvGrpSpPr>
@@ -5005,6 +10421,7 @@
         </p:spPr>
         <p:txBody>
           <a:bodyPr anchor="ctr"/>
+          <a:lstStyle/>
           <a:p>
             <a:pPr>
               <a:lnSpc>
@@ -5012,7 +10429,7 @@
               </a:lnSpc>
             </a:pPr>
             <a:r>
-              <a:rPr b="0" lang="en-US" sz="4400" spc="-1" strike="noStrike">
+              <a:rPr lang="en-US" sz="4400" b="0" strike="noStrike" spc="-1">
                 <a:solidFill>
                   <a:srgbClr val="000000"/>
                 </a:solidFill>
@@ -5021,7 +10438,7 @@
               <a:t>III. </a:t>
             </a:r>
             <a:r>
-              <a:rPr b="0" lang="en-US" sz="4400" spc="-1" strike="noStrike">
+              <a:rPr lang="en-US" sz="4400" b="0" strike="noStrike" spc="-1">
                 <a:solidFill>
                   <a:srgbClr val="000000"/>
                 </a:solidFill>
@@ -5029,7 +10446,7 @@
               </a:rPr>
               <a:t>Thành phần</a:t>
             </a:r>
-            <a:endParaRPr b="0" lang="en-US" sz="4400" spc="-1" strike="noStrike">
+            <a:endParaRPr lang="en-US" sz="4400" b="0" strike="noStrike" spc="-1">
               <a:solidFill>
                 <a:srgbClr val="000000"/>
               </a:solidFill>
@@ -5040,12 +10457,12 @@
       </p:sp>
       <p:pic>
         <p:nvPicPr>
-          <p:cNvPr id="89" name="Picture 5" descr=""/>
+          <p:cNvPr id="89" name="Picture 5"/>
           <p:cNvPicPr/>
           <p:nvPr/>
         </p:nvPicPr>
         <p:blipFill>
-          <a:blip r:embed="rId1"/>
+          <a:blip r:embed="rId2"/>
           <a:stretch/>
         </p:blipFill>
         <p:spPr>
@@ -5063,22 +10480,25 @@
       </p:pic>
     </p:spTree>
   </p:cSld>
+  <p:clrMapOvr>
+    <a:masterClrMapping/>
+  </p:clrMapOvr>
   <p:timing>
     <p:tnLst>
       <p:par>
-        <p:cTn id="7" dur="indefinite" restart="never" nodeType="tmRoot">
+        <p:cTn id="1" dur="indefinite" restart="never" nodeType="tmRoot">
           <p:childTnLst>
             <p:seq>
-              <p:cTn id="8" dur="indefinite" nodeType="mainSeq"/>
+              <p:cTn id="2" dur="indefinite" nodeType="mainSeq"/>
               <p:prevCondLst>
-                <p:cond delay="0" evt="onPrev">
+                <p:cond evt="onPrev" delay="0">
                   <p:tgtEl>
                     <p:sldTgt/>
                   </p:tgtEl>
                 </p:cond>
               </p:prevCondLst>
               <p:nextCondLst>
-                <p:cond delay="0" evt="onNext">
+                <p:cond evt="onNext" delay="0">
                   <p:tgtEl>
                     <p:sldTgt/>
                   </p:tgtEl>
@@ -5093,8 +10513,8 @@
 </p:sld>
 </file>
 
-<file path=ppt/slides/slide5.xml><?xml version="1.0" encoding="utf-8"?>
-<p:sld xmlns:a="http://schemas.openxmlformats.org/drawingml/2006/main" xmlns:p="http://schemas.openxmlformats.org/presentationml/2006/main" xmlns:r="http://schemas.openxmlformats.org/officeDocument/2006/relationships" xmlns:p14="http://schemas.microsoft.com/office/powerpoint/2010/main" xmlns:p15="http://schemas.microsoft.com/office/powerpoint/2012/main" xmlns:mc="http://schemas.openxmlformats.org/markup-compatibility/2006">
+<file path=ppt/slides/slide9.xml><?xml version="1.0" encoding="utf-8"?>
+<p:sld xmlns:a="http://schemas.openxmlformats.org/drawingml/2006/main" xmlns:r="http://schemas.openxmlformats.org/officeDocument/2006/relationships" xmlns:p="http://schemas.openxmlformats.org/presentationml/2006/main">
   <p:cSld>
     <p:spTree>
       <p:nvGrpSpPr>
@@ -5131,6 +10551,7 @@
         </p:spPr>
         <p:txBody>
           <a:bodyPr anchor="ctr"/>
+          <a:lstStyle/>
           <a:p>
             <a:pPr>
               <a:lnSpc>
@@ -5138,7 +10559,7 @@
               </a:lnSpc>
             </a:pPr>
             <a:r>
-              <a:rPr b="0" lang="en-US" sz="4400" spc="-1" strike="noStrike">
+              <a:rPr lang="en-US" sz="4400" b="0" strike="noStrike" spc="-1">
                 <a:solidFill>
                   <a:srgbClr val="000000"/>
                 </a:solidFill>
@@ -5147,7 +10568,7 @@
               <a:t>III. </a:t>
             </a:r>
             <a:r>
-              <a:rPr b="0" lang="en-US" sz="4400" spc="-1" strike="noStrike">
+              <a:rPr lang="en-US" sz="4400" b="0" strike="noStrike" spc="-1">
                 <a:solidFill>
                   <a:srgbClr val="000000"/>
                 </a:solidFill>
@@ -5155,7 +10576,7 @@
               </a:rPr>
               <a:t>Thành phần</a:t>
             </a:r>
-            <a:endParaRPr b="0" lang="en-US" sz="4400" spc="-1" strike="noStrike">
+            <a:endParaRPr lang="en-US" sz="4400" b="0" strike="noStrike" spc="-1">
               <a:solidFill>
                 <a:srgbClr val="000000"/>
               </a:solidFill>
@@ -5166,12 +10587,12 @@
       </p:sp>
       <p:pic>
         <p:nvPicPr>
-          <p:cNvPr id="91" name="" descr=""/>
+          <p:cNvPr id="91" name="Picture 90"/>
           <p:cNvPicPr/>
           <p:nvPr/>
         </p:nvPicPr>
         <p:blipFill>
-          <a:blip r:embed="rId1"/>
+          <a:blip r:embed="rId2"/>
           <a:stretch/>
         </p:blipFill>
         <p:spPr>
@@ -5207,1005 +10628,39 @@
           </a:ln>
         </p:spPr>
         <p:txBody>
-          <a:bodyPr lIns="90000" rIns="90000" tIns="45000" bIns="45000"/>
-          <a:p>
-            <a:r>
-              <a:rPr b="0" lang="en-US" sz="2400" spc="-1" strike="noStrike">
+          <a:bodyPr lIns="90000" tIns="45000" rIns="90000" bIns="45000"/>
+          <a:lstStyle/>
+          <a:p>
+            <a:r>
+              <a:rPr lang="en-US" sz="2400" b="0" strike="noStrike" spc="-1">
                 <a:latin typeface="Arial"/>
               </a:rPr>
               <a:t>Các đối tượng thành phần trong kubernetes được mô tả bởi file .yaml</a:t>
             </a:r>
-            <a:endParaRPr b="0" lang="en-US" sz="2400" spc="-1" strike="noStrike">
-              <a:latin typeface="Arial"/>
-            </a:endParaRPr>
           </a:p>
         </p:txBody>
       </p:sp>
     </p:spTree>
   </p:cSld>
+  <p:clrMapOvr>
+    <a:masterClrMapping/>
+  </p:clrMapOvr>
   <p:timing>
     <p:tnLst>
       <p:par>
-        <p:cTn id="9" dur="indefinite" restart="never" nodeType="tmRoot">
+        <p:cTn id="1" dur="indefinite" restart="never" nodeType="tmRoot">
           <p:childTnLst>
             <p:seq>
-              <p:cTn id="10" dur="indefinite" nodeType="mainSeq"/>
+              <p:cTn id="2" dur="indefinite" nodeType="mainSeq"/>
               <p:prevCondLst>
-                <p:cond delay="0" evt="onPrev">
+                <p:cond evt="onPrev" delay="0">
                   <p:tgtEl>
                     <p:sldTgt/>
                   </p:tgtEl>
                 </p:cond>
               </p:prevCondLst>
               <p:nextCondLst>
-                <p:cond delay="0" evt="onNext">
-                  <p:tgtEl>
-                    <p:sldTgt/>
-                  </p:tgtEl>
-                </p:cond>
-              </p:nextCondLst>
-            </p:seq>
-          </p:childTnLst>
-        </p:cTn>
-      </p:par>
-    </p:tnLst>
-  </p:timing>
-</p:sld>
-</file>
-
-<file path=ppt/slides/slide6.xml><?xml version="1.0" encoding="utf-8"?>
-<p:sld xmlns:a="http://schemas.openxmlformats.org/drawingml/2006/main" xmlns:p="http://schemas.openxmlformats.org/presentationml/2006/main" xmlns:r="http://schemas.openxmlformats.org/officeDocument/2006/relationships" xmlns:p14="http://schemas.microsoft.com/office/powerpoint/2010/main" xmlns:p15="http://schemas.microsoft.com/office/powerpoint/2012/main" xmlns:mc="http://schemas.openxmlformats.org/markup-compatibility/2006">
-  <p:cSld>
-    <p:spTree>
-      <p:nvGrpSpPr>
-        <p:cNvPr id="1" name=""/>
-        <p:cNvGrpSpPr/>
-        <p:nvPr/>
-      </p:nvGrpSpPr>
-      <p:grpSpPr>
-        <a:xfrm>
-          <a:off x="0" y="0"/>
-          <a:ext cx="0" cy="0"/>
-          <a:chOff x="0" y="0"/>
-          <a:chExt cx="0" cy="0"/>
-        </a:xfrm>
-      </p:grpSpPr>
-      <p:sp>
-        <p:nvSpPr>
-          <p:cNvPr id="93" name="TextShape 1"/>
-          <p:cNvSpPr txBox="1"/>
-          <p:nvPr/>
-        </p:nvSpPr>
-        <p:spPr>
-          <a:xfrm>
-            <a:off x="838080" y="365040"/>
-            <a:ext cx="10515240" cy="1325160"/>
-          </a:xfrm>
-          <a:prstGeom prst="rect">
-            <a:avLst/>
-          </a:prstGeom>
-          <a:noFill/>
-          <a:ln>
-            <a:noFill/>
-          </a:ln>
-        </p:spPr>
-        <p:txBody>
-          <a:bodyPr anchor="ctr"/>
-          <a:p>
-            <a:pPr>
-              <a:lnSpc>
-                <a:spcPct val="90000"/>
-              </a:lnSpc>
-            </a:pPr>
-            <a:r>
-              <a:rPr b="0" lang="en-US" sz="4400" spc="-1" strike="noStrike">
-                <a:solidFill>
-                  <a:srgbClr val="000000"/>
-                </a:solidFill>
-                <a:latin typeface="Calibri Light"/>
-              </a:rPr>
-              <a:t>3.1. POD</a:t>
-            </a:r>
-            <a:endParaRPr b="0" lang="en-US" sz="4400" spc="-1" strike="noStrike">
-              <a:solidFill>
-                <a:srgbClr val="000000"/>
-              </a:solidFill>
-              <a:latin typeface="Calibri"/>
-            </a:endParaRPr>
-          </a:p>
-        </p:txBody>
-      </p:sp>
-      <p:sp>
-        <p:nvSpPr>
-          <p:cNvPr id="94" name="TextShape 2"/>
-          <p:cNvSpPr txBox="1"/>
-          <p:nvPr/>
-        </p:nvSpPr>
-        <p:spPr>
-          <a:xfrm>
-            <a:off x="838080" y="1825560"/>
-            <a:ext cx="10515240" cy="4350960"/>
-          </a:xfrm>
-          <a:prstGeom prst="rect">
-            <a:avLst/>
-          </a:prstGeom>
-          <a:noFill/>
-          <a:ln>
-            <a:noFill/>
-          </a:ln>
-        </p:spPr>
-        <p:txBody>
-          <a:bodyPr/>
-          <a:p>
-            <a:endParaRPr b="0" lang="en-US" sz="2800" spc="-1" strike="noStrike">
-              <a:solidFill>
-                <a:srgbClr val="000000"/>
-              </a:solidFill>
-              <a:latin typeface="Calibri"/>
-            </a:endParaRPr>
-          </a:p>
-        </p:txBody>
-      </p:sp>
-      <p:pic>
-        <p:nvPicPr>
-          <p:cNvPr id="95" name="Picture 5" descr=""/>
-          <p:cNvPicPr/>
-          <p:nvPr/>
-        </p:nvPicPr>
-        <p:blipFill>
-          <a:blip r:embed="rId1"/>
-          <a:stretch/>
-        </p:blipFill>
-        <p:spPr>
-          <a:xfrm>
-            <a:off x="838080" y="1825560"/>
-            <a:ext cx="9542520" cy="3338280"/>
-          </a:xfrm>
-          <a:prstGeom prst="rect">
-            <a:avLst/>
-          </a:prstGeom>
-          <a:ln>
-            <a:noFill/>
-          </a:ln>
-        </p:spPr>
-      </p:pic>
-    </p:spTree>
-  </p:cSld>
-  <p:timing>
-    <p:tnLst>
-      <p:par>
-        <p:cTn id="11" dur="indefinite" restart="never" nodeType="tmRoot">
-          <p:childTnLst>
-            <p:seq>
-              <p:cTn id="12" dur="indefinite" nodeType="mainSeq"/>
-              <p:prevCondLst>
-                <p:cond delay="0" evt="onPrev">
-                  <p:tgtEl>
-                    <p:sldTgt/>
-                  </p:tgtEl>
-                </p:cond>
-              </p:prevCondLst>
-              <p:nextCondLst>
-                <p:cond delay="0" evt="onNext">
-                  <p:tgtEl>
-                    <p:sldTgt/>
-                  </p:tgtEl>
-                </p:cond>
-              </p:nextCondLst>
-            </p:seq>
-          </p:childTnLst>
-        </p:cTn>
-      </p:par>
-    </p:tnLst>
-  </p:timing>
-</p:sld>
-</file>
-
-<file path=ppt/slides/slide7.xml><?xml version="1.0" encoding="utf-8"?>
-<p:sld xmlns:a="http://schemas.openxmlformats.org/drawingml/2006/main" xmlns:p="http://schemas.openxmlformats.org/presentationml/2006/main" xmlns:r="http://schemas.openxmlformats.org/officeDocument/2006/relationships" xmlns:p14="http://schemas.microsoft.com/office/powerpoint/2010/main" xmlns:p15="http://schemas.microsoft.com/office/powerpoint/2012/main" xmlns:mc="http://schemas.openxmlformats.org/markup-compatibility/2006">
-  <p:cSld>
-    <p:spTree>
-      <p:nvGrpSpPr>
-        <p:cNvPr id="1" name=""/>
-        <p:cNvGrpSpPr/>
-        <p:nvPr/>
-      </p:nvGrpSpPr>
-      <p:grpSpPr>
-        <a:xfrm>
-          <a:off x="0" y="0"/>
-          <a:ext cx="0" cy="0"/>
-          <a:chOff x="0" y="0"/>
-          <a:chExt cx="0" cy="0"/>
-        </a:xfrm>
-      </p:grpSpPr>
-      <p:sp>
-        <p:nvSpPr>
-          <p:cNvPr id="96" name="TextShape 1"/>
-          <p:cNvSpPr txBox="1"/>
-          <p:nvPr/>
-        </p:nvSpPr>
-        <p:spPr>
-          <a:xfrm>
-            <a:off x="838080" y="365040"/>
-            <a:ext cx="10515240" cy="1325160"/>
-          </a:xfrm>
-          <a:prstGeom prst="rect">
-            <a:avLst/>
-          </a:prstGeom>
-          <a:noFill/>
-          <a:ln>
-            <a:noFill/>
-          </a:ln>
-        </p:spPr>
-        <p:txBody>
-          <a:bodyPr anchor="ctr"/>
-          <a:p>
-            <a:pPr>
-              <a:lnSpc>
-                <a:spcPct val="90000"/>
-              </a:lnSpc>
-            </a:pPr>
-            <a:r>
-              <a:rPr b="0" lang="en-US" sz="4400" spc="-1" strike="noStrike">
-                <a:solidFill>
-                  <a:srgbClr val="000000"/>
-                </a:solidFill>
-                <a:latin typeface="Calibri Light"/>
-              </a:rPr>
-              <a:t>3.1. POD</a:t>
-            </a:r>
-            <a:endParaRPr b="0" lang="en-US" sz="4400" spc="-1" strike="noStrike">
-              <a:solidFill>
-                <a:srgbClr val="000000"/>
-              </a:solidFill>
-              <a:latin typeface="Calibri"/>
-            </a:endParaRPr>
-          </a:p>
-        </p:txBody>
-      </p:sp>
-      <p:sp>
-        <p:nvSpPr>
-          <p:cNvPr id="97" name="TextShape 2"/>
-          <p:cNvSpPr txBox="1"/>
-          <p:nvPr/>
-        </p:nvSpPr>
-        <p:spPr>
-          <a:xfrm>
-            <a:off x="838080" y="1825560"/>
-            <a:ext cx="10515240" cy="4350960"/>
-          </a:xfrm>
-          <a:prstGeom prst="rect">
-            <a:avLst/>
-          </a:prstGeom>
-          <a:noFill/>
-          <a:ln>
-            <a:noFill/>
-          </a:ln>
-        </p:spPr>
-        <p:txBody>
-          <a:bodyPr/>
-          <a:p>
-            <a:pPr marL="432000" indent="-324000">
-              <a:spcBef>
-                <a:spcPts val="1417"/>
-              </a:spcBef>
-              <a:buClr>
-                <a:srgbClr val="000000"/>
-              </a:buClr>
-              <a:buSzPct val="45000"/>
-              <a:buFont typeface="Wingdings" charset="2"/>
-              <a:buChar char=""/>
-            </a:pPr>
-            <a:r>
-              <a:rPr b="0" lang="en-US" sz="2800" spc="-1" strike="noStrike">
-                <a:solidFill>
-                  <a:srgbClr val="000000"/>
-                </a:solidFill>
-                <a:latin typeface="Calibri"/>
-              </a:rPr>
-              <a:t>Đối tượng nhỏ nhất và đơn giản nhất của Kubernetes.</a:t>
-            </a:r>
-            <a:endParaRPr b="0" lang="en-US" sz="2800" spc="-1" strike="noStrike">
-              <a:solidFill>
-                <a:srgbClr val="000000"/>
-              </a:solidFill>
-              <a:latin typeface="Calibri"/>
-            </a:endParaRPr>
-          </a:p>
-          <a:p>
-            <a:pPr marL="432000" indent="-324000">
-              <a:spcBef>
-                <a:spcPts val="1417"/>
-              </a:spcBef>
-              <a:buClr>
-                <a:srgbClr val="000000"/>
-              </a:buClr>
-              <a:buSzPct val="45000"/>
-              <a:buFont typeface="Wingdings" charset="2"/>
-              <a:buChar char=""/>
-            </a:pPr>
-            <a:r>
-              <a:rPr b="0" lang="en-US" sz="2800" spc="-1" strike="noStrike">
-                <a:solidFill>
-                  <a:srgbClr val="000000"/>
-                </a:solidFill>
-                <a:latin typeface="Calibri"/>
-              </a:rPr>
-              <a:t> </a:t>
-            </a:r>
-            <a:r>
-              <a:rPr b="0" lang="en-US" sz="2800" spc="-1" strike="noStrike">
-                <a:solidFill>
-                  <a:srgbClr val="000000"/>
-                </a:solidFill>
-                <a:latin typeface="Calibri"/>
-              </a:rPr>
-              <a:t>Một Pod đại diện cho một tập các containers đang chạy trên cluster.</a:t>
-            </a:r>
-            <a:endParaRPr b="0" lang="en-US" sz="2800" spc="-1" strike="noStrike">
-              <a:solidFill>
-                <a:srgbClr val="000000"/>
-              </a:solidFill>
-              <a:latin typeface="Calibri"/>
-            </a:endParaRPr>
-          </a:p>
-          <a:p>
-            <a:pPr marL="432000" indent="-324000">
-              <a:spcBef>
-                <a:spcPts val="1417"/>
-              </a:spcBef>
-              <a:buClr>
-                <a:srgbClr val="000000"/>
-              </a:buClr>
-              <a:buSzPct val="45000"/>
-              <a:buFont typeface="Wingdings" charset="2"/>
-              <a:buChar char=""/>
-            </a:pPr>
-            <a:r>
-              <a:rPr b="0" lang="en-US" sz="2800" spc="-1" strike="noStrike">
-                <a:solidFill>
-                  <a:srgbClr val="000000"/>
-                </a:solidFill>
-                <a:latin typeface="Calibri"/>
-              </a:rPr>
-              <a:t>Một Pod thường được set up để chạy với một container chính yếu. </a:t>
-            </a:r>
-            <a:endParaRPr b="0" lang="en-US" sz="2800" spc="-1" strike="noStrike">
-              <a:solidFill>
-                <a:srgbClr val="000000"/>
-              </a:solidFill>
-              <a:latin typeface="Calibri"/>
-            </a:endParaRPr>
-          </a:p>
-          <a:p>
-            <a:pPr marL="432000" indent="-324000">
-              <a:spcBef>
-                <a:spcPts val="1417"/>
-              </a:spcBef>
-              <a:buClr>
-                <a:srgbClr val="000000"/>
-              </a:buClr>
-              <a:buSzPct val="45000"/>
-              <a:buFont typeface="Wingdings" charset="2"/>
-              <a:buChar char=""/>
-            </a:pPr>
-            <a:r>
-              <a:rPr b="0" lang="en-US" sz="2800" spc="-1" strike="noStrike">
-                <a:solidFill>
-                  <a:srgbClr val="000000"/>
-                </a:solidFill>
-                <a:latin typeface="Calibri"/>
-              </a:rPr>
-              <a:t> </a:t>
-            </a:r>
-            <a:r>
-              <a:rPr b="0" lang="en-US" sz="2800" spc="-1" strike="noStrike">
-                <a:solidFill>
-                  <a:srgbClr val="000000"/>
-                </a:solidFill>
-                <a:latin typeface="Calibri"/>
-              </a:rPr>
-              <a:t>Các Pods thường được quản lý bởi một Deployment.</a:t>
-            </a:r>
-            <a:endParaRPr b="0" lang="en-US" sz="2800" spc="-1" strike="noStrike">
-              <a:solidFill>
-                <a:srgbClr val="000000"/>
-              </a:solidFill>
-              <a:latin typeface="Calibri"/>
-            </a:endParaRPr>
-          </a:p>
-          <a:p>
-            <a:pPr marL="432000" indent="-324000">
-              <a:spcBef>
-                <a:spcPts val="1417"/>
-              </a:spcBef>
-              <a:buClr>
-                <a:srgbClr val="000000"/>
-              </a:buClr>
-              <a:buSzPct val="45000"/>
-              <a:buFont typeface="Wingdings" charset="2"/>
-              <a:buChar char=""/>
-            </a:pPr>
-            <a:endParaRPr b="0" lang="en-US" sz="2800" spc="-1" strike="noStrike">
-              <a:solidFill>
-                <a:srgbClr val="000000"/>
-              </a:solidFill>
-              <a:latin typeface="Calibri"/>
-            </a:endParaRPr>
-          </a:p>
-          <a:p>
-            <a:pPr marL="432000" indent="-324000">
-              <a:spcBef>
-                <a:spcPts val="1417"/>
-              </a:spcBef>
-              <a:buClr>
-                <a:srgbClr val="000000"/>
-              </a:buClr>
-              <a:buSzPct val="45000"/>
-              <a:buFont typeface="Wingdings" charset="2"/>
-              <a:buChar char=""/>
-            </a:pPr>
-            <a:endParaRPr b="0" lang="en-US" sz="2800" spc="-1" strike="noStrike">
-              <a:solidFill>
-                <a:srgbClr val="000000"/>
-              </a:solidFill>
-              <a:latin typeface="Calibri"/>
-            </a:endParaRPr>
-          </a:p>
-        </p:txBody>
-      </p:sp>
-    </p:spTree>
-  </p:cSld>
-  <p:timing>
-    <p:tnLst>
-      <p:par>
-        <p:cTn id="13" dur="indefinite" restart="never" nodeType="tmRoot">
-          <p:childTnLst>
-            <p:seq>
-              <p:cTn id="14" dur="indefinite" nodeType="mainSeq"/>
-              <p:prevCondLst>
-                <p:cond delay="0" evt="onPrev">
-                  <p:tgtEl>
-                    <p:sldTgt/>
-                  </p:tgtEl>
-                </p:cond>
-              </p:prevCondLst>
-              <p:nextCondLst>
-                <p:cond delay="0" evt="onNext">
-                  <p:tgtEl>
-                    <p:sldTgt/>
-                  </p:tgtEl>
-                </p:cond>
-              </p:nextCondLst>
-            </p:seq>
-          </p:childTnLst>
-        </p:cTn>
-      </p:par>
-    </p:tnLst>
-  </p:timing>
-</p:sld>
-</file>
-
-<file path=ppt/slides/slide8.xml><?xml version="1.0" encoding="utf-8"?>
-<p:sld xmlns:a="http://schemas.openxmlformats.org/drawingml/2006/main" xmlns:p="http://schemas.openxmlformats.org/presentationml/2006/main" xmlns:r="http://schemas.openxmlformats.org/officeDocument/2006/relationships" xmlns:p14="http://schemas.microsoft.com/office/powerpoint/2010/main" xmlns:p15="http://schemas.microsoft.com/office/powerpoint/2012/main" xmlns:mc="http://schemas.openxmlformats.org/markup-compatibility/2006">
-  <p:cSld>
-    <p:spTree>
-      <p:nvGrpSpPr>
-        <p:cNvPr id="1" name=""/>
-        <p:cNvGrpSpPr/>
-        <p:nvPr/>
-      </p:nvGrpSpPr>
-      <p:grpSpPr>
-        <a:xfrm>
-          <a:off x="0" y="0"/>
-          <a:ext cx="0" cy="0"/>
-          <a:chOff x="0" y="0"/>
-          <a:chExt cx="0" cy="0"/>
-        </a:xfrm>
-      </p:grpSpPr>
-      <p:sp>
-        <p:nvSpPr>
-          <p:cNvPr id="98" name="TextShape 1"/>
-          <p:cNvSpPr txBox="1"/>
-          <p:nvPr/>
-        </p:nvSpPr>
-        <p:spPr>
-          <a:xfrm>
-            <a:off x="838080" y="365040"/>
-            <a:ext cx="10515240" cy="1325160"/>
-          </a:xfrm>
-          <a:prstGeom prst="rect">
-            <a:avLst/>
-          </a:prstGeom>
-          <a:noFill/>
-          <a:ln>
-            <a:noFill/>
-          </a:ln>
-        </p:spPr>
-        <p:txBody>
-          <a:bodyPr anchor="ctr"/>
-          <a:p>
-            <a:pPr>
-              <a:lnSpc>
-                <a:spcPct val="90000"/>
-              </a:lnSpc>
-            </a:pPr>
-            <a:r>
-              <a:rPr b="0" lang="en-US" sz="4400" spc="-1" strike="noStrike">
-                <a:solidFill>
-                  <a:srgbClr val="000000"/>
-                </a:solidFill>
-                <a:latin typeface="Calibri Light"/>
-              </a:rPr>
-              <a:t>3.2. NODE</a:t>
-            </a:r>
-            <a:endParaRPr b="0" lang="en-US" sz="4400" spc="-1" strike="noStrike">
-              <a:solidFill>
-                <a:srgbClr val="000000"/>
-              </a:solidFill>
-              <a:latin typeface="Calibri"/>
-            </a:endParaRPr>
-          </a:p>
-        </p:txBody>
-      </p:sp>
-      <p:pic>
-        <p:nvPicPr>
-          <p:cNvPr id="99" name="Picture 4" descr=""/>
-          <p:cNvPicPr/>
-          <p:nvPr/>
-        </p:nvPicPr>
-        <p:blipFill>
-          <a:blip r:embed="rId1"/>
-          <a:stretch/>
-        </p:blipFill>
-        <p:spPr>
-          <a:xfrm>
-            <a:off x="5212080" y="1371600"/>
-            <a:ext cx="6799320" cy="4876920"/>
-          </a:xfrm>
-          <a:prstGeom prst="rect">
-            <a:avLst/>
-          </a:prstGeom>
-          <a:ln>
-            <a:noFill/>
-          </a:ln>
-        </p:spPr>
-      </p:pic>
-      <p:sp>
-        <p:nvSpPr>
-          <p:cNvPr id="100" name="TextShape 2"/>
-          <p:cNvSpPr txBox="1"/>
-          <p:nvPr/>
-        </p:nvSpPr>
-        <p:spPr>
-          <a:xfrm>
-            <a:off x="838800" y="1825560"/>
-            <a:ext cx="4647600" cy="4350960"/>
-          </a:xfrm>
-          <a:prstGeom prst="rect">
-            <a:avLst/>
-          </a:prstGeom>
-          <a:noFill/>
-          <a:ln>
-            <a:noFill/>
-          </a:ln>
-        </p:spPr>
-        <p:txBody>
-          <a:bodyPr/>
-          <a:p>
-            <a:pPr marL="432000" indent="-324000">
-              <a:spcBef>
-                <a:spcPts val="1417"/>
-              </a:spcBef>
-              <a:buClr>
-                <a:srgbClr val="000000"/>
-              </a:buClr>
-              <a:buSzPct val="45000"/>
-              <a:buFont typeface="Wingdings" charset="2"/>
-              <a:buChar char=""/>
-            </a:pPr>
-            <a:r>
-              <a:rPr b="0" lang="en-US" sz="2800" spc="-1" strike="noStrike">
-                <a:solidFill>
-                  <a:srgbClr val="000000"/>
-                </a:solidFill>
-                <a:latin typeface="Calibri"/>
-              </a:rPr>
-              <a:t>Một node là một máy worker trong Kubernetes</a:t>
-            </a:r>
-            <a:endParaRPr b="0" lang="en-US" sz="2800" spc="-1" strike="noStrike">
-              <a:solidFill>
-                <a:srgbClr val="000000"/>
-              </a:solidFill>
-              <a:latin typeface="Calibri"/>
-            </a:endParaRPr>
-          </a:p>
-          <a:p>
-            <a:pPr marL="432000" indent="-324000">
-              <a:spcBef>
-                <a:spcPts val="1417"/>
-              </a:spcBef>
-              <a:buClr>
-                <a:srgbClr val="000000"/>
-              </a:buClr>
-              <a:buSzPct val="45000"/>
-              <a:buFont typeface="Wingdings" charset="2"/>
-              <a:buChar char=""/>
-            </a:pPr>
-            <a:r>
-              <a:rPr b="0" lang="en-US" sz="2800" spc="-1" strike="noStrike">
-                <a:solidFill>
-                  <a:srgbClr val="000000"/>
-                </a:solidFill>
-                <a:latin typeface="Calibri"/>
-              </a:rPr>
-              <a:t>Một worker node có thể là một máy tính ảo hay máy tính vậy lý, tùy thuộc vào cluster. </a:t>
-            </a:r>
-            <a:endParaRPr b="0" lang="en-US" sz="2800" spc="-1" strike="noStrike">
-              <a:solidFill>
-                <a:srgbClr val="000000"/>
-              </a:solidFill>
-              <a:latin typeface="Calibri"/>
-            </a:endParaRPr>
-          </a:p>
-          <a:p>
-            <a:pPr marL="432000" indent="-324000">
-              <a:spcBef>
-                <a:spcPts val="1417"/>
-              </a:spcBef>
-              <a:buClr>
-                <a:srgbClr val="000000"/>
-              </a:buClr>
-              <a:buSzPct val="45000"/>
-              <a:buFont typeface="Wingdings" charset="2"/>
-              <a:buChar char=""/>
-            </a:pPr>
-            <a:r>
-              <a:rPr b="0" lang="en-US" sz="2800" spc="-1" strike="noStrike">
-                <a:solidFill>
-                  <a:srgbClr val="000000"/>
-                </a:solidFill>
-                <a:latin typeface="Calibri"/>
-              </a:rPr>
-              <a:t>Bao gồm một số daemons hoặc services cần thiết để chạy các Pods và được quản lý bởi control plane. </a:t>
-            </a:r>
-            <a:endParaRPr b="0" lang="en-US" sz="2800" spc="-1" strike="noStrike">
-              <a:solidFill>
-                <a:srgbClr val="000000"/>
-              </a:solidFill>
-              <a:latin typeface="Calibri"/>
-            </a:endParaRPr>
-          </a:p>
-          <a:p>
-            <a:pPr marL="432000" indent="-324000">
-              <a:spcBef>
-                <a:spcPts val="1417"/>
-              </a:spcBef>
-              <a:buClr>
-                <a:srgbClr val="000000"/>
-              </a:buClr>
-              <a:buSzPct val="45000"/>
-              <a:buFont typeface="Wingdings" charset="2"/>
-              <a:buChar char=""/>
-            </a:pPr>
-            <a:endParaRPr b="0" lang="en-US" sz="2800" spc="-1" strike="noStrike">
-              <a:solidFill>
-                <a:srgbClr val="000000"/>
-              </a:solidFill>
-              <a:latin typeface="Calibri"/>
-            </a:endParaRPr>
-          </a:p>
-          <a:p>
-            <a:pPr marL="432000" indent="-324000">
-              <a:spcBef>
-                <a:spcPts val="1417"/>
-              </a:spcBef>
-              <a:buClr>
-                <a:srgbClr val="000000"/>
-              </a:buClr>
-              <a:buSzPct val="45000"/>
-              <a:buFont typeface="Wingdings" charset="2"/>
-              <a:buChar char=""/>
-            </a:pPr>
-            <a:endParaRPr b="0" lang="en-US" sz="2800" spc="-1" strike="noStrike">
-              <a:solidFill>
-                <a:srgbClr val="000000"/>
-              </a:solidFill>
-              <a:latin typeface="Calibri"/>
-            </a:endParaRPr>
-          </a:p>
-          <a:p>
-            <a:pPr marL="432000" indent="-324000">
-              <a:spcBef>
-                <a:spcPts val="1417"/>
-              </a:spcBef>
-              <a:buClr>
-                <a:srgbClr val="000000"/>
-              </a:buClr>
-              <a:buSzPct val="45000"/>
-              <a:buFont typeface="Wingdings" charset="2"/>
-              <a:buChar char=""/>
-            </a:pPr>
-            <a:endParaRPr b="0" lang="en-US" sz="2800" spc="-1" strike="noStrike">
-              <a:solidFill>
-                <a:srgbClr val="000000"/>
-              </a:solidFill>
-              <a:latin typeface="Calibri"/>
-            </a:endParaRPr>
-          </a:p>
-        </p:txBody>
-      </p:sp>
-    </p:spTree>
-  </p:cSld>
-  <p:timing>
-    <p:tnLst>
-      <p:par>
-        <p:cTn id="15" dur="indefinite" restart="never" nodeType="tmRoot">
-          <p:childTnLst>
-            <p:seq>
-              <p:cTn id="16" dur="indefinite" nodeType="mainSeq"/>
-              <p:prevCondLst>
-                <p:cond delay="0" evt="onPrev">
-                  <p:tgtEl>
-                    <p:sldTgt/>
-                  </p:tgtEl>
-                </p:cond>
-              </p:prevCondLst>
-              <p:nextCondLst>
-                <p:cond delay="0" evt="onNext">
-                  <p:tgtEl>
-                    <p:sldTgt/>
-                  </p:tgtEl>
-                </p:cond>
-              </p:nextCondLst>
-            </p:seq>
-          </p:childTnLst>
-        </p:cTn>
-      </p:par>
-    </p:tnLst>
-  </p:timing>
-</p:sld>
-</file>
-
-<file path=ppt/slides/slide9.xml><?xml version="1.0" encoding="utf-8"?>
-<p:sld xmlns:a="http://schemas.openxmlformats.org/drawingml/2006/main" xmlns:p="http://schemas.openxmlformats.org/presentationml/2006/main" xmlns:r="http://schemas.openxmlformats.org/officeDocument/2006/relationships" xmlns:p14="http://schemas.microsoft.com/office/powerpoint/2010/main" xmlns:p15="http://schemas.microsoft.com/office/powerpoint/2012/main" xmlns:mc="http://schemas.openxmlformats.org/markup-compatibility/2006">
-  <p:cSld>
-    <p:spTree>
-      <p:nvGrpSpPr>
-        <p:cNvPr id="1" name=""/>
-        <p:cNvGrpSpPr/>
-        <p:nvPr/>
-      </p:nvGrpSpPr>
-      <p:grpSpPr>
-        <a:xfrm>
-          <a:off x="0" y="0"/>
-          <a:ext cx="0" cy="0"/>
-          <a:chOff x="0" y="0"/>
-          <a:chExt cx="0" cy="0"/>
-        </a:xfrm>
-      </p:grpSpPr>
-      <p:sp>
-        <p:nvSpPr>
-          <p:cNvPr id="101" name="TextShape 1"/>
-          <p:cNvSpPr txBox="1"/>
-          <p:nvPr/>
-        </p:nvSpPr>
-        <p:spPr>
-          <a:xfrm>
-            <a:off x="838080" y="365040"/>
-            <a:ext cx="10515240" cy="1325160"/>
-          </a:xfrm>
-          <a:prstGeom prst="rect">
-            <a:avLst/>
-          </a:prstGeom>
-          <a:noFill/>
-          <a:ln>
-            <a:noFill/>
-          </a:ln>
-        </p:spPr>
-        <p:txBody>
-          <a:bodyPr anchor="ctr"/>
-          <a:p>
-            <a:pPr>
-              <a:lnSpc>
-                <a:spcPct val="90000"/>
-              </a:lnSpc>
-            </a:pPr>
-            <a:r>
-              <a:rPr b="0" lang="en-US" sz="4400" spc="-1" strike="noStrike">
-                <a:solidFill>
-                  <a:srgbClr val="000000"/>
-                </a:solidFill>
-                <a:latin typeface="Calibri Light"/>
-              </a:rPr>
-              <a:t>3.3 Service </a:t>
-            </a:r>
-            <a:endParaRPr b="0" lang="en-US" sz="4400" spc="-1" strike="noStrike">
-              <a:solidFill>
-                <a:srgbClr val="000000"/>
-              </a:solidFill>
-              <a:latin typeface="Calibri"/>
-            </a:endParaRPr>
-          </a:p>
-        </p:txBody>
-      </p:sp>
-      <p:pic>
-        <p:nvPicPr>
-          <p:cNvPr id="102" name="Content Placeholder 3" descr=""/>
-          <p:cNvPicPr/>
-          <p:nvPr/>
-        </p:nvPicPr>
-        <p:blipFill>
-          <a:blip r:embed="rId1"/>
-          <a:stretch/>
-        </p:blipFill>
-        <p:spPr>
-          <a:xfrm>
-            <a:off x="5669280" y="1463040"/>
-            <a:ext cx="5871960" cy="4350960"/>
-          </a:xfrm>
-          <a:prstGeom prst="rect">
-            <a:avLst/>
-          </a:prstGeom>
-          <a:ln>
-            <a:noFill/>
-          </a:ln>
-        </p:spPr>
-      </p:pic>
-      <p:sp>
-        <p:nvSpPr>
-          <p:cNvPr id="103" name="TextShape 2"/>
-          <p:cNvSpPr txBox="1"/>
-          <p:nvPr/>
-        </p:nvSpPr>
-        <p:spPr>
-          <a:xfrm>
-            <a:off x="274320" y="1825560"/>
-            <a:ext cx="5212080" cy="4350960"/>
-          </a:xfrm>
-          <a:prstGeom prst="rect">
-            <a:avLst/>
-          </a:prstGeom>
-          <a:noFill/>
-          <a:ln>
-            <a:noFill/>
-          </a:ln>
-        </p:spPr>
-        <p:txBody>
-          <a:bodyPr/>
-          <a:p>
-            <a:pPr marL="432000" indent="-324000">
-              <a:spcBef>
-                <a:spcPts val="1417"/>
-              </a:spcBef>
-              <a:buClr>
-                <a:srgbClr val="000000"/>
-              </a:buClr>
-              <a:buSzPct val="45000"/>
-              <a:buFont typeface="Wingdings" charset="2"/>
-              <a:buChar char=""/>
-            </a:pPr>
-            <a:r>
-              <a:rPr b="0" lang="en-US" sz="2800" spc="-1" strike="noStrike">
-                <a:solidFill>
-                  <a:srgbClr val="000000"/>
-                </a:solidFill>
-                <a:latin typeface="Calibri"/>
-              </a:rPr>
-              <a:t>Một tập các Pods được một Service nhắm đến (thường) được xác định với một selector. </a:t>
-            </a:r>
-            <a:endParaRPr b="0" lang="en-US" sz="2800" spc="-1" strike="noStrike">
-              <a:solidFill>
-                <a:srgbClr val="000000"/>
-              </a:solidFill>
-              <a:latin typeface="Calibri"/>
-            </a:endParaRPr>
-          </a:p>
-          <a:p>
-            <a:pPr marL="432000" indent="-324000">
-              <a:spcBef>
-                <a:spcPts val="1417"/>
-              </a:spcBef>
-              <a:buClr>
-                <a:srgbClr val="000000"/>
-              </a:buClr>
-              <a:buSzPct val="45000"/>
-              <a:buFont typeface="Wingdings" charset="2"/>
-              <a:buChar char=""/>
-            </a:pPr>
-            <a:r>
-              <a:rPr b="0" lang="en-US" sz="2800" spc="-1" strike="noStrike">
-                <a:solidFill>
-                  <a:srgbClr val="000000"/>
-                </a:solidFill>
-                <a:latin typeface="Calibri"/>
-              </a:rPr>
-              <a:t>Nếu có nhiều Pods được thêm vào hay xóa đi, tập những Pods hợp với selector sẽ thay đổi. Service đảm bảo network traffic có thể đến tới tập những Pods để giải quyết công việc. </a:t>
-            </a:r>
-            <a:endParaRPr b="0" lang="en-US" sz="2800" spc="-1" strike="noStrike">
-              <a:solidFill>
-                <a:srgbClr val="000000"/>
-              </a:solidFill>
-              <a:latin typeface="Calibri"/>
-            </a:endParaRPr>
-          </a:p>
-          <a:p>
-            <a:pPr marL="432000" indent="-324000">
-              <a:spcBef>
-                <a:spcPts val="1417"/>
-              </a:spcBef>
-              <a:buClr>
-                <a:srgbClr val="000000"/>
-              </a:buClr>
-              <a:buSzPct val="45000"/>
-              <a:buFont typeface="Wingdings" charset="2"/>
-              <a:buChar char=""/>
-            </a:pPr>
-            <a:endParaRPr b="0" lang="en-US" sz="2800" spc="-1" strike="noStrike">
-              <a:solidFill>
-                <a:srgbClr val="000000"/>
-              </a:solidFill>
-              <a:latin typeface="Calibri"/>
-            </a:endParaRPr>
-          </a:p>
-          <a:p>
-            <a:pPr marL="432000" indent="-324000">
-              <a:spcBef>
-                <a:spcPts val="1417"/>
-              </a:spcBef>
-              <a:buClr>
-                <a:srgbClr val="000000"/>
-              </a:buClr>
-              <a:buSzPct val="45000"/>
-              <a:buFont typeface="Wingdings" charset="2"/>
-              <a:buChar char=""/>
-            </a:pPr>
-            <a:endParaRPr b="0" lang="en-US" sz="2800" spc="-1" strike="noStrike">
-              <a:solidFill>
-                <a:srgbClr val="000000"/>
-              </a:solidFill>
-              <a:latin typeface="Calibri"/>
-            </a:endParaRPr>
-          </a:p>
-          <a:p>
-            <a:pPr marL="432000" indent="-324000">
-              <a:spcBef>
-                <a:spcPts val="1417"/>
-              </a:spcBef>
-              <a:buClr>
-                <a:srgbClr val="000000"/>
-              </a:buClr>
-              <a:buSzPct val="45000"/>
-              <a:buFont typeface="Wingdings" charset="2"/>
-              <a:buChar char=""/>
-            </a:pPr>
-            <a:endParaRPr b="0" lang="en-US" sz="2800" spc="-1" strike="noStrike">
-              <a:solidFill>
-                <a:srgbClr val="000000"/>
-              </a:solidFill>
-              <a:latin typeface="Calibri"/>
-            </a:endParaRPr>
-          </a:p>
-        </p:txBody>
-      </p:sp>
-    </p:spTree>
-  </p:cSld>
-  <p:timing>
-    <p:tnLst>
-      <p:par>
-        <p:cTn id="17" dur="indefinite" restart="never" nodeType="tmRoot">
-          <p:childTnLst>
-            <p:seq>
-              <p:cTn id="18" dur="indefinite" nodeType="mainSeq"/>
-              <p:prevCondLst>
-                <p:cond delay="0" evt="onPrev">
-                  <p:tgtEl>
-                    <p:sldTgt/>
-                  </p:tgtEl>
-                </p:cond>
-              </p:prevCondLst>
-              <p:nextCondLst>
-                <p:cond delay="0" evt="onNext">
+                <p:cond evt="onNext" delay="0">
                   <p:tgtEl>
                     <p:sldTgt/>
                   </p:tgtEl>
@@ -6231,34 +10686,34 @@
         <a:sysClr val="window" lastClr="FFFFFF"/>
       </a:lt1>
       <a:dk2>
-        <a:srgbClr val="44546a"/>
+        <a:srgbClr val="44546A"/>
       </a:dk2>
       <a:lt2>
-        <a:srgbClr val="e7e6e6"/>
+        <a:srgbClr val="E7E6E6"/>
       </a:lt2>
       <a:accent1>
-        <a:srgbClr val="5b9bd5"/>
+        <a:srgbClr val="5B9BD5"/>
       </a:accent1>
       <a:accent2>
-        <a:srgbClr val="ed7d31"/>
+        <a:srgbClr val="ED7D31"/>
       </a:accent2>
       <a:accent3>
-        <a:srgbClr val="a5a5a5"/>
+        <a:srgbClr val="A5A5A5"/>
       </a:accent3>
       <a:accent4>
-        <a:srgbClr val="ffc000"/>
+        <a:srgbClr val="FFC000"/>
       </a:accent4>
       <a:accent5>
-        <a:srgbClr val="4472c4"/>
+        <a:srgbClr val="4472C4"/>
       </a:accent5>
       <a:accent6>
-        <a:srgbClr val="70ad47"/>
+        <a:srgbClr val="70AD47"/>
       </a:accent6>
       <a:hlink>
-        <a:srgbClr val="0563c1"/>
+        <a:srgbClr val="0563C1"/>
       </a:hlink>
       <a:folHlink>
-        <a:srgbClr val="954f72"/>
+        <a:srgbClr val="954F72"/>
       </a:folHlink>
     </a:clrScheme>
     <a:fontScheme name="Office">
@@ -6440,6 +10895,8 @@
       </a:bgFillStyleLst>
     </a:fmtScheme>
   </a:themeElements>
+  <a:objectDefaults/>
+  <a:extraClrSchemeLst/>
 </a:theme>
 </file>
 
@@ -6454,34 +10911,34 @@
         <a:sysClr val="window" lastClr="FFFFFF"/>
       </a:lt1>
       <a:dk2>
-        <a:srgbClr val="44546a"/>
+        <a:srgbClr val="44546A"/>
       </a:dk2>
       <a:lt2>
-        <a:srgbClr val="e7e6e6"/>
+        <a:srgbClr val="E7E6E6"/>
       </a:lt2>
       <a:accent1>
-        <a:srgbClr val="5b9bd5"/>
+        <a:srgbClr val="5B9BD5"/>
       </a:accent1>
       <a:accent2>
-        <a:srgbClr val="ed7d31"/>
+        <a:srgbClr val="ED7D31"/>
       </a:accent2>
       <a:accent3>
-        <a:srgbClr val="a5a5a5"/>
+        <a:srgbClr val="A5A5A5"/>
       </a:accent3>
       <a:accent4>
-        <a:srgbClr val="ffc000"/>
+        <a:srgbClr val="FFC000"/>
       </a:accent4>
       <a:accent5>
-        <a:srgbClr val="4472c4"/>
+        <a:srgbClr val="4472C4"/>
       </a:accent5>
       <a:accent6>
-        <a:srgbClr val="70ad47"/>
+        <a:srgbClr val="70AD47"/>
       </a:accent6>
       <a:hlink>
-        <a:srgbClr val="0563c1"/>
+        <a:srgbClr val="0563C1"/>
       </a:hlink>
       <a:folHlink>
-        <a:srgbClr val="954f72"/>
+        <a:srgbClr val="954F72"/>
       </a:folHlink>
     </a:clrScheme>
     <a:fontScheme name="Office">
@@ -6663,5 +11120,7 @@
       </a:bgFillStyleLst>
     </a:fmtScheme>
   </a:themeElements>
+  <a:objectDefaults/>
+  <a:extraClrSchemeLst/>
 </a:theme>
 </file>